--- a/Recap.pptx
+++ b/Recap.pptx
@@ -34,14 +34,17 @@
     <p:sldId id="271" r:id="rId28"/>
     <p:sldId id="272" r:id="rId29"/>
     <p:sldId id="283" r:id="rId30"/>
-    <p:sldId id="273" r:id="rId31"/>
-    <p:sldId id="274" r:id="rId32"/>
-    <p:sldId id="293" r:id="rId33"/>
-    <p:sldId id="294" r:id="rId34"/>
-    <p:sldId id="290" r:id="rId35"/>
-    <p:sldId id="275" r:id="rId36"/>
-    <p:sldId id="265" r:id="rId37"/>
-    <p:sldId id="266" r:id="rId38"/>
+    <p:sldId id="295" r:id="rId31"/>
+    <p:sldId id="273" r:id="rId32"/>
+    <p:sldId id="274" r:id="rId33"/>
+    <p:sldId id="293" r:id="rId34"/>
+    <p:sldId id="294" r:id="rId35"/>
+    <p:sldId id="290" r:id="rId36"/>
+    <p:sldId id="275" r:id="rId37"/>
+    <p:sldId id="265" r:id="rId38"/>
+    <p:sldId id="296" r:id="rId39"/>
+    <p:sldId id="266" r:id="rId40"/>
+    <p:sldId id="297" r:id="rId41"/>
   </p:sldIdLst>
   <p:sldSz cx="12192000" cy="6858000"/>
   <p:notesSz cx="6858000" cy="9144000"/>
@@ -196,6 +199,11 @@
             <p14:sldId id="283"/>
           </p14:sldIdLst>
         </p14:section>
+        <p14:section name="Week 8" id="{927E4A6E-13AD-4A27-9FF5-57F015E3C6A4}">
+          <p14:sldIdLst>
+            <p14:sldId id="295"/>
+          </p14:sldIdLst>
+        </p14:section>
         <p14:section name="Week 9" id="{C394EE0D-37EE-49DE-8307-F614D3D47E23}">
           <p14:sldIdLst>
             <p14:sldId id="273"/>
@@ -217,7 +225,13 @@
         <p14:section name="Week 13" id="{3746DD47-8D04-4C8A-885A-B1E64472A159}">
           <p14:sldIdLst>
             <p14:sldId id="265"/>
+            <p14:sldId id="296"/>
             <p14:sldId id="266"/>
+          </p14:sldIdLst>
+        </p14:section>
+        <p14:section name="Week 14" id="{72D42D61-2F76-48E6-B336-7DC4DC21FCD4}">
+          <p14:sldIdLst>
+            <p14:sldId id="297"/>
           </p14:sldIdLst>
         </p14:section>
       </p14:sectionLst>
@@ -376,7 +390,7 @@
           <a:p>
             <a:fld id="{12267DCD-1350-4B3A-8A04-7434B4EEA719}" type="datetimeFigureOut">
               <a:rPr lang="it-IT" smtClean="0"/>
-              <a:t>10/01/2022</a:t>
+              <a:t>11/01/2022</a:t>
             </a:fld>
             <a:endParaRPr lang="it-IT"/>
           </a:p>
@@ -574,7 +588,7 @@
           <a:p>
             <a:fld id="{12267DCD-1350-4B3A-8A04-7434B4EEA719}" type="datetimeFigureOut">
               <a:rPr lang="it-IT" smtClean="0"/>
-              <a:t>10/01/2022</a:t>
+              <a:t>11/01/2022</a:t>
             </a:fld>
             <a:endParaRPr lang="it-IT"/>
           </a:p>
@@ -782,7 +796,7 @@
           <a:p>
             <a:fld id="{12267DCD-1350-4B3A-8A04-7434B4EEA719}" type="datetimeFigureOut">
               <a:rPr lang="it-IT" smtClean="0"/>
-              <a:t>10/01/2022</a:t>
+              <a:t>11/01/2022</a:t>
             </a:fld>
             <a:endParaRPr lang="it-IT"/>
           </a:p>
@@ -980,7 +994,7 @@
           <a:p>
             <a:fld id="{12267DCD-1350-4B3A-8A04-7434B4EEA719}" type="datetimeFigureOut">
               <a:rPr lang="it-IT" smtClean="0"/>
-              <a:t>10/01/2022</a:t>
+              <a:t>11/01/2022</a:t>
             </a:fld>
             <a:endParaRPr lang="it-IT"/>
           </a:p>
@@ -1255,7 +1269,7 @@
           <a:p>
             <a:fld id="{12267DCD-1350-4B3A-8A04-7434B4EEA719}" type="datetimeFigureOut">
               <a:rPr lang="it-IT" smtClean="0"/>
-              <a:t>10/01/2022</a:t>
+              <a:t>11/01/2022</a:t>
             </a:fld>
             <a:endParaRPr lang="it-IT"/>
           </a:p>
@@ -1520,7 +1534,7 @@
           <a:p>
             <a:fld id="{12267DCD-1350-4B3A-8A04-7434B4EEA719}" type="datetimeFigureOut">
               <a:rPr lang="it-IT" smtClean="0"/>
-              <a:t>10/01/2022</a:t>
+              <a:t>11/01/2022</a:t>
             </a:fld>
             <a:endParaRPr lang="it-IT"/>
           </a:p>
@@ -1932,7 +1946,7 @@
           <a:p>
             <a:fld id="{12267DCD-1350-4B3A-8A04-7434B4EEA719}" type="datetimeFigureOut">
               <a:rPr lang="it-IT" smtClean="0"/>
-              <a:t>10/01/2022</a:t>
+              <a:t>11/01/2022</a:t>
             </a:fld>
             <a:endParaRPr lang="it-IT"/>
           </a:p>
@@ -2073,7 +2087,7 @@
           <a:p>
             <a:fld id="{12267DCD-1350-4B3A-8A04-7434B4EEA719}" type="datetimeFigureOut">
               <a:rPr lang="it-IT" smtClean="0"/>
-              <a:t>10/01/2022</a:t>
+              <a:t>11/01/2022</a:t>
             </a:fld>
             <a:endParaRPr lang="it-IT"/>
           </a:p>
@@ -2186,7 +2200,7 @@
           <a:p>
             <a:fld id="{12267DCD-1350-4B3A-8A04-7434B4EEA719}" type="datetimeFigureOut">
               <a:rPr lang="it-IT" smtClean="0"/>
-              <a:t>10/01/2022</a:t>
+              <a:t>11/01/2022</a:t>
             </a:fld>
             <a:endParaRPr lang="it-IT"/>
           </a:p>
@@ -2497,7 +2511,7 @@
           <a:p>
             <a:fld id="{12267DCD-1350-4B3A-8A04-7434B4EEA719}" type="datetimeFigureOut">
               <a:rPr lang="it-IT" smtClean="0"/>
-              <a:t>10/01/2022</a:t>
+              <a:t>11/01/2022</a:t>
             </a:fld>
             <a:endParaRPr lang="it-IT"/>
           </a:p>
@@ -2785,7 +2799,7 @@
           <a:p>
             <a:fld id="{12267DCD-1350-4B3A-8A04-7434B4EEA719}" type="datetimeFigureOut">
               <a:rPr lang="it-IT" smtClean="0"/>
-              <a:t>10/01/2022</a:t>
+              <a:t>11/01/2022</a:t>
             </a:fld>
             <a:endParaRPr lang="it-IT"/>
           </a:p>
@@ -3026,7 +3040,7 @@
           <a:p>
             <a:fld id="{12267DCD-1350-4B3A-8A04-7434B4EEA719}" type="datetimeFigureOut">
               <a:rPr lang="it-IT" smtClean="0"/>
-              <a:t>10/01/2022</a:t>
+              <a:t>11/01/2022</a:t>
             </a:fld>
             <a:endParaRPr lang="it-IT"/>
           </a:p>
@@ -17552,6 +17566,14 @@
 <file path=ppt/slides/slide30.xml><?xml version="1.0" encoding="utf-8"?>
 <p:sld xmlns:a="http://schemas.openxmlformats.org/drawingml/2006/main" xmlns:r="http://schemas.openxmlformats.org/officeDocument/2006/relationships" xmlns:p="http://schemas.openxmlformats.org/presentationml/2006/main">
   <p:cSld>
+    <p:bg>
+      <p:bgPr>
+        <a:solidFill>
+          <a:schemeClr val="accent4"/>
+        </a:solidFill>
+        <a:effectLst/>
+      </p:bgPr>
+    </p:bg>
     <p:spTree>
       <p:nvGrpSpPr>
         <p:cNvPr id="1" name=""/>
@@ -17593,13 +17615,8 @@
             </a:r>
             <a:r>
               <a:rPr lang="it-IT" dirty="0"/>
-              <a:t> 9: Kingdom </a:t>
-            </a:r>
-            <a:r>
-              <a:rPr lang="it-IT" dirty="0" err="1"/>
-              <a:t>Defence</a:t>
-            </a:r>
-            <a:endParaRPr lang="it-IT" dirty="0"/>
+              <a:t> 8: Suez</a:t>
+            </a:r>
           </a:p>
         </p:txBody>
       </p:sp>
@@ -17619,10 +17636,15 @@
             <p:ph idx="1"/>
           </p:nvPr>
         </p:nvSpPr>
-        <p:spPr/>
+        <p:spPr>
+          <a:xfrm>
+            <a:off x="838200" y="1825625"/>
+            <a:ext cx="10515600" cy="4667250"/>
+          </a:xfrm>
+        </p:spPr>
         <p:txBody>
           <a:bodyPr>
-            <a:normAutofit fontScale="85000" lnSpcReduction="20000"/>
+            <a:normAutofit fontScale="62500" lnSpcReduction="20000"/>
           </a:bodyPr>
           <a:lstStyle/>
           <a:p>
@@ -17646,83 +17668,115 @@
             </a:pPr>
             <a:r>
               <a:rPr lang="it-IT" dirty="0" err="1"/>
-              <a:t>Circulation</a:t>
-            </a:r>
-            <a:r>
-              <a:rPr lang="it-IT" dirty="0"/>
-              <a:t> </a:t>
-            </a:r>
-            <a:r>
-              <a:rPr lang="it-IT" dirty="0" err="1"/>
-              <a:t>problem</a:t>
-            </a:r>
-            <a:r>
-              <a:rPr lang="it-IT" dirty="0"/>
-              <a:t> with minimum </a:t>
-            </a:r>
-            <a:r>
-              <a:rPr lang="it-IT" dirty="0" err="1"/>
-              <a:t>capacity</a:t>
-            </a:r>
-            <a:r>
-              <a:rPr lang="it-IT" dirty="0"/>
-              <a:t> </a:t>
-            </a:r>
-            <a:r>
-              <a:rPr lang="it-IT" dirty="0" err="1"/>
-              <a:t>constraint</a:t>
-            </a:r>
-            <a:r>
-              <a:rPr lang="it-IT" dirty="0"/>
-              <a:t>, just like the one on the tutorial slides. </a:t>
-            </a:r>
-            <a:r>
-              <a:rPr lang="it-IT" dirty="0" err="1"/>
-              <a:t>Each</a:t>
-            </a:r>
-            <a:r>
-              <a:rPr lang="it-IT" dirty="0"/>
-              <a:t> </a:t>
-            </a:r>
-            <a:r>
-              <a:rPr lang="it-IT" dirty="0" err="1"/>
-              <a:t>node</a:t>
-            </a:r>
-            <a:r>
-              <a:rPr lang="it-IT" dirty="0"/>
-              <a:t> </a:t>
-            </a:r>
-            <a:r>
-              <a:rPr lang="it-IT" dirty="0" err="1"/>
-              <a:t>has</a:t>
-            </a:r>
-            <a:r>
-              <a:rPr lang="it-IT" dirty="0"/>
-              <a:t> a </a:t>
-            </a:r>
-            <a:r>
-              <a:rPr lang="it-IT" dirty="0" err="1"/>
-              <a:t>current</a:t>
-            </a:r>
-            <a:r>
-              <a:rPr lang="it-IT" dirty="0"/>
-              <a:t> </a:t>
-            </a:r>
-            <a:r>
-              <a:rPr lang="it-IT" dirty="0" err="1"/>
-              <a:t>amount</a:t>
-            </a:r>
-            <a:r>
-              <a:rPr lang="it-IT" dirty="0"/>
-              <a:t> and a </a:t>
-            </a:r>
-            <a:r>
-              <a:rPr lang="it-IT" dirty="0" err="1"/>
-              <a:t>needed</a:t>
-            </a:r>
-            <a:r>
-              <a:rPr lang="it-IT" dirty="0"/>
-              <a:t> one.</a:t>
+              <a:t>Given</a:t>
+            </a:r>
+            <a:r>
+              <a:rPr lang="it-IT" dirty="0"/>
+              <a:t> a set of </a:t>
+            </a:r>
+            <a:r>
+              <a:rPr lang="it-IT" dirty="0" err="1"/>
+              <a:t>rectangles</a:t>
+            </a:r>
+            <a:r>
+              <a:rPr lang="it-IT" dirty="0"/>
+              <a:t> (h*w) and </a:t>
+            </a:r>
+            <a:r>
+              <a:rPr lang="it-IT" dirty="0" err="1"/>
+              <a:t>their</a:t>
+            </a:r>
+            <a:r>
+              <a:rPr lang="it-IT" dirty="0"/>
+              <a:t> center points, </a:t>
+            </a:r>
+            <a:r>
+              <a:rPr lang="it-IT" dirty="0" err="1"/>
+              <a:t>add</a:t>
+            </a:r>
+            <a:r>
+              <a:rPr lang="it-IT" dirty="0"/>
+              <a:t> </a:t>
+            </a:r>
+            <a:r>
+              <a:rPr lang="it-IT" dirty="0" err="1"/>
+              <a:t>scaled</a:t>
+            </a:r>
+            <a:r>
+              <a:rPr lang="it-IT" dirty="0"/>
+              <a:t>(ah*</a:t>
+            </a:r>
+            <a:r>
+              <a:rPr lang="it-IT" dirty="0" err="1"/>
+              <a:t>aw</a:t>
+            </a:r>
+            <a:r>
+              <a:rPr lang="it-IT" dirty="0"/>
+              <a:t>) </a:t>
+            </a:r>
+            <a:r>
+              <a:rPr lang="it-IT" dirty="0" err="1"/>
+              <a:t>rectangles</a:t>
+            </a:r>
+            <a:r>
+              <a:rPr lang="it-IT" dirty="0"/>
+              <a:t> to </a:t>
+            </a:r>
+            <a:r>
+              <a:rPr lang="it-IT" dirty="0" err="1"/>
+              <a:t>available</a:t>
+            </a:r>
+            <a:r>
+              <a:rPr lang="it-IT" dirty="0"/>
+              <a:t> free center points so </a:t>
+            </a:r>
+            <a:r>
+              <a:rPr lang="it-IT" dirty="0" err="1"/>
+              <a:t>they</a:t>
+            </a:r>
+            <a:r>
+              <a:rPr lang="it-IT" dirty="0"/>
+              <a:t> </a:t>
+            </a:r>
+            <a:r>
+              <a:rPr lang="it-IT" dirty="0" err="1"/>
+              <a:t>don’t</a:t>
+            </a:r>
+            <a:r>
+              <a:rPr lang="it-IT" dirty="0"/>
+              <a:t> </a:t>
+            </a:r>
+            <a:r>
+              <a:rPr lang="it-IT" dirty="0" err="1"/>
+              <a:t>overlap</a:t>
+            </a:r>
+            <a:r>
+              <a:rPr lang="it-IT" dirty="0"/>
+              <a:t>. </a:t>
+            </a:r>
+            <a:r>
+              <a:rPr lang="it-IT" dirty="0" err="1"/>
+              <a:t>Maximize</a:t>
+            </a:r>
+            <a:r>
+              <a:rPr lang="it-IT" dirty="0"/>
+              <a:t> </a:t>
+            </a:r>
+            <a:r>
+              <a:rPr lang="it-IT" dirty="0" err="1"/>
+              <a:t>their</a:t>
+            </a:r>
+            <a:r>
+              <a:rPr lang="it-IT" dirty="0"/>
+              <a:t> sum of </a:t>
+            </a:r>
+            <a:r>
+              <a:rPr lang="it-IT" dirty="0" err="1"/>
+              <a:t>perimeters</a:t>
+            </a:r>
+            <a:r>
+              <a:rPr lang="it-IT" dirty="0"/>
+              <a:t>.</a:t>
             </a:r>
           </a:p>
           <a:p>
@@ -17736,164 +17790,48 @@
               <a:buNone/>
             </a:pPr>
             <a:r>
-              <a:rPr lang="it-IT" dirty="0"/>
-              <a:t>To model a minimum </a:t>
-            </a:r>
-            <a:r>
-              <a:rPr lang="it-IT" dirty="0" err="1"/>
-              <a:t>edge</a:t>
-            </a:r>
-            <a:r>
-              <a:rPr lang="it-IT" dirty="0"/>
-              <a:t> </a:t>
-            </a:r>
-            <a:r>
-              <a:rPr lang="it-IT" dirty="0" err="1"/>
-              <a:t>constraint</a:t>
-            </a:r>
-            <a:r>
-              <a:rPr lang="it-IT" dirty="0"/>
-              <a:t>, </a:t>
-            </a:r>
-            <a:r>
-              <a:rPr lang="it-IT" dirty="0" err="1"/>
-              <a:t>modify</a:t>
-            </a:r>
-            <a:r>
-              <a:rPr lang="it-IT" dirty="0"/>
-              <a:t> the </a:t>
-            </a:r>
-            <a:r>
-              <a:rPr lang="it-IT" dirty="0" err="1"/>
-              <a:t>capacity</a:t>
-            </a:r>
-            <a:r>
-              <a:rPr lang="it-IT" dirty="0"/>
-              <a:t> of </a:t>
-            </a:r>
-            <a:r>
-              <a:rPr lang="it-IT" dirty="0" err="1"/>
-              <a:t>that</a:t>
-            </a:r>
-            <a:r>
-              <a:rPr lang="it-IT" dirty="0"/>
-              <a:t> </a:t>
-            </a:r>
-            <a:r>
-              <a:rPr lang="it-IT" dirty="0" err="1"/>
-              <a:t>edge</a:t>
-            </a:r>
-            <a:r>
-              <a:rPr lang="it-IT" dirty="0"/>
-              <a:t> to Cmax – </a:t>
-            </a:r>
-            <a:r>
-              <a:rPr lang="it-IT" dirty="0" err="1"/>
-              <a:t>Cmin</a:t>
-            </a:r>
-            <a:r>
-              <a:rPr lang="it-IT" dirty="0"/>
-              <a:t>, </a:t>
-            </a:r>
-            <a:r>
-              <a:rPr lang="it-IT" dirty="0" err="1"/>
-              <a:t>increase</a:t>
-            </a:r>
-            <a:r>
-              <a:rPr lang="it-IT" dirty="0"/>
-              <a:t> the demand of the source </a:t>
-            </a:r>
-            <a:r>
-              <a:rPr lang="it-IT" dirty="0" err="1"/>
-              <a:t>node</a:t>
-            </a:r>
-            <a:r>
-              <a:rPr lang="it-IT" dirty="0"/>
-              <a:t> of </a:t>
-            </a:r>
-            <a:r>
-              <a:rPr lang="it-IT" dirty="0" err="1"/>
-              <a:t>that</a:t>
-            </a:r>
-            <a:r>
-              <a:rPr lang="it-IT" dirty="0"/>
-              <a:t> </a:t>
-            </a:r>
-            <a:r>
-              <a:rPr lang="it-IT" dirty="0" err="1"/>
-              <a:t>edge</a:t>
-            </a:r>
-            <a:r>
-              <a:rPr lang="it-IT" dirty="0"/>
-              <a:t> by </a:t>
-            </a:r>
-            <a:r>
-              <a:rPr lang="it-IT" dirty="0" err="1"/>
-              <a:t>Cmin</a:t>
-            </a:r>
-            <a:r>
-              <a:rPr lang="it-IT" dirty="0"/>
-              <a:t> </a:t>
-            </a:r>
-            <a:r>
-              <a:rPr lang="it-IT" dirty="0" err="1"/>
-              <a:t>while</a:t>
-            </a:r>
-            <a:r>
-              <a:rPr lang="it-IT" dirty="0"/>
-              <a:t> </a:t>
-            </a:r>
-            <a:r>
-              <a:rPr lang="it-IT" dirty="0" err="1"/>
-              <a:t>decreasing</a:t>
-            </a:r>
-            <a:r>
-              <a:rPr lang="it-IT" dirty="0"/>
-              <a:t> the demand of the target </a:t>
-            </a:r>
-            <a:r>
-              <a:rPr lang="it-IT" dirty="0" err="1"/>
-              <a:t>node</a:t>
-            </a:r>
-            <a:r>
-              <a:rPr lang="it-IT" dirty="0"/>
-              <a:t> of </a:t>
-            </a:r>
-            <a:r>
-              <a:rPr lang="it-IT" dirty="0" err="1"/>
-              <a:t>that</a:t>
-            </a:r>
-            <a:r>
-              <a:rPr lang="it-IT" dirty="0"/>
-              <a:t> </a:t>
-            </a:r>
-            <a:r>
-              <a:rPr lang="it-IT" dirty="0" err="1"/>
-              <a:t>edge</a:t>
-            </a:r>
-            <a:r>
-              <a:rPr lang="it-IT" dirty="0"/>
-              <a:t> by the </a:t>
-            </a:r>
-            <a:r>
-              <a:rPr lang="it-IT" dirty="0" err="1"/>
-              <a:t>same</a:t>
-            </a:r>
-            <a:r>
-              <a:rPr lang="it-IT" dirty="0"/>
-              <a:t> </a:t>
-            </a:r>
-            <a:r>
-              <a:rPr lang="it-IT" dirty="0" err="1"/>
-              <a:t>amount</a:t>
-            </a:r>
-            <a:r>
-              <a:rPr lang="it-IT" dirty="0"/>
-              <a:t> </a:t>
-            </a:r>
-            <a:r>
-              <a:rPr lang="it-IT" dirty="0" err="1"/>
-              <a:t>Cmin</a:t>
+              <a:rPr lang="it-IT" dirty="0" err="1"/>
+              <a:t>Given</a:t>
+            </a:r>
+            <a:r>
+              <a:rPr lang="it-IT" dirty="0"/>
+              <a:t> the input size and the </a:t>
+            </a:r>
+            <a:r>
+              <a:rPr lang="it-IT" dirty="0" err="1"/>
+              <a:t>problem</a:t>
+            </a:r>
+            <a:r>
+              <a:rPr lang="it-IT" dirty="0"/>
+              <a:t> </a:t>
+            </a:r>
+            <a:r>
+              <a:rPr lang="it-IT" dirty="0" err="1"/>
+              <a:t>description</a:t>
+            </a:r>
+            <a:r>
+              <a:rPr lang="it-IT" dirty="0"/>
+              <a:t>, LP </a:t>
+            </a:r>
+            <a:r>
+              <a:rPr lang="it-IT" dirty="0" err="1"/>
+              <a:t>is</a:t>
+            </a:r>
+            <a:r>
+              <a:rPr lang="it-IT" dirty="0"/>
+              <a:t> the best way to solve </a:t>
+            </a:r>
+            <a:r>
+              <a:rPr lang="it-IT" dirty="0" err="1"/>
+              <a:t>this</a:t>
+            </a:r>
+            <a:r>
+              <a:rPr lang="it-IT" dirty="0"/>
+              <a:t> </a:t>
+            </a:r>
+            <a:r>
+              <a:rPr lang="it-IT" dirty="0" err="1"/>
+              <a:t>problem</a:t>
             </a:r>
             <a:r>
               <a:rPr lang="it-IT" dirty="0"/>
@@ -17905,100 +17843,104 @@
               <a:buNone/>
             </a:pPr>
             <a:r>
-              <a:rPr lang="it-IT" dirty="0" err="1"/>
-              <a:t>Circulation</a:t>
-            </a:r>
-            <a:r>
-              <a:rPr lang="it-IT" dirty="0"/>
-              <a:t> </a:t>
-            </a:r>
-            <a:r>
-              <a:rPr lang="it-IT" dirty="0" err="1"/>
-              <a:t>problem</a:t>
-            </a:r>
-            <a:r>
-              <a:rPr lang="it-IT" dirty="0"/>
-              <a:t>: </a:t>
-            </a:r>
-            <a:r>
-              <a:rPr lang="it-IT" dirty="0" err="1"/>
-              <a:t>calculate</a:t>
-            </a:r>
-            <a:r>
-              <a:rPr lang="it-IT" dirty="0"/>
-              <a:t> for </a:t>
-            </a:r>
-            <a:r>
-              <a:rPr lang="it-IT" dirty="0" err="1"/>
-              <a:t>each</a:t>
-            </a:r>
-            <a:r>
-              <a:rPr lang="it-IT" dirty="0"/>
-              <a:t> </a:t>
-            </a:r>
-            <a:r>
-              <a:rPr lang="it-IT" dirty="0" err="1"/>
-              <a:t>node</a:t>
-            </a:r>
-            <a:r>
-              <a:rPr lang="it-IT" dirty="0"/>
-              <a:t> the </a:t>
-            </a:r>
-            <a:r>
-              <a:rPr lang="it-IT" dirty="0" err="1"/>
-              <a:t>difference</a:t>
-            </a:r>
-            <a:r>
-              <a:rPr lang="it-IT" dirty="0"/>
-              <a:t> </a:t>
-            </a:r>
-            <a:r>
-              <a:rPr lang="it-IT" dirty="0" err="1"/>
-              <a:t>between</a:t>
-            </a:r>
-            <a:r>
-              <a:rPr lang="it-IT" dirty="0"/>
-              <a:t> the </a:t>
-            </a:r>
-            <a:r>
-              <a:rPr lang="it-IT" dirty="0" err="1"/>
-              <a:t>needed</a:t>
-            </a:r>
-            <a:r>
-              <a:rPr lang="it-IT" dirty="0"/>
-              <a:t> </a:t>
-            </a:r>
-            <a:r>
-              <a:rPr lang="it-IT" dirty="0" err="1"/>
-              <a:t>amount</a:t>
-            </a:r>
-            <a:r>
-              <a:rPr lang="it-IT" dirty="0"/>
-              <a:t> and the </a:t>
-            </a:r>
-            <a:r>
-              <a:rPr lang="it-IT" dirty="0" err="1"/>
-              <a:t>current</a:t>
-            </a:r>
-            <a:r>
-              <a:rPr lang="it-IT" dirty="0"/>
-              <a:t> one. </a:t>
-            </a:r>
-            <a:r>
-              <a:rPr lang="it-IT" dirty="0" err="1"/>
-              <a:t>If</a:t>
-            </a:r>
-            <a:r>
-              <a:rPr lang="it-IT" dirty="0"/>
-              <a:t> </a:t>
-            </a:r>
-            <a:r>
-              <a:rPr lang="it-IT" dirty="0" err="1"/>
-              <a:t>it</a:t>
-            </a:r>
-            <a:r>
-              <a:rPr lang="it-IT" dirty="0"/>
-              <a:t> </a:t>
+              <a:rPr lang="it-IT" dirty="0"/>
+              <a:t>At a first </a:t>
+            </a:r>
+            <a:r>
+              <a:rPr lang="it-IT" dirty="0" err="1"/>
+              <a:t>glance</a:t>
+            </a:r>
+            <a:r>
+              <a:rPr lang="it-IT" dirty="0"/>
+              <a:t>, </a:t>
+            </a:r>
+            <a:r>
+              <a:rPr lang="it-IT" dirty="0" err="1"/>
+              <a:t>contraints</a:t>
+            </a:r>
+            <a:r>
+              <a:rPr lang="it-IT" dirty="0"/>
+              <a:t> </a:t>
+            </a:r>
+            <a:r>
+              <a:rPr lang="it-IT" dirty="0" err="1"/>
+              <a:t>have</a:t>
+            </a:r>
+            <a:r>
+              <a:rPr lang="it-IT" dirty="0"/>
+              <a:t> a </a:t>
+            </a:r>
+            <a:r>
+              <a:rPr lang="it-IT" dirty="0" err="1"/>
+              <a:t>logic</a:t>
+            </a:r>
+            <a:r>
+              <a:rPr lang="it-IT" dirty="0"/>
+              <a:t>-OR </a:t>
+            </a:r>
+            <a:r>
+              <a:rPr lang="it-IT" dirty="0" err="1"/>
+              <a:t>form</a:t>
+            </a:r>
+            <a:r>
+              <a:rPr lang="it-IT" dirty="0"/>
+              <a:t> (on x || on y). Linear </a:t>
+            </a:r>
+            <a:r>
+              <a:rPr lang="it-IT" dirty="0" err="1"/>
+              <a:t>constraints</a:t>
+            </a:r>
+            <a:r>
+              <a:rPr lang="it-IT" dirty="0"/>
+              <a:t> are </a:t>
+            </a:r>
+            <a:r>
+              <a:rPr lang="it-IT" dirty="0" err="1"/>
+              <a:t>inferred</a:t>
+            </a:r>
+            <a:r>
+              <a:rPr lang="it-IT" dirty="0"/>
+              <a:t> by </a:t>
+            </a:r>
+            <a:r>
+              <a:rPr lang="it-IT" dirty="0" err="1"/>
+              <a:t>looking</a:t>
+            </a:r>
+            <a:r>
+              <a:rPr lang="it-IT" dirty="0"/>
+              <a:t> </a:t>
+            </a:r>
+            <a:r>
+              <a:rPr lang="it-IT" dirty="0" err="1"/>
+              <a:t>at</a:t>
+            </a:r>
+            <a:r>
+              <a:rPr lang="it-IT" dirty="0"/>
+              <a:t> </a:t>
+            </a:r>
+            <a:r>
+              <a:rPr lang="it-IT" b="1" dirty="0" err="1"/>
+              <a:t>which</a:t>
+            </a:r>
+            <a:r>
+              <a:rPr lang="it-IT" dirty="0"/>
+              <a:t> of the </a:t>
+            </a:r>
+            <a:r>
+              <a:rPr lang="it-IT" dirty="0" err="1"/>
+              <a:t>two</a:t>
+            </a:r>
+            <a:r>
+              <a:rPr lang="it-IT" dirty="0"/>
+              <a:t> </a:t>
+            </a:r>
+            <a:r>
+              <a:rPr lang="it-IT" dirty="0" err="1"/>
+              <a:t>conditions</a:t>
+            </a:r>
+            <a:r>
+              <a:rPr lang="it-IT" dirty="0"/>
+              <a:t> in the OR </a:t>
             </a:r>
             <a:r>
               <a:rPr lang="it-IT" dirty="0" err="1"/>
@@ -18006,27 +17948,19 @@
             </a:r>
             <a:r>
               <a:rPr lang="it-IT" dirty="0"/>
-              <a:t> positive, </a:t>
-            </a:r>
-            <a:r>
-              <a:rPr lang="it-IT" dirty="0" err="1"/>
-              <a:t>we</a:t>
-            </a:r>
-            <a:r>
-              <a:rPr lang="it-IT" dirty="0"/>
-              <a:t> </a:t>
-            </a:r>
-            <a:r>
-              <a:rPr lang="it-IT" dirty="0" err="1"/>
-              <a:t>have</a:t>
-            </a:r>
-            <a:r>
-              <a:rPr lang="it-IT" dirty="0"/>
-              <a:t> a demand </a:t>
-            </a:r>
-            <a:r>
-              <a:rPr lang="it-IT" dirty="0" err="1"/>
-              <a:t>node</a:t>
+              <a:t> </a:t>
+            </a:r>
+            <a:r>
+              <a:rPr lang="it-IT" dirty="0" err="1"/>
+              <a:t>most</a:t>
+            </a:r>
+            <a:r>
+              <a:rPr lang="it-IT" dirty="0"/>
+              <a:t> </a:t>
+            </a:r>
+            <a:r>
+              <a:rPr lang="it-IT" dirty="0" err="1"/>
+              <a:t>restrictive</a:t>
             </a:r>
             <a:r>
               <a:rPr lang="it-IT" dirty="0"/>
@@ -18034,115 +17968,43 @@
             </a:r>
             <a:r>
               <a:rPr lang="it-IT" dirty="0" err="1"/>
-              <a:t>which</a:t>
-            </a:r>
-            <a:r>
-              <a:rPr lang="it-IT" dirty="0"/>
-              <a:t> </a:t>
-            </a:r>
-            <a:r>
-              <a:rPr lang="it-IT" dirty="0" err="1"/>
-              <a:t>is</a:t>
-            </a:r>
-            <a:r>
-              <a:rPr lang="it-IT" dirty="0"/>
-              <a:t> to be </a:t>
-            </a:r>
-            <a:r>
-              <a:rPr lang="it-IT" dirty="0" err="1"/>
-              <a:t>linked</a:t>
-            </a:r>
-            <a:r>
-              <a:rPr lang="it-IT" dirty="0"/>
-              <a:t> to a common </a:t>
-            </a:r>
-            <a:r>
-              <a:rPr lang="it-IT" dirty="0" err="1"/>
-              <a:t>sink</a:t>
-            </a:r>
-            <a:r>
-              <a:rPr lang="it-IT" dirty="0"/>
-              <a:t>. </a:t>
-            </a:r>
-            <a:r>
-              <a:rPr lang="it-IT" dirty="0" err="1"/>
-              <a:t>If</a:t>
-            </a:r>
-            <a:r>
-              <a:rPr lang="it-IT" dirty="0"/>
-              <a:t> </a:t>
-            </a:r>
-            <a:r>
-              <a:rPr lang="it-IT" dirty="0" err="1"/>
-              <a:t>it</a:t>
-            </a:r>
-            <a:r>
-              <a:rPr lang="it-IT" dirty="0"/>
-              <a:t> </a:t>
-            </a:r>
-            <a:r>
-              <a:rPr lang="it-IT" dirty="0" err="1"/>
-              <a:t>is</a:t>
-            </a:r>
-            <a:r>
-              <a:rPr lang="it-IT" dirty="0"/>
-              <a:t> </a:t>
-            </a:r>
-            <a:r>
-              <a:rPr lang="it-IT" dirty="0" err="1"/>
-              <a:t>strictly</a:t>
-            </a:r>
-            <a:r>
-              <a:rPr lang="it-IT" dirty="0"/>
-              <a:t> negative, </a:t>
-            </a:r>
-            <a:r>
-              <a:rPr lang="it-IT" dirty="0" err="1"/>
-              <a:t>we</a:t>
-            </a:r>
-            <a:r>
-              <a:rPr lang="it-IT" dirty="0"/>
-              <a:t> </a:t>
-            </a:r>
-            <a:r>
-              <a:rPr lang="it-IT" dirty="0" err="1"/>
-              <a:t>have</a:t>
-            </a:r>
-            <a:r>
-              <a:rPr lang="it-IT" dirty="0"/>
-              <a:t> a supply </a:t>
-            </a:r>
-            <a:r>
-              <a:rPr lang="it-IT" dirty="0" err="1"/>
-              <a:t>node</a:t>
-            </a:r>
-            <a:r>
-              <a:rPr lang="it-IT" dirty="0"/>
-              <a:t>, </a:t>
-            </a:r>
-            <a:r>
-              <a:rPr lang="it-IT" dirty="0" err="1"/>
-              <a:t>which</a:t>
-            </a:r>
-            <a:r>
-              <a:rPr lang="it-IT" dirty="0"/>
-              <a:t> </a:t>
-            </a:r>
-            <a:r>
-              <a:rPr lang="it-IT" dirty="0" err="1"/>
-              <a:t>is</a:t>
-            </a:r>
-            <a:r>
-              <a:rPr lang="it-IT" dirty="0"/>
-              <a:t> to be </a:t>
-            </a:r>
-            <a:r>
-              <a:rPr lang="it-IT" dirty="0" err="1"/>
-              <a:t>linked</a:t>
-            </a:r>
-            <a:r>
-              <a:rPr lang="it-IT" dirty="0"/>
-              <a:t> to a common source.</a:t>
+              <a:t>taking</a:t>
+            </a:r>
+            <a:r>
+              <a:rPr lang="it-IT" dirty="0"/>
+              <a:t> </a:t>
+            </a:r>
+            <a:r>
+              <a:rPr lang="it-IT" dirty="0" err="1"/>
+              <a:t>into</a:t>
+            </a:r>
+            <a:r>
+              <a:rPr lang="it-IT" dirty="0"/>
+              <a:t> account the h and w </a:t>
+            </a:r>
+            <a:r>
+              <a:rPr lang="it-IT" dirty="0" err="1"/>
+              <a:t>dimensions</a:t>
+            </a:r>
+            <a:r>
+              <a:rPr lang="it-IT" dirty="0"/>
+              <a:t> (</a:t>
+            </a:r>
+            <a:r>
+              <a:rPr lang="it-IT" b="1" dirty="0" err="1"/>
+              <a:t>scaled</a:t>
+            </a:r>
+            <a:r>
+              <a:rPr lang="it-IT" b="1" dirty="0"/>
+              <a:t> </a:t>
+            </a:r>
+            <a:r>
+              <a:rPr lang="it-IT" b="1" dirty="0" err="1"/>
+              <a:t>comparison</a:t>
+            </a:r>
+            <a:r>
+              <a:rPr lang="it-IT" dirty="0"/>
+              <a:t>).</a:t>
             </a:r>
           </a:p>
           <a:p>
@@ -18150,20 +18012,112 @@
               <a:buNone/>
             </a:pPr>
             <a:r>
-              <a:rPr lang="it-IT" dirty="0"/>
-              <a:t>The </a:t>
-            </a:r>
-            <a:r>
-              <a:rPr lang="it-IT" dirty="0" err="1"/>
-              <a:t>circulation</a:t>
-            </a:r>
-            <a:r>
-              <a:rPr lang="it-IT" dirty="0"/>
-              <a:t> </a:t>
-            </a:r>
-            <a:r>
-              <a:rPr lang="it-IT" dirty="0" err="1"/>
-              <a:t>problem</a:t>
+              <a:rPr lang="it-IT" u="sng" dirty="0" err="1"/>
+              <a:t>Trick</a:t>
+            </a:r>
+            <a:r>
+              <a:rPr lang="it-IT" dirty="0"/>
+              <a:t>: After setting up </a:t>
+            </a:r>
+            <a:r>
+              <a:rPr lang="it-IT" dirty="0" err="1"/>
+              <a:t>constraints</a:t>
+            </a:r>
+            <a:r>
+              <a:rPr lang="it-IT" dirty="0"/>
+              <a:t> for new </a:t>
+            </a:r>
+            <a:r>
+              <a:rPr lang="it-IT" dirty="0" err="1"/>
+              <a:t>rectangles</a:t>
+            </a:r>
+            <a:r>
+              <a:rPr lang="it-IT" dirty="0"/>
+              <a:t>, </a:t>
+            </a:r>
+            <a:r>
+              <a:rPr lang="it-IT" dirty="0" err="1"/>
+              <a:t>we</a:t>
+            </a:r>
+            <a:r>
+              <a:rPr lang="it-IT" dirty="0"/>
+              <a:t> can </a:t>
+            </a:r>
+            <a:r>
+              <a:rPr lang="it-IT" dirty="0" err="1"/>
+              <a:t>add</a:t>
+            </a:r>
+            <a:r>
+              <a:rPr lang="it-IT" dirty="0"/>
+              <a:t> </a:t>
+            </a:r>
+            <a:r>
+              <a:rPr lang="it-IT" dirty="0" err="1"/>
+              <a:t>only</a:t>
+            </a:r>
+            <a:r>
+              <a:rPr lang="it-IT" dirty="0"/>
+              <a:t> </a:t>
+            </a:r>
+            <a:r>
+              <a:rPr lang="it-IT" b="1" dirty="0"/>
+              <a:t>one</a:t>
+            </a:r>
+            <a:r>
+              <a:rPr lang="it-IT" dirty="0"/>
+              <a:t> more </a:t>
+            </a:r>
+            <a:r>
+              <a:rPr lang="it-IT" dirty="0" err="1"/>
+              <a:t>constraint</a:t>
+            </a:r>
+            <a:r>
+              <a:rPr lang="it-IT" dirty="0"/>
+              <a:t> </a:t>
+            </a:r>
+            <a:r>
+              <a:rPr lang="it-IT" dirty="0" err="1"/>
+              <a:t>each</a:t>
+            </a:r>
+            <a:r>
+              <a:rPr lang="it-IT" dirty="0"/>
+              <a:t> for the </a:t>
+            </a:r>
+            <a:r>
+              <a:rPr lang="it-IT" dirty="0" err="1"/>
+              <a:t>nearest</a:t>
+            </a:r>
+            <a:r>
+              <a:rPr lang="it-IT" dirty="0"/>
+              <a:t>, </a:t>
+            </a:r>
+            <a:r>
+              <a:rPr lang="it-IT" dirty="0" err="1"/>
+              <a:t>already</a:t>
+            </a:r>
+            <a:r>
+              <a:rPr lang="it-IT" dirty="0"/>
+              <a:t> </a:t>
+            </a:r>
+            <a:r>
+              <a:rPr lang="it-IT" dirty="0" err="1"/>
+              <a:t>present</a:t>
+            </a:r>
+            <a:r>
+              <a:rPr lang="it-IT" dirty="0"/>
+              <a:t>, </a:t>
+            </a:r>
+            <a:r>
+              <a:rPr lang="it-IT" dirty="0" err="1"/>
+              <a:t>rectangle</a:t>
+            </a:r>
+            <a:r>
+              <a:rPr lang="it-IT" dirty="0"/>
+              <a:t>. </a:t>
+            </a:r>
+            <a:r>
+              <a:rPr lang="it-IT" dirty="0" err="1"/>
+              <a:t>It</a:t>
             </a:r>
             <a:r>
               <a:rPr lang="it-IT" dirty="0"/>
@@ -18179,35 +18133,220 @@
             </a:r>
             <a:r>
               <a:rPr lang="it-IT" dirty="0" err="1"/>
-              <a:t>solved</a:t>
-            </a:r>
-            <a:r>
-              <a:rPr lang="it-IT" dirty="0"/>
-              <a:t> </a:t>
-            </a:r>
-            <a:r>
-              <a:rPr lang="it-IT" dirty="0" err="1"/>
-              <a:t>if</a:t>
-            </a:r>
-            <a:r>
-              <a:rPr lang="it-IT" dirty="0"/>
-              <a:t> and </a:t>
-            </a:r>
-            <a:r>
-              <a:rPr lang="it-IT" dirty="0" err="1"/>
-              <a:t>only</a:t>
-            </a:r>
-            <a:r>
-              <a:rPr lang="it-IT" dirty="0"/>
-              <a:t> </a:t>
-            </a:r>
-            <a:r>
-              <a:rPr lang="it-IT" dirty="0" err="1"/>
-              <a:t>if</a:t>
-            </a:r>
-            <a:r>
-              <a:rPr lang="it-IT" dirty="0"/>
-              <a:t> the maximum flow </a:t>
+              <a:t>useless</a:t>
+            </a:r>
+            <a:r>
+              <a:rPr lang="it-IT" dirty="0"/>
+              <a:t> </a:t>
+            </a:r>
+            <a:r>
+              <a:rPr lang="it-IT" dirty="0" err="1"/>
+              <a:t>indeed</a:t>
+            </a:r>
+            <a:r>
+              <a:rPr lang="it-IT" dirty="0"/>
+              <a:t> to </a:t>
+            </a:r>
+            <a:r>
+              <a:rPr lang="it-IT" dirty="0" err="1"/>
+              <a:t>add</a:t>
+            </a:r>
+            <a:r>
+              <a:rPr lang="it-IT" dirty="0"/>
+              <a:t> more </a:t>
+            </a:r>
+            <a:r>
+              <a:rPr lang="it-IT" dirty="0" err="1"/>
+              <a:t>constraints</a:t>
+            </a:r>
+            <a:r>
+              <a:rPr lang="it-IT" dirty="0"/>
+              <a:t> on </a:t>
+            </a:r>
+            <a:r>
+              <a:rPr lang="it-IT" dirty="0" err="1"/>
+              <a:t>old</a:t>
+            </a:r>
+            <a:r>
+              <a:rPr lang="it-IT" dirty="0"/>
+              <a:t> </a:t>
+            </a:r>
+            <a:r>
+              <a:rPr lang="it-IT" dirty="0" err="1"/>
+              <a:t>rectangles</a:t>
+            </a:r>
+            <a:r>
+              <a:rPr lang="it-IT" dirty="0"/>
+              <a:t>.</a:t>
+            </a:r>
+          </a:p>
+          <a:p>
+            <a:pPr marL="0" indent="0">
+              <a:buNone/>
+            </a:pPr>
+            <a:r>
+              <a:rPr lang="it-IT" dirty="0"/>
+              <a:t>To </a:t>
+            </a:r>
+            <a:r>
+              <a:rPr lang="it-IT" dirty="0" err="1"/>
+              <a:t>infer</a:t>
+            </a:r>
+            <a:r>
+              <a:rPr lang="it-IT" dirty="0"/>
+              <a:t> </a:t>
+            </a:r>
+            <a:r>
+              <a:rPr lang="it-IT" dirty="0" err="1"/>
+              <a:t>which</a:t>
+            </a:r>
+            <a:r>
+              <a:rPr lang="it-IT" dirty="0"/>
+              <a:t> </a:t>
+            </a:r>
+            <a:r>
+              <a:rPr lang="it-IT" dirty="0" err="1"/>
+              <a:t>old</a:t>
+            </a:r>
+            <a:r>
+              <a:rPr lang="it-IT" dirty="0"/>
+              <a:t> </a:t>
+            </a:r>
+            <a:r>
+              <a:rPr lang="it-IT" dirty="0" err="1"/>
+              <a:t>rectangle</a:t>
+            </a:r>
+            <a:r>
+              <a:rPr lang="it-IT" dirty="0"/>
+              <a:t> </a:t>
+            </a:r>
+            <a:r>
+              <a:rPr lang="it-IT" dirty="0" err="1"/>
+              <a:t>we</a:t>
+            </a:r>
+            <a:r>
+              <a:rPr lang="it-IT" dirty="0"/>
+              <a:t> </a:t>
+            </a:r>
+            <a:r>
+              <a:rPr lang="it-IT" dirty="0" err="1"/>
+              <a:t>should</a:t>
+            </a:r>
+            <a:r>
+              <a:rPr lang="it-IT" dirty="0"/>
+              <a:t> put in </a:t>
+            </a:r>
+            <a:r>
+              <a:rPr lang="it-IT" dirty="0" err="1"/>
+              <a:t>that</a:t>
+            </a:r>
+            <a:r>
+              <a:rPr lang="it-IT" dirty="0"/>
+              <a:t> </a:t>
+            </a:r>
+            <a:r>
+              <a:rPr lang="it-IT" dirty="0" err="1"/>
+              <a:t>constraint</a:t>
+            </a:r>
+            <a:r>
+              <a:rPr lang="it-IT" dirty="0"/>
+              <a:t>, </a:t>
+            </a:r>
+            <a:r>
+              <a:rPr lang="it-IT" dirty="0" err="1"/>
+              <a:t>we</a:t>
+            </a:r>
+            <a:r>
+              <a:rPr lang="it-IT" dirty="0"/>
+              <a:t> </a:t>
+            </a:r>
+            <a:r>
+              <a:rPr lang="it-IT" dirty="0" err="1"/>
+              <a:t>keep</a:t>
+            </a:r>
+            <a:r>
+              <a:rPr lang="it-IT" dirty="0"/>
+              <a:t> the minimum </a:t>
+            </a:r>
+            <a:r>
+              <a:rPr lang="it-IT" b="1" dirty="0" err="1"/>
+              <a:t>scaled</a:t>
+            </a:r>
+            <a:r>
+              <a:rPr lang="it-IT" dirty="0"/>
+              <a:t> </a:t>
+            </a:r>
+            <a:r>
+              <a:rPr lang="it-IT" dirty="0" err="1"/>
+              <a:t>distance</a:t>
+            </a:r>
+            <a:r>
+              <a:rPr lang="it-IT" dirty="0"/>
+              <a:t> (</a:t>
+            </a:r>
+            <a:r>
+              <a:rPr lang="it-IT" dirty="0" err="1"/>
+              <a:t>either</a:t>
+            </a:r>
+            <a:r>
+              <a:rPr lang="it-IT" dirty="0"/>
+              <a:t> x or y) </a:t>
+            </a:r>
+            <a:r>
+              <a:rPr lang="it-IT" dirty="0" err="1"/>
+              <a:t>between</a:t>
+            </a:r>
+            <a:r>
+              <a:rPr lang="it-IT" dirty="0"/>
+              <a:t> the new </a:t>
+            </a:r>
+            <a:r>
+              <a:rPr lang="it-IT" dirty="0" err="1"/>
+              <a:t>rectangle</a:t>
+            </a:r>
+            <a:r>
+              <a:rPr lang="it-IT" dirty="0"/>
+              <a:t> and the </a:t>
+            </a:r>
+            <a:r>
+              <a:rPr lang="it-IT" dirty="0" err="1"/>
+              <a:t>old</a:t>
+            </a:r>
+            <a:r>
+              <a:rPr lang="it-IT" dirty="0"/>
+              <a:t> </a:t>
+            </a:r>
+            <a:r>
+              <a:rPr lang="it-IT" dirty="0" err="1"/>
+              <a:t>ones</a:t>
+            </a:r>
+            <a:r>
+              <a:rPr lang="it-IT" dirty="0"/>
+              <a:t> and store the index (0,…,m) for </a:t>
+            </a:r>
+            <a:r>
+              <a:rPr lang="it-IT" dirty="0" err="1"/>
+              <a:t>which</a:t>
+            </a:r>
+            <a:r>
+              <a:rPr lang="it-IT" dirty="0"/>
+              <a:t> </a:t>
+            </a:r>
+            <a:r>
+              <a:rPr lang="it-IT" dirty="0" err="1"/>
+              <a:t>this</a:t>
+            </a:r>
+            <a:r>
+              <a:rPr lang="it-IT" dirty="0"/>
+              <a:t> </a:t>
+            </a:r>
+            <a:r>
+              <a:rPr lang="it-IT" dirty="0" err="1"/>
+              <a:t>parameter</a:t>
+            </a:r>
+            <a:r>
+              <a:rPr lang="it-IT" dirty="0"/>
+              <a:t> </a:t>
             </a:r>
             <a:r>
               <a:rPr lang="it-IT" dirty="0" err="1"/>
@@ -18219,19 +18358,156 @@
             </a:r>
             <a:r>
               <a:rPr lang="it-IT" dirty="0" err="1"/>
-              <a:t>equal</a:t>
-            </a:r>
-            <a:r>
-              <a:rPr lang="it-IT" dirty="0"/>
-              <a:t> to the sum of the demands (positive </a:t>
-            </a:r>
-            <a:r>
-              <a:rPr lang="it-IT" dirty="0" err="1"/>
-              <a:t>differences</a:t>
-            </a:r>
-            <a:r>
-              <a:rPr lang="it-IT" dirty="0"/>
-              <a:t>).</a:t>
+              <a:t>minimized</a:t>
+            </a:r>
+            <a:r>
+              <a:rPr lang="it-IT" dirty="0"/>
+              <a:t>.</a:t>
+            </a:r>
+          </a:p>
+          <a:p>
+            <a:r>
+              <a:rPr lang="it-IT" dirty="0"/>
+              <a:t>Take home</a:t>
+            </a:r>
+          </a:p>
+          <a:p>
+            <a:pPr marL="0" indent="0">
+              <a:buNone/>
+            </a:pPr>
+            <a:r>
+              <a:rPr lang="it-IT" dirty="0"/>
+              <a:t>Be </a:t>
+            </a:r>
+            <a:r>
+              <a:rPr lang="it-IT" dirty="0" err="1"/>
+              <a:t>careful</a:t>
+            </a:r>
+            <a:r>
+              <a:rPr lang="it-IT" dirty="0"/>
+              <a:t> with the size of the input (</a:t>
+            </a:r>
+            <a:r>
+              <a:rPr lang="it-IT" dirty="0" err="1"/>
+              <a:t>int</a:t>
+            </a:r>
+            <a:r>
+              <a:rPr lang="it-IT" dirty="0"/>
+              <a:t> or long).</a:t>
+            </a:r>
+          </a:p>
+          <a:p>
+            <a:pPr marL="0" indent="0">
+              <a:buNone/>
+            </a:pPr>
+            <a:r>
+              <a:rPr lang="it-IT" dirty="0"/>
+              <a:t>Linear </a:t>
+            </a:r>
+            <a:r>
+              <a:rPr lang="it-IT" dirty="0" err="1"/>
+              <a:t>constraints</a:t>
+            </a:r>
+            <a:r>
+              <a:rPr lang="it-IT" dirty="0"/>
+              <a:t> must be </a:t>
+            </a:r>
+            <a:r>
+              <a:rPr lang="it-IT" dirty="0" err="1"/>
+              <a:t>derived</a:t>
+            </a:r>
+            <a:r>
+              <a:rPr lang="it-IT" dirty="0"/>
+              <a:t>, </a:t>
+            </a:r>
+            <a:r>
+              <a:rPr lang="it-IT" dirty="0" err="1"/>
+              <a:t>otherwise</a:t>
+            </a:r>
+            <a:r>
+              <a:rPr lang="it-IT" dirty="0"/>
+              <a:t> LP </a:t>
+            </a:r>
+            <a:r>
+              <a:rPr lang="it-IT" dirty="0" err="1"/>
+              <a:t>is</a:t>
+            </a:r>
+            <a:r>
+              <a:rPr lang="it-IT" dirty="0"/>
+              <a:t> </a:t>
+            </a:r>
+            <a:r>
+              <a:rPr lang="it-IT" dirty="0" err="1"/>
+              <a:t>not</a:t>
+            </a:r>
+            <a:r>
+              <a:rPr lang="it-IT" dirty="0"/>
+              <a:t> </a:t>
+            </a:r>
+            <a:r>
+              <a:rPr lang="it-IT" dirty="0" err="1"/>
+              <a:t>applicable</a:t>
+            </a:r>
+            <a:r>
+              <a:rPr lang="it-IT" dirty="0"/>
+              <a:t>.</a:t>
+            </a:r>
+          </a:p>
+          <a:p>
+            <a:pPr marL="0" indent="0">
+              <a:buNone/>
+            </a:pPr>
+            <a:r>
+              <a:rPr lang="it-IT" dirty="0"/>
+              <a:t>Always </a:t>
+            </a:r>
+            <a:r>
+              <a:rPr lang="it-IT" dirty="0" err="1"/>
+              <a:t>try</a:t>
+            </a:r>
+            <a:r>
+              <a:rPr lang="it-IT" dirty="0"/>
+              <a:t> to reduce the </a:t>
+            </a:r>
+            <a:r>
+              <a:rPr lang="it-IT" dirty="0" err="1"/>
+              <a:t>number</a:t>
+            </a:r>
+            <a:r>
+              <a:rPr lang="it-IT" dirty="0"/>
+              <a:t> of </a:t>
+            </a:r>
+            <a:r>
+              <a:rPr lang="it-IT" dirty="0" err="1"/>
+              <a:t>constraints</a:t>
+            </a:r>
+            <a:r>
+              <a:rPr lang="it-IT" dirty="0"/>
+              <a:t> to </a:t>
+            </a:r>
+            <a:r>
+              <a:rPr lang="it-IT" dirty="0" err="1"/>
+              <a:t>really</a:t>
+            </a:r>
+            <a:r>
+              <a:rPr lang="it-IT" dirty="0"/>
+              <a:t> </a:t>
+            </a:r>
+            <a:r>
+              <a:rPr lang="it-IT" dirty="0" err="1"/>
+              <a:t>useful</a:t>
+            </a:r>
+            <a:r>
+              <a:rPr lang="it-IT" dirty="0"/>
+              <a:t> </a:t>
+            </a:r>
+            <a:r>
+              <a:rPr lang="it-IT" dirty="0" err="1"/>
+              <a:t>ones</a:t>
+            </a:r>
+            <a:r>
+              <a:rPr lang="it-IT" dirty="0"/>
+              <a:t>.</a:t>
             </a:r>
           </a:p>
         </p:txBody>
@@ -18239,7 +18515,7 @@
     </p:spTree>
     <p:extLst>
       <p:ext uri="{BB962C8B-B14F-4D97-AF65-F5344CB8AC3E}">
-        <p14:creationId xmlns:p14="http://schemas.microsoft.com/office/powerpoint/2010/main" val="2497814037"/>
+        <p14:creationId xmlns:p14="http://schemas.microsoft.com/office/powerpoint/2010/main" val="2539789862"/>
       </p:ext>
     </p:extLst>
   </p:cSld>
@@ -18288,17 +18564,18 @@
           <a:lstStyle/>
           <a:p>
             <a:r>
-              <a:rPr lang="it-IT" dirty="0"/>
-              <a:t>Week 9: </a:t>
-            </a:r>
-            <a:r>
-              <a:rPr lang="it-IT" dirty="0" err="1"/>
-              <a:t>Algocoön</a:t>
-            </a:r>
-            <a:r>
-              <a:rPr lang="it-IT" dirty="0"/>
-              <a:t> Group</a:t>
-            </a:r>
+              <a:rPr lang="it-IT" dirty="0" err="1"/>
+              <a:t>PotW</a:t>
+            </a:r>
+            <a:r>
+              <a:rPr lang="it-IT" dirty="0"/>
+              <a:t> 9: Kingdom </a:t>
+            </a:r>
+            <a:r>
+              <a:rPr lang="it-IT" dirty="0" err="1"/>
+              <a:t>Defence</a:t>
+            </a:r>
+            <a:endParaRPr lang="it-IT" dirty="0"/>
           </a:p>
         </p:txBody>
       </p:sp>
@@ -18321,7 +18598,7 @@
         <p:spPr/>
         <p:txBody>
           <a:bodyPr>
-            <a:normAutofit fontScale="77500" lnSpcReduction="20000"/>
+            <a:normAutofit fontScale="85000" lnSpcReduction="20000"/>
           </a:bodyPr>
           <a:lstStyle/>
           <a:p>
@@ -18344,12 +18621,8 @@
               <a:buNone/>
             </a:pPr>
             <a:r>
-              <a:rPr lang="it-IT" dirty="0"/>
-              <a:t>Minimum </a:t>
-            </a:r>
-            <a:r>
-              <a:rPr lang="it-IT" dirty="0" err="1"/>
-              <a:t>cut</a:t>
+              <a:rPr lang="it-IT" dirty="0" err="1"/>
+              <a:t>Circulation</a:t>
             </a:r>
             <a:r>
               <a:rPr lang="it-IT" dirty="0"/>
@@ -18361,31 +18634,71 @@
             </a:r>
             <a:r>
               <a:rPr lang="it-IT" dirty="0"/>
-              <a:t> </a:t>
-            </a:r>
-            <a:r>
-              <a:rPr lang="it-IT" dirty="0" err="1"/>
-              <a:t>without</a:t>
-            </a:r>
-            <a:r>
-              <a:rPr lang="it-IT" dirty="0"/>
-              <a:t> </a:t>
-            </a:r>
-            <a:r>
-              <a:rPr lang="it-IT" dirty="0" err="1"/>
-              <a:t>knowing</a:t>
-            </a:r>
-            <a:r>
-              <a:rPr lang="it-IT" dirty="0"/>
-              <a:t> the </a:t>
-            </a:r>
-            <a:r>
-              <a:rPr lang="it-IT" dirty="0" err="1"/>
-              <a:t>two</a:t>
-            </a:r>
-            <a:r>
-              <a:rPr lang="it-IT" dirty="0"/>
-              <a:t> endpoints</a:t>
+              <a:t> with minimum </a:t>
+            </a:r>
+            <a:r>
+              <a:rPr lang="it-IT" dirty="0" err="1"/>
+              <a:t>capacity</a:t>
+            </a:r>
+            <a:r>
+              <a:rPr lang="it-IT" dirty="0"/>
+              <a:t> </a:t>
+            </a:r>
+            <a:r>
+              <a:rPr lang="it-IT" dirty="0" err="1"/>
+              <a:t>constraint</a:t>
+            </a:r>
+            <a:r>
+              <a:rPr lang="it-IT" dirty="0"/>
+              <a:t>, just like the one on the tutorial slides. </a:t>
+            </a:r>
+            <a:r>
+              <a:rPr lang="it-IT" dirty="0" err="1"/>
+              <a:t>Each</a:t>
+            </a:r>
+            <a:r>
+              <a:rPr lang="it-IT" dirty="0"/>
+              <a:t> </a:t>
+            </a:r>
+            <a:r>
+              <a:rPr lang="it-IT" dirty="0" err="1"/>
+              <a:t>node</a:t>
+            </a:r>
+            <a:r>
+              <a:rPr lang="it-IT" dirty="0"/>
+              <a:t> </a:t>
+            </a:r>
+            <a:r>
+              <a:rPr lang="it-IT" dirty="0" err="1"/>
+              <a:t>has</a:t>
+            </a:r>
+            <a:r>
+              <a:rPr lang="it-IT" dirty="0"/>
+              <a:t> a </a:t>
+            </a:r>
+            <a:r>
+              <a:rPr lang="it-IT" dirty="0" err="1"/>
+              <a:t>current</a:t>
+            </a:r>
+            <a:r>
+              <a:rPr lang="it-IT" dirty="0"/>
+              <a:t> </a:t>
+            </a:r>
+            <a:r>
+              <a:rPr lang="it-IT" dirty="0" err="1"/>
+              <a:t>amount</a:t>
+            </a:r>
+            <a:r>
+              <a:rPr lang="it-IT" dirty="0"/>
+              <a:t> and a </a:t>
+            </a:r>
+            <a:r>
+              <a:rPr lang="it-IT" dirty="0" err="1"/>
+              <a:t>needed</a:t>
+            </a:r>
+            <a:r>
+              <a:rPr lang="it-IT" dirty="0"/>
+              <a:t> one.</a:t>
             </a:r>
           </a:p>
           <a:p>
@@ -18399,100 +18712,168 @@
               <a:buNone/>
             </a:pPr>
             <a:r>
-              <a:rPr lang="it-IT" dirty="0" err="1"/>
-              <a:t>Based</a:t>
-            </a:r>
-            <a:r>
-              <a:rPr lang="it-IT" dirty="0"/>
-              <a:t> on the </a:t>
-            </a:r>
-            <a:r>
-              <a:rPr lang="it-IT" dirty="0" err="1"/>
-              <a:t>MinCut-MaxFlow</a:t>
-            </a:r>
-            <a:r>
-              <a:rPr lang="it-IT" dirty="0"/>
-              <a:t> </a:t>
-            </a:r>
-            <a:r>
-              <a:rPr lang="it-IT" dirty="0" err="1"/>
-              <a:t>theorem</a:t>
-            </a:r>
-            <a:r>
-              <a:rPr lang="it-IT" dirty="0"/>
-              <a:t> (</a:t>
-            </a:r>
-            <a:r>
-              <a:rPr lang="it-IT" dirty="0" err="1"/>
-              <a:t>see</a:t>
-            </a:r>
-            <a:r>
-              <a:rPr lang="it-IT" dirty="0"/>
-              <a:t> slides), the </a:t>
-            </a:r>
-            <a:r>
-              <a:rPr lang="it-IT" dirty="0" err="1"/>
-              <a:t>value</a:t>
-            </a:r>
-            <a:r>
-              <a:rPr lang="it-IT" dirty="0"/>
-              <a:t> of a minimum </a:t>
-            </a:r>
-            <a:r>
-              <a:rPr lang="it-IT" dirty="0" err="1"/>
-              <a:t>cut</a:t>
-            </a:r>
-            <a:r>
-              <a:rPr lang="it-IT" dirty="0"/>
-              <a:t> </a:t>
-            </a:r>
-            <a:r>
-              <a:rPr lang="it-IT" dirty="0" err="1"/>
-              <a:t>between</a:t>
-            </a:r>
-            <a:r>
-              <a:rPr lang="it-IT" dirty="0"/>
-              <a:t> </a:t>
-            </a:r>
-            <a:r>
-              <a:rPr lang="it-IT" dirty="0" err="1"/>
-              <a:t>two</a:t>
-            </a:r>
-            <a:r>
-              <a:rPr lang="it-IT" dirty="0"/>
-              <a:t> </a:t>
-            </a:r>
-            <a:r>
-              <a:rPr lang="it-IT" dirty="0" err="1"/>
-              <a:t>vertices</a:t>
-            </a:r>
-            <a:r>
-              <a:rPr lang="it-IT" dirty="0"/>
-              <a:t> s and t </a:t>
-            </a:r>
-            <a:r>
-              <a:rPr lang="it-IT" dirty="0" err="1"/>
-              <a:t>is</a:t>
-            </a:r>
-            <a:r>
-              <a:rPr lang="it-IT" dirty="0"/>
-              <a:t> </a:t>
-            </a:r>
-            <a:r>
-              <a:rPr lang="it-IT" dirty="0" err="1"/>
-              <a:t>equal</a:t>
-            </a:r>
-            <a:r>
-              <a:rPr lang="it-IT" dirty="0"/>
-              <a:t> to the maximum flow </a:t>
-            </a:r>
-            <a:r>
-              <a:rPr lang="it-IT" dirty="0" err="1"/>
-              <a:t>flowing</a:t>
-            </a:r>
-            <a:r>
-              <a:rPr lang="it-IT" dirty="0"/>
-              <a:t> from s to t.</a:t>
+              <a:rPr lang="it-IT" dirty="0"/>
+              <a:t>To model a minimum </a:t>
+            </a:r>
+            <a:r>
+              <a:rPr lang="it-IT" dirty="0" err="1"/>
+              <a:t>edge</a:t>
+            </a:r>
+            <a:r>
+              <a:rPr lang="it-IT" dirty="0"/>
+              <a:t> </a:t>
+            </a:r>
+            <a:r>
+              <a:rPr lang="it-IT" dirty="0" err="1"/>
+              <a:t>constraint</a:t>
+            </a:r>
+            <a:r>
+              <a:rPr lang="it-IT" dirty="0"/>
+              <a:t>, </a:t>
+            </a:r>
+            <a:r>
+              <a:rPr lang="it-IT" dirty="0" err="1"/>
+              <a:t>modify</a:t>
+            </a:r>
+            <a:r>
+              <a:rPr lang="it-IT" dirty="0"/>
+              <a:t> the </a:t>
+            </a:r>
+            <a:r>
+              <a:rPr lang="it-IT" dirty="0" err="1"/>
+              <a:t>capacity</a:t>
+            </a:r>
+            <a:r>
+              <a:rPr lang="it-IT" dirty="0"/>
+              <a:t> of </a:t>
+            </a:r>
+            <a:r>
+              <a:rPr lang="it-IT" dirty="0" err="1"/>
+              <a:t>that</a:t>
+            </a:r>
+            <a:r>
+              <a:rPr lang="it-IT" dirty="0"/>
+              <a:t> </a:t>
+            </a:r>
+            <a:r>
+              <a:rPr lang="it-IT" dirty="0" err="1"/>
+              <a:t>edge</a:t>
+            </a:r>
+            <a:r>
+              <a:rPr lang="it-IT" dirty="0"/>
+              <a:t> to Cmax – </a:t>
+            </a:r>
+            <a:r>
+              <a:rPr lang="it-IT" dirty="0" err="1"/>
+              <a:t>Cmin</a:t>
+            </a:r>
+            <a:r>
+              <a:rPr lang="it-IT" dirty="0"/>
+              <a:t>, </a:t>
+            </a:r>
+            <a:r>
+              <a:rPr lang="it-IT" dirty="0" err="1"/>
+              <a:t>increase</a:t>
+            </a:r>
+            <a:r>
+              <a:rPr lang="it-IT" dirty="0"/>
+              <a:t> the demand of the source </a:t>
+            </a:r>
+            <a:r>
+              <a:rPr lang="it-IT" dirty="0" err="1"/>
+              <a:t>node</a:t>
+            </a:r>
+            <a:r>
+              <a:rPr lang="it-IT" dirty="0"/>
+              <a:t> of </a:t>
+            </a:r>
+            <a:r>
+              <a:rPr lang="it-IT" dirty="0" err="1"/>
+              <a:t>that</a:t>
+            </a:r>
+            <a:r>
+              <a:rPr lang="it-IT" dirty="0"/>
+              <a:t> </a:t>
+            </a:r>
+            <a:r>
+              <a:rPr lang="it-IT" dirty="0" err="1"/>
+              <a:t>edge</a:t>
+            </a:r>
+            <a:r>
+              <a:rPr lang="it-IT" dirty="0"/>
+              <a:t> by </a:t>
+            </a:r>
+            <a:r>
+              <a:rPr lang="it-IT" dirty="0" err="1"/>
+              <a:t>Cmin</a:t>
+            </a:r>
+            <a:r>
+              <a:rPr lang="it-IT" dirty="0"/>
+              <a:t> </a:t>
+            </a:r>
+            <a:r>
+              <a:rPr lang="it-IT" dirty="0" err="1"/>
+              <a:t>while</a:t>
+            </a:r>
+            <a:r>
+              <a:rPr lang="it-IT" dirty="0"/>
+              <a:t> </a:t>
+            </a:r>
+            <a:r>
+              <a:rPr lang="it-IT" dirty="0" err="1"/>
+              <a:t>decreasing</a:t>
+            </a:r>
+            <a:r>
+              <a:rPr lang="it-IT" dirty="0"/>
+              <a:t> the demand of the target </a:t>
+            </a:r>
+            <a:r>
+              <a:rPr lang="it-IT" dirty="0" err="1"/>
+              <a:t>node</a:t>
+            </a:r>
+            <a:r>
+              <a:rPr lang="it-IT" dirty="0"/>
+              <a:t> of </a:t>
+            </a:r>
+            <a:r>
+              <a:rPr lang="it-IT" dirty="0" err="1"/>
+              <a:t>that</a:t>
+            </a:r>
+            <a:r>
+              <a:rPr lang="it-IT" dirty="0"/>
+              <a:t> </a:t>
+            </a:r>
+            <a:r>
+              <a:rPr lang="it-IT" dirty="0" err="1"/>
+              <a:t>edge</a:t>
+            </a:r>
+            <a:r>
+              <a:rPr lang="it-IT" dirty="0"/>
+              <a:t> by the </a:t>
+            </a:r>
+            <a:r>
+              <a:rPr lang="it-IT" dirty="0" err="1"/>
+              <a:t>same</a:t>
+            </a:r>
+            <a:r>
+              <a:rPr lang="it-IT" dirty="0"/>
+              <a:t> </a:t>
+            </a:r>
+            <a:r>
+              <a:rPr lang="it-IT" dirty="0" err="1"/>
+              <a:t>amount</a:t>
+            </a:r>
+            <a:r>
+              <a:rPr lang="it-IT" dirty="0"/>
+              <a:t> </a:t>
+            </a:r>
+            <a:r>
+              <a:rPr lang="it-IT" dirty="0" err="1"/>
+              <a:t>Cmin</a:t>
+            </a:r>
+            <a:r>
+              <a:rPr lang="it-IT" dirty="0"/>
+              <a:t>.</a:t>
             </a:r>
           </a:p>
           <a:p>
@@ -18500,8 +18881,12 @@
               <a:buNone/>
             </a:pPr>
             <a:r>
-              <a:rPr lang="it-IT" dirty="0"/>
-              <a:t>The </a:t>
+              <a:rPr lang="it-IT" dirty="0" err="1"/>
+              <a:t>Circulation</a:t>
+            </a:r>
+            <a:r>
+              <a:rPr lang="it-IT" dirty="0"/>
+              <a:t> </a:t>
             </a:r>
             <a:r>
               <a:rPr lang="it-IT" dirty="0" err="1"/>
@@ -18509,11 +18894,83 @@
             </a:r>
             <a:r>
               <a:rPr lang="it-IT" dirty="0"/>
-              <a:t> </a:t>
-            </a:r>
-            <a:r>
-              <a:rPr lang="it-IT" dirty="0" err="1"/>
-              <a:t>here</a:t>
+              <a:t>: </a:t>
+            </a:r>
+            <a:r>
+              <a:rPr lang="it-IT" dirty="0" err="1"/>
+              <a:t>calculate</a:t>
+            </a:r>
+            <a:r>
+              <a:rPr lang="it-IT" dirty="0"/>
+              <a:t> for </a:t>
+            </a:r>
+            <a:r>
+              <a:rPr lang="it-IT" dirty="0" err="1"/>
+              <a:t>each</a:t>
+            </a:r>
+            <a:r>
+              <a:rPr lang="it-IT" dirty="0"/>
+              <a:t> </a:t>
+            </a:r>
+            <a:r>
+              <a:rPr lang="it-IT" dirty="0" err="1"/>
+              <a:t>node</a:t>
+            </a:r>
+            <a:r>
+              <a:rPr lang="it-IT" dirty="0"/>
+              <a:t> the </a:t>
+            </a:r>
+            <a:r>
+              <a:rPr lang="it-IT" dirty="0" err="1"/>
+              <a:t>difference</a:t>
+            </a:r>
+            <a:r>
+              <a:rPr lang="it-IT" dirty="0"/>
+              <a:t> </a:t>
+            </a:r>
+            <a:r>
+              <a:rPr lang="it-IT" dirty="0" err="1"/>
+              <a:t>between</a:t>
+            </a:r>
+            <a:r>
+              <a:rPr lang="it-IT" dirty="0"/>
+              <a:t> the </a:t>
+            </a:r>
+            <a:r>
+              <a:rPr lang="it-IT" dirty="0" err="1"/>
+              <a:t>needed</a:t>
+            </a:r>
+            <a:r>
+              <a:rPr lang="it-IT" dirty="0"/>
+              <a:t> </a:t>
+            </a:r>
+            <a:r>
+              <a:rPr lang="it-IT" dirty="0" err="1"/>
+              <a:t>amount</a:t>
+            </a:r>
+            <a:r>
+              <a:rPr lang="it-IT" dirty="0"/>
+              <a:t> and the </a:t>
+            </a:r>
+            <a:r>
+              <a:rPr lang="it-IT" dirty="0" err="1"/>
+              <a:t>current</a:t>
+            </a:r>
+            <a:r>
+              <a:rPr lang="it-IT" dirty="0"/>
+              <a:t> one. </a:t>
+            </a:r>
+            <a:r>
+              <a:rPr lang="it-IT" dirty="0" err="1"/>
+              <a:t>If</a:t>
+            </a:r>
+            <a:r>
+              <a:rPr lang="it-IT" dirty="0"/>
+              <a:t> </a:t>
+            </a:r>
+            <a:r>
+              <a:rPr lang="it-IT" dirty="0" err="1"/>
+              <a:t>it</a:t>
             </a:r>
             <a:r>
               <a:rPr lang="it-IT" dirty="0"/>
@@ -18525,7 +18982,7 @@
             </a:r>
             <a:r>
               <a:rPr lang="it-IT" dirty="0"/>
-              <a:t> </a:t>
+              <a:t> positive, </a:t>
             </a:r>
             <a:r>
               <a:rPr lang="it-IT" dirty="0" err="1"/>
@@ -18537,27 +18994,131 @@
             </a:r>
             <a:r>
               <a:rPr lang="it-IT" dirty="0" err="1"/>
-              <a:t>don’t</a:t>
-            </a:r>
-            <a:r>
-              <a:rPr lang="it-IT" dirty="0"/>
-              <a:t> know </a:t>
-            </a:r>
-            <a:r>
-              <a:rPr lang="it-IT" dirty="0" err="1"/>
-              <a:t>what</a:t>
-            </a:r>
-            <a:r>
-              <a:rPr lang="it-IT" dirty="0"/>
-              <a:t> are the best endpoints to </a:t>
-            </a:r>
-            <a:r>
-              <a:rPr lang="it-IT" dirty="0" err="1"/>
-              <a:t>calculate</a:t>
-            </a:r>
-            <a:r>
-              <a:rPr lang="it-IT" dirty="0"/>
-              <a:t> the flow on.</a:t>
+              <a:t>have</a:t>
+            </a:r>
+            <a:r>
+              <a:rPr lang="it-IT" dirty="0"/>
+              <a:t> a demand </a:t>
+            </a:r>
+            <a:r>
+              <a:rPr lang="it-IT" dirty="0" err="1"/>
+              <a:t>node</a:t>
+            </a:r>
+            <a:r>
+              <a:rPr lang="it-IT" dirty="0"/>
+              <a:t>, </a:t>
+            </a:r>
+            <a:r>
+              <a:rPr lang="it-IT" dirty="0" err="1"/>
+              <a:t>which</a:t>
+            </a:r>
+            <a:r>
+              <a:rPr lang="it-IT" dirty="0"/>
+              <a:t> </a:t>
+            </a:r>
+            <a:r>
+              <a:rPr lang="it-IT" dirty="0" err="1"/>
+              <a:t>is</a:t>
+            </a:r>
+            <a:r>
+              <a:rPr lang="it-IT" dirty="0"/>
+              <a:t> to be </a:t>
+            </a:r>
+            <a:r>
+              <a:rPr lang="it-IT" dirty="0" err="1"/>
+              <a:t>linked</a:t>
+            </a:r>
+            <a:r>
+              <a:rPr lang="it-IT" dirty="0"/>
+              <a:t> to a common </a:t>
+            </a:r>
+            <a:r>
+              <a:rPr lang="it-IT" dirty="0" err="1"/>
+              <a:t>sink</a:t>
+            </a:r>
+            <a:r>
+              <a:rPr lang="it-IT" dirty="0"/>
+              <a:t>. </a:t>
+            </a:r>
+            <a:r>
+              <a:rPr lang="it-IT" dirty="0" err="1"/>
+              <a:t>If</a:t>
+            </a:r>
+            <a:r>
+              <a:rPr lang="it-IT" dirty="0"/>
+              <a:t> </a:t>
+            </a:r>
+            <a:r>
+              <a:rPr lang="it-IT" dirty="0" err="1"/>
+              <a:t>it</a:t>
+            </a:r>
+            <a:r>
+              <a:rPr lang="it-IT" dirty="0"/>
+              <a:t> </a:t>
+            </a:r>
+            <a:r>
+              <a:rPr lang="it-IT" dirty="0" err="1"/>
+              <a:t>is</a:t>
+            </a:r>
+            <a:r>
+              <a:rPr lang="it-IT" dirty="0"/>
+              <a:t> </a:t>
+            </a:r>
+            <a:r>
+              <a:rPr lang="it-IT" dirty="0" err="1"/>
+              <a:t>strictly</a:t>
+            </a:r>
+            <a:r>
+              <a:rPr lang="it-IT" dirty="0"/>
+              <a:t> negative, </a:t>
+            </a:r>
+            <a:r>
+              <a:rPr lang="it-IT" dirty="0" err="1"/>
+              <a:t>we</a:t>
+            </a:r>
+            <a:r>
+              <a:rPr lang="it-IT" dirty="0"/>
+              <a:t> </a:t>
+            </a:r>
+            <a:r>
+              <a:rPr lang="it-IT" dirty="0" err="1"/>
+              <a:t>have</a:t>
+            </a:r>
+            <a:r>
+              <a:rPr lang="it-IT" dirty="0"/>
+              <a:t> a supply </a:t>
+            </a:r>
+            <a:r>
+              <a:rPr lang="it-IT" dirty="0" err="1"/>
+              <a:t>node</a:t>
+            </a:r>
+            <a:r>
+              <a:rPr lang="it-IT" dirty="0"/>
+              <a:t>, </a:t>
+            </a:r>
+            <a:r>
+              <a:rPr lang="it-IT" dirty="0" err="1"/>
+              <a:t>which</a:t>
+            </a:r>
+            <a:r>
+              <a:rPr lang="it-IT" dirty="0"/>
+              <a:t> </a:t>
+            </a:r>
+            <a:r>
+              <a:rPr lang="it-IT" dirty="0" err="1"/>
+              <a:t>is</a:t>
+            </a:r>
+            <a:r>
+              <a:rPr lang="it-IT" dirty="0"/>
+              <a:t> to be </a:t>
+            </a:r>
+            <a:r>
+              <a:rPr lang="it-IT" dirty="0" err="1"/>
+              <a:t>linked</a:t>
+            </a:r>
+            <a:r>
+              <a:rPr lang="it-IT" dirty="0"/>
+              <a:t> to a common source.</a:t>
             </a:r>
           </a:p>
           <a:p>
@@ -18565,80 +19126,20 @@
               <a:buNone/>
             </a:pPr>
             <a:r>
-              <a:rPr lang="it-IT" dirty="0" err="1"/>
-              <a:t>Instead</a:t>
-            </a:r>
-            <a:r>
-              <a:rPr lang="it-IT" dirty="0"/>
-              <a:t> of </a:t>
-            </a:r>
-            <a:r>
-              <a:rPr lang="it-IT" dirty="0" err="1"/>
-              <a:t>naively</a:t>
-            </a:r>
-            <a:r>
-              <a:rPr lang="it-IT" dirty="0"/>
-              <a:t> </a:t>
-            </a:r>
-            <a:r>
-              <a:rPr lang="it-IT" dirty="0" err="1"/>
-              <a:t>trying</a:t>
-            </a:r>
-            <a:r>
-              <a:rPr lang="it-IT" dirty="0"/>
-              <a:t> </a:t>
-            </a:r>
-            <a:r>
-              <a:rPr lang="it-IT" dirty="0" err="1"/>
-              <a:t>all</a:t>
-            </a:r>
-            <a:r>
-              <a:rPr lang="it-IT" dirty="0"/>
-              <a:t> of the </a:t>
-            </a:r>
-            <a:r>
-              <a:rPr lang="it-IT" dirty="0" err="1"/>
-              <a:t>combinations</a:t>
-            </a:r>
-            <a:r>
-              <a:rPr lang="it-IT" dirty="0"/>
-              <a:t> (</a:t>
-            </a:r>
-            <a:r>
-              <a:rPr lang="it-IT" dirty="0" err="1"/>
-              <a:t>s,t</a:t>
-            </a:r>
-            <a:r>
-              <a:rPr lang="it-IT" dirty="0"/>
-              <a:t>) (O(n^2)), </a:t>
-            </a:r>
-            <a:r>
-              <a:rPr lang="it-IT" dirty="0" err="1"/>
-              <a:t>try</a:t>
-            </a:r>
-            <a:r>
-              <a:rPr lang="it-IT" dirty="0"/>
-              <a:t> to </a:t>
-            </a:r>
-            <a:r>
-              <a:rPr lang="it-IT" dirty="0" err="1"/>
-              <a:t>think</a:t>
-            </a:r>
-            <a:r>
-              <a:rPr lang="it-IT" dirty="0"/>
-              <a:t> of one </a:t>
-            </a:r>
-            <a:r>
-              <a:rPr lang="it-IT" dirty="0" err="1"/>
-              <a:t>node</a:t>
-            </a:r>
-            <a:r>
-              <a:rPr lang="it-IT" dirty="0"/>
-              <a:t>: </a:t>
-            </a:r>
-            <a:r>
-              <a:rPr lang="it-IT" dirty="0" err="1"/>
-              <a:t>it</a:t>
+              <a:rPr lang="it-IT" dirty="0"/>
+              <a:t>The </a:t>
+            </a:r>
+            <a:r>
+              <a:rPr lang="it-IT" dirty="0" err="1"/>
+              <a:t>circulation</a:t>
+            </a:r>
+            <a:r>
+              <a:rPr lang="it-IT" dirty="0"/>
+              <a:t> </a:t>
+            </a:r>
+            <a:r>
+              <a:rPr lang="it-IT" dirty="0" err="1"/>
+              <a:t>problem</a:t>
             </a:r>
             <a:r>
               <a:rPr lang="it-IT" dirty="0"/>
@@ -18654,48 +19155,11 @@
             </a:r>
             <a:r>
               <a:rPr lang="it-IT" dirty="0" err="1"/>
-              <a:t>either</a:t>
-            </a:r>
-            <a:r>
-              <a:rPr lang="it-IT" dirty="0"/>
-              <a:t> part of </a:t>
-            </a:r>
-            <a:r>
-              <a:rPr lang="it-IT" dirty="0" err="1"/>
-              <a:t>my</a:t>
-            </a:r>
-            <a:r>
-              <a:rPr lang="it-IT" dirty="0"/>
-              <a:t> </a:t>
-            </a:r>
-            <a:r>
-              <a:rPr lang="it-IT" dirty="0" err="1"/>
-              <a:t>partition</a:t>
-            </a:r>
-            <a:r>
-              <a:rPr lang="it-IT" dirty="0"/>
-              <a:t> or </a:t>
-            </a:r>
-            <a:r>
-              <a:rPr lang="it-IT" dirty="0" err="1"/>
-              <a:t>not</a:t>
-            </a:r>
-            <a:r>
-              <a:rPr lang="it-IT" dirty="0"/>
-              <a:t>.</a:t>
-            </a:r>
-          </a:p>
-          <a:p>
-            <a:pPr marL="0" indent="0">
-              <a:buNone/>
-            </a:pPr>
-            <a:r>
-              <a:rPr lang="it-IT" dirty="0" err="1"/>
-              <a:t>Hence</a:t>
-            </a:r>
-            <a:r>
-              <a:rPr lang="it-IT" dirty="0"/>
-              <a:t>, </a:t>
+              <a:t>solved</a:t>
+            </a:r>
+            <a:r>
+              <a:rPr lang="it-IT" dirty="0"/>
+              <a:t> </a:t>
             </a:r>
             <a:r>
               <a:rPr lang="it-IT" dirty="0" err="1"/>
@@ -18703,325 +19167,23 @@
             </a:r>
             <a:r>
               <a:rPr lang="it-IT" dirty="0"/>
-              <a:t> </a:t>
-            </a:r>
-            <a:r>
-              <a:rPr lang="it-IT" dirty="0" err="1"/>
-              <a:t>we</a:t>
-            </a:r>
-            <a:r>
-              <a:rPr lang="it-IT" dirty="0"/>
-              <a:t> </a:t>
-            </a:r>
-            <a:r>
-              <a:rPr lang="it-IT" dirty="0" err="1"/>
-              <a:t>pick</a:t>
-            </a:r>
-            <a:r>
-              <a:rPr lang="it-IT" dirty="0"/>
-              <a:t> </a:t>
-            </a:r>
-            <a:r>
-              <a:rPr lang="it-IT" dirty="0" err="1"/>
-              <a:t>this</a:t>
-            </a:r>
-            <a:r>
-              <a:rPr lang="it-IT" dirty="0"/>
-              <a:t> </a:t>
-            </a:r>
-            <a:r>
-              <a:rPr lang="it-IT" dirty="0" err="1"/>
-              <a:t>node</a:t>
-            </a:r>
-            <a:r>
-              <a:rPr lang="it-IT" dirty="0"/>
-              <a:t>, </a:t>
-            </a:r>
-            <a:r>
-              <a:rPr lang="it-IT" dirty="0" err="1"/>
-              <a:t>we</a:t>
-            </a:r>
-            <a:r>
-              <a:rPr lang="it-IT" dirty="0"/>
-              <a:t> </a:t>
-            </a:r>
-            <a:r>
-              <a:rPr lang="it-IT" dirty="0" err="1"/>
-              <a:t>could</a:t>
-            </a:r>
-            <a:r>
-              <a:rPr lang="it-IT" dirty="0"/>
-              <a:t> </a:t>
-            </a:r>
-            <a:r>
-              <a:rPr lang="it-IT" dirty="0" err="1"/>
-              <a:t>choose</a:t>
-            </a:r>
-            <a:r>
-              <a:rPr lang="it-IT" dirty="0"/>
-              <a:t> </a:t>
-            </a:r>
-            <a:r>
-              <a:rPr lang="it-IT" dirty="0" err="1"/>
-              <a:t>it</a:t>
-            </a:r>
-            <a:r>
-              <a:rPr lang="it-IT" dirty="0"/>
-              <a:t> </a:t>
-            </a:r>
-            <a:r>
-              <a:rPr lang="it-IT" dirty="0" err="1"/>
-              <a:t>as</a:t>
-            </a:r>
-            <a:r>
-              <a:rPr lang="it-IT" dirty="0"/>
-              <a:t> a </a:t>
-            </a:r>
-            <a:r>
-              <a:rPr lang="it-IT" dirty="0" err="1"/>
-              <a:t>starting</a:t>
-            </a:r>
-            <a:r>
-              <a:rPr lang="it-IT" dirty="0"/>
-              <a:t> point for a flow </a:t>
-            </a:r>
-            <a:r>
-              <a:rPr lang="it-IT" dirty="0" err="1"/>
-              <a:t>without</a:t>
-            </a:r>
-            <a:r>
-              <a:rPr lang="it-IT" dirty="0"/>
-              <a:t> </a:t>
-            </a:r>
-            <a:r>
-              <a:rPr lang="it-IT" dirty="0" err="1"/>
-              <a:t>loss</a:t>
-            </a:r>
-            <a:r>
-              <a:rPr lang="it-IT" dirty="0"/>
-              <a:t> of </a:t>
-            </a:r>
-            <a:r>
-              <a:rPr lang="it-IT" dirty="0" err="1"/>
-              <a:t>generality</a:t>
-            </a:r>
-            <a:r>
-              <a:rPr lang="it-IT" dirty="0"/>
               <a:t> and </a:t>
             </a:r>
             <a:r>
               <a:rPr lang="it-IT" dirty="0" err="1"/>
-              <a:t>iterating</a:t>
-            </a:r>
-            <a:r>
-              <a:rPr lang="it-IT" dirty="0"/>
-              <a:t> over </a:t>
-            </a:r>
-            <a:r>
-              <a:rPr lang="it-IT" dirty="0" err="1"/>
-              <a:t>all</a:t>
-            </a:r>
-            <a:r>
-              <a:rPr lang="it-IT" dirty="0"/>
-              <a:t> of the </a:t>
-            </a:r>
-            <a:r>
-              <a:rPr lang="it-IT" dirty="0" err="1"/>
-              <a:t>remaing</a:t>
-            </a:r>
-            <a:r>
-              <a:rPr lang="it-IT" dirty="0"/>
-              <a:t> </a:t>
-            </a:r>
-            <a:r>
-              <a:rPr lang="it-IT" dirty="0" err="1"/>
-              <a:t>nodes</a:t>
-            </a:r>
-            <a:r>
-              <a:rPr lang="it-IT" dirty="0"/>
-              <a:t> </a:t>
-            </a:r>
-            <a:r>
-              <a:rPr lang="it-IT" dirty="0" err="1"/>
-              <a:t>chosen</a:t>
-            </a:r>
-            <a:r>
-              <a:rPr lang="it-IT" dirty="0"/>
-              <a:t> </a:t>
-            </a:r>
-            <a:r>
-              <a:rPr lang="it-IT" dirty="0" err="1"/>
-              <a:t>as</a:t>
-            </a:r>
-            <a:r>
-              <a:rPr lang="it-IT" dirty="0"/>
-              <a:t> targets.</a:t>
-            </a:r>
-          </a:p>
-          <a:p>
-            <a:pPr marL="0" indent="0">
-              <a:buNone/>
-            </a:pPr>
-            <a:r>
-              <a:rPr lang="it-IT" dirty="0" err="1"/>
-              <a:t>If</a:t>
-            </a:r>
-            <a:r>
-              <a:rPr lang="it-IT" dirty="0"/>
-              <a:t> </a:t>
-            </a:r>
-            <a:r>
-              <a:rPr lang="it-IT" dirty="0" err="1"/>
-              <a:t>we</a:t>
-            </a:r>
-            <a:r>
-              <a:rPr lang="it-IT" dirty="0"/>
-              <a:t> </a:t>
-            </a:r>
-            <a:r>
-              <a:rPr lang="it-IT" dirty="0" err="1"/>
-              <a:t>don’t</a:t>
-            </a:r>
-            <a:r>
-              <a:rPr lang="it-IT" dirty="0"/>
-              <a:t> </a:t>
-            </a:r>
-            <a:r>
-              <a:rPr lang="it-IT" dirty="0" err="1"/>
-              <a:t>pick</a:t>
-            </a:r>
-            <a:r>
-              <a:rPr lang="it-IT" dirty="0"/>
-              <a:t> </a:t>
-            </a:r>
-            <a:r>
-              <a:rPr lang="it-IT" dirty="0" err="1"/>
-              <a:t>this</a:t>
-            </a:r>
-            <a:r>
-              <a:rPr lang="it-IT" dirty="0"/>
-              <a:t> </a:t>
-            </a:r>
-            <a:r>
-              <a:rPr lang="it-IT" dirty="0" err="1"/>
-              <a:t>node</a:t>
-            </a:r>
-            <a:r>
-              <a:rPr lang="it-IT" dirty="0"/>
-              <a:t>, </a:t>
-            </a:r>
-            <a:r>
-              <a:rPr lang="it-IT" dirty="0" err="1"/>
-              <a:t>we</a:t>
-            </a:r>
-            <a:r>
-              <a:rPr lang="it-IT" dirty="0"/>
-              <a:t> </a:t>
-            </a:r>
-            <a:r>
-              <a:rPr lang="it-IT" dirty="0" err="1"/>
-              <a:t>could</a:t>
-            </a:r>
-            <a:r>
-              <a:rPr lang="it-IT" dirty="0"/>
-              <a:t> do the </a:t>
-            </a:r>
-            <a:r>
-              <a:rPr lang="it-IT" dirty="0" err="1"/>
-              <a:t>same</a:t>
-            </a:r>
-            <a:r>
-              <a:rPr lang="it-IT" dirty="0"/>
-              <a:t> </a:t>
-            </a:r>
-            <a:r>
-              <a:rPr lang="it-IT" dirty="0" err="1"/>
-              <a:t>thing</a:t>
-            </a:r>
-            <a:r>
-              <a:rPr lang="it-IT" dirty="0"/>
-              <a:t> </a:t>
-            </a:r>
-            <a:r>
-              <a:rPr lang="it-IT" dirty="0" err="1"/>
-              <a:t>iterating</a:t>
-            </a:r>
-            <a:r>
-              <a:rPr lang="it-IT" dirty="0"/>
-              <a:t> over source </a:t>
-            </a:r>
-            <a:r>
-              <a:rPr lang="it-IT" dirty="0" err="1"/>
-              <a:t>nodes</a:t>
-            </a:r>
-            <a:r>
-              <a:rPr lang="it-IT" dirty="0"/>
-              <a:t> and </a:t>
-            </a:r>
-            <a:r>
-              <a:rPr lang="it-IT" dirty="0" err="1"/>
-              <a:t>leaving</a:t>
-            </a:r>
-            <a:r>
-              <a:rPr lang="it-IT" dirty="0"/>
-              <a:t> the target </a:t>
-            </a:r>
-            <a:r>
-              <a:rPr lang="it-IT" dirty="0" err="1"/>
-              <a:t>as</a:t>
-            </a:r>
-            <a:r>
-              <a:rPr lang="it-IT" dirty="0"/>
-              <a:t> </a:t>
-            </a:r>
-            <a:r>
-              <a:rPr lang="it-IT" dirty="0" err="1"/>
-              <a:t>fixed</a:t>
-            </a:r>
-            <a:r>
-              <a:rPr lang="it-IT" dirty="0"/>
-              <a:t> (O(n)).</a:t>
-            </a:r>
-          </a:p>
-          <a:p>
-            <a:pPr marL="0" indent="0">
-              <a:buNone/>
-            </a:pPr>
-            <a:r>
-              <a:rPr lang="it-IT" dirty="0"/>
-              <a:t>The minimum </a:t>
-            </a:r>
-            <a:r>
-              <a:rPr lang="it-IT" dirty="0" err="1"/>
-              <a:t>cut</a:t>
-            </a:r>
-            <a:r>
-              <a:rPr lang="it-IT" dirty="0"/>
-              <a:t> over </a:t>
-            </a:r>
-            <a:r>
-              <a:rPr lang="it-IT" dirty="0" err="1"/>
-              <a:t>all</a:t>
-            </a:r>
-            <a:r>
-              <a:rPr lang="it-IT" dirty="0"/>
-              <a:t> </a:t>
-            </a:r>
-            <a:r>
-              <a:rPr lang="it-IT" dirty="0" err="1"/>
-              <a:t>pairs</a:t>
-            </a:r>
-            <a:r>
-              <a:rPr lang="it-IT" dirty="0"/>
-              <a:t> (</a:t>
-            </a:r>
-            <a:r>
-              <a:rPr lang="it-IT" dirty="0" err="1"/>
-              <a:t>s,t</a:t>
-            </a:r>
-            <a:r>
-              <a:rPr lang="it-IT" dirty="0"/>
-              <a:t>) </a:t>
+              <a:t>only</a:t>
+            </a:r>
+            <a:r>
+              <a:rPr lang="it-IT" dirty="0"/>
+              <a:t> </a:t>
+            </a:r>
+            <a:r>
+              <a:rPr lang="it-IT" dirty="0" err="1"/>
+              <a:t>if</a:t>
+            </a:r>
+            <a:r>
+              <a:rPr lang="it-IT" dirty="0"/>
+              <a:t> the maximum flow </a:t>
             </a:r>
             <a:r>
               <a:rPr lang="it-IT" dirty="0" err="1"/>
@@ -19029,48 +19191,31 @@
             </a:r>
             <a:r>
               <a:rPr lang="it-IT" dirty="0"/>
-              <a:t> the minimum </a:t>
-            </a:r>
-            <a:r>
-              <a:rPr lang="it-IT" dirty="0" err="1"/>
-              <a:t>MaxFlow</a:t>
-            </a:r>
-            <a:r>
-              <a:rPr lang="it-IT" dirty="0"/>
-              <a:t> </a:t>
-            </a:r>
-            <a:r>
-              <a:rPr lang="it-IT" dirty="0" err="1"/>
-              <a:t>we</a:t>
-            </a:r>
-            <a:r>
-              <a:rPr lang="it-IT" dirty="0"/>
-              <a:t> </a:t>
-            </a:r>
-            <a:r>
-              <a:rPr lang="it-IT" dirty="0" err="1"/>
-              <a:t>came</a:t>
-            </a:r>
-            <a:r>
-              <a:rPr lang="it-IT" dirty="0"/>
-              <a:t> </a:t>
-            </a:r>
-            <a:r>
-              <a:rPr lang="it-IT" dirty="0" err="1"/>
-              <a:t>across</a:t>
-            </a:r>
-            <a:r>
-              <a:rPr lang="it-IT"/>
-              <a:t>.</a:t>
-            </a:r>
-            <a:endParaRPr lang="it-IT" dirty="0"/>
+              <a:t> </a:t>
+            </a:r>
+            <a:r>
+              <a:rPr lang="it-IT" dirty="0" err="1"/>
+              <a:t>equal</a:t>
+            </a:r>
+            <a:r>
+              <a:rPr lang="it-IT" dirty="0"/>
+              <a:t> to the sum of the demands (positive </a:t>
+            </a:r>
+            <a:r>
+              <a:rPr lang="it-IT" dirty="0" err="1"/>
+              <a:t>differences</a:t>
+            </a:r>
+            <a:r>
+              <a:rPr lang="it-IT" dirty="0"/>
+              <a:t>).</a:t>
+            </a:r>
           </a:p>
         </p:txBody>
       </p:sp>
     </p:spTree>
     <p:extLst>
       <p:ext uri="{BB962C8B-B14F-4D97-AF65-F5344CB8AC3E}">
-        <p14:creationId xmlns:p14="http://schemas.microsoft.com/office/powerpoint/2010/main" val="3963185354"/>
+        <p14:creationId xmlns:p14="http://schemas.microsoft.com/office/powerpoint/2010/main" val="2497814037"/>
       </p:ext>
     </p:extLst>
   </p:cSld>
@@ -19120,7 +19265,15 @@
           <a:p>
             <a:r>
               <a:rPr lang="it-IT" dirty="0"/>
-              <a:t>Week 9: Real Estate Market</a:t>
+              <a:t>Week 9: </a:t>
+            </a:r>
+            <a:r>
+              <a:rPr lang="it-IT" dirty="0" err="1"/>
+              <a:t>Algocoön</a:t>
+            </a:r>
+            <a:r>
+              <a:rPr lang="it-IT" dirty="0"/>
+              <a:t> Group</a:t>
             </a:r>
           </a:p>
         </p:txBody>
@@ -19168,31 +19321,47 @@
             </a:pPr>
             <a:r>
               <a:rPr lang="it-IT" dirty="0"/>
-              <a:t>Maximum </a:t>
-            </a:r>
-            <a:r>
-              <a:rPr lang="it-IT" dirty="0" err="1"/>
-              <a:t>weighted</a:t>
-            </a:r>
-            <a:r>
-              <a:rPr lang="it-IT" dirty="0"/>
-              <a:t> matching with </a:t>
-            </a:r>
-            <a:r>
-              <a:rPr lang="it-IT" dirty="0" err="1"/>
-              <a:t>capacity</a:t>
-            </a:r>
-            <a:r>
-              <a:rPr lang="it-IT" dirty="0"/>
-              <a:t> </a:t>
-            </a:r>
-            <a:r>
-              <a:rPr lang="it-IT" dirty="0" err="1"/>
-              <a:t>constraints</a:t>
-            </a:r>
-            <a:r>
-              <a:rPr lang="it-IT" dirty="0"/>
-              <a:t> on one side.</a:t>
+              <a:t>Minimum </a:t>
+            </a:r>
+            <a:r>
+              <a:rPr lang="it-IT" dirty="0" err="1"/>
+              <a:t>cut</a:t>
+            </a:r>
+            <a:r>
+              <a:rPr lang="it-IT" dirty="0"/>
+              <a:t> </a:t>
+            </a:r>
+            <a:r>
+              <a:rPr lang="it-IT" dirty="0" err="1"/>
+              <a:t>problem</a:t>
+            </a:r>
+            <a:r>
+              <a:rPr lang="it-IT" dirty="0"/>
+              <a:t> </a:t>
+            </a:r>
+            <a:r>
+              <a:rPr lang="it-IT" dirty="0" err="1"/>
+              <a:t>without</a:t>
+            </a:r>
+            <a:r>
+              <a:rPr lang="it-IT" dirty="0"/>
+              <a:t> </a:t>
+            </a:r>
+            <a:r>
+              <a:rPr lang="it-IT" dirty="0" err="1"/>
+              <a:t>knowing</a:t>
+            </a:r>
+            <a:r>
+              <a:rPr lang="it-IT" dirty="0"/>
+              <a:t> the </a:t>
+            </a:r>
+            <a:r>
+              <a:rPr lang="it-IT" dirty="0" err="1"/>
+              <a:t>two</a:t>
+            </a:r>
+            <a:r>
+              <a:rPr lang="it-IT" dirty="0"/>
+              <a:t> endpoints</a:t>
             </a:r>
           </a:p>
           <a:p>
@@ -19207,19 +19376,75 @@
             </a:pPr>
             <a:r>
               <a:rPr lang="it-IT" dirty="0" err="1"/>
-              <a:t>Given</a:t>
-            </a:r>
-            <a:r>
-              <a:rPr lang="it-IT" dirty="0"/>
-              <a:t> the size of the input, </a:t>
-            </a:r>
-            <a:r>
-              <a:rPr lang="it-IT" dirty="0" err="1"/>
-              <a:t>MinCost-MaxFlow</a:t>
-            </a:r>
-            <a:r>
-              <a:rPr lang="it-IT" dirty="0"/>
-              <a:t> </a:t>
+              <a:t>Based</a:t>
+            </a:r>
+            <a:r>
+              <a:rPr lang="it-IT" dirty="0"/>
+              <a:t> on the </a:t>
+            </a:r>
+            <a:r>
+              <a:rPr lang="it-IT" dirty="0" err="1"/>
+              <a:t>MinCut-MaxFlow</a:t>
+            </a:r>
+            <a:r>
+              <a:rPr lang="it-IT" dirty="0"/>
+              <a:t> </a:t>
+            </a:r>
+            <a:r>
+              <a:rPr lang="it-IT" dirty="0" err="1"/>
+              <a:t>theorem</a:t>
+            </a:r>
+            <a:r>
+              <a:rPr lang="it-IT" dirty="0"/>
+              <a:t> (</a:t>
+            </a:r>
+            <a:r>
+              <a:rPr lang="it-IT" dirty="0" err="1"/>
+              <a:t>see</a:t>
+            </a:r>
+            <a:r>
+              <a:rPr lang="it-IT" dirty="0"/>
+              <a:t> slides), the </a:t>
+            </a:r>
+            <a:r>
+              <a:rPr lang="it-IT" dirty="0" err="1"/>
+              <a:t>value</a:t>
+            </a:r>
+            <a:r>
+              <a:rPr lang="it-IT" dirty="0"/>
+              <a:t> of a minimum </a:t>
+            </a:r>
+            <a:r>
+              <a:rPr lang="it-IT" dirty="0" err="1"/>
+              <a:t>cut</a:t>
+            </a:r>
+            <a:r>
+              <a:rPr lang="it-IT" dirty="0"/>
+              <a:t> </a:t>
+            </a:r>
+            <a:r>
+              <a:rPr lang="it-IT" dirty="0" err="1"/>
+              <a:t>between</a:t>
+            </a:r>
+            <a:r>
+              <a:rPr lang="it-IT" dirty="0"/>
+              <a:t> </a:t>
+            </a:r>
+            <a:r>
+              <a:rPr lang="it-IT" dirty="0" err="1"/>
+              <a:t>two</a:t>
+            </a:r>
+            <a:r>
+              <a:rPr lang="it-IT" dirty="0"/>
+              <a:t> </a:t>
+            </a:r>
+            <a:r>
+              <a:rPr lang="it-IT" dirty="0" err="1"/>
+              <a:t>vertices</a:t>
+            </a:r>
+            <a:r>
+              <a:rPr lang="it-IT" dirty="0"/>
+              <a:t> s and t </a:t>
             </a:r>
             <a:r>
               <a:rPr lang="it-IT" dirty="0" err="1"/>
@@ -19227,15 +19452,23 @@
             </a:r>
             <a:r>
               <a:rPr lang="it-IT" dirty="0"/>
-              <a:t> the best </a:t>
-            </a:r>
-            <a:r>
-              <a:rPr lang="it-IT" dirty="0" err="1"/>
-              <a:t>choice</a:t>
-            </a:r>
-            <a:r>
-              <a:rPr lang="it-IT" dirty="0"/>
-              <a:t>.</a:t>
+              <a:t> </a:t>
+            </a:r>
+            <a:r>
+              <a:rPr lang="it-IT" dirty="0" err="1"/>
+              <a:t>equal</a:t>
+            </a:r>
+            <a:r>
+              <a:rPr lang="it-IT" dirty="0"/>
+              <a:t> to the maximum flow </a:t>
+            </a:r>
+            <a:r>
+              <a:rPr lang="it-IT" dirty="0" err="1"/>
+              <a:t>flowing</a:t>
+            </a:r>
+            <a:r>
+              <a:rPr lang="it-IT" dirty="0"/>
+              <a:t> from s to t.</a:t>
             </a:r>
           </a:p>
           <a:p>
@@ -19244,63 +19477,63 @@
             </a:pPr>
             <a:r>
               <a:rPr lang="it-IT" dirty="0"/>
-              <a:t>To account for </a:t>
-            </a:r>
-            <a:r>
-              <a:rPr lang="it-IT" dirty="0" err="1"/>
-              <a:t>capacity</a:t>
-            </a:r>
-            <a:r>
-              <a:rPr lang="it-IT" dirty="0"/>
-              <a:t> </a:t>
-            </a:r>
-            <a:r>
-              <a:rPr lang="it-IT" dirty="0" err="1"/>
-              <a:t>constraints</a:t>
-            </a:r>
-            <a:r>
-              <a:rPr lang="it-IT" dirty="0"/>
-              <a:t>, </a:t>
-            </a:r>
-            <a:r>
-              <a:rPr lang="it-IT" dirty="0" err="1"/>
-              <a:t>add</a:t>
-            </a:r>
-            <a:r>
-              <a:rPr lang="it-IT" dirty="0"/>
-              <a:t> filtering </a:t>
-            </a:r>
-            <a:r>
-              <a:rPr lang="it-IT" dirty="0" err="1"/>
-              <a:t>node</a:t>
-            </a:r>
-            <a:r>
-              <a:rPr lang="it-IT" dirty="0"/>
-              <a:t> on </a:t>
-            </a:r>
-            <a:r>
-              <a:rPr lang="it-IT" dirty="0" err="1"/>
-              <a:t>that</a:t>
-            </a:r>
-            <a:r>
-              <a:rPr lang="it-IT" dirty="0"/>
-              <a:t> side </a:t>
-            </a:r>
-            <a:r>
-              <a:rPr lang="it-IT" dirty="0" err="1"/>
-              <a:t>before</a:t>
-            </a:r>
-            <a:r>
-              <a:rPr lang="it-IT" dirty="0"/>
-              <a:t> the </a:t>
-            </a:r>
-            <a:r>
-              <a:rPr lang="it-IT" dirty="0" err="1"/>
-              <a:t>sink</a:t>
-            </a:r>
-            <a:r>
-              <a:rPr lang="it-IT" dirty="0"/>
-              <a:t>.</a:t>
+              <a:t>The </a:t>
+            </a:r>
+            <a:r>
+              <a:rPr lang="it-IT" dirty="0" err="1"/>
+              <a:t>problem</a:t>
+            </a:r>
+            <a:r>
+              <a:rPr lang="it-IT" dirty="0"/>
+              <a:t> </a:t>
+            </a:r>
+            <a:r>
+              <a:rPr lang="it-IT" dirty="0" err="1"/>
+              <a:t>here</a:t>
+            </a:r>
+            <a:r>
+              <a:rPr lang="it-IT" dirty="0"/>
+              <a:t> </a:t>
+            </a:r>
+            <a:r>
+              <a:rPr lang="it-IT" dirty="0" err="1"/>
+              <a:t>is</a:t>
+            </a:r>
+            <a:r>
+              <a:rPr lang="it-IT" dirty="0"/>
+              <a:t> </a:t>
+            </a:r>
+            <a:r>
+              <a:rPr lang="it-IT" dirty="0" err="1"/>
+              <a:t>we</a:t>
+            </a:r>
+            <a:r>
+              <a:rPr lang="it-IT" dirty="0"/>
+              <a:t> </a:t>
+            </a:r>
+            <a:r>
+              <a:rPr lang="it-IT" dirty="0" err="1"/>
+              <a:t>don’t</a:t>
+            </a:r>
+            <a:r>
+              <a:rPr lang="it-IT" dirty="0"/>
+              <a:t> know </a:t>
+            </a:r>
+            <a:r>
+              <a:rPr lang="it-IT" dirty="0" err="1"/>
+              <a:t>what</a:t>
+            </a:r>
+            <a:r>
+              <a:rPr lang="it-IT" dirty="0"/>
+              <a:t> are the best endpoints to </a:t>
+            </a:r>
+            <a:r>
+              <a:rPr lang="it-IT" dirty="0" err="1"/>
+              <a:t>calculate</a:t>
+            </a:r>
+            <a:r>
+              <a:rPr lang="it-IT" dirty="0"/>
+              <a:t> the flow on.</a:t>
             </a:r>
           </a:p>
           <a:p>
@@ -19308,20 +19541,72 @@
               <a:buNone/>
             </a:pPr>
             <a:r>
-              <a:rPr lang="it-IT" dirty="0"/>
-              <a:t>Cost </a:t>
-            </a:r>
-            <a:r>
-              <a:rPr lang="it-IT" dirty="0" err="1"/>
-              <a:t>has</a:t>
-            </a:r>
-            <a:r>
-              <a:rPr lang="it-IT" dirty="0"/>
-              <a:t> to be </a:t>
-            </a:r>
-            <a:r>
-              <a:rPr lang="it-IT" dirty="0" err="1"/>
-              <a:t>maximized</a:t>
+              <a:rPr lang="it-IT" dirty="0" err="1"/>
+              <a:t>Instead</a:t>
+            </a:r>
+            <a:r>
+              <a:rPr lang="it-IT" dirty="0"/>
+              <a:t> of </a:t>
+            </a:r>
+            <a:r>
+              <a:rPr lang="it-IT" dirty="0" err="1"/>
+              <a:t>naively</a:t>
+            </a:r>
+            <a:r>
+              <a:rPr lang="it-IT" dirty="0"/>
+              <a:t> </a:t>
+            </a:r>
+            <a:r>
+              <a:rPr lang="it-IT" dirty="0" err="1"/>
+              <a:t>trying</a:t>
+            </a:r>
+            <a:r>
+              <a:rPr lang="it-IT" dirty="0"/>
+              <a:t> </a:t>
+            </a:r>
+            <a:r>
+              <a:rPr lang="it-IT" dirty="0" err="1"/>
+              <a:t>all</a:t>
+            </a:r>
+            <a:r>
+              <a:rPr lang="it-IT" dirty="0"/>
+              <a:t> of the </a:t>
+            </a:r>
+            <a:r>
+              <a:rPr lang="it-IT" dirty="0" err="1"/>
+              <a:t>combinations</a:t>
+            </a:r>
+            <a:r>
+              <a:rPr lang="it-IT" dirty="0"/>
+              <a:t> (</a:t>
+            </a:r>
+            <a:r>
+              <a:rPr lang="it-IT" dirty="0" err="1"/>
+              <a:t>s,t</a:t>
+            </a:r>
+            <a:r>
+              <a:rPr lang="it-IT" dirty="0"/>
+              <a:t>) (O(n^2)), </a:t>
+            </a:r>
+            <a:r>
+              <a:rPr lang="it-IT" dirty="0" err="1"/>
+              <a:t>try</a:t>
+            </a:r>
+            <a:r>
+              <a:rPr lang="it-IT" dirty="0"/>
+              <a:t> to </a:t>
+            </a:r>
+            <a:r>
+              <a:rPr lang="it-IT" dirty="0" err="1"/>
+              <a:t>think</a:t>
+            </a:r>
+            <a:r>
+              <a:rPr lang="it-IT" dirty="0"/>
+              <a:t> of one </a:t>
+            </a:r>
+            <a:r>
+              <a:rPr lang="it-IT" dirty="0" err="1"/>
+              <a:t>node</a:t>
             </a:r>
             <a:r>
               <a:rPr lang="it-IT" dirty="0"/>
@@ -19329,11 +19614,11 @@
             </a:r>
             <a:r>
               <a:rPr lang="it-IT" dirty="0" err="1"/>
-              <a:t>cycle_canceling</a:t>
-            </a:r>
-            <a:r>
-              <a:rPr lang="it-IT" dirty="0"/>
-              <a:t>() </a:t>
+              <a:t>it</a:t>
+            </a:r>
+            <a:r>
+              <a:rPr lang="it-IT" dirty="0"/>
+              <a:t> </a:t>
             </a:r>
             <a:r>
               <a:rPr lang="it-IT" dirty="0" err="1"/>
@@ -19341,23 +19626,39 @@
             </a:r>
             <a:r>
               <a:rPr lang="it-IT" dirty="0"/>
-              <a:t> slow, use </a:t>
-            </a:r>
-            <a:r>
-              <a:rPr lang="it-IT" dirty="0" err="1"/>
-              <a:t>successive_shortest_paths</a:t>
-            </a:r>
-            <a:r>
-              <a:rPr lang="it-IT" dirty="0"/>
-              <a:t>() </a:t>
-            </a:r>
-            <a:r>
-              <a:rPr lang="it-IT" dirty="0" err="1"/>
-              <a:t>offsetting</a:t>
-            </a:r>
-            <a:r>
-              <a:rPr lang="it-IT" dirty="0"/>
-              <a:t> negative weights.</a:t>
+              <a:t> </a:t>
+            </a:r>
+            <a:r>
+              <a:rPr lang="it-IT" dirty="0" err="1"/>
+              <a:t>either</a:t>
+            </a:r>
+            <a:r>
+              <a:rPr lang="it-IT" dirty="0"/>
+              <a:t> part of </a:t>
+            </a:r>
+            <a:r>
+              <a:rPr lang="it-IT" dirty="0" err="1"/>
+              <a:t>my</a:t>
+            </a:r>
+            <a:r>
+              <a:rPr lang="it-IT" dirty="0"/>
+              <a:t> </a:t>
+            </a:r>
+            <a:r>
+              <a:rPr lang="it-IT" dirty="0" err="1"/>
+              <a:t>partition</a:t>
+            </a:r>
+            <a:r>
+              <a:rPr lang="it-IT" dirty="0"/>
+              <a:t> or </a:t>
+            </a:r>
+            <a:r>
+              <a:rPr lang="it-IT" dirty="0" err="1"/>
+              <a:t>not</a:t>
+            </a:r>
+            <a:r>
+              <a:rPr lang="it-IT" dirty="0"/>
+              <a:t>.</a:t>
             </a:r>
           </a:p>
           <a:p>
@@ -19365,56 +19666,172 @@
               <a:buNone/>
             </a:pPr>
             <a:r>
-              <a:rPr lang="it-IT" dirty="0"/>
-              <a:t>The offset can be </a:t>
-            </a:r>
-            <a:r>
-              <a:rPr lang="it-IT" dirty="0" err="1"/>
-              <a:t>easily</a:t>
-            </a:r>
-            <a:r>
-              <a:rPr lang="it-IT" dirty="0"/>
-              <a:t> </a:t>
-            </a:r>
-            <a:r>
-              <a:rPr lang="it-IT" dirty="0" err="1"/>
-              <a:t>derived</a:t>
-            </a:r>
-            <a:r>
-              <a:rPr lang="it-IT" dirty="0"/>
-              <a:t> by </a:t>
-            </a:r>
-            <a:r>
-              <a:rPr lang="it-IT" dirty="0" err="1"/>
-              <a:t>looking</a:t>
-            </a:r>
-            <a:r>
-              <a:rPr lang="it-IT" dirty="0"/>
-              <a:t> </a:t>
-            </a:r>
-            <a:r>
-              <a:rPr lang="it-IT" dirty="0" err="1"/>
-              <a:t>at</a:t>
-            </a:r>
-            <a:r>
-              <a:rPr lang="it-IT" dirty="0"/>
-              <a:t> the maximum cost </a:t>
-            </a:r>
-            <a:r>
-              <a:rPr lang="it-IT" dirty="0" err="1"/>
-              <a:t>given</a:t>
-            </a:r>
-            <a:r>
-              <a:rPr lang="it-IT" dirty="0"/>
-              <a:t> </a:t>
-            </a:r>
-            <a:r>
-              <a:rPr lang="it-IT" dirty="0" err="1"/>
-              <a:t>at</a:t>
-            </a:r>
-            <a:r>
-              <a:rPr lang="it-IT" dirty="0"/>
-              <a:t> the input (100).</a:t>
+              <a:rPr lang="it-IT" dirty="0" err="1"/>
+              <a:t>Hence</a:t>
+            </a:r>
+            <a:r>
+              <a:rPr lang="it-IT" dirty="0"/>
+              <a:t>, </a:t>
+            </a:r>
+            <a:r>
+              <a:rPr lang="it-IT" dirty="0" err="1"/>
+              <a:t>if</a:t>
+            </a:r>
+            <a:r>
+              <a:rPr lang="it-IT" dirty="0"/>
+              <a:t> </a:t>
+            </a:r>
+            <a:r>
+              <a:rPr lang="it-IT" dirty="0" err="1"/>
+              <a:t>we</a:t>
+            </a:r>
+            <a:r>
+              <a:rPr lang="it-IT" dirty="0"/>
+              <a:t> </a:t>
+            </a:r>
+            <a:r>
+              <a:rPr lang="it-IT" dirty="0" err="1"/>
+              <a:t>pick</a:t>
+            </a:r>
+            <a:r>
+              <a:rPr lang="it-IT" dirty="0"/>
+              <a:t> </a:t>
+            </a:r>
+            <a:r>
+              <a:rPr lang="it-IT" dirty="0" err="1"/>
+              <a:t>this</a:t>
+            </a:r>
+            <a:r>
+              <a:rPr lang="it-IT" dirty="0"/>
+              <a:t> </a:t>
+            </a:r>
+            <a:r>
+              <a:rPr lang="it-IT" dirty="0" err="1"/>
+              <a:t>node</a:t>
+            </a:r>
+            <a:r>
+              <a:rPr lang="it-IT" dirty="0"/>
+              <a:t>, </a:t>
+            </a:r>
+            <a:r>
+              <a:rPr lang="it-IT" dirty="0" err="1"/>
+              <a:t>we</a:t>
+            </a:r>
+            <a:r>
+              <a:rPr lang="it-IT" dirty="0"/>
+              <a:t> </a:t>
+            </a:r>
+            <a:r>
+              <a:rPr lang="it-IT" dirty="0" err="1"/>
+              <a:t>could</a:t>
+            </a:r>
+            <a:r>
+              <a:rPr lang="it-IT" dirty="0"/>
+              <a:t> </a:t>
+            </a:r>
+            <a:r>
+              <a:rPr lang="it-IT" dirty="0" err="1"/>
+              <a:t>choose</a:t>
+            </a:r>
+            <a:r>
+              <a:rPr lang="it-IT" dirty="0"/>
+              <a:t> </a:t>
+            </a:r>
+            <a:r>
+              <a:rPr lang="it-IT" dirty="0" err="1"/>
+              <a:t>it</a:t>
+            </a:r>
+            <a:r>
+              <a:rPr lang="it-IT" dirty="0"/>
+              <a:t> </a:t>
+            </a:r>
+            <a:r>
+              <a:rPr lang="it-IT" dirty="0" err="1"/>
+              <a:t>as</a:t>
+            </a:r>
+            <a:r>
+              <a:rPr lang="it-IT" dirty="0"/>
+              <a:t> a </a:t>
+            </a:r>
+            <a:r>
+              <a:rPr lang="it-IT" dirty="0" err="1"/>
+              <a:t>starting</a:t>
+            </a:r>
+            <a:r>
+              <a:rPr lang="it-IT" dirty="0"/>
+              <a:t> point for a flow </a:t>
+            </a:r>
+            <a:r>
+              <a:rPr lang="it-IT" dirty="0" err="1"/>
+              <a:t>without</a:t>
+            </a:r>
+            <a:r>
+              <a:rPr lang="it-IT" dirty="0"/>
+              <a:t> </a:t>
+            </a:r>
+            <a:r>
+              <a:rPr lang="it-IT" dirty="0" err="1"/>
+              <a:t>loss</a:t>
+            </a:r>
+            <a:r>
+              <a:rPr lang="it-IT" dirty="0"/>
+              <a:t> of </a:t>
+            </a:r>
+            <a:r>
+              <a:rPr lang="it-IT" dirty="0" err="1"/>
+              <a:t>generality</a:t>
+            </a:r>
+            <a:r>
+              <a:rPr lang="it-IT" dirty="0"/>
+              <a:t> and </a:t>
+            </a:r>
+            <a:r>
+              <a:rPr lang="it-IT" dirty="0" err="1"/>
+              <a:t>iterating</a:t>
+            </a:r>
+            <a:r>
+              <a:rPr lang="it-IT" dirty="0"/>
+              <a:t> over </a:t>
+            </a:r>
+            <a:r>
+              <a:rPr lang="it-IT" dirty="0" err="1"/>
+              <a:t>all</a:t>
+            </a:r>
+            <a:r>
+              <a:rPr lang="it-IT" dirty="0"/>
+              <a:t> of the </a:t>
+            </a:r>
+            <a:r>
+              <a:rPr lang="it-IT" dirty="0" err="1"/>
+              <a:t>remaing</a:t>
+            </a:r>
+            <a:r>
+              <a:rPr lang="it-IT" dirty="0"/>
+              <a:t> </a:t>
+            </a:r>
+            <a:r>
+              <a:rPr lang="it-IT" dirty="0" err="1"/>
+              <a:t>nodes</a:t>
+            </a:r>
+            <a:r>
+              <a:rPr lang="it-IT" dirty="0"/>
+              <a:t> </a:t>
+            </a:r>
+            <a:r>
+              <a:rPr lang="it-IT" dirty="0" err="1"/>
+              <a:t>chosen</a:t>
+            </a:r>
+            <a:r>
+              <a:rPr lang="it-IT" dirty="0"/>
+              <a:t> </a:t>
+            </a:r>
+            <a:r>
+              <a:rPr lang="it-IT" dirty="0" err="1"/>
+              <a:t>as</a:t>
+            </a:r>
+            <a:r>
+              <a:rPr lang="it-IT" dirty="0"/>
+              <a:t> targets.</a:t>
             </a:r>
           </a:p>
           <a:p>
@@ -19423,73 +19840,123 @@
             </a:pPr>
             <a:r>
               <a:rPr lang="it-IT" dirty="0" err="1"/>
-              <a:t>Final</a:t>
-            </a:r>
-            <a:r>
-              <a:rPr lang="it-IT" dirty="0"/>
-              <a:t> cost </a:t>
-            </a:r>
-            <a:r>
-              <a:rPr lang="it-IT" dirty="0" err="1"/>
-              <a:t>is</a:t>
-            </a:r>
-            <a:r>
-              <a:rPr lang="it-IT" dirty="0"/>
-              <a:t> </a:t>
-            </a:r>
-            <a:r>
-              <a:rPr lang="it-IT" dirty="0" err="1"/>
-              <a:t>corrected</a:t>
-            </a:r>
-            <a:r>
-              <a:rPr lang="it-IT" dirty="0"/>
-              <a:t> </a:t>
-            </a:r>
-            <a:r>
-              <a:rPr lang="it-IT" dirty="0" err="1"/>
-              <a:t>subtracting</a:t>
-            </a:r>
-            <a:r>
-              <a:rPr lang="it-IT" dirty="0"/>
-              <a:t> offset*</a:t>
-            </a:r>
-            <a:r>
-              <a:rPr lang="it-IT" dirty="0" err="1"/>
-              <a:t>max_flow</a:t>
-            </a:r>
-            <a:r>
-              <a:rPr lang="it-IT" dirty="0"/>
-              <a:t> to cost and </a:t>
-            </a:r>
-            <a:r>
-              <a:rPr lang="it-IT" dirty="0" err="1"/>
-              <a:t>changing</a:t>
-            </a:r>
-            <a:r>
-              <a:rPr lang="it-IT" dirty="0"/>
-              <a:t> </a:t>
-            </a:r>
-            <a:r>
-              <a:rPr lang="it-IT" dirty="0" err="1"/>
-              <a:t>its</a:t>
-            </a:r>
-            <a:r>
-              <a:rPr lang="it-IT" dirty="0"/>
-              <a:t> </a:t>
-            </a:r>
-            <a:r>
-              <a:rPr lang="it-IT" dirty="0" err="1"/>
-              <a:t>sign</a:t>
-            </a:r>
-            <a:r>
-              <a:rPr lang="it-IT" dirty="0"/>
-              <a:t>.</a:t>
-            </a:r>
-          </a:p>
-          <a:p>
-            <a:r>
-              <a:rPr lang="it-IT" dirty="0"/>
-              <a:t>Take home</a:t>
+              <a:t>If</a:t>
+            </a:r>
+            <a:r>
+              <a:rPr lang="it-IT" dirty="0"/>
+              <a:t> </a:t>
+            </a:r>
+            <a:r>
+              <a:rPr lang="it-IT" dirty="0" err="1"/>
+              <a:t>we</a:t>
+            </a:r>
+            <a:r>
+              <a:rPr lang="it-IT" dirty="0"/>
+              <a:t> </a:t>
+            </a:r>
+            <a:r>
+              <a:rPr lang="it-IT" dirty="0" err="1"/>
+              <a:t>don’t</a:t>
+            </a:r>
+            <a:r>
+              <a:rPr lang="it-IT" dirty="0"/>
+              <a:t> </a:t>
+            </a:r>
+            <a:r>
+              <a:rPr lang="it-IT" dirty="0" err="1"/>
+              <a:t>pick</a:t>
+            </a:r>
+            <a:r>
+              <a:rPr lang="it-IT" dirty="0"/>
+              <a:t> </a:t>
+            </a:r>
+            <a:r>
+              <a:rPr lang="it-IT" dirty="0" err="1"/>
+              <a:t>this</a:t>
+            </a:r>
+            <a:r>
+              <a:rPr lang="it-IT" dirty="0"/>
+              <a:t> </a:t>
+            </a:r>
+            <a:r>
+              <a:rPr lang="it-IT" dirty="0" err="1"/>
+              <a:t>node</a:t>
+            </a:r>
+            <a:r>
+              <a:rPr lang="it-IT" dirty="0"/>
+              <a:t>, </a:t>
+            </a:r>
+            <a:r>
+              <a:rPr lang="it-IT" dirty="0" err="1"/>
+              <a:t>we</a:t>
+            </a:r>
+            <a:r>
+              <a:rPr lang="it-IT" dirty="0"/>
+              <a:t> </a:t>
+            </a:r>
+            <a:r>
+              <a:rPr lang="it-IT" dirty="0" err="1"/>
+              <a:t>could</a:t>
+            </a:r>
+            <a:r>
+              <a:rPr lang="it-IT" dirty="0"/>
+              <a:t> do the </a:t>
+            </a:r>
+            <a:r>
+              <a:rPr lang="it-IT" dirty="0" err="1"/>
+              <a:t>same</a:t>
+            </a:r>
+            <a:r>
+              <a:rPr lang="it-IT" dirty="0"/>
+              <a:t> </a:t>
+            </a:r>
+            <a:r>
+              <a:rPr lang="it-IT" dirty="0" err="1"/>
+              <a:t>thing</a:t>
+            </a:r>
+            <a:r>
+              <a:rPr lang="it-IT" dirty="0"/>
+              <a:t> </a:t>
+            </a:r>
+            <a:r>
+              <a:rPr lang="it-IT" dirty="0" err="1"/>
+              <a:t>iterating</a:t>
+            </a:r>
+            <a:r>
+              <a:rPr lang="it-IT" dirty="0"/>
+              <a:t> over source </a:t>
+            </a:r>
+            <a:r>
+              <a:rPr lang="it-IT" dirty="0" err="1"/>
+              <a:t>nodes</a:t>
+            </a:r>
+            <a:r>
+              <a:rPr lang="it-IT" dirty="0"/>
+              <a:t> and </a:t>
+            </a:r>
+            <a:r>
+              <a:rPr lang="it-IT" dirty="0" err="1"/>
+              <a:t>leaving</a:t>
+            </a:r>
+            <a:r>
+              <a:rPr lang="it-IT" dirty="0"/>
+              <a:t> the target </a:t>
+            </a:r>
+            <a:r>
+              <a:rPr lang="it-IT" dirty="0" err="1"/>
+              <a:t>as</a:t>
+            </a:r>
+            <a:r>
+              <a:rPr lang="it-IT" dirty="0"/>
+              <a:t> </a:t>
+            </a:r>
+            <a:r>
+              <a:rPr lang="it-IT" dirty="0" err="1"/>
+              <a:t>fixed</a:t>
+            </a:r>
+            <a:r>
+              <a:rPr lang="it-IT" dirty="0"/>
+              <a:t> (O(n)).</a:t>
             </a:r>
           </a:p>
           <a:p>
@@ -19498,124 +19965,88 @@
             </a:pPr>
             <a:r>
               <a:rPr lang="it-IT" dirty="0"/>
-              <a:t>Look </a:t>
-            </a:r>
-            <a:r>
-              <a:rPr lang="it-IT" dirty="0" err="1"/>
-              <a:t>at</a:t>
-            </a:r>
-            <a:r>
-              <a:rPr lang="it-IT" dirty="0"/>
-              <a:t> the </a:t>
-            </a:r>
-            <a:r>
-              <a:rPr lang="it-IT" dirty="0" err="1"/>
-              <a:t>starting</a:t>
-            </a:r>
-            <a:r>
-              <a:rPr lang="it-IT" dirty="0"/>
-              <a:t> </a:t>
-            </a:r>
-            <a:r>
-              <a:rPr lang="it-IT" dirty="0" err="1"/>
-              <a:t>indices</a:t>
-            </a:r>
-            <a:r>
-              <a:rPr lang="it-IT" dirty="0"/>
-              <a:t> of the input (</a:t>
-            </a:r>
-            <a:r>
-              <a:rPr lang="it-IT" dirty="0" err="1"/>
-              <a:t>this</a:t>
-            </a:r>
-            <a:r>
-              <a:rPr lang="it-IT" dirty="0"/>
-              <a:t> case one set starts from 1, </a:t>
-            </a:r>
-            <a:r>
-              <a:rPr lang="it-IT" dirty="0" err="1"/>
-              <a:t>not</a:t>
-            </a:r>
-            <a:r>
-              <a:rPr lang="it-IT" dirty="0"/>
-              <a:t> 0).</a:t>
-            </a:r>
-          </a:p>
-          <a:p>
-            <a:pPr marL="0" indent="0">
-              <a:buNone/>
-            </a:pPr>
-            <a:r>
-              <a:rPr lang="it-IT" b="1" dirty="0" err="1"/>
-              <a:t>Each</a:t>
-            </a:r>
-            <a:r>
-              <a:rPr lang="it-IT" b="1" dirty="0"/>
-              <a:t> source-</a:t>
-            </a:r>
-            <a:r>
-              <a:rPr lang="it-IT" b="1" dirty="0" err="1"/>
-              <a:t>sink</a:t>
-            </a:r>
-            <a:r>
-              <a:rPr lang="it-IT" b="1" dirty="0"/>
-              <a:t> </a:t>
-            </a:r>
-            <a:r>
-              <a:rPr lang="it-IT" b="1" dirty="0" err="1"/>
-              <a:t>path</a:t>
-            </a:r>
-            <a:r>
-              <a:rPr lang="it-IT" b="1" dirty="0"/>
-              <a:t> must go </a:t>
-            </a:r>
-            <a:r>
-              <a:rPr lang="it-IT" b="1" dirty="0" err="1"/>
-              <a:t>through</a:t>
-            </a:r>
-            <a:r>
-              <a:rPr lang="it-IT" b="1" dirty="0"/>
-              <a:t> the </a:t>
-            </a:r>
-            <a:r>
-              <a:rPr lang="it-IT" b="1" dirty="0" err="1"/>
-              <a:t>same</a:t>
-            </a:r>
-            <a:r>
-              <a:rPr lang="it-IT" b="1" dirty="0"/>
-              <a:t> </a:t>
-            </a:r>
-            <a:r>
-              <a:rPr lang="it-IT" b="1" dirty="0" err="1"/>
-              <a:t>number</a:t>
-            </a:r>
-            <a:r>
-              <a:rPr lang="it-IT" b="1" dirty="0"/>
-              <a:t> of </a:t>
-            </a:r>
-            <a:r>
-              <a:rPr lang="it-IT" b="1" dirty="0" err="1"/>
-              <a:t>offsetted</a:t>
-            </a:r>
-            <a:r>
-              <a:rPr lang="it-IT" b="1" dirty="0"/>
-              <a:t> </a:t>
-            </a:r>
-            <a:r>
-              <a:rPr lang="it-IT" b="1" dirty="0" err="1"/>
-              <a:t>edges</a:t>
-            </a:r>
-            <a:r>
-              <a:rPr lang="it-IT" b="1" dirty="0"/>
-              <a:t>!</a:t>
-            </a:r>
+              <a:t>The minimum </a:t>
+            </a:r>
+            <a:r>
+              <a:rPr lang="it-IT" dirty="0" err="1"/>
+              <a:t>cut</a:t>
+            </a:r>
+            <a:r>
+              <a:rPr lang="it-IT" dirty="0"/>
+              <a:t> over </a:t>
+            </a:r>
+            <a:r>
+              <a:rPr lang="it-IT" dirty="0" err="1"/>
+              <a:t>all</a:t>
+            </a:r>
+            <a:r>
+              <a:rPr lang="it-IT" dirty="0"/>
+              <a:t> </a:t>
+            </a:r>
+            <a:r>
+              <a:rPr lang="it-IT" dirty="0" err="1"/>
+              <a:t>pairs</a:t>
+            </a:r>
+            <a:r>
+              <a:rPr lang="it-IT" dirty="0"/>
+              <a:t> (</a:t>
+            </a:r>
+            <a:r>
+              <a:rPr lang="it-IT" dirty="0" err="1"/>
+              <a:t>s,t</a:t>
+            </a:r>
+            <a:r>
+              <a:rPr lang="it-IT" dirty="0"/>
+              <a:t>) </a:t>
+            </a:r>
+            <a:r>
+              <a:rPr lang="it-IT" dirty="0" err="1"/>
+              <a:t>is</a:t>
+            </a:r>
+            <a:r>
+              <a:rPr lang="it-IT" dirty="0"/>
+              <a:t> the minimum </a:t>
+            </a:r>
+            <a:r>
+              <a:rPr lang="it-IT" dirty="0" err="1"/>
+              <a:t>MaxFlow</a:t>
+            </a:r>
+            <a:r>
+              <a:rPr lang="it-IT" dirty="0"/>
+              <a:t> </a:t>
+            </a:r>
+            <a:r>
+              <a:rPr lang="it-IT" dirty="0" err="1"/>
+              <a:t>we</a:t>
+            </a:r>
+            <a:r>
+              <a:rPr lang="it-IT" dirty="0"/>
+              <a:t> </a:t>
+            </a:r>
+            <a:r>
+              <a:rPr lang="it-IT" dirty="0" err="1"/>
+              <a:t>came</a:t>
+            </a:r>
+            <a:r>
+              <a:rPr lang="it-IT" dirty="0"/>
+              <a:t> </a:t>
+            </a:r>
+            <a:r>
+              <a:rPr lang="it-IT" dirty="0" err="1"/>
+              <a:t>across</a:t>
+            </a:r>
+            <a:r>
+              <a:rPr lang="it-IT"/>
+              <a:t>.</a:t>
+            </a:r>
+            <a:endParaRPr lang="it-IT" dirty="0"/>
           </a:p>
         </p:txBody>
       </p:sp>
     </p:spTree>
     <p:extLst>
       <p:ext uri="{BB962C8B-B14F-4D97-AF65-F5344CB8AC3E}">
-        <p14:creationId xmlns:p14="http://schemas.microsoft.com/office/powerpoint/2010/main" val="1649685214"/>
+        <p14:creationId xmlns:p14="http://schemas.microsoft.com/office/powerpoint/2010/main" val="3963185354"/>
       </p:ext>
     </p:extLst>
   </p:cSld>
@@ -19665,13 +20096,8 @@
           <a:p>
             <a:r>
               <a:rPr lang="it-IT" dirty="0"/>
-              <a:t>Week 9: </a:t>
-            </a:r>
-            <a:r>
-              <a:rPr lang="it-IT" dirty="0" err="1"/>
-              <a:t>Canteen</a:t>
-            </a:r>
-            <a:endParaRPr lang="it-IT" dirty="0"/>
+              <a:t>Week 9: Real Estate Market</a:t>
+            </a:r>
           </a:p>
         </p:txBody>
       </p:sp>
@@ -19718,79 +20144,37 @@
             </a:pPr>
             <a:r>
               <a:rPr lang="it-IT" dirty="0"/>
-              <a:t>Time </a:t>
-            </a:r>
-            <a:r>
-              <a:rPr lang="it-IT" dirty="0" err="1"/>
-              <a:t>graph</a:t>
-            </a:r>
-            <a:r>
-              <a:rPr lang="it-IT" dirty="0"/>
-              <a:t> with </a:t>
-            </a:r>
-            <a:r>
-              <a:rPr lang="it-IT" dirty="0" err="1"/>
-              <a:t>edges</a:t>
-            </a:r>
-            <a:r>
-              <a:rPr lang="it-IT" dirty="0"/>
-              <a:t> </a:t>
-            </a:r>
-            <a:r>
-              <a:rPr lang="it-IT" dirty="0" err="1"/>
-              <a:t>between</a:t>
-            </a:r>
-            <a:r>
-              <a:rPr lang="it-IT" dirty="0"/>
-              <a:t> </a:t>
-            </a:r>
-            <a:r>
-              <a:rPr lang="it-IT" dirty="0" err="1"/>
-              <a:t>every</a:t>
-            </a:r>
-            <a:r>
-              <a:rPr lang="it-IT" dirty="0"/>
-              <a:t> </a:t>
-            </a:r>
-            <a:r>
-              <a:rPr lang="it-IT" dirty="0" err="1"/>
-              <a:t>two</a:t>
-            </a:r>
-            <a:r>
-              <a:rPr lang="it-IT" dirty="0"/>
-              <a:t> </a:t>
-            </a:r>
-            <a:r>
-              <a:rPr lang="it-IT" dirty="0" err="1"/>
-              <a:t>nodes</a:t>
-            </a:r>
-            <a:r>
-              <a:rPr lang="it-IT" dirty="0"/>
-              <a:t> (to store </a:t>
-            </a:r>
-            <a:r>
-              <a:rPr lang="it-IT" dirty="0" err="1"/>
-              <a:t>unused</a:t>
-            </a:r>
-            <a:r>
-              <a:rPr lang="it-IT" dirty="0"/>
-              <a:t> flow for </a:t>
-            </a:r>
-            <a:r>
-              <a:rPr lang="it-IT" dirty="0" err="1"/>
-              <a:t>each</a:t>
-            </a:r>
-            <a:r>
-              <a:rPr lang="it-IT" dirty="0"/>
-              <a:t> </a:t>
-            </a:r>
-            <a:r>
-              <a:rPr lang="it-IT" dirty="0" err="1"/>
-              <a:t>node</a:t>
-            </a:r>
-            <a:r>
-              <a:rPr lang="it-IT" dirty="0"/>
-              <a:t>).</a:t>
+              <a:t>Maximum </a:t>
+            </a:r>
+            <a:r>
+              <a:rPr lang="it-IT" dirty="0" err="1"/>
+              <a:t>weighted</a:t>
+            </a:r>
+            <a:r>
+              <a:rPr lang="it-IT" dirty="0"/>
+              <a:t> matching with </a:t>
+            </a:r>
+            <a:r>
+              <a:rPr lang="it-IT" dirty="0" err="1"/>
+              <a:t>capacity</a:t>
+            </a:r>
+            <a:r>
+              <a:rPr lang="it-IT" dirty="0"/>
+              <a:t> </a:t>
+            </a:r>
+            <a:r>
+              <a:rPr lang="it-IT" dirty="0" err="1"/>
+              <a:t>constraints</a:t>
+            </a:r>
+            <a:r>
+              <a:rPr lang="it-IT" dirty="0"/>
+              <a:t> on one side.</a:t>
+            </a:r>
+          </a:p>
+          <a:p>
+            <a:r>
+              <a:rPr lang="it-IT" dirty="0"/>
+              <a:t>Solution</a:t>
             </a:r>
           </a:p>
           <a:p>
@@ -19799,31 +20183,31 @@
             </a:pPr>
             <a:r>
               <a:rPr lang="it-IT" dirty="0" err="1"/>
-              <a:t>Nodes</a:t>
-            </a:r>
-            <a:r>
-              <a:rPr lang="it-IT" dirty="0"/>
-              <a:t> can use </a:t>
-            </a:r>
-            <a:r>
-              <a:rPr lang="it-IT" dirty="0" err="1"/>
-              <a:t>discarded</a:t>
-            </a:r>
-            <a:r>
-              <a:rPr lang="it-IT" dirty="0"/>
-              <a:t> flow by </a:t>
-            </a:r>
-            <a:r>
-              <a:rPr lang="it-IT" dirty="0" err="1"/>
-              <a:t>preceding</a:t>
-            </a:r>
-            <a:r>
-              <a:rPr lang="it-IT" dirty="0"/>
-              <a:t> </a:t>
-            </a:r>
-            <a:r>
-              <a:rPr lang="it-IT" dirty="0" err="1"/>
-              <a:t>nodes</a:t>
+              <a:t>Given</a:t>
+            </a:r>
+            <a:r>
+              <a:rPr lang="it-IT" dirty="0"/>
+              <a:t> the size of the input, </a:t>
+            </a:r>
+            <a:r>
+              <a:rPr lang="it-IT" dirty="0" err="1"/>
+              <a:t>MinCost-MaxFlow</a:t>
+            </a:r>
+            <a:r>
+              <a:rPr lang="it-IT" dirty="0"/>
+              <a:t> </a:t>
+            </a:r>
+            <a:r>
+              <a:rPr lang="it-IT" dirty="0" err="1"/>
+              <a:t>is</a:t>
+            </a:r>
+            <a:r>
+              <a:rPr lang="it-IT" dirty="0"/>
+              <a:t> the best </a:t>
+            </a:r>
+            <a:r>
+              <a:rPr lang="it-IT" dirty="0" err="1"/>
+              <a:t>choice</a:t>
             </a:r>
             <a:r>
               <a:rPr lang="it-IT" dirty="0"/>
@@ -19835,23 +20219,64 @@
               <a:buNone/>
             </a:pPr>
             <a:r>
-              <a:rPr lang="it-IT" dirty="0" err="1"/>
-              <a:t>Apply</a:t>
-            </a:r>
-            <a:r>
-              <a:rPr lang="it-IT" dirty="0"/>
-              <a:t> </a:t>
-            </a:r>
-            <a:r>
-              <a:rPr lang="it-IT" dirty="0" err="1"/>
-              <a:t>MinCost-MaxFlow</a:t>
-            </a:r>
-            <a:endParaRPr lang="it-IT" dirty="0"/>
-          </a:p>
-          <a:p>
-            <a:r>
-              <a:rPr lang="it-IT" dirty="0"/>
-              <a:t>Solution</a:t>
+              <a:rPr lang="it-IT" dirty="0"/>
+              <a:t>To account for </a:t>
+            </a:r>
+            <a:r>
+              <a:rPr lang="it-IT" dirty="0" err="1"/>
+              <a:t>capacity</a:t>
+            </a:r>
+            <a:r>
+              <a:rPr lang="it-IT" dirty="0"/>
+              <a:t> </a:t>
+            </a:r>
+            <a:r>
+              <a:rPr lang="it-IT" dirty="0" err="1"/>
+              <a:t>constraints</a:t>
+            </a:r>
+            <a:r>
+              <a:rPr lang="it-IT" dirty="0"/>
+              <a:t>, </a:t>
+            </a:r>
+            <a:r>
+              <a:rPr lang="it-IT" dirty="0" err="1"/>
+              <a:t>add</a:t>
+            </a:r>
+            <a:r>
+              <a:rPr lang="it-IT" dirty="0"/>
+              <a:t> filtering </a:t>
+            </a:r>
+            <a:r>
+              <a:rPr lang="it-IT" dirty="0" err="1"/>
+              <a:t>node</a:t>
+            </a:r>
+            <a:r>
+              <a:rPr lang="it-IT" dirty="0"/>
+              <a:t> on </a:t>
+            </a:r>
+            <a:r>
+              <a:rPr lang="it-IT" dirty="0" err="1"/>
+              <a:t>that</a:t>
+            </a:r>
+            <a:r>
+              <a:rPr lang="it-IT" dirty="0"/>
+              <a:t> side </a:t>
+            </a:r>
+            <a:r>
+              <a:rPr lang="it-IT" dirty="0" err="1"/>
+              <a:t>before</a:t>
+            </a:r>
+            <a:r>
+              <a:rPr lang="it-IT" dirty="0"/>
+              <a:t> the </a:t>
+            </a:r>
+            <a:r>
+              <a:rPr lang="it-IT" dirty="0" err="1"/>
+              <a:t>sink</a:t>
+            </a:r>
+            <a:r>
+              <a:rPr lang="it-IT" dirty="0"/>
+              <a:t>.</a:t>
             </a:r>
           </a:p>
           <a:p>
@@ -19860,71 +20285,55 @@
             </a:pPr>
             <a:r>
               <a:rPr lang="it-IT" dirty="0"/>
-              <a:t>The </a:t>
-            </a:r>
-            <a:r>
-              <a:rPr lang="it-IT" dirty="0" err="1"/>
-              <a:t>problem</a:t>
-            </a:r>
-            <a:r>
-              <a:rPr lang="it-IT" dirty="0"/>
-              <a:t> </a:t>
-            </a:r>
-            <a:r>
-              <a:rPr lang="it-IT" dirty="0" err="1"/>
-              <a:t>description</a:t>
-            </a:r>
-            <a:r>
-              <a:rPr lang="it-IT" dirty="0"/>
-              <a:t> </a:t>
-            </a:r>
-            <a:r>
-              <a:rPr lang="it-IT" dirty="0" err="1"/>
-              <a:t>literally</a:t>
-            </a:r>
-            <a:r>
-              <a:rPr lang="it-IT" dirty="0"/>
-              <a:t> builds the </a:t>
-            </a:r>
-            <a:r>
-              <a:rPr lang="it-IT" dirty="0" err="1"/>
-              <a:t>graph</a:t>
-            </a:r>
-            <a:r>
-              <a:rPr lang="it-IT" dirty="0"/>
-              <a:t>, </a:t>
-            </a:r>
-            <a:r>
-              <a:rPr lang="it-IT" dirty="0" err="1"/>
-              <a:t>where</a:t>
-            </a:r>
-            <a:r>
-              <a:rPr lang="it-IT" dirty="0"/>
-              <a:t> </a:t>
-            </a:r>
-            <a:r>
-              <a:rPr lang="it-IT" dirty="0" err="1"/>
-              <a:t>we</a:t>
-            </a:r>
-            <a:r>
-              <a:rPr lang="it-IT" dirty="0"/>
-              <a:t> </a:t>
-            </a:r>
-            <a:r>
-              <a:rPr lang="it-IT" dirty="0" err="1"/>
-              <a:t>have</a:t>
-            </a:r>
-            <a:r>
-              <a:rPr lang="it-IT" dirty="0"/>
-              <a:t> </a:t>
-            </a:r>
-            <a:r>
-              <a:rPr lang="it-IT" dirty="0" err="1"/>
-              <a:t>both</a:t>
-            </a:r>
-            <a:r>
-              <a:rPr lang="it-IT" dirty="0"/>
-              <a:t> negative and positive costs.</a:t>
+              <a:t>Cost </a:t>
+            </a:r>
+            <a:r>
+              <a:rPr lang="it-IT" dirty="0" err="1"/>
+              <a:t>has</a:t>
+            </a:r>
+            <a:r>
+              <a:rPr lang="it-IT" dirty="0"/>
+              <a:t> to be </a:t>
+            </a:r>
+            <a:r>
+              <a:rPr lang="it-IT" dirty="0" err="1"/>
+              <a:t>maximized</a:t>
+            </a:r>
+            <a:r>
+              <a:rPr lang="it-IT" dirty="0"/>
+              <a:t>: </a:t>
+            </a:r>
+            <a:r>
+              <a:rPr lang="it-IT" dirty="0" err="1"/>
+              <a:t>cycle_canceling</a:t>
+            </a:r>
+            <a:r>
+              <a:rPr lang="it-IT" dirty="0"/>
+              <a:t>() </a:t>
+            </a:r>
+            <a:r>
+              <a:rPr lang="it-IT" dirty="0" err="1"/>
+              <a:t>is</a:t>
+            </a:r>
+            <a:r>
+              <a:rPr lang="it-IT" dirty="0"/>
+              <a:t> slow, use </a:t>
+            </a:r>
+            <a:r>
+              <a:rPr lang="it-IT" dirty="0" err="1"/>
+              <a:t>successive_shortest_paths</a:t>
+            </a:r>
+            <a:r>
+              <a:rPr lang="it-IT" dirty="0"/>
+              <a:t>() </a:t>
+            </a:r>
+            <a:r>
+              <a:rPr lang="it-IT" dirty="0" err="1"/>
+              <a:t>offsetting</a:t>
+            </a:r>
+            <a:r>
+              <a:rPr lang="it-IT" dirty="0"/>
+              <a:t> negative weights.</a:t>
             </a:r>
           </a:p>
           <a:p>
@@ -19932,98 +20341,56 @@
               <a:buNone/>
             </a:pPr>
             <a:r>
-              <a:rPr lang="it-IT" dirty="0" err="1"/>
-              <a:t>Since</a:t>
-            </a:r>
-            <a:r>
-              <a:rPr lang="it-IT" dirty="0"/>
-              <a:t> cost </a:t>
-            </a:r>
-            <a:r>
-              <a:rPr lang="it-IT" dirty="0" err="1"/>
-              <a:t>has</a:t>
-            </a:r>
-            <a:r>
-              <a:rPr lang="it-IT" dirty="0"/>
-              <a:t> to be </a:t>
-            </a:r>
-            <a:r>
-              <a:rPr lang="it-IT" dirty="0" err="1"/>
-              <a:t>maximized</a:t>
-            </a:r>
-            <a:r>
-              <a:rPr lang="it-IT" dirty="0"/>
-              <a:t>, offset negative costs by the </a:t>
-            </a:r>
-            <a:r>
-              <a:rPr lang="it-IT" dirty="0" err="1"/>
-              <a:t>same</a:t>
-            </a:r>
-            <a:r>
-              <a:rPr lang="it-IT" dirty="0"/>
-              <a:t> </a:t>
-            </a:r>
-            <a:r>
-              <a:rPr lang="it-IT" dirty="0" err="1"/>
-              <a:t>total</a:t>
-            </a:r>
-            <a:r>
-              <a:rPr lang="it-IT" dirty="0"/>
-              <a:t> </a:t>
-            </a:r>
-            <a:r>
-              <a:rPr lang="it-IT" dirty="0" err="1"/>
-              <a:t>amount</a:t>
-            </a:r>
-            <a:r>
-              <a:rPr lang="it-IT" dirty="0"/>
-              <a:t> for s-t </a:t>
-            </a:r>
-            <a:r>
-              <a:rPr lang="it-IT" dirty="0" err="1"/>
-              <a:t>paths</a:t>
-            </a:r>
-            <a:r>
-              <a:rPr lang="it-IT" dirty="0"/>
-              <a:t> (</a:t>
-            </a:r>
-            <a:r>
-              <a:rPr lang="it-IT" dirty="0" err="1"/>
-              <a:t>here</a:t>
-            </a:r>
-            <a:r>
-              <a:rPr lang="it-IT" dirty="0"/>
-              <a:t> </a:t>
-            </a:r>
-            <a:r>
-              <a:rPr lang="it-IT" dirty="0" err="1"/>
-              <a:t>is</a:t>
-            </a:r>
-            <a:r>
-              <a:rPr lang="it-IT" dirty="0"/>
-              <a:t> 20). </a:t>
-            </a:r>
-            <a:r>
-              <a:rPr lang="it-IT" dirty="0" err="1"/>
-              <a:t>Apply</a:t>
-            </a:r>
-            <a:r>
-              <a:rPr lang="it-IT" dirty="0"/>
-              <a:t> </a:t>
-            </a:r>
-            <a:r>
-              <a:rPr lang="it-IT" dirty="0" err="1"/>
-              <a:t>successive_shortest_path</a:t>
-            </a:r>
-            <a:r>
-              <a:rPr lang="it-IT" dirty="0"/>
-              <a:t>()</a:t>
-            </a:r>
-          </a:p>
-          <a:p>
-            <a:r>
-              <a:rPr lang="it-IT" dirty="0"/>
-              <a:t>Take home</a:t>
+              <a:rPr lang="it-IT" dirty="0"/>
+              <a:t>The offset can be </a:t>
+            </a:r>
+            <a:r>
+              <a:rPr lang="it-IT" dirty="0" err="1"/>
+              <a:t>easily</a:t>
+            </a:r>
+            <a:r>
+              <a:rPr lang="it-IT" dirty="0"/>
+              <a:t> </a:t>
+            </a:r>
+            <a:r>
+              <a:rPr lang="it-IT" dirty="0" err="1"/>
+              <a:t>derived</a:t>
+            </a:r>
+            <a:r>
+              <a:rPr lang="it-IT" dirty="0"/>
+              <a:t> by </a:t>
+            </a:r>
+            <a:r>
+              <a:rPr lang="it-IT" dirty="0" err="1"/>
+              <a:t>looking</a:t>
+            </a:r>
+            <a:r>
+              <a:rPr lang="it-IT" dirty="0"/>
+              <a:t> </a:t>
+            </a:r>
+            <a:r>
+              <a:rPr lang="it-IT" dirty="0" err="1"/>
+              <a:t>at</a:t>
+            </a:r>
+            <a:r>
+              <a:rPr lang="it-IT" dirty="0"/>
+              <a:t> the maximum cost </a:t>
+            </a:r>
+            <a:r>
+              <a:rPr lang="it-IT" dirty="0" err="1"/>
+              <a:t>given</a:t>
+            </a:r>
+            <a:r>
+              <a:rPr lang="it-IT" dirty="0"/>
+              <a:t> </a:t>
+            </a:r>
+            <a:r>
+              <a:rPr lang="it-IT" dirty="0" err="1"/>
+              <a:t>at</a:t>
+            </a:r>
+            <a:r>
+              <a:rPr lang="it-IT" dirty="0"/>
+              <a:t> the input (100).</a:t>
             </a:r>
           </a:p>
           <a:p>
@@ -20032,51 +20399,11 @@
             </a:pPr>
             <a:r>
               <a:rPr lang="it-IT" dirty="0" err="1"/>
-              <a:t>Add</a:t>
-            </a:r>
-            <a:r>
-              <a:rPr lang="it-IT" dirty="0"/>
-              <a:t> </a:t>
-            </a:r>
-            <a:r>
-              <a:rPr lang="it-IT" dirty="0" err="1"/>
-              <a:t>edges</a:t>
-            </a:r>
-            <a:r>
-              <a:rPr lang="it-IT" dirty="0"/>
-              <a:t> </a:t>
-            </a:r>
-            <a:r>
-              <a:rPr lang="it-IT" dirty="0" err="1"/>
-              <a:t>between</a:t>
-            </a:r>
-            <a:r>
-              <a:rPr lang="it-IT" dirty="0"/>
-              <a:t> </a:t>
-            </a:r>
-            <a:r>
-              <a:rPr lang="it-IT" dirty="0" err="1"/>
-              <a:t>nodes</a:t>
-            </a:r>
-            <a:r>
-              <a:rPr lang="it-IT" dirty="0"/>
-              <a:t> </a:t>
-            </a:r>
-            <a:r>
-              <a:rPr lang="it-IT" dirty="0" err="1"/>
-              <a:t>if</a:t>
-            </a:r>
-            <a:r>
-              <a:rPr lang="it-IT" dirty="0"/>
-              <a:t> </a:t>
-            </a:r>
-            <a:r>
-              <a:rPr lang="it-IT" dirty="0" err="1"/>
-              <a:t>available</a:t>
-            </a:r>
-            <a:r>
-              <a:rPr lang="it-IT" dirty="0"/>
-              <a:t> flow </a:t>
+              <a:t>Final</a:t>
+            </a:r>
+            <a:r>
+              <a:rPr lang="it-IT" dirty="0"/>
+              <a:t> cost </a:t>
             </a:r>
             <a:r>
               <a:rPr lang="it-IT" dirty="0" err="1"/>
@@ -20088,35 +20415,106 @@
             </a:r>
             <a:r>
               <a:rPr lang="it-IT" dirty="0" err="1"/>
-              <a:t>discarded</a:t>
-            </a:r>
-            <a:r>
-              <a:rPr lang="it-IT" dirty="0"/>
-              <a:t> and </a:t>
-            </a:r>
-            <a:r>
-              <a:rPr lang="it-IT" dirty="0" err="1"/>
-              <a:t>reused</a:t>
-            </a:r>
-            <a:r>
-              <a:rPr lang="it-IT" dirty="0"/>
-              <a:t> by </a:t>
-            </a:r>
-            <a:r>
-              <a:rPr lang="it-IT" dirty="0" err="1"/>
-              <a:t>other</a:t>
-            </a:r>
-            <a:r>
-              <a:rPr lang="it-IT" dirty="0"/>
-              <a:t> </a:t>
-            </a:r>
-            <a:r>
-              <a:rPr lang="it-IT" dirty="0" err="1"/>
-              <a:t>nodes</a:t>
+              <a:t>corrected</a:t>
+            </a:r>
+            <a:r>
+              <a:rPr lang="it-IT" dirty="0"/>
+              <a:t> </a:t>
+            </a:r>
+            <a:r>
+              <a:rPr lang="it-IT" dirty="0" err="1"/>
+              <a:t>subtracting</a:t>
+            </a:r>
+            <a:r>
+              <a:rPr lang="it-IT" dirty="0"/>
+              <a:t> offset*</a:t>
+            </a:r>
+            <a:r>
+              <a:rPr lang="it-IT" dirty="0" err="1"/>
+              <a:t>max_flow</a:t>
+            </a:r>
+            <a:r>
+              <a:rPr lang="it-IT" dirty="0"/>
+              <a:t> to cost and </a:t>
+            </a:r>
+            <a:r>
+              <a:rPr lang="it-IT" dirty="0" err="1"/>
+              <a:t>changing</a:t>
+            </a:r>
+            <a:r>
+              <a:rPr lang="it-IT" dirty="0"/>
+              <a:t> </a:t>
+            </a:r>
+            <a:r>
+              <a:rPr lang="it-IT" dirty="0" err="1"/>
+              <a:t>its</a:t>
+            </a:r>
+            <a:r>
+              <a:rPr lang="it-IT" dirty="0"/>
+              <a:t> </a:t>
+            </a:r>
+            <a:r>
+              <a:rPr lang="it-IT" dirty="0" err="1"/>
+              <a:t>sign</a:t>
             </a:r>
             <a:r>
               <a:rPr lang="it-IT" dirty="0"/>
               <a:t>.</a:t>
+            </a:r>
+          </a:p>
+          <a:p>
+            <a:r>
+              <a:rPr lang="it-IT" dirty="0"/>
+              <a:t>Take home</a:t>
+            </a:r>
+          </a:p>
+          <a:p>
+            <a:pPr marL="0" indent="0">
+              <a:buNone/>
+            </a:pPr>
+            <a:r>
+              <a:rPr lang="it-IT" dirty="0"/>
+              <a:t>Look </a:t>
+            </a:r>
+            <a:r>
+              <a:rPr lang="it-IT" dirty="0" err="1"/>
+              <a:t>at</a:t>
+            </a:r>
+            <a:r>
+              <a:rPr lang="it-IT" dirty="0"/>
+              <a:t> the </a:t>
+            </a:r>
+            <a:r>
+              <a:rPr lang="it-IT" dirty="0" err="1"/>
+              <a:t>starting</a:t>
+            </a:r>
+            <a:r>
+              <a:rPr lang="it-IT" dirty="0"/>
+              <a:t> </a:t>
+            </a:r>
+            <a:r>
+              <a:rPr lang="it-IT" dirty="0" err="1"/>
+              <a:t>indices</a:t>
+            </a:r>
+            <a:r>
+              <a:rPr lang="it-IT" dirty="0"/>
+              <a:t> of the input (</a:t>
+            </a:r>
+            <a:r>
+              <a:rPr lang="it-IT" dirty="0" err="1"/>
+              <a:t>this</a:t>
+            </a:r>
+            <a:r>
+              <a:rPr lang="it-IT" dirty="0"/>
+              <a:t> case one set starts from 1, </a:t>
+            </a:r>
+            <a:r>
+              <a:rPr lang="it-IT" dirty="0" err="1"/>
+              <a:t>not</a:t>
+            </a:r>
+            <a:r>
+              <a:rPr lang="it-IT" dirty="0"/>
+              <a:t> 0).</a:t>
             </a:r>
           </a:p>
           <a:p>
@@ -20193,7 +20591,7 @@
     </p:spTree>
     <p:extLst>
       <p:ext uri="{BB962C8B-B14F-4D97-AF65-F5344CB8AC3E}">
-        <p14:creationId xmlns:p14="http://schemas.microsoft.com/office/powerpoint/2010/main" val="3432484562"/>
+        <p14:creationId xmlns:p14="http://schemas.microsoft.com/office/powerpoint/2010/main" val="1649685214"/>
       </p:ext>
     </p:extLst>
   </p:cSld>
@@ -20242,16 +20640,12 @@
           <a:lstStyle/>
           <a:p>
             <a:r>
-              <a:rPr lang="it-IT" dirty="0" err="1"/>
-              <a:t>PotW</a:t>
-            </a:r>
-            <a:r>
-              <a:rPr lang="it-IT" dirty="0"/>
-              <a:t> 11: Phantom </a:t>
-            </a:r>
-            <a:r>
-              <a:rPr lang="it-IT" dirty="0" err="1"/>
-              <a:t>Menace</a:t>
+              <a:rPr lang="it-IT" dirty="0"/>
+              <a:t>Week 9: </a:t>
+            </a:r>
+            <a:r>
+              <a:rPr lang="it-IT" dirty="0" err="1"/>
+              <a:t>Canteen</a:t>
             </a:r>
             <a:endParaRPr lang="it-IT" dirty="0"/>
           </a:p>
@@ -20276,7 +20670,7 @@
         <p:spPr/>
         <p:txBody>
           <a:bodyPr>
-            <a:normAutofit lnSpcReduction="10000"/>
+            <a:normAutofit fontScale="77500" lnSpcReduction="20000"/>
           </a:bodyPr>
           <a:lstStyle/>
           <a:p>
@@ -20299,20 +20693,8 @@
               <a:buNone/>
             </a:pPr>
             <a:r>
-              <a:rPr lang="it-IT" dirty="0" err="1"/>
-              <a:t>Given</a:t>
-            </a:r>
-            <a:r>
-              <a:rPr lang="it-IT" dirty="0"/>
-              <a:t> a </a:t>
-            </a:r>
-            <a:r>
-              <a:rPr lang="it-IT" dirty="0" err="1"/>
-              <a:t>directed</a:t>
-            </a:r>
-            <a:r>
-              <a:rPr lang="it-IT" dirty="0"/>
-              <a:t> </a:t>
+              <a:rPr lang="it-IT" dirty="0"/>
+              <a:t>Time </a:t>
             </a:r>
             <a:r>
               <a:rPr lang="it-IT" dirty="0" err="1"/>
@@ -20320,11 +20702,35 @@
             </a:r>
             <a:r>
               <a:rPr lang="it-IT" dirty="0"/>
-              <a:t>, a set of </a:t>
-            </a:r>
-            <a:r>
-              <a:rPr lang="it-IT" dirty="0" err="1"/>
-              <a:t>starting</a:t>
+              <a:t> with </a:t>
+            </a:r>
+            <a:r>
+              <a:rPr lang="it-IT" dirty="0" err="1"/>
+              <a:t>edges</a:t>
+            </a:r>
+            <a:r>
+              <a:rPr lang="it-IT" dirty="0"/>
+              <a:t> </a:t>
+            </a:r>
+            <a:r>
+              <a:rPr lang="it-IT" dirty="0" err="1"/>
+              <a:t>between</a:t>
+            </a:r>
+            <a:r>
+              <a:rPr lang="it-IT" dirty="0"/>
+              <a:t> </a:t>
+            </a:r>
+            <a:r>
+              <a:rPr lang="it-IT" dirty="0" err="1"/>
+              <a:t>every</a:t>
+            </a:r>
+            <a:r>
+              <a:rPr lang="it-IT" dirty="0"/>
+              <a:t> </a:t>
+            </a:r>
+            <a:r>
+              <a:rPr lang="it-IT" dirty="0" err="1"/>
+              <a:t>two</a:t>
             </a:r>
             <a:r>
               <a:rPr lang="it-IT" dirty="0"/>
@@ -20336,85 +20742,31 @@
             </a:r>
             <a:r>
               <a:rPr lang="it-IT" dirty="0"/>
-              <a:t> and a set of end </a:t>
-            </a:r>
-            <a:r>
-              <a:rPr lang="it-IT" dirty="0" err="1"/>
-              <a:t>nodes</a:t>
-            </a:r>
-            <a:r>
-              <a:rPr lang="it-IT" dirty="0"/>
-              <a:t>, output the minimum </a:t>
-            </a:r>
-            <a:r>
-              <a:rPr lang="it-IT" dirty="0" err="1"/>
-              <a:t>number</a:t>
-            </a:r>
-            <a:r>
-              <a:rPr lang="it-IT" dirty="0"/>
-              <a:t> of </a:t>
-            </a:r>
-            <a:r>
-              <a:rPr lang="it-IT" dirty="0" err="1"/>
-              <a:t>nodes</a:t>
-            </a:r>
-            <a:r>
-              <a:rPr lang="it-IT" dirty="0"/>
-              <a:t> </a:t>
-            </a:r>
-            <a:r>
-              <a:rPr lang="it-IT" dirty="0" err="1"/>
-              <a:t>that</a:t>
-            </a:r>
-            <a:r>
-              <a:rPr lang="it-IT" dirty="0"/>
-              <a:t> </a:t>
-            </a:r>
-            <a:r>
-              <a:rPr lang="it-IT" dirty="0" err="1"/>
-              <a:t>cut</a:t>
-            </a:r>
-            <a:r>
-              <a:rPr lang="it-IT" dirty="0"/>
-              <a:t> </a:t>
-            </a:r>
-            <a:r>
-              <a:rPr lang="it-IT" dirty="0" err="1"/>
-              <a:t>every</a:t>
-            </a:r>
-            <a:r>
-              <a:rPr lang="it-IT" dirty="0"/>
-              <a:t> </a:t>
-            </a:r>
-            <a:r>
-              <a:rPr lang="it-IT" dirty="0" err="1"/>
-              <a:t>path</a:t>
-            </a:r>
-            <a:r>
-              <a:rPr lang="it-IT" dirty="0"/>
-              <a:t> </a:t>
-            </a:r>
-            <a:r>
-              <a:rPr lang="it-IT" dirty="0" err="1"/>
-              <a:t>between</a:t>
-            </a:r>
-            <a:r>
-              <a:rPr lang="it-IT" dirty="0"/>
-              <a:t> the </a:t>
-            </a:r>
-            <a:r>
-              <a:rPr lang="it-IT" dirty="0" err="1"/>
-              <a:t>two</a:t>
-            </a:r>
-            <a:r>
-              <a:rPr lang="it-IT" dirty="0"/>
-              <a:t> sets.</a:t>
-            </a:r>
-          </a:p>
-          <a:p>
-            <a:r>
-              <a:rPr lang="it-IT" dirty="0"/>
-              <a:t>Solution</a:t>
+              <a:t> (to store </a:t>
+            </a:r>
+            <a:r>
+              <a:rPr lang="it-IT" dirty="0" err="1"/>
+              <a:t>unused</a:t>
+            </a:r>
+            <a:r>
+              <a:rPr lang="it-IT" dirty="0"/>
+              <a:t> flow for </a:t>
+            </a:r>
+            <a:r>
+              <a:rPr lang="it-IT" dirty="0" err="1"/>
+              <a:t>each</a:t>
+            </a:r>
+            <a:r>
+              <a:rPr lang="it-IT" dirty="0"/>
+              <a:t> </a:t>
+            </a:r>
+            <a:r>
+              <a:rPr lang="it-IT" dirty="0" err="1"/>
+              <a:t>node</a:t>
+            </a:r>
+            <a:r>
+              <a:rPr lang="it-IT" dirty="0"/>
+              <a:t>).</a:t>
             </a:r>
           </a:p>
           <a:p>
@@ -20422,52 +20774,32 @@
               <a:buNone/>
             </a:pPr>
             <a:r>
-              <a:rPr lang="it-IT" dirty="0"/>
-              <a:t>The </a:t>
-            </a:r>
-            <a:r>
-              <a:rPr lang="it-IT" dirty="0" err="1"/>
-              <a:t>problem</a:t>
-            </a:r>
-            <a:r>
-              <a:rPr lang="it-IT" dirty="0"/>
-              <a:t> </a:t>
-            </a:r>
-            <a:r>
-              <a:rPr lang="it-IT" dirty="0" err="1"/>
-              <a:t>statement</a:t>
-            </a:r>
-            <a:r>
-              <a:rPr lang="it-IT" dirty="0"/>
-              <a:t> </a:t>
-            </a:r>
-            <a:r>
-              <a:rPr lang="it-IT" dirty="0" err="1"/>
-              <a:t>clearly</a:t>
-            </a:r>
-            <a:r>
-              <a:rPr lang="it-IT" dirty="0"/>
-              <a:t> </a:t>
-            </a:r>
-            <a:r>
-              <a:rPr lang="it-IT" dirty="0" err="1"/>
-              <a:t>tells</a:t>
-            </a:r>
-            <a:r>
-              <a:rPr lang="it-IT" dirty="0"/>
-              <a:t> to </a:t>
-            </a:r>
-            <a:r>
-              <a:rPr lang="it-IT" dirty="0" err="1"/>
-              <a:t>find</a:t>
-            </a:r>
-            <a:r>
-              <a:rPr lang="it-IT" dirty="0"/>
-              <a:t> a minimum vertex </a:t>
-            </a:r>
-            <a:r>
-              <a:rPr lang="it-IT" dirty="0" err="1"/>
-              <a:t>cut</a:t>
+              <a:rPr lang="it-IT" dirty="0" err="1"/>
+              <a:t>Nodes</a:t>
+            </a:r>
+            <a:r>
+              <a:rPr lang="it-IT" dirty="0"/>
+              <a:t> can use </a:t>
+            </a:r>
+            <a:r>
+              <a:rPr lang="it-IT" dirty="0" err="1"/>
+              <a:t>discarded</a:t>
+            </a:r>
+            <a:r>
+              <a:rPr lang="it-IT" dirty="0"/>
+              <a:t> flow by </a:t>
+            </a:r>
+            <a:r>
+              <a:rPr lang="it-IT" dirty="0" err="1"/>
+              <a:t>preceding</a:t>
+            </a:r>
+            <a:r>
+              <a:rPr lang="it-IT" dirty="0"/>
+              <a:t> </a:t>
+            </a:r>
+            <a:r>
+              <a:rPr lang="it-IT" dirty="0" err="1"/>
+              <a:t>nodes</a:t>
             </a:r>
             <a:r>
               <a:rPr lang="it-IT" dirty="0"/>
@@ -20480,131 +20812,22 @@
             </a:pPr>
             <a:r>
               <a:rPr lang="it-IT" dirty="0" err="1"/>
-              <a:t>Since</a:t>
-            </a:r>
-            <a:r>
-              <a:rPr lang="it-IT" dirty="0"/>
-              <a:t> </a:t>
-            </a:r>
-            <a:r>
-              <a:rPr lang="it-IT" dirty="0" err="1"/>
-              <a:t>we</a:t>
-            </a:r>
-            <a:r>
-              <a:rPr lang="it-IT" dirty="0"/>
-              <a:t> know </a:t>
-            </a:r>
-            <a:r>
-              <a:rPr lang="it-IT" dirty="0" err="1"/>
-              <a:t>how</a:t>
-            </a:r>
-            <a:r>
-              <a:rPr lang="it-IT" dirty="0"/>
-              <a:t> to </a:t>
-            </a:r>
-            <a:r>
-              <a:rPr lang="it-IT" dirty="0" err="1"/>
-              <a:t>find</a:t>
-            </a:r>
-            <a:r>
-              <a:rPr lang="it-IT" dirty="0"/>
-              <a:t> an </a:t>
-            </a:r>
-            <a:r>
-              <a:rPr lang="it-IT" dirty="0" err="1"/>
-              <a:t>edge</a:t>
-            </a:r>
-            <a:r>
-              <a:rPr lang="it-IT" dirty="0"/>
-              <a:t> </a:t>
-            </a:r>
-            <a:r>
-              <a:rPr lang="it-IT" dirty="0" err="1"/>
-              <a:t>cut</a:t>
-            </a:r>
-            <a:r>
-              <a:rPr lang="it-IT" dirty="0"/>
-              <a:t> </a:t>
-            </a:r>
-            <a:r>
-              <a:rPr lang="it-IT" dirty="0" err="1"/>
-              <a:t>using</a:t>
-            </a:r>
-            <a:r>
-              <a:rPr lang="it-IT" dirty="0"/>
-              <a:t> flow, </a:t>
-            </a:r>
-            <a:r>
-              <a:rPr lang="it-IT" dirty="0" err="1"/>
-              <a:t>simply</a:t>
-            </a:r>
-            <a:r>
-              <a:rPr lang="it-IT" dirty="0"/>
-              <a:t> split </a:t>
-            </a:r>
-            <a:r>
-              <a:rPr lang="it-IT" dirty="0" err="1"/>
-              <a:t>each</a:t>
-            </a:r>
-            <a:r>
-              <a:rPr lang="it-IT" dirty="0"/>
-              <a:t> vertex </a:t>
-            </a:r>
-            <a:r>
-              <a:rPr lang="it-IT" dirty="0" err="1"/>
-              <a:t>into</a:t>
-            </a:r>
-            <a:r>
-              <a:rPr lang="it-IT" dirty="0"/>
-              <a:t> </a:t>
-            </a:r>
-            <a:r>
-              <a:rPr lang="it-IT" dirty="0" err="1"/>
-              <a:t>two</a:t>
-            </a:r>
-            <a:r>
-              <a:rPr lang="it-IT" dirty="0"/>
-              <a:t> </a:t>
-            </a:r>
-            <a:r>
-              <a:rPr lang="it-IT" dirty="0" err="1"/>
-              <a:t>nodes</a:t>
-            </a:r>
-            <a:r>
-              <a:rPr lang="it-IT" dirty="0"/>
-              <a:t> (in and out) and </a:t>
-            </a:r>
-            <a:r>
-              <a:rPr lang="it-IT" dirty="0" err="1"/>
-              <a:t>add</a:t>
-            </a:r>
-            <a:r>
-              <a:rPr lang="it-IT" dirty="0"/>
-              <a:t> an </a:t>
-            </a:r>
-            <a:r>
-              <a:rPr lang="it-IT" dirty="0" err="1"/>
-              <a:t>edge</a:t>
-            </a:r>
-            <a:r>
-              <a:rPr lang="it-IT" dirty="0"/>
-              <a:t> in </a:t>
-            </a:r>
-            <a:r>
-              <a:rPr lang="it-IT" dirty="0" err="1"/>
-              <a:t>between</a:t>
-            </a:r>
-            <a:r>
-              <a:rPr lang="it-IT" dirty="0"/>
-              <a:t> of </a:t>
-            </a:r>
-            <a:r>
-              <a:rPr lang="it-IT" dirty="0" err="1"/>
-              <a:t>capacity</a:t>
-            </a:r>
-            <a:r>
-              <a:rPr lang="it-IT" dirty="0"/>
-              <a:t> 1.</a:t>
+              <a:t>Apply</a:t>
+            </a:r>
+            <a:r>
+              <a:rPr lang="it-IT" dirty="0"/>
+              <a:t> </a:t>
+            </a:r>
+            <a:r>
+              <a:rPr lang="it-IT" dirty="0" err="1"/>
+              <a:t>MinCost-MaxFlow</a:t>
+            </a:r>
+            <a:endParaRPr lang="it-IT" dirty="0"/>
+          </a:p>
+          <a:p>
+            <a:r>
+              <a:rPr lang="it-IT" dirty="0"/>
+              <a:t>Solution</a:t>
             </a:r>
           </a:p>
           <a:p>
@@ -20617,36 +20840,336 @@
             </a:r>
             <a:r>
               <a:rPr lang="it-IT" dirty="0" err="1"/>
-              <a:t>MaxFlow</a:t>
-            </a:r>
-            <a:r>
-              <a:rPr lang="it-IT" dirty="0"/>
-              <a:t> </a:t>
-            </a:r>
-            <a:r>
-              <a:rPr lang="it-IT" dirty="0" err="1"/>
-              <a:t>corresponds</a:t>
-            </a:r>
-            <a:r>
-              <a:rPr lang="it-IT" dirty="0"/>
-              <a:t> to the minimum vertex </a:t>
-            </a:r>
-            <a:r>
-              <a:rPr lang="it-IT" dirty="0" err="1"/>
-              <a:t>cut</a:t>
-            </a:r>
-            <a:r>
-              <a:rPr lang="it-IT"/>
+              <a:t>problem</a:t>
+            </a:r>
+            <a:r>
+              <a:rPr lang="it-IT" dirty="0"/>
+              <a:t> </a:t>
+            </a:r>
+            <a:r>
+              <a:rPr lang="it-IT" dirty="0" err="1"/>
+              <a:t>description</a:t>
+            </a:r>
+            <a:r>
+              <a:rPr lang="it-IT" dirty="0"/>
+              <a:t> </a:t>
+            </a:r>
+            <a:r>
+              <a:rPr lang="it-IT" dirty="0" err="1"/>
+              <a:t>literally</a:t>
+            </a:r>
+            <a:r>
+              <a:rPr lang="it-IT" dirty="0"/>
+              <a:t> builds the </a:t>
+            </a:r>
+            <a:r>
+              <a:rPr lang="it-IT" dirty="0" err="1"/>
+              <a:t>graph</a:t>
+            </a:r>
+            <a:r>
+              <a:rPr lang="it-IT" dirty="0"/>
+              <a:t>, </a:t>
+            </a:r>
+            <a:r>
+              <a:rPr lang="it-IT" dirty="0" err="1"/>
+              <a:t>where</a:t>
+            </a:r>
+            <a:r>
+              <a:rPr lang="it-IT" dirty="0"/>
+              <a:t> </a:t>
+            </a:r>
+            <a:r>
+              <a:rPr lang="it-IT" dirty="0" err="1"/>
+              <a:t>we</a:t>
+            </a:r>
+            <a:r>
+              <a:rPr lang="it-IT" dirty="0"/>
+              <a:t> </a:t>
+            </a:r>
+            <a:r>
+              <a:rPr lang="it-IT" dirty="0" err="1"/>
+              <a:t>have</a:t>
+            </a:r>
+            <a:r>
+              <a:rPr lang="it-IT" dirty="0"/>
+              <a:t> </a:t>
+            </a:r>
+            <a:r>
+              <a:rPr lang="it-IT" dirty="0" err="1"/>
+              <a:t>both</a:t>
+            </a:r>
+            <a:r>
+              <a:rPr lang="it-IT" dirty="0"/>
+              <a:t> negative and positive costs.</a:t>
+            </a:r>
+          </a:p>
+          <a:p>
+            <a:pPr marL="0" indent="0">
+              <a:buNone/>
+            </a:pPr>
+            <a:r>
+              <a:rPr lang="it-IT" dirty="0" err="1"/>
+              <a:t>Since</a:t>
+            </a:r>
+            <a:r>
+              <a:rPr lang="it-IT" dirty="0"/>
+              <a:t> cost </a:t>
+            </a:r>
+            <a:r>
+              <a:rPr lang="it-IT" dirty="0" err="1"/>
+              <a:t>has</a:t>
+            </a:r>
+            <a:r>
+              <a:rPr lang="it-IT" dirty="0"/>
+              <a:t> to be </a:t>
+            </a:r>
+            <a:r>
+              <a:rPr lang="it-IT" dirty="0" err="1"/>
+              <a:t>maximized</a:t>
+            </a:r>
+            <a:r>
+              <a:rPr lang="it-IT" dirty="0"/>
+              <a:t>, offset negative costs by the </a:t>
+            </a:r>
+            <a:r>
+              <a:rPr lang="it-IT" dirty="0" err="1"/>
+              <a:t>same</a:t>
+            </a:r>
+            <a:r>
+              <a:rPr lang="it-IT" dirty="0"/>
+              <a:t> </a:t>
+            </a:r>
+            <a:r>
+              <a:rPr lang="it-IT" dirty="0" err="1"/>
+              <a:t>total</a:t>
+            </a:r>
+            <a:r>
+              <a:rPr lang="it-IT" dirty="0"/>
+              <a:t> </a:t>
+            </a:r>
+            <a:r>
+              <a:rPr lang="it-IT" dirty="0" err="1"/>
+              <a:t>amount</a:t>
+            </a:r>
+            <a:r>
+              <a:rPr lang="it-IT" dirty="0"/>
+              <a:t> for s-t </a:t>
+            </a:r>
+            <a:r>
+              <a:rPr lang="it-IT" dirty="0" err="1"/>
+              <a:t>paths</a:t>
+            </a:r>
+            <a:r>
+              <a:rPr lang="it-IT" dirty="0"/>
+              <a:t> (</a:t>
+            </a:r>
+            <a:r>
+              <a:rPr lang="it-IT" dirty="0" err="1"/>
+              <a:t>here</a:t>
+            </a:r>
+            <a:r>
+              <a:rPr lang="it-IT" dirty="0"/>
+              <a:t> </a:t>
+            </a:r>
+            <a:r>
+              <a:rPr lang="it-IT" dirty="0" err="1"/>
+              <a:t>is</a:t>
+            </a:r>
+            <a:r>
+              <a:rPr lang="it-IT" dirty="0"/>
+              <a:t> 20). </a:t>
+            </a:r>
+            <a:r>
+              <a:rPr lang="it-IT" dirty="0" err="1"/>
+              <a:t>Apply</a:t>
+            </a:r>
+            <a:r>
+              <a:rPr lang="it-IT" dirty="0"/>
+              <a:t> </a:t>
+            </a:r>
+            <a:r>
+              <a:rPr lang="it-IT" dirty="0" err="1"/>
+              <a:t>successive_shortest_path</a:t>
+            </a:r>
+            <a:r>
+              <a:rPr lang="it-IT" dirty="0"/>
+              <a:t>()</a:t>
+            </a:r>
+          </a:p>
+          <a:p>
+            <a:r>
+              <a:rPr lang="it-IT" dirty="0"/>
+              <a:t>Take home</a:t>
+            </a:r>
+          </a:p>
+          <a:p>
+            <a:pPr marL="0" indent="0">
+              <a:buNone/>
+            </a:pPr>
+            <a:r>
+              <a:rPr lang="it-IT" dirty="0" err="1"/>
+              <a:t>Add</a:t>
+            </a:r>
+            <a:r>
+              <a:rPr lang="it-IT" dirty="0"/>
+              <a:t> </a:t>
+            </a:r>
+            <a:r>
+              <a:rPr lang="it-IT" dirty="0" err="1"/>
+              <a:t>edges</a:t>
+            </a:r>
+            <a:r>
+              <a:rPr lang="it-IT" dirty="0"/>
+              <a:t> </a:t>
+            </a:r>
+            <a:r>
+              <a:rPr lang="it-IT" dirty="0" err="1"/>
+              <a:t>between</a:t>
+            </a:r>
+            <a:r>
+              <a:rPr lang="it-IT" dirty="0"/>
+              <a:t> </a:t>
+            </a:r>
+            <a:r>
+              <a:rPr lang="it-IT" dirty="0" err="1"/>
+              <a:t>nodes</a:t>
+            </a:r>
+            <a:r>
+              <a:rPr lang="it-IT" dirty="0"/>
+              <a:t> </a:t>
+            </a:r>
+            <a:r>
+              <a:rPr lang="it-IT" dirty="0" err="1"/>
+              <a:t>if</a:t>
+            </a:r>
+            <a:r>
+              <a:rPr lang="it-IT" dirty="0"/>
+              <a:t> </a:t>
+            </a:r>
+            <a:r>
+              <a:rPr lang="it-IT" dirty="0" err="1"/>
+              <a:t>available</a:t>
+            </a:r>
+            <a:r>
+              <a:rPr lang="it-IT" dirty="0"/>
+              <a:t> flow </a:t>
+            </a:r>
+            <a:r>
+              <a:rPr lang="it-IT" dirty="0" err="1"/>
+              <a:t>is</a:t>
+            </a:r>
+            <a:r>
+              <a:rPr lang="it-IT" dirty="0"/>
+              <a:t> </a:t>
+            </a:r>
+            <a:r>
+              <a:rPr lang="it-IT" dirty="0" err="1"/>
+              <a:t>discarded</a:t>
+            </a:r>
+            <a:r>
+              <a:rPr lang="it-IT" dirty="0"/>
+              <a:t> and </a:t>
+            </a:r>
+            <a:r>
+              <a:rPr lang="it-IT" dirty="0" err="1"/>
+              <a:t>reused</a:t>
+            </a:r>
+            <a:r>
+              <a:rPr lang="it-IT" dirty="0"/>
+              <a:t> by </a:t>
+            </a:r>
+            <a:r>
+              <a:rPr lang="it-IT" dirty="0" err="1"/>
+              <a:t>other</a:t>
+            </a:r>
+            <a:r>
+              <a:rPr lang="it-IT" dirty="0"/>
+              <a:t> </a:t>
+            </a:r>
+            <a:r>
+              <a:rPr lang="it-IT" dirty="0" err="1"/>
+              <a:t>nodes</a:t>
+            </a:r>
+            <a:r>
+              <a:rPr lang="it-IT" dirty="0"/>
               <a:t>.</a:t>
             </a:r>
-            <a:endParaRPr lang="it-IT" dirty="0"/>
+          </a:p>
+          <a:p>
+            <a:pPr marL="0" indent="0">
+              <a:buNone/>
+            </a:pPr>
+            <a:r>
+              <a:rPr lang="it-IT" b="1" dirty="0" err="1"/>
+              <a:t>Each</a:t>
+            </a:r>
+            <a:r>
+              <a:rPr lang="it-IT" b="1" dirty="0"/>
+              <a:t> source-</a:t>
+            </a:r>
+            <a:r>
+              <a:rPr lang="it-IT" b="1" dirty="0" err="1"/>
+              <a:t>sink</a:t>
+            </a:r>
+            <a:r>
+              <a:rPr lang="it-IT" b="1" dirty="0"/>
+              <a:t> </a:t>
+            </a:r>
+            <a:r>
+              <a:rPr lang="it-IT" b="1" dirty="0" err="1"/>
+              <a:t>path</a:t>
+            </a:r>
+            <a:r>
+              <a:rPr lang="it-IT" b="1" dirty="0"/>
+              <a:t> must go </a:t>
+            </a:r>
+            <a:r>
+              <a:rPr lang="it-IT" b="1" dirty="0" err="1"/>
+              <a:t>through</a:t>
+            </a:r>
+            <a:r>
+              <a:rPr lang="it-IT" b="1" dirty="0"/>
+              <a:t> the </a:t>
+            </a:r>
+            <a:r>
+              <a:rPr lang="it-IT" b="1" dirty="0" err="1"/>
+              <a:t>same</a:t>
+            </a:r>
+            <a:r>
+              <a:rPr lang="it-IT" b="1" dirty="0"/>
+              <a:t> </a:t>
+            </a:r>
+            <a:r>
+              <a:rPr lang="it-IT" b="1" dirty="0" err="1"/>
+              <a:t>number</a:t>
+            </a:r>
+            <a:r>
+              <a:rPr lang="it-IT" b="1" dirty="0"/>
+              <a:t> of </a:t>
+            </a:r>
+            <a:r>
+              <a:rPr lang="it-IT" b="1" dirty="0" err="1"/>
+              <a:t>offsetted</a:t>
+            </a:r>
+            <a:r>
+              <a:rPr lang="it-IT" b="1" dirty="0"/>
+              <a:t> </a:t>
+            </a:r>
+            <a:r>
+              <a:rPr lang="it-IT" b="1" dirty="0" err="1"/>
+              <a:t>edges</a:t>
+            </a:r>
+            <a:r>
+              <a:rPr lang="it-IT" b="1" dirty="0"/>
+              <a:t>!</a:t>
+            </a:r>
           </a:p>
         </p:txBody>
       </p:sp>
     </p:spTree>
     <p:extLst>
       <p:ext uri="{BB962C8B-B14F-4D97-AF65-F5344CB8AC3E}">
-        <p14:creationId xmlns:p14="http://schemas.microsoft.com/office/powerpoint/2010/main" val="1506533281"/>
+        <p14:creationId xmlns:p14="http://schemas.microsoft.com/office/powerpoint/2010/main" val="3432484562"/>
       </p:ext>
     </p:extLst>
   </p:cSld>
@@ -20700,927 +21223,406 @@
             </a:r>
             <a:r>
               <a:rPr lang="it-IT" dirty="0"/>
-              <a:t> 12: San Francisco</a:t>
-            </a:r>
+              <a:t> 11: Phantom </a:t>
+            </a:r>
+            <a:r>
+              <a:rPr lang="it-IT" dirty="0" err="1"/>
+              <a:t>Menace</a:t>
+            </a:r>
+            <a:endParaRPr lang="it-IT" dirty="0"/>
           </a:p>
         </p:txBody>
       </p:sp>
-      <mc:AlternateContent xmlns:mc="http://schemas.openxmlformats.org/markup-compatibility/2006" xmlns:a14="http://schemas.microsoft.com/office/drawing/2010/main">
-        <mc:Choice Requires="a14">
-          <p:sp>
-            <p:nvSpPr>
-              <p:cNvPr id="7" name="Segnaposto contenuto 6">
-                <a:extLst>
-                  <a:ext uri="{FF2B5EF4-FFF2-40B4-BE49-F238E27FC236}">
-                    <a16:creationId xmlns:a16="http://schemas.microsoft.com/office/drawing/2014/main" id="{451B668A-7F16-417E-9C12-D47A069A0098}"/>
-                  </a:ext>
-                </a:extLst>
-              </p:cNvPr>
-              <p:cNvSpPr>
-                <a:spLocks noGrp="1"/>
-              </p:cNvSpPr>
-              <p:nvPr>
-                <p:ph idx="1"/>
-              </p:nvPr>
-            </p:nvSpPr>
-            <p:spPr>
-              <a:xfrm>
-                <a:off x="838200" y="1825624"/>
-                <a:ext cx="10515600" cy="4353233"/>
-              </a:xfrm>
-            </p:spPr>
-            <p:txBody>
-              <a:bodyPr>
-                <a:normAutofit fontScale="62500" lnSpcReduction="20000"/>
-              </a:bodyPr>
-              <a:lstStyle/>
-              <a:p>
-                <a:r>
-                  <a:rPr lang="it-IT" dirty="0"/>
-                  <a:t>Algorithmic </a:t>
-                </a:r>
-                <a:r>
-                  <a:rPr lang="it-IT" dirty="0" err="1"/>
-                  <a:t>description</a:t>
-                </a:r>
-                <a:endParaRPr lang="it-IT" dirty="0"/>
-              </a:p>
-              <a:p>
-                <a:pPr marL="0" indent="0">
-                  <a:buNone/>
-                </a:pPr>
-                <a:r>
-                  <a:rPr lang="it-IT" dirty="0" err="1"/>
-                  <a:t>Given</a:t>
-                </a:r>
-                <a:r>
-                  <a:rPr lang="it-IT" dirty="0"/>
-                  <a:t> a </a:t>
-                </a:r>
-                <a:r>
-                  <a:rPr lang="it-IT" dirty="0" err="1"/>
-                  <a:t>weighted</a:t>
-                </a:r>
-                <a:r>
-                  <a:rPr lang="it-IT" dirty="0"/>
-                  <a:t> </a:t>
-                </a:r>
-                <a:r>
-                  <a:rPr lang="it-IT" dirty="0" err="1"/>
-                  <a:t>directed</a:t>
-                </a:r>
-                <a:r>
-                  <a:rPr lang="it-IT" dirty="0"/>
-                  <a:t> </a:t>
-                </a:r>
-                <a:r>
-                  <a:rPr lang="it-IT" dirty="0" err="1"/>
-                  <a:t>graph</a:t>
-                </a:r>
-                <a:r>
-                  <a:rPr lang="it-IT" dirty="0"/>
-                  <a:t> with a </a:t>
-                </a:r>
-                <a:r>
-                  <a:rPr lang="it-IT" dirty="0" err="1"/>
-                  <a:t>fixed</a:t>
-                </a:r>
-                <a:r>
-                  <a:rPr lang="it-IT" dirty="0"/>
-                  <a:t> </a:t>
-                </a:r>
-                <a:r>
-                  <a:rPr lang="it-IT" dirty="0" err="1"/>
-                  <a:t>starting</a:t>
-                </a:r>
-                <a:r>
-                  <a:rPr lang="it-IT" dirty="0"/>
-                  <a:t> point, tell </a:t>
-                </a:r>
-                <a:r>
-                  <a:rPr lang="it-IT" dirty="0" err="1"/>
-                  <a:t>if</a:t>
-                </a:r>
-                <a:r>
-                  <a:rPr lang="it-IT" dirty="0"/>
-                  <a:t> a k-long </a:t>
-                </a:r>
-                <a:r>
-                  <a:rPr lang="it-IT" dirty="0" err="1"/>
-                  <a:t>path</a:t>
-                </a:r>
-                <a:r>
-                  <a:rPr lang="it-IT" dirty="0"/>
-                  <a:t> </a:t>
-                </a:r>
-                <a:r>
-                  <a:rPr lang="it-IT" dirty="0" err="1"/>
-                  <a:t>starting</a:t>
-                </a:r>
-                <a:r>
-                  <a:rPr lang="it-IT" dirty="0"/>
-                  <a:t> from </a:t>
-                </a:r>
-                <a:r>
-                  <a:rPr lang="it-IT" dirty="0" err="1"/>
-                  <a:t>there</a:t>
-                </a:r>
-                <a:r>
-                  <a:rPr lang="it-IT" dirty="0"/>
-                  <a:t> </a:t>
-                </a:r>
-                <a:r>
-                  <a:rPr lang="it-IT" dirty="0" err="1"/>
-                  <a:t>has</a:t>
-                </a:r>
-                <a:r>
-                  <a:rPr lang="it-IT" dirty="0"/>
-                  <a:t> a </a:t>
-                </a:r>
-                <a:r>
-                  <a:rPr lang="it-IT" dirty="0" err="1"/>
-                  <a:t>total</a:t>
-                </a:r>
-                <a:r>
-                  <a:rPr lang="it-IT" dirty="0"/>
-                  <a:t> weight </a:t>
-                </a:r>
-                <a:r>
-                  <a:rPr lang="it-IT" dirty="0" err="1"/>
-                  <a:t>greater</a:t>
-                </a:r>
-                <a:r>
-                  <a:rPr lang="it-IT" dirty="0"/>
-                  <a:t> </a:t>
-                </a:r>
-                <a:r>
-                  <a:rPr lang="it-IT" dirty="0" err="1"/>
-                  <a:t>than</a:t>
-                </a:r>
-                <a:r>
-                  <a:rPr lang="it-IT" dirty="0"/>
-                  <a:t> a </a:t>
-                </a:r>
-                <a:r>
-                  <a:rPr lang="it-IT" i="1" dirty="0"/>
-                  <a:t>long</a:t>
-                </a:r>
-                <a:r>
-                  <a:rPr lang="it-IT" dirty="0"/>
-                  <a:t> </a:t>
-                </a:r>
-                <a:r>
-                  <a:rPr lang="it-IT" dirty="0" err="1"/>
-                  <a:t>threshold</a:t>
-                </a:r>
-                <a:r>
-                  <a:rPr lang="it-IT" dirty="0"/>
-                  <a:t> x.</a:t>
-                </a:r>
-              </a:p>
-              <a:p>
-                <a:pPr marL="0" indent="0">
-                  <a:buNone/>
-                </a:pPr>
-                <a:r>
-                  <a:rPr lang="it-IT" dirty="0"/>
-                  <a:t>Points </a:t>
-                </a:r>
-                <a:r>
-                  <a:rPr lang="it-IT" dirty="0" err="1"/>
-                  <a:t>that</a:t>
-                </a:r>
-                <a:r>
-                  <a:rPr lang="it-IT" dirty="0"/>
-                  <a:t> do </a:t>
-                </a:r>
-                <a:r>
-                  <a:rPr lang="it-IT" dirty="0" err="1"/>
-                  <a:t>not</a:t>
-                </a:r>
-                <a:r>
-                  <a:rPr lang="it-IT" dirty="0"/>
-                  <a:t> </a:t>
-                </a:r>
-                <a:r>
-                  <a:rPr lang="it-IT" dirty="0" err="1"/>
-                  <a:t>have</a:t>
-                </a:r>
-                <a:r>
-                  <a:rPr lang="it-IT" dirty="0"/>
-                  <a:t> out </a:t>
-                </a:r>
-                <a:r>
-                  <a:rPr lang="it-IT" dirty="0" err="1"/>
-                  <a:t>edges</a:t>
-                </a:r>
-                <a:r>
-                  <a:rPr lang="it-IT" dirty="0"/>
-                  <a:t> are </a:t>
-                </a:r>
-                <a:r>
-                  <a:rPr lang="it-IT" dirty="0" err="1"/>
-                  <a:t>linked</a:t>
-                </a:r>
-                <a:r>
-                  <a:rPr lang="it-IT" dirty="0"/>
-                  <a:t> to the </a:t>
-                </a:r>
-                <a:r>
-                  <a:rPr lang="it-IT" dirty="0" err="1"/>
-                  <a:t>starting</a:t>
-                </a:r>
-                <a:r>
-                  <a:rPr lang="it-IT" dirty="0"/>
-                  <a:t> point with a 0-capacity </a:t>
-                </a:r>
-                <a:r>
-                  <a:rPr lang="it-IT" dirty="0" err="1"/>
-                  <a:t>edge</a:t>
-                </a:r>
-                <a:r>
-                  <a:rPr lang="it-IT" dirty="0"/>
-                  <a:t>. </a:t>
-                </a:r>
-                <a:r>
-                  <a:rPr lang="it-IT" dirty="0" err="1"/>
-                  <a:t>Flowing</a:t>
-                </a:r>
-                <a:r>
-                  <a:rPr lang="it-IT" dirty="0"/>
-                  <a:t> </a:t>
-                </a:r>
-                <a:r>
-                  <a:rPr lang="it-IT" dirty="0" err="1"/>
-                  <a:t>through</a:t>
-                </a:r>
-                <a:r>
-                  <a:rPr lang="it-IT" dirty="0"/>
-                  <a:t> </a:t>
-                </a:r>
-                <a:r>
-                  <a:rPr lang="it-IT" dirty="0" err="1"/>
-                  <a:t>this</a:t>
-                </a:r>
-                <a:r>
-                  <a:rPr lang="it-IT" dirty="0"/>
-                  <a:t> </a:t>
-                </a:r>
-                <a:r>
-                  <a:rPr lang="it-IT" dirty="0" err="1"/>
-                  <a:t>edge</a:t>
-                </a:r>
-                <a:r>
-                  <a:rPr lang="it-IT" dirty="0"/>
-                  <a:t> </a:t>
-                </a:r>
-                <a:r>
-                  <a:rPr lang="it-IT" dirty="0" err="1"/>
-                  <a:t>does</a:t>
-                </a:r>
-                <a:r>
-                  <a:rPr lang="it-IT" dirty="0"/>
-                  <a:t> </a:t>
-                </a:r>
-                <a:r>
-                  <a:rPr lang="it-IT" dirty="0" err="1"/>
-                  <a:t>not</a:t>
-                </a:r>
-                <a:r>
-                  <a:rPr lang="it-IT" dirty="0"/>
-                  <a:t> </a:t>
-                </a:r>
-                <a:r>
-                  <a:rPr lang="it-IT" dirty="0" err="1"/>
-                  <a:t>count</a:t>
-                </a:r>
-                <a:r>
-                  <a:rPr lang="it-IT" dirty="0"/>
-                  <a:t> </a:t>
-                </a:r>
-                <a:r>
-                  <a:rPr lang="it-IT" dirty="0" err="1"/>
-                  <a:t>as</a:t>
-                </a:r>
-                <a:r>
-                  <a:rPr lang="it-IT" dirty="0"/>
-                  <a:t> a </a:t>
-                </a:r>
-                <a:r>
-                  <a:rPr lang="it-IT" dirty="0" err="1"/>
-                  <a:t>move</a:t>
-                </a:r>
-                <a:r>
-                  <a:rPr lang="it-IT" dirty="0"/>
-                  <a:t>.</a:t>
-                </a:r>
-              </a:p>
-              <a:p>
-                <a:r>
-                  <a:rPr lang="it-IT" dirty="0"/>
-                  <a:t>Solution</a:t>
-                </a:r>
-              </a:p>
-              <a:p>
-                <a:pPr marL="0" indent="0">
-                  <a:buNone/>
-                </a:pPr>
-                <a:r>
-                  <a:rPr lang="it-IT" dirty="0"/>
-                  <a:t>The </a:t>
-                </a:r>
-                <a:r>
-                  <a:rPr lang="it-IT" dirty="0" err="1"/>
-                  <a:t>most</a:t>
-                </a:r>
-                <a:r>
-                  <a:rPr lang="it-IT" dirty="0"/>
-                  <a:t> </a:t>
-                </a:r>
-                <a:r>
-                  <a:rPr lang="it-IT" dirty="0" err="1"/>
-                  <a:t>feasible</a:t>
-                </a:r>
-                <a:r>
-                  <a:rPr lang="it-IT" dirty="0"/>
-                  <a:t> </a:t>
-                </a:r>
-                <a:r>
-                  <a:rPr lang="it-IT" dirty="0" err="1"/>
-                  <a:t>approach</a:t>
-                </a:r>
-                <a:r>
-                  <a:rPr lang="it-IT" dirty="0"/>
-                  <a:t> </a:t>
-                </a:r>
-                <a:r>
-                  <a:rPr lang="it-IT" dirty="0" err="1"/>
-                  <a:t>is</a:t>
-                </a:r>
-                <a:r>
-                  <a:rPr lang="it-IT" dirty="0"/>
-                  <a:t> to use DP, </a:t>
-                </a:r>
-                <a:r>
-                  <a:rPr lang="it-IT" dirty="0" err="1"/>
-                  <a:t>since</a:t>
-                </a:r>
-                <a:r>
-                  <a:rPr lang="it-IT" dirty="0"/>
-                  <a:t> the </a:t>
-                </a:r>
-                <a:r>
-                  <a:rPr lang="it-IT" dirty="0" err="1"/>
-                  <a:t>problem</a:t>
-                </a:r>
-                <a:r>
-                  <a:rPr lang="it-IT" dirty="0"/>
-                  <a:t> </a:t>
-                </a:r>
-                <a:r>
-                  <a:rPr lang="it-IT" dirty="0" err="1"/>
-                  <a:t>has</a:t>
-                </a:r>
-                <a:r>
-                  <a:rPr lang="it-IT" dirty="0"/>
-                  <a:t> an </a:t>
-                </a:r>
-                <a:r>
-                  <a:rPr lang="it-IT" dirty="0" err="1"/>
-                  <a:t>optimal</a:t>
-                </a:r>
-                <a:r>
-                  <a:rPr lang="it-IT" dirty="0"/>
-                  <a:t> </a:t>
-                </a:r>
-                <a:r>
-                  <a:rPr lang="it-IT" dirty="0" err="1"/>
-                  <a:t>substructure</a:t>
-                </a:r>
-                <a:r>
-                  <a:rPr lang="it-IT" dirty="0"/>
-                  <a:t>: telling </a:t>
-                </a:r>
-                <a:r>
-                  <a:rPr lang="it-IT" dirty="0" err="1"/>
-                  <a:t>if</a:t>
-                </a:r>
-                <a:r>
-                  <a:rPr lang="it-IT" dirty="0"/>
-                  <a:t> I can </a:t>
-                </a:r>
-                <a:r>
-                  <a:rPr lang="it-IT" dirty="0" err="1"/>
-                  <a:t>reach</a:t>
-                </a:r>
-                <a:r>
-                  <a:rPr lang="it-IT" dirty="0"/>
-                  <a:t> x with k </a:t>
-                </a:r>
-                <a:r>
-                  <a:rPr lang="it-IT" dirty="0" err="1"/>
-                  <a:t>moves</a:t>
-                </a:r>
-                <a:r>
-                  <a:rPr lang="it-IT" dirty="0"/>
-                  <a:t> </a:t>
-                </a:r>
-                <a:r>
-                  <a:rPr lang="it-IT" dirty="0" err="1"/>
-                  <a:t>is</a:t>
-                </a:r>
-                <a:r>
-                  <a:rPr lang="it-IT" dirty="0"/>
-                  <a:t> </a:t>
-                </a:r>
-                <a:r>
-                  <a:rPr lang="it-IT" dirty="0" err="1"/>
-                  <a:t>equivalent</a:t>
-                </a:r>
-                <a:r>
-                  <a:rPr lang="it-IT" dirty="0"/>
-                  <a:t> to </a:t>
-                </a:r>
-                <a:r>
-                  <a:rPr lang="it-IT" dirty="0" err="1"/>
-                  <a:t>finding</a:t>
-                </a:r>
-                <a:r>
-                  <a:rPr lang="it-IT" dirty="0"/>
-                  <a:t> the best out </a:t>
-                </a:r>
-                <a:r>
-                  <a:rPr lang="it-IT" dirty="0" err="1"/>
-                  <a:t>edge</a:t>
-                </a:r>
-                <a:r>
-                  <a:rPr lang="it-IT" dirty="0"/>
-                  <a:t> </a:t>
-                </a:r>
-                <a:r>
-                  <a:rPr lang="it-IT" dirty="0" err="1"/>
-                  <a:t>such</a:t>
-                </a:r>
-                <a:r>
-                  <a:rPr lang="it-IT" dirty="0"/>
-                  <a:t> </a:t>
-                </a:r>
-                <a:r>
-                  <a:rPr lang="it-IT" dirty="0" err="1"/>
-                  <a:t>that</a:t>
-                </a:r>
-                <a:r>
-                  <a:rPr lang="it-IT" dirty="0"/>
-                  <a:t> I can </a:t>
-                </a:r>
-                <a:r>
-                  <a:rPr lang="it-IT" dirty="0" err="1"/>
-                  <a:t>reach</a:t>
-                </a:r>
-                <a:r>
-                  <a:rPr lang="it-IT" dirty="0"/>
-                  <a:t> x-w[</a:t>
-                </a:r>
-                <a:r>
-                  <a:rPr lang="it-IT" dirty="0" err="1"/>
-                  <a:t>edge</a:t>
-                </a:r>
-                <a:r>
-                  <a:rPr lang="it-IT" dirty="0"/>
-                  <a:t>] with k-1 </a:t>
-                </a:r>
-                <a:r>
-                  <a:rPr lang="it-IT" dirty="0" err="1"/>
-                  <a:t>moves</a:t>
-                </a:r>
-                <a:r>
-                  <a:rPr lang="it-IT" dirty="0"/>
-                  <a:t> </a:t>
-                </a:r>
-                <a:r>
-                  <a:rPr lang="it-IT" dirty="0" err="1"/>
-                  <a:t>starting</a:t>
-                </a:r>
-                <a:r>
-                  <a:rPr lang="it-IT" dirty="0"/>
-                  <a:t> from the target </a:t>
-                </a:r>
-                <a:r>
-                  <a:rPr lang="it-IT" dirty="0" err="1"/>
-                  <a:t>node</a:t>
-                </a:r>
-                <a:r>
-                  <a:rPr lang="it-IT" dirty="0"/>
-                  <a:t>.</a:t>
-                </a:r>
-              </a:p>
-              <a:p>
-                <a:pPr marL="0" indent="0">
-                  <a:buNone/>
-                </a:pPr>
-                <a:r>
-                  <a:rPr lang="it-IT" dirty="0" err="1"/>
-                  <a:t>Since</a:t>
-                </a:r>
-                <a:r>
-                  <a:rPr lang="it-IT" dirty="0"/>
-                  <a:t> </a:t>
-                </a:r>
-                <a14:m>
-                  <m:oMath xmlns:m="http://schemas.openxmlformats.org/officeDocument/2006/math">
-                    <m:r>
-                      <a:rPr lang="it-IT" b="0" i="1" smtClean="0">
-                        <a:latin typeface="Cambria Math" panose="02040503050406030204" pitchFamily="18" charset="0"/>
-                      </a:rPr>
-                      <m:t>𝑥</m:t>
-                    </m:r>
-                    <m:r>
-                      <a:rPr lang="it-IT" b="0" i="1" smtClean="0">
-                        <a:latin typeface="Cambria Math" panose="02040503050406030204" pitchFamily="18" charset="0"/>
-                      </a:rPr>
-                      <m:t>≤</m:t>
-                    </m:r>
-                    <m:sSup>
-                      <m:sSupPr>
-                        <m:ctrlPr>
-                          <a:rPr lang="it-IT" b="0" i="1" smtClean="0">
-                            <a:latin typeface="Cambria Math" panose="02040503050406030204" pitchFamily="18" charset="0"/>
-                          </a:rPr>
-                        </m:ctrlPr>
-                      </m:sSupPr>
-                      <m:e>
-                        <m:r>
-                          <a:rPr lang="it-IT" b="0" i="1" smtClean="0">
-                            <a:latin typeface="Cambria Math" panose="02040503050406030204" pitchFamily="18" charset="0"/>
-                          </a:rPr>
-                          <m:t>10</m:t>
-                        </m:r>
-                      </m:e>
-                      <m:sup>
-                        <m:r>
-                          <a:rPr lang="it-IT" b="0" i="1" smtClean="0">
-                            <a:latin typeface="Cambria Math" panose="02040503050406030204" pitchFamily="18" charset="0"/>
-                          </a:rPr>
-                          <m:t>14</m:t>
-                        </m:r>
-                      </m:sup>
-                    </m:sSup>
-                  </m:oMath>
-                </a14:m>
-                <a:r>
-                  <a:rPr lang="it-IT" dirty="0"/>
-                  <a:t>, </a:t>
-                </a:r>
-                <a:r>
-                  <a:rPr lang="it-IT" dirty="0" err="1"/>
-                  <a:t>it</a:t>
-                </a:r>
-                <a:r>
-                  <a:rPr lang="it-IT" dirty="0"/>
-                  <a:t> </a:t>
-                </a:r>
-                <a:r>
-                  <a:rPr lang="it-IT" dirty="0" err="1"/>
-                  <a:t>is</a:t>
-                </a:r>
-                <a:r>
-                  <a:rPr lang="it-IT" dirty="0"/>
-                  <a:t> </a:t>
-                </a:r>
-                <a:r>
-                  <a:rPr lang="it-IT" dirty="0" err="1"/>
-                  <a:t>impossible</a:t>
-                </a:r>
-                <a:r>
-                  <a:rPr lang="it-IT" dirty="0"/>
-                  <a:t> to build the intuitive DP </a:t>
-                </a:r>
-                <a:r>
-                  <a:rPr lang="it-IT" dirty="0" err="1"/>
-                  <a:t>where</a:t>
-                </a:r>
-                <a:r>
-                  <a:rPr lang="it-IT" dirty="0"/>
-                  <a:t> I </a:t>
-                </a:r>
-                <a:r>
-                  <a:rPr lang="it-IT" dirty="0" err="1"/>
-                  <a:t>have</a:t>
-                </a:r>
-                <a:r>
-                  <a:rPr lang="it-IT" dirty="0"/>
-                  <a:t> to </a:t>
-                </a:r>
-                <a:r>
-                  <a:rPr lang="it-IT" dirty="0" err="1"/>
-                  <a:t>minimize</a:t>
-                </a:r>
-                <a:r>
-                  <a:rPr lang="it-IT" dirty="0"/>
-                  <a:t> the </a:t>
-                </a:r>
-                <a:r>
-                  <a:rPr lang="it-IT" dirty="0" err="1"/>
-                  <a:t>number</a:t>
-                </a:r>
-                <a:r>
-                  <a:rPr lang="it-IT" dirty="0"/>
-                  <a:t> of </a:t>
-                </a:r>
-                <a:r>
-                  <a:rPr lang="it-IT" dirty="0" err="1"/>
-                  <a:t>moves</a:t>
-                </a:r>
-                <a:r>
-                  <a:rPr lang="it-IT" dirty="0"/>
-                  <a:t> </a:t>
-                </a:r>
-                <a:r>
-                  <a:rPr lang="it-IT" dirty="0" err="1"/>
-                  <a:t>while</a:t>
-                </a:r>
-                <a:r>
-                  <a:rPr lang="it-IT" dirty="0"/>
-                  <a:t> keeping track of </a:t>
-                </a:r>
-                <a:r>
-                  <a:rPr lang="it-IT" dirty="0" err="1"/>
-                  <a:t>this</a:t>
-                </a:r>
-                <a:r>
-                  <a:rPr lang="it-IT" dirty="0"/>
-                  <a:t> big intermediate </a:t>
-                </a:r>
-                <a:r>
-                  <a:rPr lang="it-IT" dirty="0" err="1"/>
-                  <a:t>value</a:t>
-                </a:r>
-                <a:r>
-                  <a:rPr lang="it-IT" dirty="0"/>
-                  <a:t> in </a:t>
-                </a:r>
-                <a:r>
-                  <a:rPr lang="it-IT" dirty="0" err="1"/>
-                  <a:t>my</a:t>
-                </a:r>
-                <a:r>
-                  <a:rPr lang="it-IT" dirty="0"/>
-                  <a:t> state. </a:t>
-                </a:r>
-                <a:r>
-                  <a:rPr lang="it-IT" dirty="0" err="1"/>
-                  <a:t>Hence</a:t>
-                </a:r>
-                <a:r>
-                  <a:rPr lang="it-IT" dirty="0"/>
-                  <a:t>, I </a:t>
-                </a:r>
-                <a:r>
-                  <a:rPr lang="it-IT" dirty="0" err="1"/>
-                  <a:t>change</a:t>
-                </a:r>
-                <a:r>
-                  <a:rPr lang="it-IT" dirty="0"/>
-                  <a:t> the DP relation to </a:t>
-                </a:r>
-                <a:r>
-                  <a:rPr lang="it-IT" dirty="0" err="1"/>
-                  <a:t>calculating</a:t>
-                </a:r>
-                <a:r>
-                  <a:rPr lang="it-IT" dirty="0"/>
-                  <a:t> the maximum weight I </a:t>
-                </a:r>
-                <a:r>
-                  <a:rPr lang="it-IT" dirty="0" err="1"/>
-                  <a:t>could</a:t>
-                </a:r>
-                <a:r>
-                  <a:rPr lang="it-IT" dirty="0"/>
-                  <a:t> </a:t>
-                </a:r>
-                <a:r>
-                  <a:rPr lang="it-IT" dirty="0" err="1"/>
-                  <a:t>have</a:t>
-                </a:r>
-                <a:r>
-                  <a:rPr lang="it-IT" dirty="0"/>
-                  <a:t> with a FIXED </a:t>
-                </a:r>
-                <a:r>
-                  <a:rPr lang="it-IT" dirty="0" err="1"/>
-                  <a:t>number</a:t>
-                </a:r>
-                <a:r>
-                  <a:rPr lang="it-IT" dirty="0"/>
-                  <a:t> of </a:t>
-                </a:r>
-                <a:r>
-                  <a:rPr lang="it-IT" dirty="0" err="1"/>
-                  <a:t>moves</a:t>
-                </a:r>
-                <a:r>
-                  <a:rPr lang="it-IT" dirty="0"/>
-                  <a:t>.</a:t>
-                </a:r>
-              </a:p>
-              <a:p>
-                <a:pPr marL="0" indent="0">
-                  <a:buNone/>
-                </a:pPr>
-                <a:r>
-                  <a:rPr lang="it-IT" dirty="0"/>
-                  <a:t>By </a:t>
-                </a:r>
-                <a:r>
-                  <a:rPr lang="it-IT" dirty="0" err="1"/>
-                  <a:t>linearly</a:t>
-                </a:r>
-                <a:r>
-                  <a:rPr lang="it-IT" dirty="0"/>
-                  <a:t> </a:t>
-                </a:r>
-                <a:r>
-                  <a:rPr lang="it-IT" dirty="0" err="1"/>
-                  <a:t>increasing</a:t>
-                </a:r>
-                <a:r>
-                  <a:rPr lang="it-IT" dirty="0"/>
-                  <a:t> </a:t>
-                </a:r>
-                <a:r>
-                  <a:rPr lang="it-IT" dirty="0" err="1"/>
-                  <a:t>this</a:t>
-                </a:r>
-                <a:r>
-                  <a:rPr lang="it-IT" dirty="0"/>
-                  <a:t> </a:t>
-                </a:r>
-                <a:r>
-                  <a:rPr lang="it-IT" dirty="0" err="1"/>
-                  <a:t>fixed</a:t>
-                </a:r>
-                <a:r>
-                  <a:rPr lang="it-IT" dirty="0"/>
-                  <a:t> </a:t>
-                </a:r>
-                <a:r>
-                  <a:rPr lang="it-IT" dirty="0" err="1"/>
-                  <a:t>number</a:t>
-                </a:r>
-                <a:r>
-                  <a:rPr lang="it-IT" dirty="0"/>
-                  <a:t> </a:t>
-                </a:r>
-                <a:r>
-                  <a:rPr lang="it-IT" dirty="0" err="1"/>
-                  <a:t>outside</a:t>
-                </a:r>
-                <a:r>
-                  <a:rPr lang="it-IT" dirty="0"/>
-                  <a:t> the DP relation I </a:t>
-                </a:r>
-                <a:r>
-                  <a:rPr lang="it-IT" dirty="0" err="1"/>
-                  <a:t>keep</a:t>
-                </a:r>
-                <a:r>
-                  <a:rPr lang="it-IT" dirty="0"/>
-                  <a:t> track of the minimum </a:t>
-                </a:r>
-                <a:r>
-                  <a:rPr lang="it-IT" dirty="0" err="1"/>
-                  <a:t>amount</a:t>
-                </a:r>
-                <a:r>
-                  <a:rPr lang="it-IT" dirty="0"/>
-                  <a:t> </a:t>
-                </a:r>
-                <a:r>
-                  <a:rPr lang="it-IT" dirty="0" err="1"/>
-                  <a:t>needed</a:t>
-                </a:r>
-                <a:r>
-                  <a:rPr lang="it-IT" dirty="0"/>
-                  <a:t> and break from the loop.</a:t>
-                </a:r>
-              </a:p>
-              <a:p>
-                <a:r>
-                  <a:rPr lang="it-IT" dirty="0"/>
-                  <a:t>Take home</a:t>
-                </a:r>
-              </a:p>
-              <a:p>
-                <a:pPr marL="0" indent="0">
-                  <a:buNone/>
-                </a:pPr>
-                <a:r>
-                  <a:rPr lang="it-IT" dirty="0" err="1"/>
-                  <a:t>Before</a:t>
-                </a:r>
-                <a:r>
-                  <a:rPr lang="it-IT" dirty="0"/>
-                  <a:t> </a:t>
-                </a:r>
-                <a:r>
-                  <a:rPr lang="it-IT" dirty="0" err="1"/>
-                  <a:t>deriving</a:t>
-                </a:r>
-                <a:r>
-                  <a:rPr lang="it-IT" dirty="0"/>
-                  <a:t> a DP relation, look </a:t>
-                </a:r>
-                <a:r>
-                  <a:rPr lang="it-IT" dirty="0" err="1"/>
-                  <a:t>at</a:t>
-                </a:r>
-                <a:r>
-                  <a:rPr lang="it-IT" dirty="0"/>
-                  <a:t> the </a:t>
-                </a:r>
-                <a:r>
-                  <a:rPr lang="it-IT" dirty="0" err="1"/>
-                  <a:t>possible</a:t>
-                </a:r>
-                <a:r>
-                  <a:rPr lang="it-IT" dirty="0"/>
-                  <a:t> </a:t>
-                </a:r>
-                <a:r>
-                  <a:rPr lang="it-IT" dirty="0" err="1"/>
-                  <a:t>dimensions</a:t>
-                </a:r>
-                <a:r>
-                  <a:rPr lang="it-IT" dirty="0"/>
-                  <a:t> of </a:t>
-                </a:r>
-                <a:r>
-                  <a:rPr lang="it-IT" dirty="0" err="1"/>
-                  <a:t>its</a:t>
-                </a:r>
-                <a:r>
-                  <a:rPr lang="it-IT" dirty="0"/>
-                  <a:t> state!</a:t>
-                </a:r>
-              </a:p>
-              <a:p>
-                <a:pPr marL="0" indent="0">
-                  <a:buNone/>
-                </a:pPr>
-                <a:endParaRPr lang="it-IT" dirty="0"/>
-              </a:p>
-            </p:txBody>
-          </p:sp>
-        </mc:Choice>
-        <mc:Fallback xmlns="">
-          <p:sp>
-            <p:nvSpPr>
-              <p:cNvPr id="7" name="Segnaposto contenuto 6">
-                <a:extLst>
-                  <a:ext uri="{FF2B5EF4-FFF2-40B4-BE49-F238E27FC236}">
-                    <a16:creationId xmlns:a16="http://schemas.microsoft.com/office/drawing/2014/main" id="{451B668A-7F16-417E-9C12-D47A069A0098}"/>
-                  </a:ext>
-                </a:extLst>
-              </p:cNvPr>
-              <p:cNvSpPr>
-                <a:spLocks noGrp="1" noRot="1" noChangeAspect="1" noMove="1" noResize="1" noEditPoints="1" noAdjustHandles="1" noChangeArrowheads="1" noChangeShapeType="1" noTextEdit="1"/>
-              </p:cNvSpPr>
-              <p:nvPr>
-                <p:ph idx="1"/>
-              </p:nvPr>
-            </p:nvSpPr>
-            <p:spPr>
-              <a:xfrm>
-                <a:off x="838200" y="1825624"/>
-                <a:ext cx="10515600" cy="4353233"/>
-              </a:xfrm>
-              <a:blipFill>
-                <a:blip r:embed="rId2"/>
-                <a:stretch>
-                  <a:fillRect l="-522" t="-2238"/>
-                </a:stretch>
-              </a:blipFill>
-            </p:spPr>
-            <p:txBody>
-              <a:bodyPr/>
-              <a:lstStyle/>
-              <a:p>
-                <a:r>
-                  <a:rPr lang="it-IT">
-                    <a:noFill/>
-                  </a:rPr>
-                  <a:t> </a:t>
-                </a:r>
-              </a:p>
-            </p:txBody>
-          </p:sp>
-        </mc:Fallback>
-      </mc:AlternateContent>
+      <p:sp>
+        <p:nvSpPr>
+          <p:cNvPr id="7" name="Segnaposto contenuto 6">
+            <a:extLst>
+              <a:ext uri="{FF2B5EF4-FFF2-40B4-BE49-F238E27FC236}">
+                <a16:creationId xmlns:a16="http://schemas.microsoft.com/office/drawing/2014/main" id="{451B668A-7F16-417E-9C12-D47A069A0098}"/>
+              </a:ext>
+            </a:extLst>
+          </p:cNvPr>
+          <p:cNvSpPr>
+            <a:spLocks noGrp="1"/>
+          </p:cNvSpPr>
+          <p:nvPr>
+            <p:ph idx="1"/>
+          </p:nvPr>
+        </p:nvSpPr>
+        <p:spPr/>
+        <p:txBody>
+          <a:bodyPr>
+            <a:normAutofit lnSpcReduction="10000"/>
+          </a:bodyPr>
+          <a:lstStyle/>
+          <a:p>
+            <a:r>
+              <a:rPr lang="it-IT" dirty="0" err="1"/>
+              <a:t>Algorithmic</a:t>
+            </a:r>
+            <a:r>
+              <a:rPr lang="it-IT" dirty="0"/>
+              <a:t> </a:t>
+            </a:r>
+            <a:r>
+              <a:rPr lang="it-IT" dirty="0" err="1"/>
+              <a:t>description</a:t>
+            </a:r>
+            <a:endParaRPr lang="it-IT" dirty="0"/>
+          </a:p>
+          <a:p>
+            <a:pPr marL="0" indent="0">
+              <a:buNone/>
+            </a:pPr>
+            <a:r>
+              <a:rPr lang="it-IT" dirty="0" err="1"/>
+              <a:t>Given</a:t>
+            </a:r>
+            <a:r>
+              <a:rPr lang="it-IT" dirty="0"/>
+              <a:t> a </a:t>
+            </a:r>
+            <a:r>
+              <a:rPr lang="it-IT" dirty="0" err="1"/>
+              <a:t>directed</a:t>
+            </a:r>
+            <a:r>
+              <a:rPr lang="it-IT" dirty="0"/>
+              <a:t> </a:t>
+            </a:r>
+            <a:r>
+              <a:rPr lang="it-IT" dirty="0" err="1"/>
+              <a:t>graph</a:t>
+            </a:r>
+            <a:r>
+              <a:rPr lang="it-IT" dirty="0"/>
+              <a:t>, a set of </a:t>
+            </a:r>
+            <a:r>
+              <a:rPr lang="it-IT" dirty="0" err="1"/>
+              <a:t>starting</a:t>
+            </a:r>
+            <a:r>
+              <a:rPr lang="it-IT" dirty="0"/>
+              <a:t> </a:t>
+            </a:r>
+            <a:r>
+              <a:rPr lang="it-IT" dirty="0" err="1"/>
+              <a:t>nodes</a:t>
+            </a:r>
+            <a:r>
+              <a:rPr lang="it-IT" dirty="0"/>
+              <a:t> and a set of end </a:t>
+            </a:r>
+            <a:r>
+              <a:rPr lang="it-IT" dirty="0" err="1"/>
+              <a:t>nodes</a:t>
+            </a:r>
+            <a:r>
+              <a:rPr lang="it-IT" dirty="0"/>
+              <a:t>, output the minimum </a:t>
+            </a:r>
+            <a:r>
+              <a:rPr lang="it-IT" dirty="0" err="1"/>
+              <a:t>number</a:t>
+            </a:r>
+            <a:r>
+              <a:rPr lang="it-IT" dirty="0"/>
+              <a:t> of </a:t>
+            </a:r>
+            <a:r>
+              <a:rPr lang="it-IT" dirty="0" err="1"/>
+              <a:t>nodes</a:t>
+            </a:r>
+            <a:r>
+              <a:rPr lang="it-IT" dirty="0"/>
+              <a:t> </a:t>
+            </a:r>
+            <a:r>
+              <a:rPr lang="it-IT" dirty="0" err="1"/>
+              <a:t>that</a:t>
+            </a:r>
+            <a:r>
+              <a:rPr lang="it-IT" dirty="0"/>
+              <a:t> </a:t>
+            </a:r>
+            <a:r>
+              <a:rPr lang="it-IT" dirty="0" err="1"/>
+              <a:t>cut</a:t>
+            </a:r>
+            <a:r>
+              <a:rPr lang="it-IT" dirty="0"/>
+              <a:t> </a:t>
+            </a:r>
+            <a:r>
+              <a:rPr lang="it-IT" dirty="0" err="1"/>
+              <a:t>every</a:t>
+            </a:r>
+            <a:r>
+              <a:rPr lang="it-IT" dirty="0"/>
+              <a:t> </a:t>
+            </a:r>
+            <a:r>
+              <a:rPr lang="it-IT" dirty="0" err="1"/>
+              <a:t>path</a:t>
+            </a:r>
+            <a:r>
+              <a:rPr lang="it-IT" dirty="0"/>
+              <a:t> </a:t>
+            </a:r>
+            <a:r>
+              <a:rPr lang="it-IT" dirty="0" err="1"/>
+              <a:t>between</a:t>
+            </a:r>
+            <a:r>
+              <a:rPr lang="it-IT" dirty="0"/>
+              <a:t> the </a:t>
+            </a:r>
+            <a:r>
+              <a:rPr lang="it-IT" dirty="0" err="1"/>
+              <a:t>two</a:t>
+            </a:r>
+            <a:r>
+              <a:rPr lang="it-IT" dirty="0"/>
+              <a:t> sets.</a:t>
+            </a:r>
+          </a:p>
+          <a:p>
+            <a:r>
+              <a:rPr lang="it-IT" dirty="0"/>
+              <a:t>Solution</a:t>
+            </a:r>
+          </a:p>
+          <a:p>
+            <a:pPr marL="0" indent="0">
+              <a:buNone/>
+            </a:pPr>
+            <a:r>
+              <a:rPr lang="it-IT" dirty="0"/>
+              <a:t>The </a:t>
+            </a:r>
+            <a:r>
+              <a:rPr lang="it-IT" dirty="0" err="1"/>
+              <a:t>problem</a:t>
+            </a:r>
+            <a:r>
+              <a:rPr lang="it-IT" dirty="0"/>
+              <a:t> </a:t>
+            </a:r>
+            <a:r>
+              <a:rPr lang="it-IT" dirty="0" err="1"/>
+              <a:t>statement</a:t>
+            </a:r>
+            <a:r>
+              <a:rPr lang="it-IT" dirty="0"/>
+              <a:t> </a:t>
+            </a:r>
+            <a:r>
+              <a:rPr lang="it-IT" dirty="0" err="1"/>
+              <a:t>clearly</a:t>
+            </a:r>
+            <a:r>
+              <a:rPr lang="it-IT" dirty="0"/>
+              <a:t> </a:t>
+            </a:r>
+            <a:r>
+              <a:rPr lang="it-IT" dirty="0" err="1"/>
+              <a:t>tells</a:t>
+            </a:r>
+            <a:r>
+              <a:rPr lang="it-IT" dirty="0"/>
+              <a:t> to </a:t>
+            </a:r>
+            <a:r>
+              <a:rPr lang="it-IT" dirty="0" err="1"/>
+              <a:t>find</a:t>
+            </a:r>
+            <a:r>
+              <a:rPr lang="it-IT" dirty="0"/>
+              <a:t> a minimum vertex </a:t>
+            </a:r>
+            <a:r>
+              <a:rPr lang="it-IT" dirty="0" err="1"/>
+              <a:t>cut</a:t>
+            </a:r>
+            <a:r>
+              <a:rPr lang="it-IT" dirty="0"/>
+              <a:t>.</a:t>
+            </a:r>
+          </a:p>
+          <a:p>
+            <a:pPr marL="0" indent="0">
+              <a:buNone/>
+            </a:pPr>
+            <a:r>
+              <a:rPr lang="it-IT" dirty="0" err="1"/>
+              <a:t>Since</a:t>
+            </a:r>
+            <a:r>
+              <a:rPr lang="it-IT" dirty="0"/>
+              <a:t> </a:t>
+            </a:r>
+            <a:r>
+              <a:rPr lang="it-IT" dirty="0" err="1"/>
+              <a:t>we</a:t>
+            </a:r>
+            <a:r>
+              <a:rPr lang="it-IT" dirty="0"/>
+              <a:t> know </a:t>
+            </a:r>
+            <a:r>
+              <a:rPr lang="it-IT" dirty="0" err="1"/>
+              <a:t>how</a:t>
+            </a:r>
+            <a:r>
+              <a:rPr lang="it-IT" dirty="0"/>
+              <a:t> to </a:t>
+            </a:r>
+            <a:r>
+              <a:rPr lang="it-IT" dirty="0" err="1"/>
+              <a:t>find</a:t>
+            </a:r>
+            <a:r>
+              <a:rPr lang="it-IT" dirty="0"/>
+              <a:t> an </a:t>
+            </a:r>
+            <a:r>
+              <a:rPr lang="it-IT" dirty="0" err="1"/>
+              <a:t>edge</a:t>
+            </a:r>
+            <a:r>
+              <a:rPr lang="it-IT" dirty="0"/>
+              <a:t> </a:t>
+            </a:r>
+            <a:r>
+              <a:rPr lang="it-IT" dirty="0" err="1"/>
+              <a:t>cut</a:t>
+            </a:r>
+            <a:r>
+              <a:rPr lang="it-IT" dirty="0"/>
+              <a:t> </a:t>
+            </a:r>
+            <a:r>
+              <a:rPr lang="it-IT" dirty="0" err="1"/>
+              <a:t>using</a:t>
+            </a:r>
+            <a:r>
+              <a:rPr lang="it-IT" dirty="0"/>
+              <a:t> flow, </a:t>
+            </a:r>
+            <a:r>
+              <a:rPr lang="it-IT" dirty="0" err="1"/>
+              <a:t>simply</a:t>
+            </a:r>
+            <a:r>
+              <a:rPr lang="it-IT" dirty="0"/>
+              <a:t> split </a:t>
+            </a:r>
+            <a:r>
+              <a:rPr lang="it-IT" dirty="0" err="1"/>
+              <a:t>each</a:t>
+            </a:r>
+            <a:r>
+              <a:rPr lang="it-IT" dirty="0"/>
+              <a:t> vertex </a:t>
+            </a:r>
+            <a:r>
+              <a:rPr lang="it-IT" dirty="0" err="1"/>
+              <a:t>into</a:t>
+            </a:r>
+            <a:r>
+              <a:rPr lang="it-IT" dirty="0"/>
+              <a:t> </a:t>
+            </a:r>
+            <a:r>
+              <a:rPr lang="it-IT" dirty="0" err="1"/>
+              <a:t>two</a:t>
+            </a:r>
+            <a:r>
+              <a:rPr lang="it-IT" dirty="0"/>
+              <a:t> </a:t>
+            </a:r>
+            <a:r>
+              <a:rPr lang="it-IT" dirty="0" err="1"/>
+              <a:t>nodes</a:t>
+            </a:r>
+            <a:r>
+              <a:rPr lang="it-IT" dirty="0"/>
+              <a:t> (in and out) and </a:t>
+            </a:r>
+            <a:r>
+              <a:rPr lang="it-IT" dirty="0" err="1"/>
+              <a:t>add</a:t>
+            </a:r>
+            <a:r>
+              <a:rPr lang="it-IT" dirty="0"/>
+              <a:t> an </a:t>
+            </a:r>
+            <a:r>
+              <a:rPr lang="it-IT" dirty="0" err="1"/>
+              <a:t>edge</a:t>
+            </a:r>
+            <a:r>
+              <a:rPr lang="it-IT" dirty="0"/>
+              <a:t> in </a:t>
+            </a:r>
+            <a:r>
+              <a:rPr lang="it-IT" dirty="0" err="1"/>
+              <a:t>between</a:t>
+            </a:r>
+            <a:r>
+              <a:rPr lang="it-IT" dirty="0"/>
+              <a:t> of </a:t>
+            </a:r>
+            <a:r>
+              <a:rPr lang="it-IT" dirty="0" err="1"/>
+              <a:t>capacity</a:t>
+            </a:r>
+            <a:r>
+              <a:rPr lang="it-IT" dirty="0"/>
+              <a:t> 1.</a:t>
+            </a:r>
+          </a:p>
+          <a:p>
+            <a:pPr marL="0" indent="0">
+              <a:buNone/>
+            </a:pPr>
+            <a:r>
+              <a:rPr lang="it-IT" dirty="0"/>
+              <a:t>The </a:t>
+            </a:r>
+            <a:r>
+              <a:rPr lang="it-IT" dirty="0" err="1"/>
+              <a:t>MaxFlow</a:t>
+            </a:r>
+            <a:r>
+              <a:rPr lang="it-IT" dirty="0"/>
+              <a:t> </a:t>
+            </a:r>
+            <a:r>
+              <a:rPr lang="it-IT" dirty="0" err="1"/>
+              <a:t>corresponds</a:t>
+            </a:r>
+            <a:r>
+              <a:rPr lang="it-IT" dirty="0"/>
+              <a:t> to the minimum vertex </a:t>
+            </a:r>
+            <a:r>
+              <a:rPr lang="it-IT" dirty="0" err="1"/>
+              <a:t>cut</a:t>
+            </a:r>
+            <a:r>
+              <a:rPr lang="it-IT"/>
+              <a:t>.</a:t>
+            </a:r>
+            <a:endParaRPr lang="it-IT" dirty="0"/>
+          </a:p>
+        </p:txBody>
+      </p:sp>
     </p:spTree>
     <p:extLst>
       <p:ext uri="{BB962C8B-B14F-4D97-AF65-F5344CB8AC3E}">
-        <p14:creationId xmlns:p14="http://schemas.microsoft.com/office/powerpoint/2010/main" val="2452349254"/>
+        <p14:creationId xmlns:p14="http://schemas.microsoft.com/office/powerpoint/2010/main" val="1506533281"/>
       </p:ext>
     </p:extLst>
   </p:cSld>
@@ -21669,6 +21671,980 @@
           <a:lstStyle/>
           <a:p>
             <a:r>
+              <a:rPr lang="it-IT" dirty="0" err="1"/>
+              <a:t>PotW</a:t>
+            </a:r>
+            <a:r>
+              <a:rPr lang="it-IT" dirty="0"/>
+              <a:t> 12: San Francisco</a:t>
+            </a:r>
+          </a:p>
+        </p:txBody>
+      </p:sp>
+      <mc:AlternateContent xmlns:mc="http://schemas.openxmlformats.org/markup-compatibility/2006" xmlns:a14="http://schemas.microsoft.com/office/drawing/2010/main">
+        <mc:Choice Requires="a14">
+          <p:sp>
+            <p:nvSpPr>
+              <p:cNvPr id="7" name="Segnaposto contenuto 6">
+                <a:extLst>
+                  <a:ext uri="{FF2B5EF4-FFF2-40B4-BE49-F238E27FC236}">
+                    <a16:creationId xmlns:a16="http://schemas.microsoft.com/office/drawing/2014/main" id="{451B668A-7F16-417E-9C12-D47A069A0098}"/>
+                  </a:ext>
+                </a:extLst>
+              </p:cNvPr>
+              <p:cNvSpPr>
+                <a:spLocks noGrp="1"/>
+              </p:cNvSpPr>
+              <p:nvPr>
+                <p:ph idx="1"/>
+              </p:nvPr>
+            </p:nvSpPr>
+            <p:spPr>
+              <a:xfrm>
+                <a:off x="838200" y="1825624"/>
+                <a:ext cx="10515600" cy="4353233"/>
+              </a:xfrm>
+            </p:spPr>
+            <p:txBody>
+              <a:bodyPr>
+                <a:normAutofit fontScale="62500" lnSpcReduction="20000"/>
+              </a:bodyPr>
+              <a:lstStyle/>
+              <a:p>
+                <a:r>
+                  <a:rPr lang="it-IT" dirty="0"/>
+                  <a:t>Algorithmic </a:t>
+                </a:r>
+                <a:r>
+                  <a:rPr lang="it-IT" dirty="0" err="1"/>
+                  <a:t>description</a:t>
+                </a:r>
+                <a:endParaRPr lang="it-IT" dirty="0"/>
+              </a:p>
+              <a:p>
+                <a:pPr marL="0" indent="0">
+                  <a:buNone/>
+                </a:pPr>
+                <a:r>
+                  <a:rPr lang="it-IT" dirty="0" err="1"/>
+                  <a:t>Given</a:t>
+                </a:r>
+                <a:r>
+                  <a:rPr lang="it-IT" dirty="0"/>
+                  <a:t> a </a:t>
+                </a:r>
+                <a:r>
+                  <a:rPr lang="it-IT" dirty="0" err="1"/>
+                  <a:t>weighted</a:t>
+                </a:r>
+                <a:r>
+                  <a:rPr lang="it-IT" dirty="0"/>
+                  <a:t> </a:t>
+                </a:r>
+                <a:r>
+                  <a:rPr lang="it-IT" dirty="0" err="1"/>
+                  <a:t>directed</a:t>
+                </a:r>
+                <a:r>
+                  <a:rPr lang="it-IT" dirty="0"/>
+                  <a:t> </a:t>
+                </a:r>
+                <a:r>
+                  <a:rPr lang="it-IT" dirty="0" err="1"/>
+                  <a:t>graph</a:t>
+                </a:r>
+                <a:r>
+                  <a:rPr lang="it-IT" dirty="0"/>
+                  <a:t> with a </a:t>
+                </a:r>
+                <a:r>
+                  <a:rPr lang="it-IT" dirty="0" err="1"/>
+                  <a:t>fixed</a:t>
+                </a:r>
+                <a:r>
+                  <a:rPr lang="it-IT" dirty="0"/>
+                  <a:t> </a:t>
+                </a:r>
+                <a:r>
+                  <a:rPr lang="it-IT" dirty="0" err="1"/>
+                  <a:t>starting</a:t>
+                </a:r>
+                <a:r>
+                  <a:rPr lang="it-IT" dirty="0"/>
+                  <a:t> point, tell </a:t>
+                </a:r>
+                <a:r>
+                  <a:rPr lang="it-IT" dirty="0" err="1"/>
+                  <a:t>if</a:t>
+                </a:r>
+                <a:r>
+                  <a:rPr lang="it-IT" dirty="0"/>
+                  <a:t> a k-long </a:t>
+                </a:r>
+                <a:r>
+                  <a:rPr lang="it-IT" dirty="0" err="1"/>
+                  <a:t>path</a:t>
+                </a:r>
+                <a:r>
+                  <a:rPr lang="it-IT" dirty="0"/>
+                  <a:t> </a:t>
+                </a:r>
+                <a:r>
+                  <a:rPr lang="it-IT" dirty="0" err="1"/>
+                  <a:t>starting</a:t>
+                </a:r>
+                <a:r>
+                  <a:rPr lang="it-IT" dirty="0"/>
+                  <a:t> from </a:t>
+                </a:r>
+                <a:r>
+                  <a:rPr lang="it-IT" dirty="0" err="1"/>
+                  <a:t>there</a:t>
+                </a:r>
+                <a:r>
+                  <a:rPr lang="it-IT" dirty="0"/>
+                  <a:t> </a:t>
+                </a:r>
+                <a:r>
+                  <a:rPr lang="it-IT" dirty="0" err="1"/>
+                  <a:t>has</a:t>
+                </a:r>
+                <a:r>
+                  <a:rPr lang="it-IT" dirty="0"/>
+                  <a:t> a </a:t>
+                </a:r>
+                <a:r>
+                  <a:rPr lang="it-IT" dirty="0" err="1"/>
+                  <a:t>total</a:t>
+                </a:r>
+                <a:r>
+                  <a:rPr lang="it-IT" dirty="0"/>
+                  <a:t> weight </a:t>
+                </a:r>
+                <a:r>
+                  <a:rPr lang="it-IT" dirty="0" err="1"/>
+                  <a:t>greater</a:t>
+                </a:r>
+                <a:r>
+                  <a:rPr lang="it-IT" dirty="0"/>
+                  <a:t> </a:t>
+                </a:r>
+                <a:r>
+                  <a:rPr lang="it-IT" dirty="0" err="1"/>
+                  <a:t>than</a:t>
+                </a:r>
+                <a:r>
+                  <a:rPr lang="it-IT" dirty="0"/>
+                  <a:t> a </a:t>
+                </a:r>
+                <a:r>
+                  <a:rPr lang="it-IT" i="1" dirty="0"/>
+                  <a:t>long</a:t>
+                </a:r>
+                <a:r>
+                  <a:rPr lang="it-IT" dirty="0"/>
+                  <a:t> </a:t>
+                </a:r>
+                <a:r>
+                  <a:rPr lang="it-IT" dirty="0" err="1"/>
+                  <a:t>threshold</a:t>
+                </a:r>
+                <a:r>
+                  <a:rPr lang="it-IT" dirty="0"/>
+                  <a:t> x.</a:t>
+                </a:r>
+              </a:p>
+              <a:p>
+                <a:pPr marL="0" indent="0">
+                  <a:buNone/>
+                </a:pPr>
+                <a:r>
+                  <a:rPr lang="it-IT" dirty="0"/>
+                  <a:t>Points </a:t>
+                </a:r>
+                <a:r>
+                  <a:rPr lang="it-IT" dirty="0" err="1"/>
+                  <a:t>that</a:t>
+                </a:r>
+                <a:r>
+                  <a:rPr lang="it-IT" dirty="0"/>
+                  <a:t> do </a:t>
+                </a:r>
+                <a:r>
+                  <a:rPr lang="it-IT" dirty="0" err="1"/>
+                  <a:t>not</a:t>
+                </a:r>
+                <a:r>
+                  <a:rPr lang="it-IT" dirty="0"/>
+                  <a:t> </a:t>
+                </a:r>
+                <a:r>
+                  <a:rPr lang="it-IT" dirty="0" err="1"/>
+                  <a:t>have</a:t>
+                </a:r>
+                <a:r>
+                  <a:rPr lang="it-IT" dirty="0"/>
+                  <a:t> out </a:t>
+                </a:r>
+                <a:r>
+                  <a:rPr lang="it-IT" dirty="0" err="1"/>
+                  <a:t>edges</a:t>
+                </a:r>
+                <a:r>
+                  <a:rPr lang="it-IT" dirty="0"/>
+                  <a:t> are </a:t>
+                </a:r>
+                <a:r>
+                  <a:rPr lang="it-IT" dirty="0" err="1"/>
+                  <a:t>linked</a:t>
+                </a:r>
+                <a:r>
+                  <a:rPr lang="it-IT" dirty="0"/>
+                  <a:t> to the </a:t>
+                </a:r>
+                <a:r>
+                  <a:rPr lang="it-IT" dirty="0" err="1"/>
+                  <a:t>starting</a:t>
+                </a:r>
+                <a:r>
+                  <a:rPr lang="it-IT" dirty="0"/>
+                  <a:t> point with a 0-capacity </a:t>
+                </a:r>
+                <a:r>
+                  <a:rPr lang="it-IT" dirty="0" err="1"/>
+                  <a:t>edge</a:t>
+                </a:r>
+                <a:r>
+                  <a:rPr lang="it-IT" dirty="0"/>
+                  <a:t>. </a:t>
+                </a:r>
+                <a:r>
+                  <a:rPr lang="it-IT" dirty="0" err="1"/>
+                  <a:t>Flowing</a:t>
+                </a:r>
+                <a:r>
+                  <a:rPr lang="it-IT" dirty="0"/>
+                  <a:t> </a:t>
+                </a:r>
+                <a:r>
+                  <a:rPr lang="it-IT" dirty="0" err="1"/>
+                  <a:t>through</a:t>
+                </a:r>
+                <a:r>
+                  <a:rPr lang="it-IT" dirty="0"/>
+                  <a:t> </a:t>
+                </a:r>
+                <a:r>
+                  <a:rPr lang="it-IT" dirty="0" err="1"/>
+                  <a:t>this</a:t>
+                </a:r>
+                <a:r>
+                  <a:rPr lang="it-IT" dirty="0"/>
+                  <a:t> </a:t>
+                </a:r>
+                <a:r>
+                  <a:rPr lang="it-IT" dirty="0" err="1"/>
+                  <a:t>edge</a:t>
+                </a:r>
+                <a:r>
+                  <a:rPr lang="it-IT" dirty="0"/>
+                  <a:t> </a:t>
+                </a:r>
+                <a:r>
+                  <a:rPr lang="it-IT" dirty="0" err="1"/>
+                  <a:t>does</a:t>
+                </a:r>
+                <a:r>
+                  <a:rPr lang="it-IT" dirty="0"/>
+                  <a:t> </a:t>
+                </a:r>
+                <a:r>
+                  <a:rPr lang="it-IT" dirty="0" err="1"/>
+                  <a:t>not</a:t>
+                </a:r>
+                <a:r>
+                  <a:rPr lang="it-IT" dirty="0"/>
+                  <a:t> </a:t>
+                </a:r>
+                <a:r>
+                  <a:rPr lang="it-IT" dirty="0" err="1"/>
+                  <a:t>count</a:t>
+                </a:r>
+                <a:r>
+                  <a:rPr lang="it-IT" dirty="0"/>
+                  <a:t> </a:t>
+                </a:r>
+                <a:r>
+                  <a:rPr lang="it-IT" dirty="0" err="1"/>
+                  <a:t>as</a:t>
+                </a:r>
+                <a:r>
+                  <a:rPr lang="it-IT" dirty="0"/>
+                  <a:t> a </a:t>
+                </a:r>
+                <a:r>
+                  <a:rPr lang="it-IT" dirty="0" err="1"/>
+                  <a:t>move</a:t>
+                </a:r>
+                <a:r>
+                  <a:rPr lang="it-IT" dirty="0"/>
+                  <a:t>.</a:t>
+                </a:r>
+              </a:p>
+              <a:p>
+                <a:r>
+                  <a:rPr lang="it-IT" dirty="0"/>
+                  <a:t>Solution</a:t>
+                </a:r>
+              </a:p>
+              <a:p>
+                <a:pPr marL="0" indent="0">
+                  <a:buNone/>
+                </a:pPr>
+                <a:r>
+                  <a:rPr lang="it-IT" dirty="0"/>
+                  <a:t>The </a:t>
+                </a:r>
+                <a:r>
+                  <a:rPr lang="it-IT" dirty="0" err="1"/>
+                  <a:t>most</a:t>
+                </a:r>
+                <a:r>
+                  <a:rPr lang="it-IT" dirty="0"/>
+                  <a:t> </a:t>
+                </a:r>
+                <a:r>
+                  <a:rPr lang="it-IT" dirty="0" err="1"/>
+                  <a:t>feasible</a:t>
+                </a:r>
+                <a:r>
+                  <a:rPr lang="it-IT" dirty="0"/>
+                  <a:t> </a:t>
+                </a:r>
+                <a:r>
+                  <a:rPr lang="it-IT" dirty="0" err="1"/>
+                  <a:t>approach</a:t>
+                </a:r>
+                <a:r>
+                  <a:rPr lang="it-IT" dirty="0"/>
+                  <a:t> </a:t>
+                </a:r>
+                <a:r>
+                  <a:rPr lang="it-IT" dirty="0" err="1"/>
+                  <a:t>is</a:t>
+                </a:r>
+                <a:r>
+                  <a:rPr lang="it-IT" dirty="0"/>
+                  <a:t> to use DP, </a:t>
+                </a:r>
+                <a:r>
+                  <a:rPr lang="it-IT" dirty="0" err="1"/>
+                  <a:t>since</a:t>
+                </a:r>
+                <a:r>
+                  <a:rPr lang="it-IT" dirty="0"/>
+                  <a:t> the </a:t>
+                </a:r>
+                <a:r>
+                  <a:rPr lang="it-IT" dirty="0" err="1"/>
+                  <a:t>problem</a:t>
+                </a:r>
+                <a:r>
+                  <a:rPr lang="it-IT" dirty="0"/>
+                  <a:t> </a:t>
+                </a:r>
+                <a:r>
+                  <a:rPr lang="it-IT" dirty="0" err="1"/>
+                  <a:t>has</a:t>
+                </a:r>
+                <a:r>
+                  <a:rPr lang="it-IT" dirty="0"/>
+                  <a:t> an </a:t>
+                </a:r>
+                <a:r>
+                  <a:rPr lang="it-IT" dirty="0" err="1"/>
+                  <a:t>optimal</a:t>
+                </a:r>
+                <a:r>
+                  <a:rPr lang="it-IT" dirty="0"/>
+                  <a:t> </a:t>
+                </a:r>
+                <a:r>
+                  <a:rPr lang="it-IT" dirty="0" err="1"/>
+                  <a:t>substructure</a:t>
+                </a:r>
+                <a:r>
+                  <a:rPr lang="it-IT" dirty="0"/>
+                  <a:t>: telling </a:t>
+                </a:r>
+                <a:r>
+                  <a:rPr lang="it-IT" dirty="0" err="1"/>
+                  <a:t>if</a:t>
+                </a:r>
+                <a:r>
+                  <a:rPr lang="it-IT" dirty="0"/>
+                  <a:t> I can </a:t>
+                </a:r>
+                <a:r>
+                  <a:rPr lang="it-IT" dirty="0" err="1"/>
+                  <a:t>reach</a:t>
+                </a:r>
+                <a:r>
+                  <a:rPr lang="it-IT" dirty="0"/>
+                  <a:t> x with k </a:t>
+                </a:r>
+                <a:r>
+                  <a:rPr lang="it-IT" dirty="0" err="1"/>
+                  <a:t>moves</a:t>
+                </a:r>
+                <a:r>
+                  <a:rPr lang="it-IT" dirty="0"/>
+                  <a:t> </a:t>
+                </a:r>
+                <a:r>
+                  <a:rPr lang="it-IT" dirty="0" err="1"/>
+                  <a:t>is</a:t>
+                </a:r>
+                <a:r>
+                  <a:rPr lang="it-IT" dirty="0"/>
+                  <a:t> </a:t>
+                </a:r>
+                <a:r>
+                  <a:rPr lang="it-IT" dirty="0" err="1"/>
+                  <a:t>equivalent</a:t>
+                </a:r>
+                <a:r>
+                  <a:rPr lang="it-IT" dirty="0"/>
+                  <a:t> to </a:t>
+                </a:r>
+                <a:r>
+                  <a:rPr lang="it-IT" dirty="0" err="1"/>
+                  <a:t>finding</a:t>
+                </a:r>
+                <a:r>
+                  <a:rPr lang="it-IT" dirty="0"/>
+                  <a:t> the best out </a:t>
+                </a:r>
+                <a:r>
+                  <a:rPr lang="it-IT" dirty="0" err="1"/>
+                  <a:t>edge</a:t>
+                </a:r>
+                <a:r>
+                  <a:rPr lang="it-IT" dirty="0"/>
+                  <a:t> </a:t>
+                </a:r>
+                <a:r>
+                  <a:rPr lang="it-IT" dirty="0" err="1"/>
+                  <a:t>such</a:t>
+                </a:r>
+                <a:r>
+                  <a:rPr lang="it-IT" dirty="0"/>
+                  <a:t> </a:t>
+                </a:r>
+                <a:r>
+                  <a:rPr lang="it-IT" dirty="0" err="1"/>
+                  <a:t>that</a:t>
+                </a:r>
+                <a:r>
+                  <a:rPr lang="it-IT" dirty="0"/>
+                  <a:t> I can </a:t>
+                </a:r>
+                <a:r>
+                  <a:rPr lang="it-IT" dirty="0" err="1"/>
+                  <a:t>reach</a:t>
+                </a:r>
+                <a:r>
+                  <a:rPr lang="it-IT" dirty="0"/>
+                  <a:t> x-w[</a:t>
+                </a:r>
+                <a:r>
+                  <a:rPr lang="it-IT" dirty="0" err="1"/>
+                  <a:t>edge</a:t>
+                </a:r>
+                <a:r>
+                  <a:rPr lang="it-IT" dirty="0"/>
+                  <a:t>] with k-1 </a:t>
+                </a:r>
+                <a:r>
+                  <a:rPr lang="it-IT" dirty="0" err="1"/>
+                  <a:t>moves</a:t>
+                </a:r>
+                <a:r>
+                  <a:rPr lang="it-IT" dirty="0"/>
+                  <a:t> </a:t>
+                </a:r>
+                <a:r>
+                  <a:rPr lang="it-IT" dirty="0" err="1"/>
+                  <a:t>starting</a:t>
+                </a:r>
+                <a:r>
+                  <a:rPr lang="it-IT" dirty="0"/>
+                  <a:t> from the target </a:t>
+                </a:r>
+                <a:r>
+                  <a:rPr lang="it-IT" dirty="0" err="1"/>
+                  <a:t>node</a:t>
+                </a:r>
+                <a:r>
+                  <a:rPr lang="it-IT" dirty="0"/>
+                  <a:t>.</a:t>
+                </a:r>
+              </a:p>
+              <a:p>
+                <a:pPr marL="0" indent="0">
+                  <a:buNone/>
+                </a:pPr>
+                <a:r>
+                  <a:rPr lang="it-IT" dirty="0" err="1"/>
+                  <a:t>Since</a:t>
+                </a:r>
+                <a:r>
+                  <a:rPr lang="it-IT" dirty="0"/>
+                  <a:t> </a:t>
+                </a:r>
+                <a14:m>
+                  <m:oMath xmlns:m="http://schemas.openxmlformats.org/officeDocument/2006/math">
+                    <m:r>
+                      <a:rPr lang="it-IT" b="0" i="1" smtClean="0">
+                        <a:latin typeface="Cambria Math" panose="02040503050406030204" pitchFamily="18" charset="0"/>
+                      </a:rPr>
+                      <m:t>𝑥</m:t>
+                    </m:r>
+                    <m:r>
+                      <a:rPr lang="it-IT" b="0" i="1" smtClean="0">
+                        <a:latin typeface="Cambria Math" panose="02040503050406030204" pitchFamily="18" charset="0"/>
+                      </a:rPr>
+                      <m:t>≤</m:t>
+                    </m:r>
+                    <m:sSup>
+                      <m:sSupPr>
+                        <m:ctrlPr>
+                          <a:rPr lang="it-IT" b="0" i="1" smtClean="0">
+                            <a:latin typeface="Cambria Math" panose="02040503050406030204" pitchFamily="18" charset="0"/>
+                          </a:rPr>
+                        </m:ctrlPr>
+                      </m:sSupPr>
+                      <m:e>
+                        <m:r>
+                          <a:rPr lang="it-IT" b="0" i="1" smtClean="0">
+                            <a:latin typeface="Cambria Math" panose="02040503050406030204" pitchFamily="18" charset="0"/>
+                          </a:rPr>
+                          <m:t>10</m:t>
+                        </m:r>
+                      </m:e>
+                      <m:sup>
+                        <m:r>
+                          <a:rPr lang="it-IT" b="0" i="1" smtClean="0">
+                            <a:latin typeface="Cambria Math" panose="02040503050406030204" pitchFamily="18" charset="0"/>
+                          </a:rPr>
+                          <m:t>14</m:t>
+                        </m:r>
+                      </m:sup>
+                    </m:sSup>
+                  </m:oMath>
+                </a14:m>
+                <a:r>
+                  <a:rPr lang="it-IT" dirty="0"/>
+                  <a:t>, </a:t>
+                </a:r>
+                <a:r>
+                  <a:rPr lang="it-IT" dirty="0" err="1"/>
+                  <a:t>it</a:t>
+                </a:r>
+                <a:r>
+                  <a:rPr lang="it-IT" dirty="0"/>
+                  <a:t> </a:t>
+                </a:r>
+                <a:r>
+                  <a:rPr lang="it-IT" dirty="0" err="1"/>
+                  <a:t>is</a:t>
+                </a:r>
+                <a:r>
+                  <a:rPr lang="it-IT" dirty="0"/>
+                  <a:t> </a:t>
+                </a:r>
+                <a:r>
+                  <a:rPr lang="it-IT" dirty="0" err="1"/>
+                  <a:t>impossible</a:t>
+                </a:r>
+                <a:r>
+                  <a:rPr lang="it-IT" dirty="0"/>
+                  <a:t> to build the intuitive DP </a:t>
+                </a:r>
+                <a:r>
+                  <a:rPr lang="it-IT" dirty="0" err="1"/>
+                  <a:t>where</a:t>
+                </a:r>
+                <a:r>
+                  <a:rPr lang="it-IT" dirty="0"/>
+                  <a:t> I </a:t>
+                </a:r>
+                <a:r>
+                  <a:rPr lang="it-IT" dirty="0" err="1"/>
+                  <a:t>have</a:t>
+                </a:r>
+                <a:r>
+                  <a:rPr lang="it-IT" dirty="0"/>
+                  <a:t> to </a:t>
+                </a:r>
+                <a:r>
+                  <a:rPr lang="it-IT" dirty="0" err="1"/>
+                  <a:t>minimize</a:t>
+                </a:r>
+                <a:r>
+                  <a:rPr lang="it-IT" dirty="0"/>
+                  <a:t> the </a:t>
+                </a:r>
+                <a:r>
+                  <a:rPr lang="it-IT" dirty="0" err="1"/>
+                  <a:t>number</a:t>
+                </a:r>
+                <a:r>
+                  <a:rPr lang="it-IT" dirty="0"/>
+                  <a:t> of </a:t>
+                </a:r>
+                <a:r>
+                  <a:rPr lang="it-IT" dirty="0" err="1"/>
+                  <a:t>moves</a:t>
+                </a:r>
+                <a:r>
+                  <a:rPr lang="it-IT" dirty="0"/>
+                  <a:t> </a:t>
+                </a:r>
+                <a:r>
+                  <a:rPr lang="it-IT" dirty="0" err="1"/>
+                  <a:t>while</a:t>
+                </a:r>
+                <a:r>
+                  <a:rPr lang="it-IT" dirty="0"/>
+                  <a:t> keeping track of </a:t>
+                </a:r>
+                <a:r>
+                  <a:rPr lang="it-IT" dirty="0" err="1"/>
+                  <a:t>this</a:t>
+                </a:r>
+                <a:r>
+                  <a:rPr lang="it-IT" dirty="0"/>
+                  <a:t> big intermediate </a:t>
+                </a:r>
+                <a:r>
+                  <a:rPr lang="it-IT" dirty="0" err="1"/>
+                  <a:t>value</a:t>
+                </a:r>
+                <a:r>
+                  <a:rPr lang="it-IT" dirty="0"/>
+                  <a:t> in </a:t>
+                </a:r>
+                <a:r>
+                  <a:rPr lang="it-IT" dirty="0" err="1"/>
+                  <a:t>my</a:t>
+                </a:r>
+                <a:r>
+                  <a:rPr lang="it-IT" dirty="0"/>
+                  <a:t> state. </a:t>
+                </a:r>
+                <a:r>
+                  <a:rPr lang="it-IT" dirty="0" err="1"/>
+                  <a:t>Hence</a:t>
+                </a:r>
+                <a:r>
+                  <a:rPr lang="it-IT" dirty="0"/>
+                  <a:t>, I </a:t>
+                </a:r>
+                <a:r>
+                  <a:rPr lang="it-IT" dirty="0" err="1"/>
+                  <a:t>change</a:t>
+                </a:r>
+                <a:r>
+                  <a:rPr lang="it-IT" dirty="0"/>
+                  <a:t> the DP relation to </a:t>
+                </a:r>
+                <a:r>
+                  <a:rPr lang="it-IT" dirty="0" err="1"/>
+                  <a:t>calculating</a:t>
+                </a:r>
+                <a:r>
+                  <a:rPr lang="it-IT" dirty="0"/>
+                  <a:t> the maximum weight I </a:t>
+                </a:r>
+                <a:r>
+                  <a:rPr lang="it-IT" dirty="0" err="1"/>
+                  <a:t>could</a:t>
+                </a:r>
+                <a:r>
+                  <a:rPr lang="it-IT" dirty="0"/>
+                  <a:t> </a:t>
+                </a:r>
+                <a:r>
+                  <a:rPr lang="it-IT" dirty="0" err="1"/>
+                  <a:t>have</a:t>
+                </a:r>
+                <a:r>
+                  <a:rPr lang="it-IT" dirty="0"/>
+                  <a:t> with a FIXED </a:t>
+                </a:r>
+                <a:r>
+                  <a:rPr lang="it-IT" dirty="0" err="1"/>
+                  <a:t>number</a:t>
+                </a:r>
+                <a:r>
+                  <a:rPr lang="it-IT" dirty="0"/>
+                  <a:t> of </a:t>
+                </a:r>
+                <a:r>
+                  <a:rPr lang="it-IT" dirty="0" err="1"/>
+                  <a:t>moves</a:t>
+                </a:r>
+                <a:r>
+                  <a:rPr lang="it-IT" dirty="0"/>
+                  <a:t>.</a:t>
+                </a:r>
+              </a:p>
+              <a:p>
+                <a:pPr marL="0" indent="0">
+                  <a:buNone/>
+                </a:pPr>
+                <a:r>
+                  <a:rPr lang="it-IT" dirty="0"/>
+                  <a:t>By </a:t>
+                </a:r>
+                <a:r>
+                  <a:rPr lang="it-IT" dirty="0" err="1"/>
+                  <a:t>linearly</a:t>
+                </a:r>
+                <a:r>
+                  <a:rPr lang="it-IT" dirty="0"/>
+                  <a:t> </a:t>
+                </a:r>
+                <a:r>
+                  <a:rPr lang="it-IT" dirty="0" err="1"/>
+                  <a:t>increasing</a:t>
+                </a:r>
+                <a:r>
+                  <a:rPr lang="it-IT" dirty="0"/>
+                  <a:t> </a:t>
+                </a:r>
+                <a:r>
+                  <a:rPr lang="it-IT" dirty="0" err="1"/>
+                  <a:t>this</a:t>
+                </a:r>
+                <a:r>
+                  <a:rPr lang="it-IT" dirty="0"/>
+                  <a:t> </a:t>
+                </a:r>
+                <a:r>
+                  <a:rPr lang="it-IT" dirty="0" err="1"/>
+                  <a:t>fixed</a:t>
+                </a:r>
+                <a:r>
+                  <a:rPr lang="it-IT" dirty="0"/>
+                  <a:t> </a:t>
+                </a:r>
+                <a:r>
+                  <a:rPr lang="it-IT" dirty="0" err="1"/>
+                  <a:t>number</a:t>
+                </a:r>
+                <a:r>
+                  <a:rPr lang="it-IT" dirty="0"/>
+                  <a:t> </a:t>
+                </a:r>
+                <a:r>
+                  <a:rPr lang="it-IT" dirty="0" err="1"/>
+                  <a:t>outside</a:t>
+                </a:r>
+                <a:r>
+                  <a:rPr lang="it-IT" dirty="0"/>
+                  <a:t> the DP relation I </a:t>
+                </a:r>
+                <a:r>
+                  <a:rPr lang="it-IT" dirty="0" err="1"/>
+                  <a:t>keep</a:t>
+                </a:r>
+                <a:r>
+                  <a:rPr lang="it-IT" dirty="0"/>
+                  <a:t> track of the minimum </a:t>
+                </a:r>
+                <a:r>
+                  <a:rPr lang="it-IT" dirty="0" err="1"/>
+                  <a:t>amount</a:t>
+                </a:r>
+                <a:r>
+                  <a:rPr lang="it-IT" dirty="0"/>
+                  <a:t> </a:t>
+                </a:r>
+                <a:r>
+                  <a:rPr lang="it-IT" dirty="0" err="1"/>
+                  <a:t>needed</a:t>
+                </a:r>
+                <a:r>
+                  <a:rPr lang="it-IT" dirty="0"/>
+                  <a:t> and break from the loop.</a:t>
+                </a:r>
+              </a:p>
+              <a:p>
+                <a:r>
+                  <a:rPr lang="it-IT" dirty="0"/>
+                  <a:t>Take home</a:t>
+                </a:r>
+              </a:p>
+              <a:p>
+                <a:pPr marL="0" indent="0">
+                  <a:buNone/>
+                </a:pPr>
+                <a:r>
+                  <a:rPr lang="it-IT" dirty="0" err="1"/>
+                  <a:t>Before</a:t>
+                </a:r>
+                <a:r>
+                  <a:rPr lang="it-IT" dirty="0"/>
+                  <a:t> </a:t>
+                </a:r>
+                <a:r>
+                  <a:rPr lang="it-IT" dirty="0" err="1"/>
+                  <a:t>deriving</a:t>
+                </a:r>
+                <a:r>
+                  <a:rPr lang="it-IT" dirty="0"/>
+                  <a:t> a DP relation, look </a:t>
+                </a:r>
+                <a:r>
+                  <a:rPr lang="it-IT" dirty="0" err="1"/>
+                  <a:t>at</a:t>
+                </a:r>
+                <a:r>
+                  <a:rPr lang="it-IT" dirty="0"/>
+                  <a:t> the </a:t>
+                </a:r>
+                <a:r>
+                  <a:rPr lang="it-IT" dirty="0" err="1"/>
+                  <a:t>possible</a:t>
+                </a:r>
+                <a:r>
+                  <a:rPr lang="it-IT" dirty="0"/>
+                  <a:t> </a:t>
+                </a:r>
+                <a:r>
+                  <a:rPr lang="it-IT" dirty="0" err="1"/>
+                  <a:t>dimensions</a:t>
+                </a:r>
+                <a:r>
+                  <a:rPr lang="it-IT" dirty="0"/>
+                  <a:t> of </a:t>
+                </a:r>
+                <a:r>
+                  <a:rPr lang="it-IT" dirty="0" err="1"/>
+                  <a:t>its</a:t>
+                </a:r>
+                <a:r>
+                  <a:rPr lang="it-IT" dirty="0"/>
+                  <a:t> state!</a:t>
+                </a:r>
+              </a:p>
+              <a:p>
+                <a:pPr marL="0" indent="0">
+                  <a:buNone/>
+                </a:pPr>
+                <a:endParaRPr lang="it-IT" dirty="0"/>
+              </a:p>
+            </p:txBody>
+          </p:sp>
+        </mc:Choice>
+        <mc:Fallback xmlns="">
+          <p:sp>
+            <p:nvSpPr>
+              <p:cNvPr id="7" name="Segnaposto contenuto 6">
+                <a:extLst>
+                  <a:ext uri="{FF2B5EF4-FFF2-40B4-BE49-F238E27FC236}">
+                    <a16:creationId xmlns:a16="http://schemas.microsoft.com/office/drawing/2014/main" id="{451B668A-7F16-417E-9C12-D47A069A0098}"/>
+                  </a:ext>
+                </a:extLst>
+              </p:cNvPr>
+              <p:cNvSpPr>
+                <a:spLocks noGrp="1" noRot="1" noChangeAspect="1" noMove="1" noResize="1" noEditPoints="1" noAdjustHandles="1" noChangeArrowheads="1" noChangeShapeType="1" noTextEdit="1"/>
+              </p:cNvSpPr>
+              <p:nvPr>
+                <p:ph idx="1"/>
+              </p:nvPr>
+            </p:nvSpPr>
+            <p:spPr>
+              <a:xfrm>
+                <a:off x="838200" y="1825624"/>
+                <a:ext cx="10515600" cy="4353233"/>
+              </a:xfrm>
+              <a:blipFill>
+                <a:blip r:embed="rId2"/>
+                <a:stretch>
+                  <a:fillRect l="-522" t="-2238"/>
+                </a:stretch>
+              </a:blipFill>
+            </p:spPr>
+            <p:txBody>
+              <a:bodyPr/>
+              <a:lstStyle/>
+              <a:p>
+                <a:r>
+                  <a:rPr lang="it-IT">
+                    <a:noFill/>
+                  </a:rPr>
+                  <a:t> </a:t>
+                </a:r>
+              </a:p>
+            </p:txBody>
+          </p:sp>
+        </mc:Fallback>
+      </mc:AlternateContent>
+    </p:spTree>
+    <p:extLst>
+      <p:ext uri="{BB962C8B-B14F-4D97-AF65-F5344CB8AC3E}">
+        <p14:creationId xmlns:p14="http://schemas.microsoft.com/office/powerpoint/2010/main" val="2452349254"/>
+      </p:ext>
+    </p:extLst>
+  </p:cSld>
+  <p:clrMapOvr>
+    <a:masterClrMapping/>
+  </p:clrMapOvr>
+</p:sld>
+</file>
+
+<file path=ppt/slides/slide37.xml><?xml version="1.0" encoding="utf-8"?>
+<p:sld xmlns:a="http://schemas.openxmlformats.org/drawingml/2006/main" xmlns:r="http://schemas.openxmlformats.org/officeDocument/2006/relationships" xmlns:p="http://schemas.openxmlformats.org/presentationml/2006/main">
+  <p:cSld>
+    <p:spTree>
+      <p:nvGrpSpPr>
+        <p:cNvPr id="1" name=""/>
+        <p:cNvGrpSpPr/>
+        <p:nvPr/>
+      </p:nvGrpSpPr>
+      <p:grpSpPr>
+        <a:xfrm>
+          <a:off x="0" y="0"/>
+          <a:ext cx="0" cy="0"/>
+          <a:chOff x="0" y="0"/>
+          <a:chExt cx="0" cy="0"/>
+        </a:xfrm>
+      </p:grpSpPr>
+      <p:sp>
+        <p:nvSpPr>
+          <p:cNvPr id="6" name="Titolo 5">
+            <a:extLst>
+              <a:ext uri="{FF2B5EF4-FFF2-40B4-BE49-F238E27FC236}">
+                <a16:creationId xmlns:a16="http://schemas.microsoft.com/office/drawing/2014/main" id="{328C170E-AA68-4AED-AE2D-6863D73C73E9}"/>
+              </a:ext>
+            </a:extLst>
+          </p:cNvPr>
+          <p:cNvSpPr>
+            <a:spLocks noGrp="1"/>
+          </p:cNvSpPr>
+          <p:nvPr>
+            <p:ph type="title"/>
+          </p:nvPr>
+        </p:nvSpPr>
+        <p:spPr/>
+        <p:txBody>
+          <a:bodyPr/>
+          <a:lstStyle/>
+          <a:p>
+            <a:r>
               <a:rPr lang="it-IT" dirty="0"/>
               <a:t>Week 13: </a:t>
             </a:r>
@@ -21904,7 +22880,749 @@
 </p:sld>
 </file>
 
-<file path=ppt/slides/slide37.xml><?xml version="1.0" encoding="utf-8"?>
+<file path=ppt/slides/slide38.xml><?xml version="1.0" encoding="utf-8"?>
+<p:sld xmlns:a="http://schemas.openxmlformats.org/drawingml/2006/main" xmlns:r="http://schemas.openxmlformats.org/officeDocument/2006/relationships" xmlns:p="http://schemas.openxmlformats.org/presentationml/2006/main">
+  <p:cSld>
+    <p:spTree>
+      <p:nvGrpSpPr>
+        <p:cNvPr id="1" name=""/>
+        <p:cNvGrpSpPr/>
+        <p:nvPr/>
+      </p:nvGrpSpPr>
+      <p:grpSpPr>
+        <a:xfrm>
+          <a:off x="0" y="0"/>
+          <a:ext cx="0" cy="0"/>
+          <a:chOff x="0" y="0"/>
+          <a:chExt cx="0" cy="0"/>
+        </a:xfrm>
+      </p:grpSpPr>
+      <p:sp>
+        <p:nvSpPr>
+          <p:cNvPr id="6" name="Titolo 5">
+            <a:extLst>
+              <a:ext uri="{FF2B5EF4-FFF2-40B4-BE49-F238E27FC236}">
+                <a16:creationId xmlns:a16="http://schemas.microsoft.com/office/drawing/2014/main" id="{328C170E-AA68-4AED-AE2D-6863D73C73E9}"/>
+              </a:ext>
+            </a:extLst>
+          </p:cNvPr>
+          <p:cNvSpPr>
+            <a:spLocks noGrp="1"/>
+          </p:cNvSpPr>
+          <p:nvPr>
+            <p:ph type="title"/>
+          </p:nvPr>
+        </p:nvSpPr>
+        <p:spPr/>
+        <p:txBody>
+          <a:bodyPr/>
+          <a:lstStyle/>
+          <a:p>
+            <a:r>
+              <a:rPr lang="it-IT" dirty="0"/>
+              <a:t>Week 13: Ludo </a:t>
+            </a:r>
+            <a:r>
+              <a:rPr lang="it-IT" dirty="0" err="1"/>
+              <a:t>Bagman</a:t>
+            </a:r>
+            <a:endParaRPr lang="it-IT" dirty="0"/>
+          </a:p>
+        </p:txBody>
+      </p:sp>
+      <p:sp>
+        <p:nvSpPr>
+          <p:cNvPr id="7" name="Segnaposto contenuto 6">
+            <a:extLst>
+              <a:ext uri="{FF2B5EF4-FFF2-40B4-BE49-F238E27FC236}">
+                <a16:creationId xmlns:a16="http://schemas.microsoft.com/office/drawing/2014/main" id="{451B668A-7F16-417E-9C12-D47A069A0098}"/>
+              </a:ext>
+            </a:extLst>
+          </p:cNvPr>
+          <p:cNvSpPr>
+            <a:spLocks noGrp="1"/>
+          </p:cNvSpPr>
+          <p:nvPr>
+            <p:ph idx="1"/>
+          </p:nvPr>
+        </p:nvSpPr>
+        <p:spPr>
+          <a:xfrm>
+            <a:off x="838200" y="1825625"/>
+            <a:ext cx="10515600" cy="4450888"/>
+          </a:xfrm>
+        </p:spPr>
+        <p:txBody>
+          <a:bodyPr>
+            <a:normAutofit fontScale="62500" lnSpcReduction="20000"/>
+          </a:bodyPr>
+          <a:lstStyle/>
+          <a:p>
+            <a:r>
+              <a:rPr lang="it-IT" dirty="0"/>
+              <a:t>Algorithmic </a:t>
+            </a:r>
+            <a:r>
+              <a:rPr lang="it-IT" dirty="0" err="1"/>
+              <a:t>description</a:t>
+            </a:r>
+            <a:endParaRPr lang="it-IT" dirty="0"/>
+          </a:p>
+          <a:p>
+            <a:pPr marL="0" indent="0">
+              <a:buNone/>
+            </a:pPr>
+            <a:r>
+              <a:rPr lang="it-IT" dirty="0" err="1"/>
+              <a:t>Assignment</a:t>
+            </a:r>
+            <a:r>
+              <a:rPr lang="it-IT" dirty="0"/>
+              <a:t> </a:t>
+            </a:r>
+            <a:r>
+              <a:rPr lang="it-IT" dirty="0" err="1"/>
+              <a:t>problem</a:t>
+            </a:r>
+            <a:r>
+              <a:rPr lang="it-IT" dirty="0"/>
+              <a:t> in a bipartite </a:t>
+            </a:r>
+            <a:r>
+              <a:rPr lang="it-IT" dirty="0" err="1"/>
+              <a:t>graph</a:t>
+            </a:r>
+            <a:r>
+              <a:rPr lang="it-IT" dirty="0"/>
+              <a:t> with </a:t>
+            </a:r>
+            <a:r>
+              <a:rPr lang="it-IT" dirty="0" err="1"/>
+              <a:t>constraint</a:t>
+            </a:r>
+            <a:r>
+              <a:rPr lang="it-IT" dirty="0"/>
+              <a:t> on minimum </a:t>
+            </a:r>
+            <a:r>
+              <a:rPr lang="it-IT" dirty="0" err="1"/>
+              <a:t>participation</a:t>
+            </a:r>
+            <a:r>
+              <a:rPr lang="it-IT" dirty="0"/>
+              <a:t> of </a:t>
+            </a:r>
+            <a:r>
+              <a:rPr lang="it-IT" dirty="0" err="1"/>
+              <a:t>all</a:t>
+            </a:r>
+            <a:r>
+              <a:rPr lang="it-IT" dirty="0"/>
+              <a:t> </a:t>
+            </a:r>
+            <a:r>
+              <a:rPr lang="it-IT" dirty="0" err="1"/>
+              <a:t>nodes</a:t>
+            </a:r>
+            <a:r>
+              <a:rPr lang="it-IT" dirty="0"/>
+              <a:t>. Tell </a:t>
+            </a:r>
+            <a:r>
+              <a:rPr lang="it-IT" dirty="0" err="1"/>
+              <a:t>if</a:t>
+            </a:r>
+            <a:r>
+              <a:rPr lang="it-IT" dirty="0"/>
+              <a:t> </a:t>
+            </a:r>
+            <a:r>
+              <a:rPr lang="it-IT" dirty="0" err="1"/>
+              <a:t>it’s</a:t>
+            </a:r>
+            <a:r>
+              <a:rPr lang="it-IT" dirty="0"/>
+              <a:t> </a:t>
+            </a:r>
+            <a:r>
+              <a:rPr lang="it-IT" dirty="0" err="1"/>
+              <a:t>possible</a:t>
+            </a:r>
+            <a:r>
+              <a:rPr lang="it-IT" dirty="0"/>
+              <a:t> to </a:t>
+            </a:r>
+            <a:r>
+              <a:rPr lang="it-IT" dirty="0" err="1"/>
+              <a:t>satisfy</a:t>
+            </a:r>
+            <a:r>
+              <a:rPr lang="it-IT" dirty="0"/>
+              <a:t> </a:t>
+            </a:r>
+            <a:r>
+              <a:rPr lang="it-IT" dirty="0" err="1"/>
+              <a:t>this</a:t>
+            </a:r>
+            <a:r>
+              <a:rPr lang="it-IT" dirty="0"/>
+              <a:t> </a:t>
+            </a:r>
+            <a:r>
+              <a:rPr lang="it-IT" dirty="0" err="1"/>
+              <a:t>constraint</a:t>
+            </a:r>
+            <a:r>
+              <a:rPr lang="it-IT" dirty="0"/>
+              <a:t> and output the minimum cost for an </a:t>
+            </a:r>
+            <a:r>
+              <a:rPr lang="it-IT" dirty="0" err="1"/>
+              <a:t>assignment</a:t>
+            </a:r>
+            <a:r>
+              <a:rPr lang="it-IT" dirty="0"/>
+              <a:t> of </a:t>
+            </a:r>
+            <a:r>
+              <a:rPr lang="it-IT" dirty="0" err="1"/>
+              <a:t>cardinality</a:t>
+            </a:r>
+            <a:r>
+              <a:rPr lang="it-IT" dirty="0"/>
+              <a:t> p.</a:t>
+            </a:r>
+          </a:p>
+          <a:p>
+            <a:pPr marL="0" indent="0">
+              <a:buNone/>
+            </a:pPr>
+            <a:r>
+              <a:rPr lang="it-IT" dirty="0" err="1"/>
+              <a:t>Addition</a:t>
+            </a:r>
+            <a:r>
+              <a:rPr lang="it-IT" dirty="0"/>
+              <a:t>: </a:t>
+            </a:r>
+            <a:r>
+              <a:rPr lang="it-IT" dirty="0" err="1"/>
+              <a:t>two</a:t>
+            </a:r>
+            <a:r>
+              <a:rPr lang="it-IT" dirty="0"/>
+              <a:t> </a:t>
+            </a:r>
+            <a:r>
+              <a:rPr lang="it-IT" dirty="0" err="1"/>
+              <a:t>types</a:t>
+            </a:r>
+            <a:r>
+              <a:rPr lang="it-IT" dirty="0"/>
+              <a:t> of matching, minimum </a:t>
+            </a:r>
+            <a:r>
+              <a:rPr lang="it-IT" dirty="0" err="1"/>
+              <a:t>constraint</a:t>
+            </a:r>
+            <a:r>
+              <a:rPr lang="it-IT" dirty="0"/>
+              <a:t> </a:t>
+            </a:r>
+            <a:r>
+              <a:rPr lang="it-IT" dirty="0" err="1"/>
+              <a:t>only</a:t>
+            </a:r>
+            <a:r>
+              <a:rPr lang="it-IT" dirty="0"/>
+              <a:t> on one </a:t>
+            </a:r>
+            <a:r>
+              <a:rPr lang="it-IT" dirty="0" err="1"/>
+              <a:t>kind</a:t>
+            </a:r>
+            <a:r>
+              <a:rPr lang="it-IT" dirty="0"/>
+              <a:t>.</a:t>
+            </a:r>
+          </a:p>
+          <a:p>
+            <a:r>
+              <a:rPr lang="it-IT" dirty="0"/>
+              <a:t>Solution</a:t>
+            </a:r>
+          </a:p>
+          <a:p>
+            <a:pPr marL="0" indent="0">
+              <a:buNone/>
+            </a:pPr>
+            <a:r>
+              <a:rPr lang="it-IT" dirty="0" err="1"/>
+              <a:t>Add</a:t>
+            </a:r>
+            <a:r>
+              <a:rPr lang="it-IT" dirty="0"/>
+              <a:t> a </a:t>
+            </a:r>
+            <a:r>
+              <a:rPr lang="it-IT" b="1" dirty="0"/>
+              <a:t>dummy</a:t>
+            </a:r>
+            <a:r>
+              <a:rPr lang="it-IT" dirty="0"/>
+              <a:t> </a:t>
+            </a:r>
+            <a:r>
+              <a:rPr lang="it-IT" dirty="0" err="1"/>
+              <a:t>node</a:t>
+            </a:r>
+            <a:r>
+              <a:rPr lang="it-IT" dirty="0"/>
+              <a:t> on </a:t>
+            </a:r>
+            <a:r>
+              <a:rPr lang="it-IT" dirty="0" err="1"/>
+              <a:t>each</a:t>
+            </a:r>
+            <a:r>
+              <a:rPr lang="it-IT" dirty="0"/>
+              <a:t> side and split the flow in </a:t>
+            </a:r>
+            <a:r>
+              <a:rPr lang="it-IT" dirty="0" err="1"/>
+              <a:t>two</a:t>
+            </a:r>
+            <a:r>
+              <a:rPr lang="it-IT" dirty="0"/>
+              <a:t>: part of </a:t>
+            </a:r>
+            <a:r>
+              <a:rPr lang="it-IT" dirty="0" err="1"/>
+              <a:t>it</a:t>
+            </a:r>
+            <a:r>
+              <a:rPr lang="it-IT" dirty="0"/>
+              <a:t> must flow </a:t>
+            </a:r>
+            <a:r>
+              <a:rPr lang="it-IT" dirty="0" err="1"/>
+              <a:t>through</a:t>
+            </a:r>
+            <a:r>
+              <a:rPr lang="it-IT" dirty="0"/>
+              <a:t> </a:t>
+            </a:r>
+            <a:r>
+              <a:rPr lang="it-IT" dirty="0" err="1"/>
+              <a:t>each</a:t>
+            </a:r>
+            <a:r>
+              <a:rPr lang="it-IT" dirty="0"/>
+              <a:t> of the E </a:t>
+            </a:r>
+            <a:r>
+              <a:rPr lang="it-IT" dirty="0" err="1"/>
+              <a:t>vertices</a:t>
+            </a:r>
+            <a:r>
+              <a:rPr lang="it-IT" dirty="0"/>
+              <a:t> (</a:t>
+            </a:r>
+            <a:r>
+              <a:rPr lang="it-IT" dirty="0" err="1"/>
+              <a:t>exactly</a:t>
+            </a:r>
+            <a:r>
+              <a:rPr lang="it-IT" dirty="0"/>
+              <a:t> L), </a:t>
+            </a:r>
+            <a:r>
+              <a:rPr lang="it-IT" dirty="0" err="1"/>
+              <a:t>while</a:t>
+            </a:r>
+            <a:r>
+              <a:rPr lang="it-IT" dirty="0"/>
+              <a:t> the </a:t>
+            </a:r>
+            <a:r>
+              <a:rPr lang="it-IT" dirty="0" err="1"/>
+              <a:t>remaining</a:t>
+            </a:r>
+            <a:r>
+              <a:rPr lang="it-IT" dirty="0"/>
+              <a:t> </a:t>
+            </a:r>
+            <a:r>
+              <a:rPr lang="it-IT" dirty="0" err="1"/>
+              <a:t>could</a:t>
+            </a:r>
+            <a:r>
+              <a:rPr lang="it-IT" dirty="0"/>
+              <a:t> flow </a:t>
+            </a:r>
+            <a:r>
+              <a:rPr lang="it-IT" dirty="0" err="1"/>
+              <a:t>anywhere</a:t>
+            </a:r>
+            <a:r>
+              <a:rPr lang="it-IT" dirty="0"/>
+              <a:t> (</a:t>
+            </a:r>
+            <a:r>
+              <a:rPr lang="it-IT" b="1" dirty="0"/>
+              <a:t>no more </a:t>
+            </a:r>
+            <a:r>
+              <a:rPr lang="it-IT" b="1" dirty="0" err="1"/>
+              <a:t>than</a:t>
+            </a:r>
+            <a:r>
+              <a:rPr lang="it-IT" dirty="0"/>
+              <a:t> P-E*L supply for dummy </a:t>
+            </a:r>
+            <a:r>
+              <a:rPr lang="it-IT" dirty="0" err="1"/>
+              <a:t>node</a:t>
+            </a:r>
+            <a:r>
+              <a:rPr lang="it-IT" dirty="0"/>
+              <a:t>).</a:t>
+            </a:r>
+          </a:p>
+          <a:p>
+            <a:pPr marL="0" indent="0">
+              <a:buNone/>
+            </a:pPr>
+            <a:r>
+              <a:rPr lang="it-IT" dirty="0" err="1"/>
+              <a:t>Same</a:t>
+            </a:r>
+            <a:r>
+              <a:rPr lang="it-IT" dirty="0"/>
+              <a:t> for the </a:t>
+            </a:r>
+            <a:r>
+              <a:rPr lang="it-IT" dirty="0" err="1"/>
+              <a:t>other</a:t>
+            </a:r>
+            <a:r>
+              <a:rPr lang="it-IT" dirty="0"/>
+              <a:t> side (demand of </a:t>
+            </a:r>
+            <a:r>
+              <a:rPr lang="it-IT" dirty="0" err="1"/>
+              <a:t>exactly</a:t>
+            </a:r>
+            <a:r>
+              <a:rPr lang="it-IT" dirty="0"/>
+              <a:t> L for </a:t>
+            </a:r>
+            <a:r>
+              <a:rPr lang="it-IT" dirty="0" err="1"/>
+              <a:t>each</a:t>
+            </a:r>
+            <a:r>
+              <a:rPr lang="it-IT" dirty="0"/>
+              <a:t> of the W </a:t>
+            </a:r>
+            <a:r>
+              <a:rPr lang="it-IT" dirty="0" err="1"/>
+              <a:t>vertices</a:t>
+            </a:r>
+            <a:r>
+              <a:rPr lang="it-IT" dirty="0"/>
+              <a:t> and P-W*L for </a:t>
+            </a:r>
+            <a:r>
+              <a:rPr lang="it-IT" dirty="0" err="1"/>
+              <a:t>another</a:t>
+            </a:r>
+            <a:r>
+              <a:rPr lang="it-IT" dirty="0"/>
+              <a:t> dummy </a:t>
+            </a:r>
+            <a:r>
+              <a:rPr lang="it-IT" dirty="0" err="1"/>
+              <a:t>node</a:t>
+            </a:r>
+            <a:r>
+              <a:rPr lang="it-IT" dirty="0"/>
+              <a:t>).</a:t>
+            </a:r>
+          </a:p>
+          <a:p>
+            <a:pPr marL="0" indent="0">
+              <a:buNone/>
+            </a:pPr>
+            <a:r>
+              <a:rPr lang="it-IT" dirty="0"/>
+              <a:t>The </a:t>
+            </a:r>
+            <a:r>
+              <a:rPr lang="it-IT" dirty="0" err="1"/>
+              <a:t>other</a:t>
+            </a:r>
+            <a:r>
+              <a:rPr lang="it-IT" dirty="0"/>
+              <a:t> </a:t>
+            </a:r>
+            <a:r>
+              <a:rPr lang="it-IT" dirty="0" err="1"/>
+              <a:t>type</a:t>
+            </a:r>
+            <a:r>
+              <a:rPr lang="it-IT" dirty="0"/>
+              <a:t> of matching </a:t>
+            </a:r>
+            <a:r>
+              <a:rPr lang="it-IT" dirty="0" err="1"/>
+              <a:t>does</a:t>
+            </a:r>
+            <a:r>
+              <a:rPr lang="it-IT" dirty="0"/>
+              <a:t> </a:t>
+            </a:r>
+            <a:r>
+              <a:rPr lang="it-IT" dirty="0" err="1"/>
+              <a:t>not</a:t>
+            </a:r>
+            <a:r>
+              <a:rPr lang="it-IT" dirty="0"/>
+              <a:t> </a:t>
+            </a:r>
+            <a:r>
+              <a:rPr lang="it-IT" dirty="0" err="1"/>
+              <a:t>require</a:t>
+            </a:r>
+            <a:r>
+              <a:rPr lang="it-IT" dirty="0"/>
+              <a:t> </a:t>
+            </a:r>
+            <a:r>
+              <a:rPr lang="it-IT" dirty="0" err="1"/>
+              <a:t>constraints</a:t>
+            </a:r>
+            <a:r>
+              <a:rPr lang="it-IT" dirty="0"/>
+              <a:t>, so </a:t>
+            </a:r>
+            <a:r>
+              <a:rPr lang="it-IT" dirty="0" err="1"/>
+              <a:t>we</a:t>
+            </a:r>
+            <a:r>
+              <a:rPr lang="it-IT" dirty="0"/>
+              <a:t> </a:t>
+            </a:r>
+            <a:r>
+              <a:rPr lang="it-IT" dirty="0" err="1"/>
+              <a:t>could</a:t>
+            </a:r>
+            <a:r>
+              <a:rPr lang="it-IT" dirty="0"/>
+              <a:t> </a:t>
+            </a:r>
+            <a:r>
+              <a:rPr lang="it-IT" b="1" dirty="0"/>
+              <a:t>duplicate</a:t>
+            </a:r>
+            <a:r>
+              <a:rPr lang="it-IT" dirty="0"/>
+              <a:t> the </a:t>
+            </a:r>
+            <a:r>
+              <a:rPr lang="it-IT" dirty="0" err="1"/>
+              <a:t>graph</a:t>
+            </a:r>
+            <a:r>
+              <a:rPr lang="it-IT" dirty="0"/>
+              <a:t> and use the dummy </a:t>
+            </a:r>
+            <a:r>
+              <a:rPr lang="it-IT" dirty="0" err="1"/>
+              <a:t>node’s</a:t>
+            </a:r>
+            <a:r>
+              <a:rPr lang="it-IT" dirty="0"/>
+              <a:t> </a:t>
+            </a:r>
+            <a:r>
+              <a:rPr lang="it-IT" dirty="0" err="1"/>
+              <a:t>remaining</a:t>
+            </a:r>
+            <a:r>
+              <a:rPr lang="it-IT" dirty="0"/>
+              <a:t> flow to generate more matches in </a:t>
+            </a:r>
+            <a:r>
+              <a:rPr lang="it-IT" dirty="0" err="1"/>
+              <a:t>there</a:t>
+            </a:r>
+            <a:r>
+              <a:rPr lang="it-IT" dirty="0"/>
+              <a:t>.</a:t>
+            </a:r>
+          </a:p>
+          <a:p>
+            <a:r>
+              <a:rPr lang="it-IT" dirty="0"/>
+              <a:t>Take home</a:t>
+            </a:r>
+          </a:p>
+          <a:p>
+            <a:pPr marL="0" indent="0">
+              <a:buNone/>
+            </a:pPr>
+            <a:r>
+              <a:rPr lang="it-IT" dirty="0"/>
+              <a:t>The key </a:t>
+            </a:r>
+            <a:r>
+              <a:rPr lang="it-IT" dirty="0" err="1"/>
+              <a:t>here</a:t>
+            </a:r>
+            <a:r>
+              <a:rPr lang="it-IT" dirty="0"/>
+              <a:t> </a:t>
+            </a:r>
+            <a:r>
+              <a:rPr lang="it-IT" dirty="0" err="1"/>
+              <a:t>is</a:t>
+            </a:r>
+            <a:r>
+              <a:rPr lang="it-IT" dirty="0"/>
+              <a:t> to force some flow to go </a:t>
+            </a:r>
+            <a:r>
+              <a:rPr lang="it-IT" dirty="0" err="1"/>
+              <a:t>through</a:t>
+            </a:r>
+            <a:r>
+              <a:rPr lang="it-IT" dirty="0"/>
+              <a:t> </a:t>
+            </a:r>
+            <a:r>
+              <a:rPr lang="it-IT" dirty="0" err="1"/>
+              <a:t>preferred</a:t>
+            </a:r>
+            <a:r>
+              <a:rPr lang="it-IT" dirty="0"/>
+              <a:t> </a:t>
+            </a:r>
+            <a:r>
+              <a:rPr lang="it-IT" dirty="0" err="1"/>
+              <a:t>paths</a:t>
+            </a:r>
+            <a:r>
+              <a:rPr lang="it-IT" dirty="0"/>
+              <a:t>.</a:t>
+            </a:r>
+          </a:p>
+          <a:p>
+            <a:pPr marL="0" indent="0">
+              <a:buNone/>
+            </a:pPr>
+            <a:r>
+              <a:rPr lang="it-IT" dirty="0" err="1"/>
+              <a:t>Adding</a:t>
+            </a:r>
+            <a:r>
+              <a:rPr lang="it-IT" dirty="0"/>
+              <a:t> and </a:t>
+            </a:r>
+            <a:r>
+              <a:rPr lang="it-IT" dirty="0" err="1"/>
+              <a:t>modifying</a:t>
+            </a:r>
+            <a:r>
+              <a:rPr lang="it-IT" dirty="0"/>
+              <a:t> the </a:t>
+            </a:r>
+            <a:r>
+              <a:rPr lang="it-IT" dirty="0" err="1"/>
+              <a:t>graph</a:t>
+            </a:r>
+            <a:r>
+              <a:rPr lang="it-IT" dirty="0"/>
+              <a:t> </a:t>
+            </a:r>
+            <a:r>
+              <a:rPr lang="it-IT" dirty="0" err="1"/>
+              <a:t>might</a:t>
+            </a:r>
+            <a:r>
+              <a:rPr lang="it-IT" dirty="0"/>
+              <a:t> be </a:t>
+            </a:r>
+            <a:r>
+              <a:rPr lang="it-IT" dirty="0" err="1"/>
+              <a:t>very</a:t>
+            </a:r>
+            <a:r>
+              <a:rPr lang="it-IT" dirty="0"/>
+              <a:t> </a:t>
+            </a:r>
+            <a:r>
+              <a:rPr lang="it-IT" dirty="0" err="1"/>
+              <a:t>beneficial</a:t>
+            </a:r>
+            <a:r>
+              <a:rPr lang="it-IT" dirty="0"/>
+              <a:t>.</a:t>
+            </a:r>
+          </a:p>
+        </p:txBody>
+      </p:sp>
+      <p:pic>
+        <p:nvPicPr>
+          <p:cNvPr id="3" name="Immagine 2">
+            <a:extLst>
+              <a:ext uri="{FF2B5EF4-FFF2-40B4-BE49-F238E27FC236}">
+                <a16:creationId xmlns:a16="http://schemas.microsoft.com/office/drawing/2014/main" id="{6E1FB91E-260A-434C-A65B-B83F4CA5A7FD}"/>
+              </a:ext>
+            </a:extLst>
+          </p:cNvPr>
+          <p:cNvPicPr>
+            <a:picLocks noChangeAspect="1"/>
+          </p:cNvPicPr>
+          <p:nvPr/>
+        </p:nvPicPr>
+        <p:blipFill>
+          <a:blip r:embed="rId2">
+            <a:extLst>
+              <a:ext uri="{28A0092B-C50C-407E-A947-70E740481C1C}">
+                <a14:useLocalDpi xmlns:a14="http://schemas.microsoft.com/office/drawing/2010/main" val="0"/>
+              </a:ext>
+            </a:extLst>
+          </a:blip>
+          <a:stretch>
+            <a:fillRect/>
+          </a:stretch>
+        </p:blipFill>
+        <p:spPr>
+          <a:xfrm>
+            <a:off x="8240744" y="4508930"/>
+            <a:ext cx="3113056" cy="1983945"/>
+          </a:xfrm>
+          <a:prstGeom prst="rect">
+            <a:avLst/>
+          </a:prstGeom>
+        </p:spPr>
+      </p:pic>
+    </p:spTree>
+    <p:extLst>
+      <p:ext uri="{BB962C8B-B14F-4D97-AF65-F5344CB8AC3E}">
+        <p14:creationId xmlns:p14="http://schemas.microsoft.com/office/powerpoint/2010/main" val="1893856028"/>
+      </p:ext>
+    </p:extLst>
+  </p:cSld>
+  <p:clrMapOvr>
+    <a:masterClrMapping/>
+  </p:clrMapOvr>
+</p:sld>
+</file>
+
+<file path=ppt/slides/slide39.xml><?xml version="1.0" encoding="utf-8"?>
 <p:sld xmlns:a="http://schemas.openxmlformats.org/drawingml/2006/main" xmlns:r="http://schemas.openxmlformats.org/officeDocument/2006/relationships" xmlns:p="http://schemas.openxmlformats.org/presentationml/2006/main">
   <p:cSld>
     <p:spTree>
@@ -22859,6 +24577,804 @@
     <p:extLst>
       <p:ext uri="{BB962C8B-B14F-4D97-AF65-F5344CB8AC3E}">
         <p14:creationId xmlns:p14="http://schemas.microsoft.com/office/powerpoint/2010/main" val="685495619"/>
+      </p:ext>
+    </p:extLst>
+  </p:cSld>
+  <p:clrMapOvr>
+    <a:masterClrMapping/>
+  </p:clrMapOvr>
+</p:sld>
+</file>
+
+<file path=ppt/slides/slide40.xml><?xml version="1.0" encoding="utf-8"?>
+<p:sld xmlns:a="http://schemas.openxmlformats.org/drawingml/2006/main" xmlns:r="http://schemas.openxmlformats.org/officeDocument/2006/relationships" xmlns:p="http://schemas.openxmlformats.org/presentationml/2006/main">
+  <p:cSld>
+    <p:spTree>
+      <p:nvGrpSpPr>
+        <p:cNvPr id="1" name=""/>
+        <p:cNvGrpSpPr/>
+        <p:nvPr/>
+      </p:nvGrpSpPr>
+      <p:grpSpPr>
+        <a:xfrm>
+          <a:off x="0" y="0"/>
+          <a:ext cx="0" cy="0"/>
+          <a:chOff x="0" y="0"/>
+          <a:chExt cx="0" cy="0"/>
+        </a:xfrm>
+      </p:grpSpPr>
+      <p:sp>
+        <p:nvSpPr>
+          <p:cNvPr id="6" name="Titolo 5">
+            <a:extLst>
+              <a:ext uri="{FF2B5EF4-FFF2-40B4-BE49-F238E27FC236}">
+                <a16:creationId xmlns:a16="http://schemas.microsoft.com/office/drawing/2014/main" id="{328C170E-AA68-4AED-AE2D-6863D73C73E9}"/>
+              </a:ext>
+            </a:extLst>
+          </p:cNvPr>
+          <p:cNvSpPr>
+            <a:spLocks noGrp="1"/>
+          </p:cNvSpPr>
+          <p:nvPr>
+            <p:ph type="title"/>
+          </p:nvPr>
+        </p:nvSpPr>
+        <p:spPr/>
+        <p:txBody>
+          <a:bodyPr/>
+          <a:lstStyle/>
+          <a:p>
+            <a:r>
+              <a:rPr lang="it-IT" dirty="0" err="1"/>
+              <a:t>PotW</a:t>
+            </a:r>
+            <a:r>
+              <a:rPr lang="it-IT" dirty="0"/>
+              <a:t> 14: India</a:t>
+            </a:r>
+          </a:p>
+        </p:txBody>
+      </p:sp>
+      <p:sp>
+        <p:nvSpPr>
+          <p:cNvPr id="7" name="Segnaposto contenuto 6">
+            <a:extLst>
+              <a:ext uri="{FF2B5EF4-FFF2-40B4-BE49-F238E27FC236}">
+                <a16:creationId xmlns:a16="http://schemas.microsoft.com/office/drawing/2014/main" id="{451B668A-7F16-417E-9C12-D47A069A0098}"/>
+              </a:ext>
+            </a:extLst>
+          </p:cNvPr>
+          <p:cNvSpPr>
+            <a:spLocks noGrp="1"/>
+          </p:cNvSpPr>
+          <p:nvPr>
+            <p:ph idx="1"/>
+          </p:nvPr>
+        </p:nvSpPr>
+        <p:spPr/>
+        <p:txBody>
+          <a:bodyPr>
+            <a:normAutofit fontScale="70000" lnSpcReduction="20000"/>
+          </a:bodyPr>
+          <a:lstStyle/>
+          <a:p>
+            <a:r>
+              <a:rPr lang="it-IT" dirty="0"/>
+              <a:t>Algorithmic </a:t>
+            </a:r>
+            <a:r>
+              <a:rPr lang="it-IT" dirty="0" err="1"/>
+              <a:t>description</a:t>
+            </a:r>
+            <a:endParaRPr lang="it-IT" dirty="0"/>
+          </a:p>
+          <a:p>
+            <a:pPr marL="0" indent="0">
+              <a:buNone/>
+            </a:pPr>
+            <a:r>
+              <a:rPr lang="it-IT" dirty="0" err="1"/>
+              <a:t>Calculate</a:t>
+            </a:r>
+            <a:r>
+              <a:rPr lang="it-IT" dirty="0"/>
+              <a:t> the </a:t>
+            </a:r>
+            <a:r>
+              <a:rPr lang="it-IT" dirty="0" err="1"/>
+              <a:t>maximal</a:t>
+            </a:r>
+            <a:r>
+              <a:rPr lang="it-IT" dirty="0"/>
+              <a:t> </a:t>
+            </a:r>
+            <a:r>
+              <a:rPr lang="it-IT" dirty="0" err="1"/>
+              <a:t>admissible</a:t>
+            </a:r>
+            <a:r>
+              <a:rPr lang="it-IT" dirty="0"/>
+              <a:t> flow </a:t>
+            </a:r>
+            <a:r>
+              <a:rPr lang="it-IT" dirty="0" err="1"/>
+              <a:t>such</a:t>
+            </a:r>
+            <a:r>
+              <a:rPr lang="it-IT" dirty="0"/>
+              <a:t> </a:t>
+            </a:r>
+            <a:r>
+              <a:rPr lang="it-IT" dirty="0" err="1"/>
+              <a:t>that</a:t>
+            </a:r>
+            <a:r>
+              <a:rPr lang="it-IT" dirty="0"/>
+              <a:t> </a:t>
+            </a:r>
+            <a:r>
+              <a:rPr lang="it-IT" dirty="0" err="1"/>
+              <a:t>its</a:t>
+            </a:r>
+            <a:r>
+              <a:rPr lang="it-IT" dirty="0"/>
+              <a:t> minimum cost </a:t>
+            </a:r>
+            <a:r>
+              <a:rPr lang="it-IT" dirty="0" err="1"/>
+              <a:t>is</a:t>
+            </a:r>
+            <a:r>
+              <a:rPr lang="it-IT" dirty="0"/>
+              <a:t> </a:t>
+            </a:r>
+            <a:r>
+              <a:rPr lang="it-IT" dirty="0" err="1"/>
+              <a:t>not</a:t>
+            </a:r>
+            <a:r>
+              <a:rPr lang="it-IT" dirty="0"/>
+              <a:t> </a:t>
+            </a:r>
+            <a:r>
+              <a:rPr lang="it-IT" dirty="0" err="1"/>
+              <a:t>greater</a:t>
+            </a:r>
+            <a:r>
+              <a:rPr lang="it-IT" dirty="0"/>
+              <a:t> </a:t>
+            </a:r>
+            <a:r>
+              <a:rPr lang="it-IT" dirty="0" err="1"/>
+              <a:t>than</a:t>
+            </a:r>
+            <a:r>
+              <a:rPr lang="it-IT" dirty="0"/>
+              <a:t> a </a:t>
+            </a:r>
+            <a:r>
+              <a:rPr lang="it-IT" dirty="0" err="1"/>
+              <a:t>given</a:t>
+            </a:r>
+            <a:r>
+              <a:rPr lang="it-IT" dirty="0"/>
+              <a:t> </a:t>
+            </a:r>
+            <a:r>
+              <a:rPr lang="it-IT" dirty="0" err="1"/>
+              <a:t>threshold</a:t>
+            </a:r>
+            <a:r>
+              <a:rPr lang="it-IT" dirty="0"/>
+              <a:t>. </a:t>
+            </a:r>
+          </a:p>
+          <a:p>
+            <a:r>
+              <a:rPr lang="it-IT" dirty="0"/>
+              <a:t>Solution</a:t>
+            </a:r>
+          </a:p>
+          <a:p>
+            <a:pPr marL="0" indent="0">
+              <a:buNone/>
+            </a:pPr>
+            <a:r>
+              <a:rPr lang="it-IT" dirty="0" err="1"/>
+              <a:t>Kind</a:t>
+            </a:r>
+            <a:r>
+              <a:rPr lang="it-IT" dirty="0"/>
+              <a:t> of the inverse </a:t>
+            </a:r>
+            <a:r>
+              <a:rPr lang="it-IT" dirty="0" err="1"/>
+              <a:t>problem</a:t>
+            </a:r>
+            <a:r>
+              <a:rPr lang="it-IT" dirty="0"/>
+              <a:t> of </a:t>
+            </a:r>
+            <a:r>
+              <a:rPr lang="it-IT" dirty="0" err="1"/>
+              <a:t>MinCost-MaxFlow</a:t>
+            </a:r>
+            <a:r>
+              <a:rPr lang="it-IT" dirty="0"/>
+              <a:t>. </a:t>
+            </a:r>
+            <a:r>
+              <a:rPr lang="it-IT" dirty="0" err="1"/>
+              <a:t>We</a:t>
+            </a:r>
+            <a:r>
+              <a:rPr lang="it-IT" dirty="0"/>
+              <a:t> </a:t>
+            </a:r>
+            <a:r>
+              <a:rPr lang="it-IT" dirty="0" err="1"/>
+              <a:t>don’t</a:t>
+            </a:r>
+            <a:r>
+              <a:rPr lang="it-IT" dirty="0"/>
+              <a:t> </a:t>
+            </a:r>
+            <a:r>
+              <a:rPr lang="it-IT" dirty="0" err="1"/>
+              <a:t>have</a:t>
+            </a:r>
+            <a:r>
+              <a:rPr lang="it-IT" dirty="0"/>
+              <a:t> an </a:t>
+            </a:r>
+            <a:r>
+              <a:rPr lang="it-IT" dirty="0" err="1"/>
+              <a:t>algorithm</a:t>
+            </a:r>
+            <a:r>
+              <a:rPr lang="it-IT" dirty="0"/>
+              <a:t> </a:t>
+            </a:r>
+            <a:r>
+              <a:rPr lang="it-IT" dirty="0" err="1"/>
+              <a:t>that</a:t>
+            </a:r>
+            <a:r>
+              <a:rPr lang="it-IT" dirty="0"/>
+              <a:t> </a:t>
+            </a:r>
+            <a:r>
+              <a:rPr lang="it-IT" dirty="0" err="1"/>
+              <a:t>directly</a:t>
+            </a:r>
+            <a:r>
+              <a:rPr lang="it-IT" dirty="0"/>
+              <a:t> </a:t>
+            </a:r>
+            <a:r>
+              <a:rPr lang="it-IT" dirty="0" err="1"/>
+              <a:t>solves</a:t>
+            </a:r>
+            <a:r>
+              <a:rPr lang="it-IT" dirty="0"/>
+              <a:t> </a:t>
+            </a:r>
+            <a:r>
+              <a:rPr lang="it-IT" dirty="0" err="1"/>
+              <a:t>this</a:t>
+            </a:r>
+            <a:r>
+              <a:rPr lang="it-IT" dirty="0"/>
+              <a:t> </a:t>
+            </a:r>
+            <a:r>
+              <a:rPr lang="it-IT" dirty="0" err="1"/>
+              <a:t>problem</a:t>
+            </a:r>
+            <a:r>
+              <a:rPr lang="it-IT" dirty="0"/>
+              <a:t>, </a:t>
+            </a:r>
+            <a:r>
+              <a:rPr lang="it-IT" dirty="0" err="1"/>
+              <a:t>we</a:t>
+            </a:r>
+            <a:r>
+              <a:rPr lang="it-IT" dirty="0"/>
+              <a:t> </a:t>
+            </a:r>
+            <a:r>
+              <a:rPr lang="it-IT" dirty="0" err="1"/>
+              <a:t>need</a:t>
+            </a:r>
+            <a:r>
+              <a:rPr lang="it-IT" dirty="0"/>
+              <a:t> a maximum flow to start with.</a:t>
+            </a:r>
+          </a:p>
+          <a:p>
+            <a:pPr marL="0" indent="0">
+              <a:buNone/>
+            </a:pPr>
+            <a:r>
+              <a:rPr lang="it-IT" dirty="0"/>
+              <a:t>Best </a:t>
+            </a:r>
+            <a:r>
+              <a:rPr lang="it-IT" dirty="0" err="1"/>
+              <a:t>approach</a:t>
+            </a:r>
+            <a:r>
+              <a:rPr lang="it-IT" dirty="0"/>
+              <a:t> </a:t>
+            </a:r>
+            <a:r>
+              <a:rPr lang="it-IT" dirty="0" err="1"/>
+              <a:t>is</a:t>
+            </a:r>
+            <a:r>
+              <a:rPr lang="it-IT" dirty="0"/>
+              <a:t> </a:t>
+            </a:r>
+            <a:r>
+              <a:rPr lang="it-IT" dirty="0" err="1"/>
+              <a:t>guessing</a:t>
+            </a:r>
+            <a:r>
+              <a:rPr lang="it-IT" dirty="0"/>
+              <a:t> the </a:t>
+            </a:r>
+            <a:r>
+              <a:rPr lang="it-IT" dirty="0" err="1"/>
+              <a:t>result</a:t>
+            </a:r>
+            <a:r>
+              <a:rPr lang="it-IT" dirty="0"/>
+              <a:t> =&gt; </a:t>
+            </a:r>
+            <a:r>
+              <a:rPr lang="it-IT" dirty="0" err="1"/>
+              <a:t>binary</a:t>
+            </a:r>
+            <a:r>
+              <a:rPr lang="it-IT" dirty="0"/>
+              <a:t> </a:t>
+            </a:r>
+            <a:r>
+              <a:rPr lang="it-IT" dirty="0" err="1"/>
+              <a:t>search</a:t>
+            </a:r>
+            <a:r>
+              <a:rPr lang="it-IT" dirty="0"/>
+              <a:t> the </a:t>
+            </a:r>
+            <a:r>
+              <a:rPr lang="it-IT" dirty="0" err="1"/>
+              <a:t>maximal</a:t>
+            </a:r>
+            <a:r>
+              <a:rPr lang="it-IT" dirty="0"/>
+              <a:t> </a:t>
+            </a:r>
+            <a:r>
+              <a:rPr lang="it-IT" dirty="0" err="1"/>
+              <a:t>admissible</a:t>
+            </a:r>
+            <a:r>
+              <a:rPr lang="it-IT" dirty="0"/>
+              <a:t> flow </a:t>
+            </a:r>
+            <a:r>
+              <a:rPr lang="it-IT" dirty="0" err="1"/>
+              <a:t>between</a:t>
+            </a:r>
+            <a:r>
+              <a:rPr lang="it-IT" dirty="0"/>
+              <a:t> </a:t>
+            </a:r>
+            <a:r>
+              <a:rPr lang="it-IT" dirty="0" err="1"/>
+              <a:t>given</a:t>
+            </a:r>
+            <a:r>
+              <a:rPr lang="it-IT" dirty="0"/>
+              <a:t> </a:t>
+            </a:r>
+            <a:r>
+              <a:rPr lang="it-IT" dirty="0" err="1"/>
+              <a:t>lower</a:t>
+            </a:r>
+            <a:r>
+              <a:rPr lang="it-IT" dirty="0"/>
+              <a:t> and </a:t>
+            </a:r>
+            <a:r>
+              <a:rPr lang="it-IT" dirty="0" err="1"/>
+              <a:t>upper</a:t>
+            </a:r>
+            <a:r>
+              <a:rPr lang="it-IT" dirty="0"/>
+              <a:t> bounds. </a:t>
+            </a:r>
+            <a:r>
+              <a:rPr lang="it-IT" dirty="0" err="1"/>
+              <a:t>Add</a:t>
+            </a:r>
+            <a:r>
+              <a:rPr lang="it-IT" dirty="0"/>
+              <a:t> a supply </a:t>
+            </a:r>
+            <a:r>
+              <a:rPr lang="it-IT" dirty="0" err="1"/>
+              <a:t>node</a:t>
+            </a:r>
+            <a:r>
+              <a:rPr lang="it-IT" dirty="0"/>
+              <a:t> and </a:t>
+            </a:r>
+            <a:r>
+              <a:rPr lang="it-IT" dirty="0" err="1"/>
+              <a:t>try</a:t>
+            </a:r>
+            <a:r>
+              <a:rPr lang="it-IT" dirty="0"/>
+              <a:t> to </a:t>
+            </a:r>
+            <a:r>
+              <a:rPr lang="it-IT" dirty="0" err="1"/>
+              <a:t>adjust</a:t>
+            </a:r>
+            <a:r>
+              <a:rPr lang="it-IT" dirty="0"/>
+              <a:t> </a:t>
+            </a:r>
+            <a:r>
+              <a:rPr lang="it-IT" dirty="0" err="1"/>
+              <a:t>its</a:t>
+            </a:r>
+            <a:r>
+              <a:rPr lang="it-IT" dirty="0"/>
+              <a:t> </a:t>
+            </a:r>
+            <a:r>
+              <a:rPr lang="it-IT" dirty="0" err="1"/>
+              <a:t>value</a:t>
+            </a:r>
+            <a:r>
+              <a:rPr lang="it-IT" dirty="0"/>
+              <a:t> </a:t>
+            </a:r>
+            <a:r>
+              <a:rPr lang="it-IT" dirty="0" err="1"/>
+              <a:t>based</a:t>
+            </a:r>
+            <a:r>
+              <a:rPr lang="it-IT" dirty="0"/>
+              <a:t> on the last </a:t>
+            </a:r>
+            <a:r>
+              <a:rPr lang="it-IT" dirty="0" err="1"/>
+              <a:t>result</a:t>
+            </a:r>
+            <a:r>
+              <a:rPr lang="it-IT" dirty="0"/>
+              <a:t> of </a:t>
+            </a:r>
+            <a:r>
+              <a:rPr lang="it-IT" dirty="0" err="1"/>
+              <a:t>MinCost-MaxFlow</a:t>
+            </a:r>
+            <a:r>
+              <a:rPr lang="it-IT" dirty="0"/>
+              <a:t> for a </a:t>
+            </a:r>
+            <a:r>
+              <a:rPr lang="it-IT" dirty="0" err="1"/>
+              <a:t>given</a:t>
+            </a:r>
+            <a:r>
+              <a:rPr lang="it-IT" dirty="0"/>
+              <a:t> supply. </a:t>
+            </a:r>
+            <a:r>
+              <a:rPr lang="it-IT" dirty="0" err="1"/>
+              <a:t>If</a:t>
+            </a:r>
+            <a:r>
+              <a:rPr lang="it-IT" dirty="0"/>
+              <a:t> </a:t>
+            </a:r>
+            <a:r>
+              <a:rPr lang="it-IT" dirty="0" err="1"/>
+              <a:t>mincost</a:t>
+            </a:r>
+            <a:r>
+              <a:rPr lang="it-IT" dirty="0"/>
+              <a:t> </a:t>
+            </a:r>
+            <a:r>
+              <a:rPr lang="it-IT" dirty="0" err="1"/>
+              <a:t>is</a:t>
+            </a:r>
+            <a:r>
+              <a:rPr lang="it-IT" dirty="0"/>
+              <a:t> </a:t>
+            </a:r>
+            <a:r>
+              <a:rPr lang="it-IT" dirty="0" err="1"/>
+              <a:t>not</a:t>
+            </a:r>
+            <a:r>
+              <a:rPr lang="it-IT" dirty="0"/>
+              <a:t> </a:t>
+            </a:r>
+            <a:r>
+              <a:rPr lang="it-IT" dirty="0" err="1"/>
+              <a:t>greater</a:t>
+            </a:r>
+            <a:r>
+              <a:rPr lang="it-IT" dirty="0"/>
+              <a:t> </a:t>
+            </a:r>
+            <a:r>
+              <a:rPr lang="it-IT" dirty="0" err="1"/>
+              <a:t>than</a:t>
+            </a:r>
+            <a:r>
+              <a:rPr lang="it-IT" dirty="0"/>
+              <a:t> the </a:t>
+            </a:r>
+            <a:r>
+              <a:rPr lang="it-IT" dirty="0" err="1"/>
+              <a:t>threshold</a:t>
+            </a:r>
+            <a:r>
+              <a:rPr lang="it-IT" dirty="0"/>
+              <a:t>, </a:t>
+            </a:r>
+            <a:r>
+              <a:rPr lang="it-IT" dirty="0" err="1"/>
+              <a:t>we</a:t>
+            </a:r>
+            <a:r>
+              <a:rPr lang="it-IT" dirty="0"/>
+              <a:t> are </a:t>
+            </a:r>
+            <a:r>
+              <a:rPr lang="it-IT" dirty="0" err="1"/>
+              <a:t>allowed</a:t>
+            </a:r>
+            <a:r>
+              <a:rPr lang="it-IT" dirty="0"/>
+              <a:t> to </a:t>
+            </a:r>
+            <a:r>
+              <a:rPr lang="it-IT" dirty="0" err="1"/>
+              <a:t>increase</a:t>
+            </a:r>
+            <a:r>
+              <a:rPr lang="it-IT" dirty="0"/>
+              <a:t> supply.</a:t>
+            </a:r>
+          </a:p>
+          <a:p>
+            <a:pPr marL="0" indent="0">
+              <a:buNone/>
+            </a:pPr>
+            <a:r>
+              <a:rPr lang="it-IT" dirty="0" err="1"/>
+              <a:t>Binary</a:t>
+            </a:r>
+            <a:r>
+              <a:rPr lang="it-IT" dirty="0"/>
+              <a:t> </a:t>
+            </a:r>
+            <a:r>
+              <a:rPr lang="it-IT" dirty="0" err="1"/>
+              <a:t>search</a:t>
+            </a:r>
+            <a:r>
+              <a:rPr lang="it-IT" dirty="0"/>
+              <a:t> </a:t>
+            </a:r>
+            <a:r>
+              <a:rPr lang="it-IT" dirty="0" err="1"/>
+              <a:t>is</a:t>
+            </a:r>
+            <a:r>
+              <a:rPr lang="it-IT" dirty="0"/>
+              <a:t> </a:t>
+            </a:r>
+            <a:r>
+              <a:rPr lang="it-IT" dirty="0" err="1"/>
+              <a:t>applicable</a:t>
+            </a:r>
+            <a:r>
+              <a:rPr lang="it-IT" dirty="0"/>
+              <a:t> </a:t>
+            </a:r>
+            <a:r>
+              <a:rPr lang="it-IT" dirty="0" err="1"/>
+              <a:t>because</a:t>
+            </a:r>
+            <a:r>
+              <a:rPr lang="it-IT" dirty="0"/>
+              <a:t> </a:t>
+            </a:r>
+            <a:r>
+              <a:rPr lang="it-IT" dirty="0" err="1"/>
+              <a:t>increasing</a:t>
+            </a:r>
+            <a:r>
+              <a:rPr lang="it-IT" dirty="0"/>
+              <a:t> the </a:t>
+            </a:r>
+            <a:r>
+              <a:rPr lang="it-IT" dirty="0" err="1"/>
+              <a:t>amount</a:t>
+            </a:r>
+            <a:r>
+              <a:rPr lang="it-IT" dirty="0"/>
+              <a:t> of flow </a:t>
+            </a:r>
+            <a:r>
+              <a:rPr lang="it-IT" dirty="0" err="1"/>
+              <a:t>results</a:t>
+            </a:r>
+            <a:r>
+              <a:rPr lang="it-IT" dirty="0"/>
+              <a:t> in </a:t>
+            </a:r>
+            <a:r>
+              <a:rPr lang="it-IT" dirty="0" err="1"/>
+              <a:t>increasing</a:t>
+            </a:r>
+            <a:r>
+              <a:rPr lang="it-IT" dirty="0"/>
+              <a:t> the </a:t>
+            </a:r>
+            <a:r>
+              <a:rPr lang="it-IT" dirty="0" err="1"/>
+              <a:t>total</a:t>
+            </a:r>
+            <a:r>
+              <a:rPr lang="it-IT" dirty="0"/>
+              <a:t> cost.</a:t>
+            </a:r>
+          </a:p>
+          <a:p>
+            <a:r>
+              <a:rPr lang="it-IT" dirty="0"/>
+              <a:t>Take home</a:t>
+            </a:r>
+          </a:p>
+          <a:p>
+            <a:pPr marL="0" indent="0">
+              <a:buNone/>
+            </a:pPr>
+            <a:r>
+              <a:rPr lang="it-IT" dirty="0" err="1"/>
+              <a:t>If</a:t>
+            </a:r>
+            <a:r>
+              <a:rPr lang="it-IT" dirty="0"/>
+              <a:t> </a:t>
+            </a:r>
+            <a:r>
+              <a:rPr lang="it-IT" dirty="0" err="1"/>
+              <a:t>it</a:t>
+            </a:r>
+            <a:r>
+              <a:rPr lang="it-IT" dirty="0"/>
+              <a:t> </a:t>
+            </a:r>
+            <a:r>
+              <a:rPr lang="it-IT" dirty="0" err="1"/>
+              <a:t>appears</a:t>
+            </a:r>
+            <a:r>
+              <a:rPr lang="it-IT" dirty="0"/>
+              <a:t> to be no </a:t>
+            </a:r>
+            <a:r>
+              <a:rPr lang="it-IT" dirty="0" err="1"/>
+              <a:t>algorithm</a:t>
+            </a:r>
+            <a:r>
+              <a:rPr lang="it-IT" dirty="0"/>
+              <a:t> for a </a:t>
+            </a:r>
+            <a:r>
+              <a:rPr lang="it-IT" dirty="0" err="1"/>
+              <a:t>given</a:t>
+            </a:r>
+            <a:r>
+              <a:rPr lang="it-IT" dirty="0"/>
+              <a:t> </a:t>
+            </a:r>
+            <a:r>
+              <a:rPr lang="it-IT" dirty="0" err="1"/>
+              <a:t>problem</a:t>
+            </a:r>
+            <a:r>
+              <a:rPr lang="it-IT" dirty="0"/>
+              <a:t>, help </a:t>
+            </a:r>
+            <a:r>
+              <a:rPr lang="it-IT" dirty="0" err="1"/>
+              <a:t>yourself</a:t>
+            </a:r>
+            <a:r>
+              <a:rPr lang="it-IT" dirty="0"/>
+              <a:t> with </a:t>
+            </a:r>
+            <a:r>
+              <a:rPr lang="it-IT" dirty="0" err="1"/>
+              <a:t>binary</a:t>
+            </a:r>
+            <a:r>
+              <a:rPr lang="it-IT" dirty="0"/>
+              <a:t> </a:t>
+            </a:r>
+            <a:r>
+              <a:rPr lang="it-IT" dirty="0" err="1"/>
+              <a:t>search</a:t>
+            </a:r>
+            <a:r>
+              <a:rPr lang="it-IT" dirty="0"/>
+              <a:t> </a:t>
+            </a:r>
+            <a:r>
+              <a:rPr lang="it-IT" dirty="0" err="1"/>
+              <a:t>as</a:t>
+            </a:r>
+            <a:r>
+              <a:rPr lang="it-IT" dirty="0"/>
+              <a:t> an </a:t>
+            </a:r>
+            <a:r>
+              <a:rPr lang="it-IT" dirty="0" err="1"/>
+              <a:t>aid</a:t>
+            </a:r>
+            <a:r>
+              <a:rPr lang="it-IT"/>
+              <a:t> to guess</a:t>
+            </a:r>
+            <a:r>
+              <a:rPr lang="it-IT" dirty="0"/>
+              <a:t> the </a:t>
+            </a:r>
+            <a:r>
+              <a:rPr lang="it-IT" dirty="0" err="1"/>
+              <a:t>solution</a:t>
+            </a:r>
+            <a:r>
+              <a:rPr lang="it-IT" dirty="0"/>
+              <a:t> (</a:t>
+            </a:r>
+            <a:r>
+              <a:rPr lang="it-IT" dirty="0" err="1"/>
+              <a:t>if</a:t>
+            </a:r>
+            <a:r>
+              <a:rPr lang="it-IT" dirty="0"/>
+              <a:t> </a:t>
+            </a:r>
+            <a:r>
+              <a:rPr lang="it-IT" dirty="0" err="1"/>
+              <a:t>applicable</a:t>
+            </a:r>
+            <a:r>
+              <a:rPr lang="it-IT" dirty="0"/>
+              <a:t>).</a:t>
+            </a:r>
+          </a:p>
+        </p:txBody>
+      </p:sp>
+    </p:spTree>
+    <p:extLst>
+      <p:ext uri="{BB962C8B-B14F-4D97-AF65-F5344CB8AC3E}">
+        <p14:creationId xmlns:p14="http://schemas.microsoft.com/office/powerpoint/2010/main" val="1962885240"/>
       </p:ext>
     </p:extLst>
   </p:cSld>

--- a/Recap.pptx
+++ b/Recap.pptx
@@ -42,12 +42,17 @@
     <p:sldId id="294" r:id="rId36"/>
     <p:sldId id="298" r:id="rId37"/>
     <p:sldId id="300" r:id="rId38"/>
-    <p:sldId id="290" r:id="rId39"/>
-    <p:sldId id="275" r:id="rId40"/>
-    <p:sldId id="265" r:id="rId41"/>
-    <p:sldId id="296" r:id="rId42"/>
-    <p:sldId id="266" r:id="rId43"/>
-    <p:sldId id="297" r:id="rId44"/>
+    <p:sldId id="301" r:id="rId39"/>
+    <p:sldId id="290" r:id="rId40"/>
+    <p:sldId id="302" r:id="rId41"/>
+    <p:sldId id="275" r:id="rId42"/>
+    <p:sldId id="303" r:id="rId43"/>
+    <p:sldId id="305" r:id="rId44"/>
+    <p:sldId id="304" r:id="rId45"/>
+    <p:sldId id="265" r:id="rId46"/>
+    <p:sldId id="296" r:id="rId47"/>
+    <p:sldId id="266" r:id="rId48"/>
+    <p:sldId id="297" r:id="rId49"/>
   </p:sldIdLst>
   <p:sldSz cx="12192000" cy="6858000"/>
   <p:notesSz cx="6858000" cy="9144000"/>
@@ -220,16 +225,21 @@
         <p14:section name="Week 10" id="{EDF0374A-5B45-4455-834F-1E6B18913DEE}">
           <p14:sldIdLst>
             <p14:sldId id="300"/>
+            <p14:sldId id="301"/>
           </p14:sldIdLst>
         </p14:section>
         <p14:section name="Week 11" id="{D7852702-F01B-4275-9521-0DF5E2C9FA14}">
           <p14:sldIdLst>
             <p14:sldId id="290"/>
+            <p14:sldId id="302"/>
           </p14:sldIdLst>
         </p14:section>
         <p14:section name="Week 12" id="{D60A898A-F010-4D08-AEC5-EE641BA86044}">
           <p14:sldIdLst>
             <p14:sldId id="275"/>
+            <p14:sldId id="303"/>
+            <p14:sldId id="305"/>
+            <p14:sldId id="304"/>
           </p14:sldIdLst>
         </p14:section>
         <p14:section name="Week 13" id="{3746DD47-8D04-4C8A-885A-B1E64472A159}">
@@ -400,7 +410,7 @@
           <a:p>
             <a:fld id="{12267DCD-1350-4B3A-8A04-7434B4EEA719}" type="datetimeFigureOut">
               <a:rPr lang="it-IT" smtClean="0"/>
-              <a:t>12/01/2022</a:t>
+              <a:t>14/01/2022</a:t>
             </a:fld>
             <a:endParaRPr lang="it-IT"/>
           </a:p>
@@ -598,7 +608,7 @@
           <a:p>
             <a:fld id="{12267DCD-1350-4B3A-8A04-7434B4EEA719}" type="datetimeFigureOut">
               <a:rPr lang="it-IT" smtClean="0"/>
-              <a:t>12/01/2022</a:t>
+              <a:t>14/01/2022</a:t>
             </a:fld>
             <a:endParaRPr lang="it-IT"/>
           </a:p>
@@ -806,7 +816,7 @@
           <a:p>
             <a:fld id="{12267DCD-1350-4B3A-8A04-7434B4EEA719}" type="datetimeFigureOut">
               <a:rPr lang="it-IT" smtClean="0"/>
-              <a:t>12/01/2022</a:t>
+              <a:t>14/01/2022</a:t>
             </a:fld>
             <a:endParaRPr lang="it-IT"/>
           </a:p>
@@ -1004,7 +1014,7 @@
           <a:p>
             <a:fld id="{12267DCD-1350-4B3A-8A04-7434B4EEA719}" type="datetimeFigureOut">
               <a:rPr lang="it-IT" smtClean="0"/>
-              <a:t>12/01/2022</a:t>
+              <a:t>14/01/2022</a:t>
             </a:fld>
             <a:endParaRPr lang="it-IT"/>
           </a:p>
@@ -1279,7 +1289,7 @@
           <a:p>
             <a:fld id="{12267DCD-1350-4B3A-8A04-7434B4EEA719}" type="datetimeFigureOut">
               <a:rPr lang="it-IT" smtClean="0"/>
-              <a:t>12/01/2022</a:t>
+              <a:t>14/01/2022</a:t>
             </a:fld>
             <a:endParaRPr lang="it-IT"/>
           </a:p>
@@ -1544,7 +1554,7 @@
           <a:p>
             <a:fld id="{12267DCD-1350-4B3A-8A04-7434B4EEA719}" type="datetimeFigureOut">
               <a:rPr lang="it-IT" smtClean="0"/>
-              <a:t>12/01/2022</a:t>
+              <a:t>14/01/2022</a:t>
             </a:fld>
             <a:endParaRPr lang="it-IT"/>
           </a:p>
@@ -1956,7 +1966,7 @@
           <a:p>
             <a:fld id="{12267DCD-1350-4B3A-8A04-7434B4EEA719}" type="datetimeFigureOut">
               <a:rPr lang="it-IT" smtClean="0"/>
-              <a:t>12/01/2022</a:t>
+              <a:t>14/01/2022</a:t>
             </a:fld>
             <a:endParaRPr lang="it-IT"/>
           </a:p>
@@ -2097,7 +2107,7 @@
           <a:p>
             <a:fld id="{12267DCD-1350-4B3A-8A04-7434B4EEA719}" type="datetimeFigureOut">
               <a:rPr lang="it-IT" smtClean="0"/>
-              <a:t>12/01/2022</a:t>
+              <a:t>14/01/2022</a:t>
             </a:fld>
             <a:endParaRPr lang="it-IT"/>
           </a:p>
@@ -2210,7 +2220,7 @@
           <a:p>
             <a:fld id="{12267DCD-1350-4B3A-8A04-7434B4EEA719}" type="datetimeFigureOut">
               <a:rPr lang="it-IT" smtClean="0"/>
-              <a:t>12/01/2022</a:t>
+              <a:t>14/01/2022</a:t>
             </a:fld>
             <a:endParaRPr lang="it-IT"/>
           </a:p>
@@ -2521,7 +2531,7 @@
           <a:p>
             <a:fld id="{12267DCD-1350-4B3A-8A04-7434B4EEA719}" type="datetimeFigureOut">
               <a:rPr lang="it-IT" smtClean="0"/>
-              <a:t>12/01/2022</a:t>
+              <a:t>14/01/2022</a:t>
             </a:fld>
             <a:endParaRPr lang="it-IT"/>
           </a:p>
@@ -2809,7 +2819,7 @@
           <a:p>
             <a:fld id="{12267DCD-1350-4B3A-8A04-7434B4EEA719}" type="datetimeFigureOut">
               <a:rPr lang="it-IT" smtClean="0"/>
-              <a:t>12/01/2022</a:t>
+              <a:t>14/01/2022</a:t>
             </a:fld>
             <a:endParaRPr lang="it-IT"/>
           </a:p>
@@ -3050,7 +3060,7 @@
           <a:p>
             <a:fld id="{12267DCD-1350-4B3A-8A04-7434B4EEA719}" type="datetimeFigureOut">
               <a:rPr lang="it-IT" smtClean="0"/>
-              <a:t>12/01/2022</a:t>
+              <a:t>14/01/2022</a:t>
             </a:fld>
             <a:endParaRPr lang="it-IT"/>
           </a:p>
@@ -6967,7 +6977,10 @@
     <p:bg>
       <p:bgPr>
         <a:solidFill>
-          <a:schemeClr val="accent4"/>
+          <a:schemeClr val="accent4">
+            <a:lumMod val="40000"/>
+            <a:lumOff val="60000"/>
+          </a:schemeClr>
         </a:solidFill>
         <a:effectLst/>
       </p:bgPr>
@@ -10540,7 +10553,7 @@
             </a:r>
             <a:r>
               <a:rPr lang="it-IT" dirty="0" err="1"/>
-              <a:t>coins</a:t>
+              <a:t>Coins</a:t>
             </a:r>
             <a:endParaRPr lang="it-IT" dirty="0"/>
           </a:p>
@@ -17086,7 +17099,9 @@
         </p:nvSpPr>
         <p:spPr/>
         <p:txBody>
-          <a:bodyPr/>
+          <a:bodyPr>
+            <a:normAutofit fontScale="62500" lnSpcReduction="20000"/>
+          </a:bodyPr>
           <a:lstStyle/>
           <a:p>
             <a:r>
@@ -17208,7 +17223,285 @@
             </a:pPr>
             <a:r>
               <a:rPr lang="it-IT" dirty="0"/>
-              <a:t>SOLVE IT ON CODEEXPERT</a:t>
+              <a:t>Sort the array </a:t>
+            </a:r>
+            <a:r>
+              <a:rPr lang="it-IT" dirty="0" err="1"/>
+              <a:t>based</a:t>
+            </a:r>
+            <a:r>
+              <a:rPr lang="it-IT" dirty="0"/>
+              <a:t> on the positions and do a sliding window:</a:t>
+            </a:r>
+          </a:p>
+          <a:p>
+            <a:pPr marL="0" indent="0">
+              <a:buNone/>
+            </a:pPr>
+            <a:r>
+              <a:rPr lang="it-IT" dirty="0" err="1"/>
+              <a:t>Scan</a:t>
+            </a:r>
+            <a:r>
+              <a:rPr lang="it-IT" dirty="0"/>
+              <a:t> </a:t>
+            </a:r>
+            <a:r>
+              <a:rPr lang="it-IT" dirty="0" err="1"/>
+              <a:t>until</a:t>
+            </a:r>
+            <a:r>
+              <a:rPr lang="it-IT" dirty="0"/>
+              <a:t> the </a:t>
+            </a:r>
+            <a:r>
+              <a:rPr lang="it-IT" dirty="0" err="1"/>
+              <a:t>distance</a:t>
+            </a:r>
+            <a:r>
+              <a:rPr lang="it-IT" dirty="0"/>
+              <a:t> </a:t>
+            </a:r>
+            <a:r>
+              <a:rPr lang="it-IT" dirty="0" err="1"/>
+              <a:t>between</a:t>
+            </a:r>
+            <a:r>
+              <a:rPr lang="it-IT" dirty="0"/>
+              <a:t> x[i] and x[j] </a:t>
+            </a:r>
+            <a:r>
+              <a:rPr lang="it-IT" dirty="0" err="1"/>
+              <a:t>is</a:t>
+            </a:r>
+            <a:r>
+              <a:rPr lang="it-IT" dirty="0"/>
+              <a:t> 200. </a:t>
+            </a:r>
+            <a:r>
+              <a:rPr lang="it-IT" dirty="0" err="1"/>
+              <a:t>Calculate</a:t>
+            </a:r>
+            <a:r>
+              <a:rPr lang="it-IT" dirty="0"/>
+              <a:t> the </a:t>
+            </a:r>
+            <a:r>
+              <a:rPr lang="it-IT" dirty="0" err="1"/>
+              <a:t>number</a:t>
+            </a:r>
+            <a:r>
+              <a:rPr lang="it-IT" dirty="0"/>
+              <a:t> of positions </a:t>
+            </a:r>
+            <a:r>
+              <a:rPr lang="it-IT" dirty="0" err="1"/>
+              <a:t>as</a:t>
+            </a:r>
+            <a:r>
+              <a:rPr lang="it-IT" dirty="0"/>
+              <a:t> j-i and the </a:t>
+            </a:r>
+            <a:r>
+              <a:rPr lang="it-IT" dirty="0" err="1"/>
+              <a:t>distance</a:t>
+            </a:r>
+            <a:r>
+              <a:rPr lang="it-IT" dirty="0"/>
+              <a:t> </a:t>
+            </a:r>
+            <a:r>
+              <a:rPr lang="it-IT" dirty="0" err="1"/>
+              <a:t>as</a:t>
+            </a:r>
+            <a:r>
+              <a:rPr lang="it-IT" dirty="0"/>
+              <a:t> </a:t>
+            </a:r>
+            <a:r>
+              <a:rPr lang="it-IT" dirty="0" err="1"/>
+              <a:t>ceil</a:t>
+            </a:r>
+            <a:r>
+              <a:rPr lang="it-IT" dirty="0"/>
+              <a:t>((x[j-1]-x[i])/2.0).</a:t>
+            </a:r>
+          </a:p>
+          <a:p>
+            <a:pPr marL="0" indent="0">
+              <a:buNone/>
+            </a:pPr>
+            <a:r>
+              <a:rPr lang="it-IT" dirty="0"/>
+              <a:t>Update best </a:t>
+            </a:r>
+            <a:r>
+              <a:rPr lang="it-IT" dirty="0" err="1"/>
+              <a:t>results</a:t>
+            </a:r>
+            <a:r>
+              <a:rPr lang="it-IT" dirty="0"/>
+              <a:t> in a </a:t>
+            </a:r>
+            <a:r>
+              <a:rPr lang="it-IT" dirty="0" err="1"/>
+              <a:t>results</a:t>
+            </a:r>
+            <a:r>
+              <a:rPr lang="it-IT" dirty="0"/>
+              <a:t> array. </a:t>
+            </a:r>
+            <a:r>
+              <a:rPr lang="it-IT" dirty="0" err="1"/>
+              <a:t>If</a:t>
+            </a:r>
+            <a:r>
+              <a:rPr lang="it-IT" dirty="0"/>
+              <a:t> </a:t>
+            </a:r>
+            <a:r>
+              <a:rPr lang="it-IT" dirty="0" err="1"/>
+              <a:t>num</a:t>
+            </a:r>
+            <a:r>
+              <a:rPr lang="it-IT" dirty="0"/>
+              <a:t> and </a:t>
+            </a:r>
+            <a:r>
+              <a:rPr lang="it-IT" dirty="0" err="1"/>
+              <a:t>dist</a:t>
+            </a:r>
+            <a:r>
+              <a:rPr lang="it-IT" dirty="0"/>
+              <a:t> are the </a:t>
+            </a:r>
+            <a:r>
+              <a:rPr lang="it-IT" dirty="0" err="1"/>
+              <a:t>same</a:t>
+            </a:r>
+            <a:r>
+              <a:rPr lang="it-IT" dirty="0"/>
+              <a:t> </a:t>
+            </a:r>
+            <a:r>
+              <a:rPr lang="it-IT" dirty="0" err="1"/>
+              <a:t>as</a:t>
+            </a:r>
+            <a:r>
+              <a:rPr lang="it-IT" dirty="0"/>
+              <a:t> best, just </a:t>
+            </a:r>
+            <a:r>
+              <a:rPr lang="it-IT" dirty="0" err="1"/>
+              <a:t>add</a:t>
+            </a:r>
+            <a:r>
+              <a:rPr lang="it-IT" dirty="0"/>
+              <a:t> a new location, </a:t>
+            </a:r>
+            <a:r>
+              <a:rPr lang="it-IT" dirty="0" err="1"/>
+              <a:t>otherwise</a:t>
+            </a:r>
+            <a:r>
+              <a:rPr lang="it-IT" dirty="0"/>
+              <a:t> clear the array.</a:t>
+            </a:r>
+          </a:p>
+          <a:p>
+            <a:pPr marL="0" indent="0">
+              <a:buNone/>
+            </a:pPr>
+            <a:r>
+              <a:rPr lang="it-IT" dirty="0" err="1"/>
+              <a:t>Insert</a:t>
+            </a:r>
+            <a:r>
+              <a:rPr lang="it-IT" dirty="0"/>
+              <a:t> </a:t>
+            </a:r>
+            <a:r>
+              <a:rPr lang="it-IT" dirty="0" err="1"/>
+              <a:t>function</a:t>
+            </a:r>
+            <a:r>
+              <a:rPr lang="it-IT" dirty="0"/>
+              <a:t>: </a:t>
+            </a:r>
+            <a:r>
+              <a:rPr lang="it-IT" dirty="0" err="1"/>
+              <a:t>if</a:t>
+            </a:r>
+            <a:r>
+              <a:rPr lang="it-IT" dirty="0"/>
+              <a:t>((par[j-1]-par[i])%2 == 0)    </a:t>
+            </a:r>
+          </a:p>
+          <a:p>
+            <a:pPr marL="0" indent="0">
+              <a:buNone/>
+            </a:pPr>
+            <a:r>
+              <a:rPr lang="it-IT" dirty="0"/>
+              <a:t>			</a:t>
+            </a:r>
+            <a:r>
+              <a:rPr lang="it-IT" dirty="0" err="1"/>
+              <a:t>results.push_back</a:t>
+            </a:r>
+            <a:r>
+              <a:rPr lang="it-IT" dirty="0"/>
+              <a:t>((par[j-1]-par[i])/2 + par[i]);</a:t>
+            </a:r>
+          </a:p>
+          <a:p>
+            <a:pPr marL="0" indent="0">
+              <a:buNone/>
+            </a:pPr>
+            <a:r>
+              <a:rPr lang="it-IT" dirty="0"/>
+              <a:t>		else{</a:t>
+            </a:r>
+          </a:p>
+          <a:p>
+            <a:pPr marL="0" indent="0">
+              <a:buNone/>
+            </a:pPr>
+            <a:r>
+              <a:rPr lang="it-IT" dirty="0"/>
+              <a:t>			</a:t>
+            </a:r>
+            <a:r>
+              <a:rPr lang="it-IT" dirty="0" err="1"/>
+              <a:t>results.push_back</a:t>
+            </a:r>
+            <a:r>
+              <a:rPr lang="it-IT" dirty="0"/>
+              <a:t>(</a:t>
+            </a:r>
+            <a:r>
+              <a:rPr lang="it-IT" dirty="0" err="1"/>
+              <a:t>floor</a:t>
+            </a:r>
+            <a:r>
+              <a:rPr lang="it-IT" dirty="0"/>
+              <a:t>((par[j-1]-par[i])/2.0) + par[i]);    					</a:t>
+            </a:r>
+            <a:r>
+              <a:rPr lang="it-IT" dirty="0" err="1"/>
+              <a:t>results.push_back</a:t>
+            </a:r>
+            <a:r>
+              <a:rPr lang="it-IT" dirty="0"/>
+              <a:t>(</a:t>
+            </a:r>
+            <a:r>
+              <a:rPr lang="it-IT" dirty="0" err="1"/>
+              <a:t>ceil</a:t>
+            </a:r>
+            <a:r>
+              <a:rPr lang="it-IT" dirty="0"/>
+              <a:t>((par[j-1]-par[i])/2.0) + par[i]);  }</a:t>
             </a:r>
           </a:p>
         </p:txBody>
@@ -18161,7 +18454,7 @@
             </a:r>
             <a:r>
               <a:rPr lang="it-IT" dirty="0" err="1"/>
-              <a:t>Add_edge</a:t>
+              <a:t>add_edge</a:t>
             </a:r>
             <a:r>
               <a:rPr lang="it-IT" dirty="0"/>
@@ -18237,10 +18530,9 @@
               <a:t>nodes</a:t>
             </a:r>
             <a:r>
-              <a:rPr lang="it-IT"/>
+              <a:rPr lang="it-IT" dirty="0"/>
               <a:t>.</a:t>
             </a:r>
-            <a:endParaRPr lang="it-IT" dirty="0"/>
           </a:p>
         </p:txBody>
       </p:sp>
@@ -19991,7 +20283,7 @@
         <p:spPr/>
         <p:txBody>
           <a:bodyPr>
-            <a:normAutofit fontScale="77500" lnSpcReduction="20000"/>
+            <a:normAutofit fontScale="62500" lnSpcReduction="20000"/>
           </a:bodyPr>
           <a:lstStyle/>
           <a:p>
@@ -20730,10 +21022,52 @@
               <a:t>across</a:t>
             </a:r>
             <a:r>
-              <a:rPr lang="it-IT"/>
+              <a:rPr lang="it-IT" dirty="0"/>
               <a:t>.</a:t>
             </a:r>
-            <a:endParaRPr lang="it-IT" dirty="0"/>
+          </a:p>
+          <a:p>
+            <a:r>
+              <a:rPr lang="it-IT" dirty="0"/>
+              <a:t>Take home</a:t>
+            </a:r>
+          </a:p>
+          <a:p>
+            <a:pPr marL="0" indent="0">
+              <a:buNone/>
+            </a:pPr>
+            <a:r>
+              <a:rPr lang="it-IT" dirty="0" err="1"/>
+              <a:t>Partial</a:t>
+            </a:r>
+            <a:r>
+              <a:rPr lang="it-IT" dirty="0"/>
+              <a:t> test sets </a:t>
+            </a:r>
+            <a:r>
+              <a:rPr lang="it-IT" dirty="0" err="1"/>
+              <a:t>sometimes</a:t>
+            </a:r>
+            <a:r>
+              <a:rPr lang="it-IT" dirty="0"/>
+              <a:t> </a:t>
+            </a:r>
+            <a:r>
+              <a:rPr lang="it-IT" dirty="0" err="1"/>
+              <a:t>give</a:t>
+            </a:r>
+            <a:r>
+              <a:rPr lang="it-IT" dirty="0"/>
+              <a:t> </a:t>
+            </a:r>
+            <a:r>
+              <a:rPr lang="it-IT" dirty="0" err="1"/>
+              <a:t>hints</a:t>
+            </a:r>
+            <a:r>
+              <a:rPr lang="it-IT" dirty="0"/>
+              <a:t>!</a:t>
+            </a:r>
           </a:p>
         </p:txBody>
       </p:sp>
@@ -22503,8 +22837,8 @@
           </a:p>
         </p:txBody>
       </p:sp>
-      <mc:AlternateContent xmlns:mc="http://schemas.openxmlformats.org/markup-compatibility/2006">
-        <mc:Choice xmlns:a14="http://schemas.microsoft.com/office/drawing/2010/main" Requires="a14">
+      <mc:AlternateContent xmlns:mc="http://schemas.openxmlformats.org/markup-compatibility/2006" xmlns:a14="http://schemas.microsoft.com/office/drawing/2010/main">
+        <mc:Choice Requires="a14">
           <p:sp>
             <p:nvSpPr>
               <p:cNvPr id="7" name="Segnaposto contenuto 6">
@@ -22871,14 +23205,7 @@
                               <a:latin typeface="Cambria Math" panose="02040503050406030204" pitchFamily="18" charset="0"/>
                               <a:ea typeface="Cambria Math" panose="02040503050406030204" pitchFamily="18" charset="0"/>
                             </a:rPr>
-                            <m:t> !</m:t>
-                          </m:r>
-                          <m:r>
-                            <a:rPr lang="it-IT" b="0" i="1" smtClean="0">
-                              <a:latin typeface="Cambria Math" panose="02040503050406030204" pitchFamily="18" charset="0"/>
-                              <a:ea typeface="Cambria Math" panose="02040503050406030204" pitchFamily="18" charset="0"/>
-                            </a:rPr>
-                            <m:t>∈</m:t>
+                            <m:t> !∈</m:t>
                           </m:r>
                           <m:r>
                             <a:rPr lang="it-IT" b="0" i="1" smtClean="0">
@@ -23299,7 +23626,7 @@
             </p:txBody>
           </p:sp>
         </mc:Choice>
-        <mc:Fallback>
+        <mc:Fallback xmlns="">
           <p:sp>
             <p:nvSpPr>
               <p:cNvPr id="7" name="Segnaposto contenuto 6">
@@ -23391,16 +23718,12 @@
           <a:lstStyle/>
           <a:p>
             <a:r>
-              <a:rPr lang="it-IT" dirty="0" err="1"/>
-              <a:t>PotW</a:t>
-            </a:r>
-            <a:r>
-              <a:rPr lang="it-IT" dirty="0"/>
-              <a:t> 11: Phantom </a:t>
-            </a:r>
-            <a:r>
-              <a:rPr lang="it-IT" dirty="0" err="1"/>
-              <a:t>Menace</a:t>
+              <a:rPr lang="it-IT" dirty="0"/>
+              <a:t>Week 10: </a:t>
+            </a:r>
+            <a:r>
+              <a:rPr lang="it-IT" dirty="0" err="1"/>
+              <a:t>Evolution</a:t>
             </a:r>
             <a:endParaRPr lang="it-IT" dirty="0"/>
           </a:p>
@@ -23425,17 +23748,13 @@
         <p:spPr/>
         <p:txBody>
           <a:bodyPr>
-            <a:normAutofit lnSpcReduction="10000"/>
+            <a:normAutofit fontScale="77500" lnSpcReduction="20000"/>
           </a:bodyPr>
           <a:lstStyle/>
           <a:p>
             <a:r>
-              <a:rPr lang="it-IT" dirty="0" err="1"/>
-              <a:t>Algorithmic</a:t>
-            </a:r>
-            <a:r>
-              <a:rPr lang="it-IT" dirty="0"/>
-              <a:t> </a:t>
+              <a:rPr lang="it-IT" dirty="0"/>
+              <a:t>Algorithmic </a:t>
             </a:r>
             <a:r>
               <a:rPr lang="it-IT" dirty="0" err="1"/>
@@ -23457,19 +23776,67 @@
             </a:r>
             <a:r>
               <a:rPr lang="it-IT" dirty="0" err="1"/>
-              <a:t>directed</a:t>
-            </a:r>
-            <a:r>
-              <a:rPr lang="it-IT" dirty="0"/>
-              <a:t> </a:t>
-            </a:r>
-            <a:r>
-              <a:rPr lang="it-IT" dirty="0" err="1"/>
-              <a:t>graph</a:t>
-            </a:r>
-            <a:r>
-              <a:rPr lang="it-IT" dirty="0"/>
-              <a:t>, a set of </a:t>
+              <a:t>tree</a:t>
+            </a:r>
+            <a:r>
+              <a:rPr lang="it-IT" dirty="0"/>
+              <a:t> </a:t>
+            </a:r>
+            <a:r>
+              <a:rPr lang="it-IT" dirty="0" err="1"/>
+              <a:t>where</a:t>
+            </a:r>
+            <a:r>
+              <a:rPr lang="it-IT" dirty="0"/>
+              <a:t> vertex </a:t>
+            </a:r>
+            <a:r>
+              <a:rPr lang="it-IT" dirty="0" err="1"/>
+              <a:t>values</a:t>
+            </a:r>
+            <a:r>
+              <a:rPr lang="it-IT" dirty="0"/>
+              <a:t> are </a:t>
+            </a:r>
+            <a:r>
+              <a:rPr lang="it-IT" dirty="0" err="1"/>
+              <a:t>decreasing</a:t>
+            </a:r>
+            <a:r>
+              <a:rPr lang="it-IT" dirty="0"/>
+              <a:t> from root to </a:t>
+            </a:r>
+            <a:r>
+              <a:rPr lang="it-IT" dirty="0" err="1"/>
+              <a:t>leaves</a:t>
+            </a:r>
+            <a:r>
+              <a:rPr lang="it-IT" dirty="0"/>
+              <a:t>, </a:t>
+            </a:r>
+            <a:r>
+              <a:rPr lang="it-IT" dirty="0" err="1"/>
+              <a:t>find</a:t>
+            </a:r>
+            <a:r>
+              <a:rPr lang="it-IT" dirty="0"/>
+              <a:t> the </a:t>
+            </a:r>
+            <a:r>
+              <a:rPr lang="it-IT" dirty="0" err="1"/>
+              <a:t>ancestor</a:t>
+            </a:r>
+            <a:r>
+              <a:rPr lang="it-IT" dirty="0"/>
+              <a:t> vertex </a:t>
+            </a:r>
+            <a:r>
+              <a:rPr lang="it-IT" dirty="0" err="1"/>
+              <a:t>closest</a:t>
+            </a:r>
+            <a:r>
+              <a:rPr lang="it-IT" dirty="0"/>
+              <a:t> to root from a </a:t>
             </a:r>
             <a:r>
               <a:rPr lang="it-IT" dirty="0" err="1"/>
@@ -23477,39 +23844,7 @@
             </a:r>
             <a:r>
               <a:rPr lang="it-IT" dirty="0"/>
-              <a:t> </a:t>
-            </a:r>
-            <a:r>
-              <a:rPr lang="it-IT" dirty="0" err="1"/>
-              <a:t>nodes</a:t>
-            </a:r>
-            <a:r>
-              <a:rPr lang="it-IT" dirty="0"/>
-              <a:t> and a set of end </a:t>
-            </a:r>
-            <a:r>
-              <a:rPr lang="it-IT" dirty="0" err="1"/>
-              <a:t>nodes</a:t>
-            </a:r>
-            <a:r>
-              <a:rPr lang="it-IT" dirty="0"/>
-              <a:t>, output the minimum </a:t>
-            </a:r>
-            <a:r>
-              <a:rPr lang="it-IT" dirty="0" err="1"/>
-              <a:t>number</a:t>
-            </a:r>
-            <a:r>
-              <a:rPr lang="it-IT" dirty="0"/>
-              <a:t> of </a:t>
-            </a:r>
-            <a:r>
-              <a:rPr lang="it-IT" dirty="0" err="1"/>
-              <a:t>nodes</a:t>
-            </a:r>
-            <a:r>
-              <a:rPr lang="it-IT" dirty="0"/>
-              <a:t> </a:t>
+              <a:t> vertex </a:t>
             </a:r>
             <a:r>
               <a:rPr lang="it-IT" dirty="0" err="1"/>
@@ -23521,43 +23856,27 @@
             </a:r>
             <a:r>
               <a:rPr lang="it-IT" dirty="0" err="1"/>
-              <a:t>cut</a:t>
-            </a:r>
-            <a:r>
-              <a:rPr lang="it-IT" dirty="0"/>
-              <a:t> </a:t>
-            </a:r>
-            <a:r>
-              <a:rPr lang="it-IT" dirty="0" err="1"/>
-              <a:t>every</a:t>
-            </a:r>
-            <a:r>
-              <a:rPr lang="it-IT" dirty="0"/>
-              <a:t> </a:t>
-            </a:r>
-            <a:r>
-              <a:rPr lang="it-IT" dirty="0" err="1"/>
-              <a:t>path</a:t>
-            </a:r>
-            <a:r>
-              <a:rPr lang="it-IT" dirty="0"/>
-              <a:t> </a:t>
-            </a:r>
-            <a:r>
-              <a:rPr lang="it-IT" dirty="0" err="1"/>
-              <a:t>between</a:t>
-            </a:r>
-            <a:r>
-              <a:rPr lang="it-IT" dirty="0"/>
-              <a:t> the </a:t>
-            </a:r>
-            <a:r>
-              <a:rPr lang="it-IT" dirty="0" err="1"/>
-              <a:t>two</a:t>
-            </a:r>
-            <a:r>
-              <a:rPr lang="it-IT" dirty="0"/>
-              <a:t> sets.</a:t>
+              <a:t>has</a:t>
+            </a:r>
+            <a:r>
+              <a:rPr lang="it-IT" dirty="0"/>
+              <a:t> weight </a:t>
+            </a:r>
+            <a:r>
+              <a:rPr lang="it-IT" dirty="0" err="1"/>
+              <a:t>at</a:t>
+            </a:r>
+            <a:r>
+              <a:rPr lang="it-IT" dirty="0"/>
+              <a:t> </a:t>
+            </a:r>
+            <a:r>
+              <a:rPr lang="it-IT" dirty="0" err="1"/>
+              <a:t>most</a:t>
+            </a:r>
+            <a:r>
+              <a:rPr lang="it-IT" dirty="0"/>
+              <a:t> b.</a:t>
             </a:r>
           </a:p>
           <a:p>
@@ -23571,8 +23890,68 @@
               <a:buNone/>
             </a:pPr>
             <a:r>
-              <a:rPr lang="it-IT" dirty="0"/>
-              <a:t>The </a:t>
+              <a:rPr lang="it-IT" dirty="0" err="1"/>
+              <a:t>Explicitly</a:t>
+            </a:r>
+            <a:r>
+              <a:rPr lang="it-IT" dirty="0"/>
+              <a:t> </a:t>
+            </a:r>
+            <a:r>
+              <a:rPr lang="it-IT" dirty="0" err="1"/>
+              <a:t>storing</a:t>
+            </a:r>
+            <a:r>
+              <a:rPr lang="it-IT" dirty="0"/>
+              <a:t> </a:t>
+            </a:r>
+            <a:r>
+              <a:rPr lang="it-IT" dirty="0" err="1"/>
+              <a:t>all</a:t>
+            </a:r>
+            <a:r>
+              <a:rPr lang="it-IT" dirty="0"/>
+              <a:t> </a:t>
+            </a:r>
+            <a:r>
+              <a:rPr lang="it-IT" dirty="0" err="1"/>
+              <a:t>paths</a:t>
+            </a:r>
+            <a:r>
+              <a:rPr lang="it-IT" dirty="0"/>
+              <a:t> </a:t>
+            </a:r>
+            <a:r>
+              <a:rPr lang="it-IT" dirty="0" err="1"/>
+              <a:t>is</a:t>
+            </a:r>
+            <a:r>
+              <a:rPr lang="it-IT" dirty="0"/>
+              <a:t> </a:t>
+            </a:r>
+            <a:r>
+              <a:rPr lang="it-IT" dirty="0" err="1"/>
+              <a:t>not</a:t>
+            </a:r>
+            <a:r>
+              <a:rPr lang="it-IT" dirty="0"/>
+              <a:t> </a:t>
+            </a:r>
+            <a:r>
+              <a:rPr lang="it-IT" dirty="0" err="1"/>
+              <a:t>allowed</a:t>
+            </a:r>
+            <a:r>
+              <a:rPr lang="it-IT" dirty="0"/>
+              <a:t> in </a:t>
+            </a:r>
+            <a:r>
+              <a:rPr lang="it-IT" dirty="0" err="1"/>
+              <a:t>this</a:t>
+            </a:r>
+            <a:r>
+              <a:rPr lang="it-IT" dirty="0"/>
+              <a:t> </a:t>
             </a:r>
             <a:r>
               <a:rPr lang="it-IT" dirty="0" err="1"/>
@@ -23580,47 +23959,31 @@
             </a:r>
             <a:r>
               <a:rPr lang="it-IT" dirty="0"/>
-              <a:t> </a:t>
-            </a:r>
-            <a:r>
-              <a:rPr lang="it-IT" dirty="0" err="1"/>
-              <a:t>statement</a:t>
-            </a:r>
-            <a:r>
-              <a:rPr lang="it-IT" dirty="0"/>
-              <a:t> </a:t>
-            </a:r>
-            <a:r>
-              <a:rPr lang="it-IT" dirty="0" err="1"/>
-              <a:t>clearly</a:t>
-            </a:r>
-            <a:r>
-              <a:rPr lang="it-IT" dirty="0"/>
-              <a:t> </a:t>
-            </a:r>
-            <a:r>
-              <a:rPr lang="it-IT" dirty="0" err="1"/>
-              <a:t>tells</a:t>
-            </a:r>
-            <a:r>
-              <a:rPr lang="it-IT" dirty="0"/>
-              <a:t> to </a:t>
-            </a:r>
-            <a:r>
-              <a:rPr lang="it-IT" dirty="0" err="1"/>
-              <a:t>find</a:t>
-            </a:r>
-            <a:r>
-              <a:rPr lang="it-IT" dirty="0"/>
-              <a:t> a minimum vertex </a:t>
-            </a:r>
-            <a:r>
-              <a:rPr lang="it-IT" dirty="0" err="1"/>
-              <a:t>cut</a:t>
-            </a:r>
-            <a:r>
-              <a:rPr lang="it-IT" dirty="0"/>
-              <a:t>.</a:t>
+              <a:t>, </a:t>
+            </a:r>
+            <a:r>
+              <a:rPr lang="it-IT" dirty="0" err="1"/>
+              <a:t>since</a:t>
+            </a:r>
+            <a:r>
+              <a:rPr lang="it-IT" dirty="0"/>
+              <a:t> O(n^2) </a:t>
+            </a:r>
+            <a:r>
+              <a:rPr lang="it-IT" dirty="0" err="1"/>
+              <a:t>would</a:t>
+            </a:r>
+            <a:r>
+              <a:rPr lang="it-IT" dirty="0"/>
+              <a:t> be </a:t>
+            </a:r>
+            <a:r>
+              <a:rPr lang="it-IT" dirty="0" err="1"/>
+              <a:t>too</a:t>
+            </a:r>
+            <a:r>
+              <a:rPr lang="it-IT" dirty="0"/>
+              <a:t> large.</a:t>
             </a:r>
           </a:p>
           <a:p>
@@ -23628,132 +23991,192 @@
               <a:buNone/>
             </a:pPr>
             <a:r>
-              <a:rPr lang="it-IT" dirty="0" err="1"/>
-              <a:t>Since</a:t>
-            </a:r>
-            <a:r>
-              <a:rPr lang="it-IT" dirty="0"/>
-              <a:t> </a:t>
-            </a:r>
-            <a:r>
-              <a:rPr lang="it-IT" dirty="0" err="1"/>
-              <a:t>we</a:t>
-            </a:r>
-            <a:r>
-              <a:rPr lang="it-IT" dirty="0"/>
-              <a:t> know </a:t>
-            </a:r>
-            <a:r>
-              <a:rPr lang="it-IT" dirty="0" err="1"/>
-              <a:t>how</a:t>
-            </a:r>
-            <a:r>
-              <a:rPr lang="it-IT" dirty="0"/>
-              <a:t> to </a:t>
-            </a:r>
-            <a:r>
-              <a:rPr lang="it-IT" dirty="0" err="1"/>
-              <a:t>find</a:t>
-            </a:r>
-            <a:r>
-              <a:rPr lang="it-IT" dirty="0"/>
-              <a:t> an </a:t>
-            </a:r>
-            <a:r>
-              <a:rPr lang="it-IT" dirty="0" err="1"/>
-              <a:t>edge</a:t>
-            </a:r>
-            <a:r>
-              <a:rPr lang="it-IT" dirty="0"/>
-              <a:t> </a:t>
-            </a:r>
-            <a:r>
-              <a:rPr lang="it-IT" dirty="0" err="1"/>
-              <a:t>cut</a:t>
-            </a:r>
-            <a:r>
-              <a:rPr lang="it-IT" dirty="0"/>
-              <a:t> </a:t>
-            </a:r>
-            <a:r>
-              <a:rPr lang="it-IT" dirty="0" err="1"/>
-              <a:t>using</a:t>
-            </a:r>
-            <a:r>
-              <a:rPr lang="it-IT" dirty="0"/>
-              <a:t> flow, </a:t>
-            </a:r>
-            <a:r>
-              <a:rPr lang="it-IT" dirty="0" err="1"/>
-              <a:t>simply</a:t>
-            </a:r>
-            <a:r>
-              <a:rPr lang="it-IT" dirty="0"/>
-              <a:t> split </a:t>
-            </a:r>
-            <a:r>
-              <a:rPr lang="it-IT" dirty="0" err="1"/>
-              <a:t>each</a:t>
-            </a:r>
-            <a:r>
-              <a:rPr lang="it-IT" dirty="0"/>
-              <a:t> vertex </a:t>
-            </a:r>
-            <a:r>
-              <a:rPr lang="it-IT" dirty="0" err="1"/>
-              <a:t>into</a:t>
-            </a:r>
-            <a:r>
-              <a:rPr lang="it-IT" dirty="0"/>
-              <a:t> </a:t>
-            </a:r>
-            <a:r>
-              <a:rPr lang="it-IT" dirty="0" err="1"/>
-              <a:t>two</a:t>
-            </a:r>
-            <a:r>
-              <a:rPr lang="it-IT" dirty="0"/>
-              <a:t> </a:t>
-            </a:r>
-            <a:r>
-              <a:rPr lang="it-IT" dirty="0" err="1"/>
-              <a:t>nodes</a:t>
-            </a:r>
-            <a:r>
-              <a:rPr lang="it-IT" dirty="0"/>
-              <a:t> (in and out) and </a:t>
-            </a:r>
-            <a:r>
-              <a:rPr lang="it-IT" dirty="0" err="1"/>
-              <a:t>add</a:t>
-            </a:r>
-            <a:r>
-              <a:rPr lang="it-IT" dirty="0"/>
-              <a:t> an </a:t>
-            </a:r>
-            <a:r>
-              <a:rPr lang="it-IT" dirty="0" err="1"/>
-              <a:t>edge</a:t>
-            </a:r>
-            <a:r>
-              <a:rPr lang="it-IT" dirty="0"/>
-              <a:t> in </a:t>
-            </a:r>
-            <a:r>
-              <a:rPr lang="it-IT" dirty="0" err="1"/>
-              <a:t>between</a:t>
-            </a:r>
-            <a:r>
-              <a:rPr lang="it-IT" dirty="0"/>
-              <a:t> of </a:t>
-            </a:r>
-            <a:r>
-              <a:rPr lang="it-IT" dirty="0" err="1"/>
-              <a:t>capacity</a:t>
-            </a:r>
-            <a:r>
-              <a:rPr lang="it-IT" dirty="0"/>
-              <a:t> 1.</a:t>
+              <a:rPr lang="it-IT" dirty="0"/>
+              <a:t>A </a:t>
+            </a:r>
+            <a:r>
+              <a:rPr lang="it-IT" dirty="0" err="1"/>
+              <a:t>better</a:t>
+            </a:r>
+            <a:r>
+              <a:rPr lang="it-IT" dirty="0"/>
+              <a:t> </a:t>
+            </a:r>
+            <a:r>
+              <a:rPr lang="it-IT" dirty="0" err="1"/>
+              <a:t>solution</a:t>
+            </a:r>
+            <a:r>
+              <a:rPr lang="it-IT" dirty="0"/>
+              <a:t> </a:t>
+            </a:r>
+            <a:r>
+              <a:rPr lang="it-IT" dirty="0" err="1"/>
+              <a:t>is</a:t>
+            </a:r>
+            <a:r>
+              <a:rPr lang="it-IT" dirty="0"/>
+              <a:t> to store </a:t>
+            </a:r>
+            <a:r>
+              <a:rPr lang="it-IT" dirty="0" err="1"/>
+              <a:t>all</a:t>
+            </a:r>
+            <a:r>
+              <a:rPr lang="it-IT" dirty="0"/>
+              <a:t> the queries first, </a:t>
+            </a:r>
+            <a:r>
+              <a:rPr lang="it-IT" dirty="0" err="1"/>
+              <a:t>grouping</a:t>
+            </a:r>
+            <a:r>
+              <a:rPr lang="it-IT" dirty="0"/>
+              <a:t> </a:t>
+            </a:r>
+            <a:r>
+              <a:rPr lang="it-IT" dirty="0" err="1"/>
+              <a:t>them</a:t>
+            </a:r>
+            <a:r>
+              <a:rPr lang="it-IT" dirty="0"/>
+              <a:t> per </a:t>
+            </a:r>
+            <a:r>
+              <a:rPr lang="it-IT" dirty="0" err="1"/>
+              <a:t>starting</a:t>
+            </a:r>
+            <a:r>
+              <a:rPr lang="it-IT" dirty="0"/>
+              <a:t> vertex and do a </a:t>
+            </a:r>
+            <a:r>
+              <a:rPr lang="it-IT" b="1" dirty="0"/>
+              <a:t>single</a:t>
+            </a:r>
+            <a:r>
+              <a:rPr lang="it-IT" dirty="0"/>
+              <a:t> DFS </a:t>
+            </a:r>
+            <a:r>
+              <a:rPr lang="it-IT" dirty="0" err="1"/>
+              <a:t>visit</a:t>
+            </a:r>
+            <a:r>
+              <a:rPr lang="it-IT" dirty="0"/>
+              <a:t> of the </a:t>
+            </a:r>
+            <a:r>
+              <a:rPr lang="it-IT" dirty="0" err="1"/>
+              <a:t>tree</a:t>
+            </a:r>
+            <a:r>
+              <a:rPr lang="it-IT" dirty="0"/>
+              <a:t>. Use a </a:t>
+            </a:r>
+            <a:r>
+              <a:rPr lang="it-IT" dirty="0" err="1"/>
+              <a:t>tmp</a:t>
+            </a:r>
+            <a:r>
+              <a:rPr lang="it-IT" dirty="0"/>
+              <a:t> </a:t>
+            </a:r>
+            <a:r>
+              <a:rPr lang="it-IT" dirty="0" err="1"/>
+              <a:t>vector</a:t>
+            </a:r>
+            <a:r>
+              <a:rPr lang="it-IT" dirty="0"/>
+              <a:t> to store the indexes </a:t>
+            </a:r>
+            <a:r>
+              <a:rPr lang="it-IT" dirty="0" err="1"/>
+              <a:t>visited</a:t>
+            </a:r>
+            <a:r>
+              <a:rPr lang="it-IT" dirty="0"/>
+              <a:t> and </a:t>
+            </a:r>
+            <a:r>
+              <a:rPr lang="it-IT" dirty="0" err="1"/>
+              <a:t>then</a:t>
+            </a:r>
+            <a:r>
+              <a:rPr lang="it-IT" dirty="0"/>
+              <a:t> do a </a:t>
+            </a:r>
+            <a:r>
+              <a:rPr lang="it-IT" dirty="0" err="1"/>
+              <a:t>binary</a:t>
+            </a:r>
+            <a:r>
+              <a:rPr lang="it-IT" dirty="0"/>
+              <a:t> </a:t>
+            </a:r>
+            <a:r>
+              <a:rPr lang="it-IT" dirty="0" err="1"/>
+              <a:t>search</a:t>
+            </a:r>
+            <a:r>
+              <a:rPr lang="it-IT" dirty="0"/>
+              <a:t> on the </a:t>
+            </a:r>
+            <a:r>
+              <a:rPr lang="it-IT" dirty="0" err="1"/>
+              <a:t>fly</a:t>
+            </a:r>
+            <a:r>
+              <a:rPr lang="it-IT" dirty="0"/>
+              <a:t> over </a:t>
+            </a:r>
+            <a:r>
+              <a:rPr lang="it-IT" dirty="0" err="1"/>
+              <a:t>tmp</a:t>
+            </a:r>
+            <a:r>
+              <a:rPr lang="it-IT" dirty="0"/>
+              <a:t> per </a:t>
+            </a:r>
+            <a:r>
+              <a:rPr lang="it-IT" dirty="0" err="1"/>
+              <a:t>every</a:t>
+            </a:r>
+            <a:r>
+              <a:rPr lang="it-IT" dirty="0"/>
+              <a:t> query </a:t>
+            </a:r>
+            <a:r>
+              <a:rPr lang="it-IT" dirty="0" err="1"/>
+              <a:t>that</a:t>
+            </a:r>
+            <a:r>
+              <a:rPr lang="it-IT" dirty="0"/>
+              <a:t> </a:t>
+            </a:r>
+            <a:r>
+              <a:rPr lang="it-IT" dirty="0" err="1"/>
+              <a:t>has</a:t>
+            </a:r>
+            <a:r>
+              <a:rPr lang="it-IT" dirty="0"/>
+              <a:t> the </a:t>
+            </a:r>
+            <a:r>
+              <a:rPr lang="it-IT" dirty="0" err="1"/>
+              <a:t>same</a:t>
+            </a:r>
+            <a:r>
+              <a:rPr lang="it-IT" dirty="0"/>
+              <a:t> </a:t>
+            </a:r>
+            <a:r>
+              <a:rPr lang="it-IT" dirty="0" err="1"/>
+              <a:t>starting</a:t>
+            </a:r>
+            <a:r>
+              <a:rPr lang="it-IT" dirty="0"/>
+              <a:t> vertex.</a:t>
             </a:r>
           </a:p>
           <a:p>
@@ -23761,41 +24184,164 @@
               <a:buNone/>
             </a:pPr>
             <a:r>
-              <a:rPr lang="it-IT" dirty="0"/>
-              <a:t>The </a:t>
-            </a:r>
-            <a:r>
-              <a:rPr lang="it-IT" dirty="0" err="1"/>
-              <a:t>MaxFlow</a:t>
-            </a:r>
-            <a:r>
-              <a:rPr lang="it-IT" dirty="0"/>
-              <a:t> </a:t>
-            </a:r>
-            <a:r>
-              <a:rPr lang="it-IT" dirty="0" err="1"/>
-              <a:t>corresponds</a:t>
-            </a:r>
-            <a:r>
-              <a:rPr lang="it-IT" dirty="0"/>
-              <a:t> to the minimum vertex </a:t>
-            </a:r>
-            <a:r>
-              <a:rPr lang="it-IT" dirty="0" err="1"/>
-              <a:t>cut</a:t>
-            </a:r>
-            <a:r>
-              <a:rPr lang="it-IT"/>
+              <a:rPr lang="it-IT" dirty="0" err="1"/>
+              <a:t>Remember</a:t>
+            </a:r>
+            <a:r>
+              <a:rPr lang="it-IT" dirty="0"/>
+              <a:t> to </a:t>
+            </a:r>
+            <a:r>
+              <a:rPr lang="it-IT" dirty="0" err="1"/>
+              <a:t>backtrack</a:t>
+            </a:r>
+            <a:r>
+              <a:rPr lang="it-IT" dirty="0"/>
+              <a:t> the </a:t>
+            </a:r>
+            <a:r>
+              <a:rPr lang="it-IT" dirty="0" err="1"/>
+              <a:t>vector</a:t>
+            </a:r>
+            <a:r>
+              <a:rPr lang="it-IT" dirty="0"/>
+              <a:t> </a:t>
+            </a:r>
+            <a:r>
+              <a:rPr lang="it-IT" dirty="0" err="1"/>
+              <a:t>tmp</a:t>
+            </a:r>
+            <a:r>
+              <a:rPr lang="it-IT" dirty="0"/>
               <a:t>.</a:t>
             </a:r>
-            <a:endParaRPr lang="it-IT" dirty="0"/>
+          </a:p>
+          <a:p>
+            <a:pPr marL="0" indent="0">
+              <a:buNone/>
+            </a:pPr>
+            <a:r>
+              <a:rPr lang="it-IT" dirty="0" err="1"/>
+              <a:t>Rearrange</a:t>
+            </a:r>
+            <a:r>
+              <a:rPr lang="it-IT" dirty="0"/>
+              <a:t> the </a:t>
+            </a:r>
+            <a:r>
+              <a:rPr lang="it-IT" dirty="0" err="1"/>
+              <a:t>results</a:t>
+            </a:r>
+            <a:r>
+              <a:rPr lang="it-IT" dirty="0"/>
+              <a:t> </a:t>
+            </a:r>
+            <a:r>
+              <a:rPr lang="it-IT" dirty="0" err="1"/>
+              <a:t>at</a:t>
+            </a:r>
+            <a:r>
+              <a:rPr lang="it-IT" dirty="0"/>
+              <a:t> the end.</a:t>
+            </a:r>
+          </a:p>
+          <a:p>
+            <a:r>
+              <a:rPr lang="it-IT" dirty="0"/>
+              <a:t>Take home</a:t>
+            </a:r>
+          </a:p>
+          <a:p>
+            <a:pPr marL="0" indent="0">
+              <a:buNone/>
+            </a:pPr>
+            <a:r>
+              <a:rPr lang="it-IT" dirty="0" err="1"/>
+              <a:t>It</a:t>
+            </a:r>
+            <a:r>
+              <a:rPr lang="it-IT" dirty="0"/>
+              <a:t> </a:t>
+            </a:r>
+            <a:r>
+              <a:rPr lang="it-IT" dirty="0" err="1"/>
+              <a:t>is</a:t>
+            </a:r>
+            <a:r>
+              <a:rPr lang="it-IT" dirty="0"/>
+              <a:t> </a:t>
+            </a:r>
+            <a:r>
+              <a:rPr lang="it-IT" dirty="0" err="1"/>
+              <a:t>sometimes</a:t>
+            </a:r>
+            <a:r>
+              <a:rPr lang="it-IT" dirty="0"/>
+              <a:t> </a:t>
+            </a:r>
+            <a:r>
+              <a:rPr lang="it-IT" dirty="0" err="1"/>
+              <a:t>useful</a:t>
+            </a:r>
+            <a:r>
+              <a:rPr lang="it-IT" dirty="0"/>
+              <a:t> </a:t>
+            </a:r>
+            <a:r>
+              <a:rPr lang="it-IT" dirty="0" err="1"/>
+              <a:t>not</a:t>
+            </a:r>
+            <a:r>
+              <a:rPr lang="it-IT" dirty="0"/>
+              <a:t> to follow the </a:t>
+            </a:r>
+            <a:r>
+              <a:rPr lang="it-IT" dirty="0" err="1"/>
+              <a:t>natural</a:t>
+            </a:r>
+            <a:r>
+              <a:rPr lang="it-IT" dirty="0"/>
+              <a:t> flow of the </a:t>
+            </a:r>
+            <a:r>
+              <a:rPr lang="it-IT" dirty="0" err="1"/>
+              <a:t>problem</a:t>
+            </a:r>
+            <a:r>
+              <a:rPr lang="it-IT" dirty="0"/>
+              <a:t> (in </a:t>
+            </a:r>
+            <a:r>
+              <a:rPr lang="it-IT" dirty="0" err="1"/>
+              <a:t>this</a:t>
+            </a:r>
+            <a:r>
+              <a:rPr lang="it-IT" dirty="0"/>
+              <a:t> case </a:t>
+            </a:r>
+            <a:r>
+              <a:rPr lang="it-IT" dirty="0" err="1"/>
+              <a:t>we</a:t>
+            </a:r>
+            <a:r>
+              <a:rPr lang="it-IT" dirty="0"/>
+              <a:t> store </a:t>
+            </a:r>
+            <a:r>
+              <a:rPr lang="it-IT" dirty="0" err="1"/>
+              <a:t>all</a:t>
+            </a:r>
+            <a:r>
+              <a:rPr lang="it-IT" dirty="0"/>
+              <a:t> the queries first).</a:t>
+            </a:r>
           </a:p>
         </p:txBody>
       </p:sp>
     </p:spTree>
     <p:extLst>
       <p:ext uri="{BB962C8B-B14F-4D97-AF65-F5344CB8AC3E}">
-        <p14:creationId xmlns:p14="http://schemas.microsoft.com/office/powerpoint/2010/main" val="1506533281"/>
+        <p14:creationId xmlns:p14="http://schemas.microsoft.com/office/powerpoint/2010/main" val="308442351"/>
       </p:ext>
     </p:extLst>
   </p:cSld>
@@ -23849,927 +24395,406 @@
             </a:r>
             <a:r>
               <a:rPr lang="it-IT" dirty="0"/>
-              <a:t> 12: San Francisco</a:t>
-            </a:r>
+              <a:t> 11: Phantom </a:t>
+            </a:r>
+            <a:r>
+              <a:rPr lang="it-IT" dirty="0" err="1"/>
+              <a:t>Menace</a:t>
+            </a:r>
+            <a:endParaRPr lang="it-IT" dirty="0"/>
           </a:p>
         </p:txBody>
       </p:sp>
-      <mc:AlternateContent xmlns:mc="http://schemas.openxmlformats.org/markup-compatibility/2006" xmlns:a14="http://schemas.microsoft.com/office/drawing/2010/main">
-        <mc:Choice Requires="a14">
-          <p:sp>
-            <p:nvSpPr>
-              <p:cNvPr id="7" name="Segnaposto contenuto 6">
-                <a:extLst>
-                  <a:ext uri="{FF2B5EF4-FFF2-40B4-BE49-F238E27FC236}">
-                    <a16:creationId xmlns:a16="http://schemas.microsoft.com/office/drawing/2014/main" id="{451B668A-7F16-417E-9C12-D47A069A0098}"/>
-                  </a:ext>
-                </a:extLst>
-              </p:cNvPr>
-              <p:cNvSpPr>
-                <a:spLocks noGrp="1"/>
-              </p:cNvSpPr>
-              <p:nvPr>
-                <p:ph idx="1"/>
-              </p:nvPr>
-            </p:nvSpPr>
-            <p:spPr>
-              <a:xfrm>
-                <a:off x="838200" y="1825624"/>
-                <a:ext cx="10515600" cy="4353233"/>
-              </a:xfrm>
-            </p:spPr>
-            <p:txBody>
-              <a:bodyPr>
-                <a:normAutofit fontScale="62500" lnSpcReduction="20000"/>
-              </a:bodyPr>
-              <a:lstStyle/>
-              <a:p>
-                <a:r>
-                  <a:rPr lang="it-IT" dirty="0"/>
-                  <a:t>Algorithmic </a:t>
-                </a:r>
-                <a:r>
-                  <a:rPr lang="it-IT" dirty="0" err="1"/>
-                  <a:t>description</a:t>
-                </a:r>
-                <a:endParaRPr lang="it-IT" dirty="0"/>
-              </a:p>
-              <a:p>
-                <a:pPr marL="0" indent="0">
-                  <a:buNone/>
-                </a:pPr>
-                <a:r>
-                  <a:rPr lang="it-IT" dirty="0" err="1"/>
-                  <a:t>Given</a:t>
-                </a:r>
-                <a:r>
-                  <a:rPr lang="it-IT" dirty="0"/>
-                  <a:t> a </a:t>
-                </a:r>
-                <a:r>
-                  <a:rPr lang="it-IT" dirty="0" err="1"/>
-                  <a:t>weighted</a:t>
-                </a:r>
-                <a:r>
-                  <a:rPr lang="it-IT" dirty="0"/>
-                  <a:t> </a:t>
-                </a:r>
-                <a:r>
-                  <a:rPr lang="it-IT" dirty="0" err="1"/>
-                  <a:t>directed</a:t>
-                </a:r>
-                <a:r>
-                  <a:rPr lang="it-IT" dirty="0"/>
-                  <a:t> </a:t>
-                </a:r>
-                <a:r>
-                  <a:rPr lang="it-IT" dirty="0" err="1"/>
-                  <a:t>graph</a:t>
-                </a:r>
-                <a:r>
-                  <a:rPr lang="it-IT" dirty="0"/>
-                  <a:t> with a </a:t>
-                </a:r>
-                <a:r>
-                  <a:rPr lang="it-IT" dirty="0" err="1"/>
-                  <a:t>fixed</a:t>
-                </a:r>
-                <a:r>
-                  <a:rPr lang="it-IT" dirty="0"/>
-                  <a:t> </a:t>
-                </a:r>
-                <a:r>
-                  <a:rPr lang="it-IT" dirty="0" err="1"/>
-                  <a:t>starting</a:t>
-                </a:r>
-                <a:r>
-                  <a:rPr lang="it-IT" dirty="0"/>
-                  <a:t> point, tell </a:t>
-                </a:r>
-                <a:r>
-                  <a:rPr lang="it-IT" dirty="0" err="1"/>
-                  <a:t>if</a:t>
-                </a:r>
-                <a:r>
-                  <a:rPr lang="it-IT" dirty="0"/>
-                  <a:t> a k-long </a:t>
-                </a:r>
-                <a:r>
-                  <a:rPr lang="it-IT" dirty="0" err="1"/>
-                  <a:t>path</a:t>
-                </a:r>
-                <a:r>
-                  <a:rPr lang="it-IT" dirty="0"/>
-                  <a:t> </a:t>
-                </a:r>
-                <a:r>
-                  <a:rPr lang="it-IT" dirty="0" err="1"/>
-                  <a:t>starting</a:t>
-                </a:r>
-                <a:r>
-                  <a:rPr lang="it-IT" dirty="0"/>
-                  <a:t> from </a:t>
-                </a:r>
-                <a:r>
-                  <a:rPr lang="it-IT" dirty="0" err="1"/>
-                  <a:t>there</a:t>
-                </a:r>
-                <a:r>
-                  <a:rPr lang="it-IT" dirty="0"/>
-                  <a:t> </a:t>
-                </a:r>
-                <a:r>
-                  <a:rPr lang="it-IT" dirty="0" err="1"/>
-                  <a:t>has</a:t>
-                </a:r>
-                <a:r>
-                  <a:rPr lang="it-IT" dirty="0"/>
-                  <a:t> a </a:t>
-                </a:r>
-                <a:r>
-                  <a:rPr lang="it-IT" dirty="0" err="1"/>
-                  <a:t>total</a:t>
-                </a:r>
-                <a:r>
-                  <a:rPr lang="it-IT" dirty="0"/>
-                  <a:t> weight </a:t>
-                </a:r>
-                <a:r>
-                  <a:rPr lang="it-IT" dirty="0" err="1"/>
-                  <a:t>greater</a:t>
-                </a:r>
-                <a:r>
-                  <a:rPr lang="it-IT" dirty="0"/>
-                  <a:t> </a:t>
-                </a:r>
-                <a:r>
-                  <a:rPr lang="it-IT" dirty="0" err="1"/>
-                  <a:t>than</a:t>
-                </a:r>
-                <a:r>
-                  <a:rPr lang="it-IT" dirty="0"/>
-                  <a:t> a </a:t>
-                </a:r>
-                <a:r>
-                  <a:rPr lang="it-IT" i="1" dirty="0"/>
-                  <a:t>long</a:t>
-                </a:r>
-                <a:r>
-                  <a:rPr lang="it-IT" dirty="0"/>
-                  <a:t> </a:t>
-                </a:r>
-                <a:r>
-                  <a:rPr lang="it-IT" dirty="0" err="1"/>
-                  <a:t>threshold</a:t>
-                </a:r>
-                <a:r>
-                  <a:rPr lang="it-IT" dirty="0"/>
-                  <a:t> x.</a:t>
-                </a:r>
-              </a:p>
-              <a:p>
-                <a:pPr marL="0" indent="0">
-                  <a:buNone/>
-                </a:pPr>
-                <a:r>
-                  <a:rPr lang="it-IT" dirty="0"/>
-                  <a:t>Points </a:t>
-                </a:r>
-                <a:r>
-                  <a:rPr lang="it-IT" dirty="0" err="1"/>
-                  <a:t>that</a:t>
-                </a:r>
-                <a:r>
-                  <a:rPr lang="it-IT" dirty="0"/>
-                  <a:t> do </a:t>
-                </a:r>
-                <a:r>
-                  <a:rPr lang="it-IT" dirty="0" err="1"/>
-                  <a:t>not</a:t>
-                </a:r>
-                <a:r>
-                  <a:rPr lang="it-IT" dirty="0"/>
-                  <a:t> </a:t>
-                </a:r>
-                <a:r>
-                  <a:rPr lang="it-IT" dirty="0" err="1"/>
-                  <a:t>have</a:t>
-                </a:r>
-                <a:r>
-                  <a:rPr lang="it-IT" dirty="0"/>
-                  <a:t> out </a:t>
-                </a:r>
-                <a:r>
-                  <a:rPr lang="it-IT" dirty="0" err="1"/>
-                  <a:t>edges</a:t>
-                </a:r>
-                <a:r>
-                  <a:rPr lang="it-IT" dirty="0"/>
-                  <a:t> are </a:t>
-                </a:r>
-                <a:r>
-                  <a:rPr lang="it-IT" dirty="0" err="1"/>
-                  <a:t>linked</a:t>
-                </a:r>
-                <a:r>
-                  <a:rPr lang="it-IT" dirty="0"/>
-                  <a:t> to the </a:t>
-                </a:r>
-                <a:r>
-                  <a:rPr lang="it-IT" dirty="0" err="1"/>
-                  <a:t>starting</a:t>
-                </a:r>
-                <a:r>
-                  <a:rPr lang="it-IT" dirty="0"/>
-                  <a:t> point with a 0-capacity </a:t>
-                </a:r>
-                <a:r>
-                  <a:rPr lang="it-IT" dirty="0" err="1"/>
-                  <a:t>edge</a:t>
-                </a:r>
-                <a:r>
-                  <a:rPr lang="it-IT" dirty="0"/>
-                  <a:t>. </a:t>
-                </a:r>
-                <a:r>
-                  <a:rPr lang="it-IT" dirty="0" err="1"/>
-                  <a:t>Flowing</a:t>
-                </a:r>
-                <a:r>
-                  <a:rPr lang="it-IT" dirty="0"/>
-                  <a:t> </a:t>
-                </a:r>
-                <a:r>
-                  <a:rPr lang="it-IT" dirty="0" err="1"/>
-                  <a:t>through</a:t>
-                </a:r>
-                <a:r>
-                  <a:rPr lang="it-IT" dirty="0"/>
-                  <a:t> </a:t>
-                </a:r>
-                <a:r>
-                  <a:rPr lang="it-IT" dirty="0" err="1"/>
-                  <a:t>this</a:t>
-                </a:r>
-                <a:r>
-                  <a:rPr lang="it-IT" dirty="0"/>
-                  <a:t> </a:t>
-                </a:r>
-                <a:r>
-                  <a:rPr lang="it-IT" dirty="0" err="1"/>
-                  <a:t>edge</a:t>
-                </a:r>
-                <a:r>
-                  <a:rPr lang="it-IT" dirty="0"/>
-                  <a:t> </a:t>
-                </a:r>
-                <a:r>
-                  <a:rPr lang="it-IT" dirty="0" err="1"/>
-                  <a:t>does</a:t>
-                </a:r>
-                <a:r>
-                  <a:rPr lang="it-IT" dirty="0"/>
-                  <a:t> </a:t>
-                </a:r>
-                <a:r>
-                  <a:rPr lang="it-IT" dirty="0" err="1"/>
-                  <a:t>not</a:t>
-                </a:r>
-                <a:r>
-                  <a:rPr lang="it-IT" dirty="0"/>
-                  <a:t> </a:t>
-                </a:r>
-                <a:r>
-                  <a:rPr lang="it-IT" dirty="0" err="1"/>
-                  <a:t>count</a:t>
-                </a:r>
-                <a:r>
-                  <a:rPr lang="it-IT" dirty="0"/>
-                  <a:t> </a:t>
-                </a:r>
-                <a:r>
-                  <a:rPr lang="it-IT" dirty="0" err="1"/>
-                  <a:t>as</a:t>
-                </a:r>
-                <a:r>
-                  <a:rPr lang="it-IT" dirty="0"/>
-                  <a:t> a </a:t>
-                </a:r>
-                <a:r>
-                  <a:rPr lang="it-IT" dirty="0" err="1"/>
-                  <a:t>move</a:t>
-                </a:r>
-                <a:r>
-                  <a:rPr lang="it-IT" dirty="0"/>
-                  <a:t>.</a:t>
-                </a:r>
-              </a:p>
-              <a:p>
-                <a:r>
-                  <a:rPr lang="it-IT" dirty="0"/>
-                  <a:t>Solution</a:t>
-                </a:r>
-              </a:p>
-              <a:p>
-                <a:pPr marL="0" indent="0">
-                  <a:buNone/>
-                </a:pPr>
-                <a:r>
-                  <a:rPr lang="it-IT" dirty="0"/>
-                  <a:t>The </a:t>
-                </a:r>
-                <a:r>
-                  <a:rPr lang="it-IT" dirty="0" err="1"/>
-                  <a:t>most</a:t>
-                </a:r>
-                <a:r>
-                  <a:rPr lang="it-IT" dirty="0"/>
-                  <a:t> </a:t>
-                </a:r>
-                <a:r>
-                  <a:rPr lang="it-IT" dirty="0" err="1"/>
-                  <a:t>feasible</a:t>
-                </a:r>
-                <a:r>
-                  <a:rPr lang="it-IT" dirty="0"/>
-                  <a:t> </a:t>
-                </a:r>
-                <a:r>
-                  <a:rPr lang="it-IT" dirty="0" err="1"/>
-                  <a:t>approach</a:t>
-                </a:r>
-                <a:r>
-                  <a:rPr lang="it-IT" dirty="0"/>
-                  <a:t> </a:t>
-                </a:r>
-                <a:r>
-                  <a:rPr lang="it-IT" dirty="0" err="1"/>
-                  <a:t>is</a:t>
-                </a:r>
-                <a:r>
-                  <a:rPr lang="it-IT" dirty="0"/>
-                  <a:t> to use DP, </a:t>
-                </a:r>
-                <a:r>
-                  <a:rPr lang="it-IT" dirty="0" err="1"/>
-                  <a:t>since</a:t>
-                </a:r>
-                <a:r>
-                  <a:rPr lang="it-IT" dirty="0"/>
-                  <a:t> the </a:t>
-                </a:r>
-                <a:r>
-                  <a:rPr lang="it-IT" dirty="0" err="1"/>
-                  <a:t>problem</a:t>
-                </a:r>
-                <a:r>
-                  <a:rPr lang="it-IT" dirty="0"/>
-                  <a:t> </a:t>
-                </a:r>
-                <a:r>
-                  <a:rPr lang="it-IT" dirty="0" err="1"/>
-                  <a:t>has</a:t>
-                </a:r>
-                <a:r>
-                  <a:rPr lang="it-IT" dirty="0"/>
-                  <a:t> an </a:t>
-                </a:r>
-                <a:r>
-                  <a:rPr lang="it-IT" dirty="0" err="1"/>
-                  <a:t>optimal</a:t>
-                </a:r>
-                <a:r>
-                  <a:rPr lang="it-IT" dirty="0"/>
-                  <a:t> </a:t>
-                </a:r>
-                <a:r>
-                  <a:rPr lang="it-IT" dirty="0" err="1"/>
-                  <a:t>substructure</a:t>
-                </a:r>
-                <a:r>
-                  <a:rPr lang="it-IT" dirty="0"/>
-                  <a:t>: telling </a:t>
-                </a:r>
-                <a:r>
-                  <a:rPr lang="it-IT" dirty="0" err="1"/>
-                  <a:t>if</a:t>
-                </a:r>
-                <a:r>
-                  <a:rPr lang="it-IT" dirty="0"/>
-                  <a:t> I can </a:t>
-                </a:r>
-                <a:r>
-                  <a:rPr lang="it-IT" dirty="0" err="1"/>
-                  <a:t>reach</a:t>
-                </a:r>
-                <a:r>
-                  <a:rPr lang="it-IT" dirty="0"/>
-                  <a:t> x with k </a:t>
-                </a:r>
-                <a:r>
-                  <a:rPr lang="it-IT" dirty="0" err="1"/>
-                  <a:t>moves</a:t>
-                </a:r>
-                <a:r>
-                  <a:rPr lang="it-IT" dirty="0"/>
-                  <a:t> </a:t>
-                </a:r>
-                <a:r>
-                  <a:rPr lang="it-IT" dirty="0" err="1"/>
-                  <a:t>is</a:t>
-                </a:r>
-                <a:r>
-                  <a:rPr lang="it-IT" dirty="0"/>
-                  <a:t> </a:t>
-                </a:r>
-                <a:r>
-                  <a:rPr lang="it-IT" dirty="0" err="1"/>
-                  <a:t>equivalent</a:t>
-                </a:r>
-                <a:r>
-                  <a:rPr lang="it-IT" dirty="0"/>
-                  <a:t> to </a:t>
-                </a:r>
-                <a:r>
-                  <a:rPr lang="it-IT" dirty="0" err="1"/>
-                  <a:t>finding</a:t>
-                </a:r>
-                <a:r>
-                  <a:rPr lang="it-IT" dirty="0"/>
-                  <a:t> the best out </a:t>
-                </a:r>
-                <a:r>
-                  <a:rPr lang="it-IT" dirty="0" err="1"/>
-                  <a:t>edge</a:t>
-                </a:r>
-                <a:r>
-                  <a:rPr lang="it-IT" dirty="0"/>
-                  <a:t> </a:t>
-                </a:r>
-                <a:r>
-                  <a:rPr lang="it-IT" dirty="0" err="1"/>
-                  <a:t>such</a:t>
-                </a:r>
-                <a:r>
-                  <a:rPr lang="it-IT" dirty="0"/>
-                  <a:t> </a:t>
-                </a:r>
-                <a:r>
-                  <a:rPr lang="it-IT" dirty="0" err="1"/>
-                  <a:t>that</a:t>
-                </a:r>
-                <a:r>
-                  <a:rPr lang="it-IT" dirty="0"/>
-                  <a:t> I can </a:t>
-                </a:r>
-                <a:r>
-                  <a:rPr lang="it-IT" dirty="0" err="1"/>
-                  <a:t>reach</a:t>
-                </a:r>
-                <a:r>
-                  <a:rPr lang="it-IT" dirty="0"/>
-                  <a:t> x-w[</a:t>
-                </a:r>
-                <a:r>
-                  <a:rPr lang="it-IT" dirty="0" err="1"/>
-                  <a:t>edge</a:t>
-                </a:r>
-                <a:r>
-                  <a:rPr lang="it-IT" dirty="0"/>
-                  <a:t>] with k-1 </a:t>
-                </a:r>
-                <a:r>
-                  <a:rPr lang="it-IT" dirty="0" err="1"/>
-                  <a:t>moves</a:t>
-                </a:r>
-                <a:r>
-                  <a:rPr lang="it-IT" dirty="0"/>
-                  <a:t> </a:t>
-                </a:r>
-                <a:r>
-                  <a:rPr lang="it-IT" dirty="0" err="1"/>
-                  <a:t>starting</a:t>
-                </a:r>
-                <a:r>
-                  <a:rPr lang="it-IT" dirty="0"/>
-                  <a:t> from the target </a:t>
-                </a:r>
-                <a:r>
-                  <a:rPr lang="it-IT" dirty="0" err="1"/>
-                  <a:t>node</a:t>
-                </a:r>
-                <a:r>
-                  <a:rPr lang="it-IT" dirty="0"/>
-                  <a:t>.</a:t>
-                </a:r>
-              </a:p>
-              <a:p>
-                <a:pPr marL="0" indent="0">
-                  <a:buNone/>
-                </a:pPr>
-                <a:r>
-                  <a:rPr lang="it-IT" dirty="0" err="1"/>
-                  <a:t>Since</a:t>
-                </a:r>
-                <a:r>
-                  <a:rPr lang="it-IT" dirty="0"/>
-                  <a:t> </a:t>
-                </a:r>
-                <a14:m>
-                  <m:oMath xmlns:m="http://schemas.openxmlformats.org/officeDocument/2006/math">
-                    <m:r>
-                      <a:rPr lang="it-IT" b="0" i="1" smtClean="0">
-                        <a:latin typeface="Cambria Math" panose="02040503050406030204" pitchFamily="18" charset="0"/>
-                      </a:rPr>
-                      <m:t>𝑥</m:t>
-                    </m:r>
-                    <m:r>
-                      <a:rPr lang="it-IT" b="0" i="1" smtClean="0">
-                        <a:latin typeface="Cambria Math" panose="02040503050406030204" pitchFamily="18" charset="0"/>
-                      </a:rPr>
-                      <m:t>≤</m:t>
-                    </m:r>
-                    <m:sSup>
-                      <m:sSupPr>
-                        <m:ctrlPr>
-                          <a:rPr lang="it-IT" b="0" i="1" smtClean="0">
-                            <a:latin typeface="Cambria Math" panose="02040503050406030204" pitchFamily="18" charset="0"/>
-                          </a:rPr>
-                        </m:ctrlPr>
-                      </m:sSupPr>
-                      <m:e>
-                        <m:r>
-                          <a:rPr lang="it-IT" b="0" i="1" smtClean="0">
-                            <a:latin typeface="Cambria Math" panose="02040503050406030204" pitchFamily="18" charset="0"/>
-                          </a:rPr>
-                          <m:t>10</m:t>
-                        </m:r>
-                      </m:e>
-                      <m:sup>
-                        <m:r>
-                          <a:rPr lang="it-IT" b="0" i="1" smtClean="0">
-                            <a:latin typeface="Cambria Math" panose="02040503050406030204" pitchFamily="18" charset="0"/>
-                          </a:rPr>
-                          <m:t>14</m:t>
-                        </m:r>
-                      </m:sup>
-                    </m:sSup>
-                  </m:oMath>
-                </a14:m>
-                <a:r>
-                  <a:rPr lang="it-IT" dirty="0"/>
-                  <a:t>, </a:t>
-                </a:r>
-                <a:r>
-                  <a:rPr lang="it-IT" dirty="0" err="1"/>
-                  <a:t>it</a:t>
-                </a:r>
-                <a:r>
-                  <a:rPr lang="it-IT" dirty="0"/>
-                  <a:t> </a:t>
-                </a:r>
-                <a:r>
-                  <a:rPr lang="it-IT" dirty="0" err="1"/>
-                  <a:t>is</a:t>
-                </a:r>
-                <a:r>
-                  <a:rPr lang="it-IT" dirty="0"/>
-                  <a:t> </a:t>
-                </a:r>
-                <a:r>
-                  <a:rPr lang="it-IT" dirty="0" err="1"/>
-                  <a:t>impossible</a:t>
-                </a:r>
-                <a:r>
-                  <a:rPr lang="it-IT" dirty="0"/>
-                  <a:t> to build the intuitive DP </a:t>
-                </a:r>
-                <a:r>
-                  <a:rPr lang="it-IT" dirty="0" err="1"/>
-                  <a:t>where</a:t>
-                </a:r>
-                <a:r>
-                  <a:rPr lang="it-IT" dirty="0"/>
-                  <a:t> I </a:t>
-                </a:r>
-                <a:r>
-                  <a:rPr lang="it-IT" dirty="0" err="1"/>
-                  <a:t>have</a:t>
-                </a:r>
-                <a:r>
-                  <a:rPr lang="it-IT" dirty="0"/>
-                  <a:t> to </a:t>
-                </a:r>
-                <a:r>
-                  <a:rPr lang="it-IT" dirty="0" err="1"/>
-                  <a:t>minimize</a:t>
-                </a:r>
-                <a:r>
-                  <a:rPr lang="it-IT" dirty="0"/>
-                  <a:t> the </a:t>
-                </a:r>
-                <a:r>
-                  <a:rPr lang="it-IT" dirty="0" err="1"/>
-                  <a:t>number</a:t>
-                </a:r>
-                <a:r>
-                  <a:rPr lang="it-IT" dirty="0"/>
-                  <a:t> of </a:t>
-                </a:r>
-                <a:r>
-                  <a:rPr lang="it-IT" dirty="0" err="1"/>
-                  <a:t>moves</a:t>
-                </a:r>
-                <a:r>
-                  <a:rPr lang="it-IT" dirty="0"/>
-                  <a:t> </a:t>
-                </a:r>
-                <a:r>
-                  <a:rPr lang="it-IT" dirty="0" err="1"/>
-                  <a:t>while</a:t>
-                </a:r>
-                <a:r>
-                  <a:rPr lang="it-IT" dirty="0"/>
-                  <a:t> keeping track of </a:t>
-                </a:r>
-                <a:r>
-                  <a:rPr lang="it-IT" dirty="0" err="1"/>
-                  <a:t>this</a:t>
-                </a:r>
-                <a:r>
-                  <a:rPr lang="it-IT" dirty="0"/>
-                  <a:t> big intermediate </a:t>
-                </a:r>
-                <a:r>
-                  <a:rPr lang="it-IT" dirty="0" err="1"/>
-                  <a:t>value</a:t>
-                </a:r>
-                <a:r>
-                  <a:rPr lang="it-IT" dirty="0"/>
-                  <a:t> in </a:t>
-                </a:r>
-                <a:r>
-                  <a:rPr lang="it-IT" dirty="0" err="1"/>
-                  <a:t>my</a:t>
-                </a:r>
-                <a:r>
-                  <a:rPr lang="it-IT" dirty="0"/>
-                  <a:t> state. </a:t>
-                </a:r>
-                <a:r>
-                  <a:rPr lang="it-IT" dirty="0" err="1"/>
-                  <a:t>Hence</a:t>
-                </a:r>
-                <a:r>
-                  <a:rPr lang="it-IT" dirty="0"/>
-                  <a:t>, I </a:t>
-                </a:r>
-                <a:r>
-                  <a:rPr lang="it-IT" dirty="0" err="1"/>
-                  <a:t>change</a:t>
-                </a:r>
-                <a:r>
-                  <a:rPr lang="it-IT" dirty="0"/>
-                  <a:t> the DP relation to </a:t>
-                </a:r>
-                <a:r>
-                  <a:rPr lang="it-IT" dirty="0" err="1"/>
-                  <a:t>calculating</a:t>
-                </a:r>
-                <a:r>
-                  <a:rPr lang="it-IT" dirty="0"/>
-                  <a:t> the maximum weight I </a:t>
-                </a:r>
-                <a:r>
-                  <a:rPr lang="it-IT" dirty="0" err="1"/>
-                  <a:t>could</a:t>
-                </a:r>
-                <a:r>
-                  <a:rPr lang="it-IT" dirty="0"/>
-                  <a:t> </a:t>
-                </a:r>
-                <a:r>
-                  <a:rPr lang="it-IT" dirty="0" err="1"/>
-                  <a:t>have</a:t>
-                </a:r>
-                <a:r>
-                  <a:rPr lang="it-IT" dirty="0"/>
-                  <a:t> with a FIXED </a:t>
-                </a:r>
-                <a:r>
-                  <a:rPr lang="it-IT" dirty="0" err="1"/>
-                  <a:t>number</a:t>
-                </a:r>
-                <a:r>
-                  <a:rPr lang="it-IT" dirty="0"/>
-                  <a:t> of </a:t>
-                </a:r>
-                <a:r>
-                  <a:rPr lang="it-IT" dirty="0" err="1"/>
-                  <a:t>moves</a:t>
-                </a:r>
-                <a:r>
-                  <a:rPr lang="it-IT" dirty="0"/>
-                  <a:t>.</a:t>
-                </a:r>
-              </a:p>
-              <a:p>
-                <a:pPr marL="0" indent="0">
-                  <a:buNone/>
-                </a:pPr>
-                <a:r>
-                  <a:rPr lang="it-IT" dirty="0"/>
-                  <a:t>By </a:t>
-                </a:r>
-                <a:r>
-                  <a:rPr lang="it-IT" dirty="0" err="1"/>
-                  <a:t>linearly</a:t>
-                </a:r>
-                <a:r>
-                  <a:rPr lang="it-IT" dirty="0"/>
-                  <a:t> </a:t>
-                </a:r>
-                <a:r>
-                  <a:rPr lang="it-IT" dirty="0" err="1"/>
-                  <a:t>increasing</a:t>
-                </a:r>
-                <a:r>
-                  <a:rPr lang="it-IT" dirty="0"/>
-                  <a:t> </a:t>
-                </a:r>
-                <a:r>
-                  <a:rPr lang="it-IT" dirty="0" err="1"/>
-                  <a:t>this</a:t>
-                </a:r>
-                <a:r>
-                  <a:rPr lang="it-IT" dirty="0"/>
-                  <a:t> </a:t>
-                </a:r>
-                <a:r>
-                  <a:rPr lang="it-IT" dirty="0" err="1"/>
-                  <a:t>fixed</a:t>
-                </a:r>
-                <a:r>
-                  <a:rPr lang="it-IT" dirty="0"/>
-                  <a:t> </a:t>
-                </a:r>
-                <a:r>
-                  <a:rPr lang="it-IT" dirty="0" err="1"/>
-                  <a:t>number</a:t>
-                </a:r>
-                <a:r>
-                  <a:rPr lang="it-IT" dirty="0"/>
-                  <a:t> </a:t>
-                </a:r>
-                <a:r>
-                  <a:rPr lang="it-IT" dirty="0" err="1"/>
-                  <a:t>outside</a:t>
-                </a:r>
-                <a:r>
-                  <a:rPr lang="it-IT" dirty="0"/>
-                  <a:t> the DP relation I </a:t>
-                </a:r>
-                <a:r>
-                  <a:rPr lang="it-IT" dirty="0" err="1"/>
-                  <a:t>keep</a:t>
-                </a:r>
-                <a:r>
-                  <a:rPr lang="it-IT" dirty="0"/>
-                  <a:t> track of the minimum </a:t>
-                </a:r>
-                <a:r>
-                  <a:rPr lang="it-IT" dirty="0" err="1"/>
-                  <a:t>amount</a:t>
-                </a:r>
-                <a:r>
-                  <a:rPr lang="it-IT" dirty="0"/>
-                  <a:t> </a:t>
-                </a:r>
-                <a:r>
-                  <a:rPr lang="it-IT" dirty="0" err="1"/>
-                  <a:t>needed</a:t>
-                </a:r>
-                <a:r>
-                  <a:rPr lang="it-IT" dirty="0"/>
-                  <a:t> and break from the loop.</a:t>
-                </a:r>
-              </a:p>
-              <a:p>
-                <a:r>
-                  <a:rPr lang="it-IT" dirty="0"/>
-                  <a:t>Take home</a:t>
-                </a:r>
-              </a:p>
-              <a:p>
-                <a:pPr marL="0" indent="0">
-                  <a:buNone/>
-                </a:pPr>
-                <a:r>
-                  <a:rPr lang="it-IT" dirty="0" err="1"/>
-                  <a:t>Before</a:t>
-                </a:r>
-                <a:r>
-                  <a:rPr lang="it-IT" dirty="0"/>
-                  <a:t> </a:t>
-                </a:r>
-                <a:r>
-                  <a:rPr lang="it-IT" dirty="0" err="1"/>
-                  <a:t>deriving</a:t>
-                </a:r>
-                <a:r>
-                  <a:rPr lang="it-IT" dirty="0"/>
-                  <a:t> a DP relation, look </a:t>
-                </a:r>
-                <a:r>
-                  <a:rPr lang="it-IT" dirty="0" err="1"/>
-                  <a:t>at</a:t>
-                </a:r>
-                <a:r>
-                  <a:rPr lang="it-IT" dirty="0"/>
-                  <a:t> the </a:t>
-                </a:r>
-                <a:r>
-                  <a:rPr lang="it-IT" dirty="0" err="1"/>
-                  <a:t>possible</a:t>
-                </a:r>
-                <a:r>
-                  <a:rPr lang="it-IT" dirty="0"/>
-                  <a:t> </a:t>
-                </a:r>
-                <a:r>
-                  <a:rPr lang="it-IT" dirty="0" err="1"/>
-                  <a:t>dimensions</a:t>
-                </a:r>
-                <a:r>
-                  <a:rPr lang="it-IT" dirty="0"/>
-                  <a:t> of </a:t>
-                </a:r>
-                <a:r>
-                  <a:rPr lang="it-IT" dirty="0" err="1"/>
-                  <a:t>its</a:t>
-                </a:r>
-                <a:r>
-                  <a:rPr lang="it-IT" dirty="0"/>
-                  <a:t> state!</a:t>
-                </a:r>
-              </a:p>
-              <a:p>
-                <a:pPr marL="0" indent="0">
-                  <a:buNone/>
-                </a:pPr>
-                <a:endParaRPr lang="it-IT" dirty="0"/>
-              </a:p>
-            </p:txBody>
-          </p:sp>
-        </mc:Choice>
-        <mc:Fallback xmlns="">
-          <p:sp>
-            <p:nvSpPr>
-              <p:cNvPr id="7" name="Segnaposto contenuto 6">
-                <a:extLst>
-                  <a:ext uri="{FF2B5EF4-FFF2-40B4-BE49-F238E27FC236}">
-                    <a16:creationId xmlns:a16="http://schemas.microsoft.com/office/drawing/2014/main" id="{451B668A-7F16-417E-9C12-D47A069A0098}"/>
-                  </a:ext>
-                </a:extLst>
-              </p:cNvPr>
-              <p:cNvSpPr>
-                <a:spLocks noGrp="1" noRot="1" noChangeAspect="1" noMove="1" noResize="1" noEditPoints="1" noAdjustHandles="1" noChangeArrowheads="1" noChangeShapeType="1" noTextEdit="1"/>
-              </p:cNvSpPr>
-              <p:nvPr>
-                <p:ph idx="1"/>
-              </p:nvPr>
-            </p:nvSpPr>
-            <p:spPr>
-              <a:xfrm>
-                <a:off x="838200" y="1825624"/>
-                <a:ext cx="10515600" cy="4353233"/>
-              </a:xfrm>
-              <a:blipFill>
-                <a:blip r:embed="rId2"/>
-                <a:stretch>
-                  <a:fillRect l="-522" t="-2238"/>
-                </a:stretch>
-              </a:blipFill>
-            </p:spPr>
-            <p:txBody>
-              <a:bodyPr/>
-              <a:lstStyle/>
-              <a:p>
-                <a:r>
-                  <a:rPr lang="it-IT">
-                    <a:noFill/>
-                  </a:rPr>
-                  <a:t> </a:t>
-                </a:r>
-              </a:p>
-            </p:txBody>
-          </p:sp>
-        </mc:Fallback>
-      </mc:AlternateContent>
+      <p:sp>
+        <p:nvSpPr>
+          <p:cNvPr id="7" name="Segnaposto contenuto 6">
+            <a:extLst>
+              <a:ext uri="{FF2B5EF4-FFF2-40B4-BE49-F238E27FC236}">
+                <a16:creationId xmlns:a16="http://schemas.microsoft.com/office/drawing/2014/main" id="{451B668A-7F16-417E-9C12-D47A069A0098}"/>
+              </a:ext>
+            </a:extLst>
+          </p:cNvPr>
+          <p:cNvSpPr>
+            <a:spLocks noGrp="1"/>
+          </p:cNvSpPr>
+          <p:nvPr>
+            <p:ph idx="1"/>
+          </p:nvPr>
+        </p:nvSpPr>
+        <p:spPr/>
+        <p:txBody>
+          <a:bodyPr>
+            <a:normAutofit lnSpcReduction="10000"/>
+          </a:bodyPr>
+          <a:lstStyle/>
+          <a:p>
+            <a:r>
+              <a:rPr lang="it-IT" dirty="0" err="1"/>
+              <a:t>Algorithmic</a:t>
+            </a:r>
+            <a:r>
+              <a:rPr lang="it-IT" dirty="0"/>
+              <a:t> </a:t>
+            </a:r>
+            <a:r>
+              <a:rPr lang="it-IT" dirty="0" err="1"/>
+              <a:t>description</a:t>
+            </a:r>
+            <a:endParaRPr lang="it-IT" dirty="0"/>
+          </a:p>
+          <a:p>
+            <a:pPr marL="0" indent="0">
+              <a:buNone/>
+            </a:pPr>
+            <a:r>
+              <a:rPr lang="it-IT" dirty="0" err="1"/>
+              <a:t>Given</a:t>
+            </a:r>
+            <a:r>
+              <a:rPr lang="it-IT" dirty="0"/>
+              <a:t> a </a:t>
+            </a:r>
+            <a:r>
+              <a:rPr lang="it-IT" dirty="0" err="1"/>
+              <a:t>directed</a:t>
+            </a:r>
+            <a:r>
+              <a:rPr lang="it-IT" dirty="0"/>
+              <a:t> </a:t>
+            </a:r>
+            <a:r>
+              <a:rPr lang="it-IT" dirty="0" err="1"/>
+              <a:t>graph</a:t>
+            </a:r>
+            <a:r>
+              <a:rPr lang="it-IT" dirty="0"/>
+              <a:t>, a set of </a:t>
+            </a:r>
+            <a:r>
+              <a:rPr lang="it-IT" dirty="0" err="1"/>
+              <a:t>starting</a:t>
+            </a:r>
+            <a:r>
+              <a:rPr lang="it-IT" dirty="0"/>
+              <a:t> </a:t>
+            </a:r>
+            <a:r>
+              <a:rPr lang="it-IT" dirty="0" err="1"/>
+              <a:t>nodes</a:t>
+            </a:r>
+            <a:r>
+              <a:rPr lang="it-IT" dirty="0"/>
+              <a:t> and a set of end </a:t>
+            </a:r>
+            <a:r>
+              <a:rPr lang="it-IT" dirty="0" err="1"/>
+              <a:t>nodes</a:t>
+            </a:r>
+            <a:r>
+              <a:rPr lang="it-IT" dirty="0"/>
+              <a:t>, output the minimum </a:t>
+            </a:r>
+            <a:r>
+              <a:rPr lang="it-IT" dirty="0" err="1"/>
+              <a:t>number</a:t>
+            </a:r>
+            <a:r>
+              <a:rPr lang="it-IT" dirty="0"/>
+              <a:t> of </a:t>
+            </a:r>
+            <a:r>
+              <a:rPr lang="it-IT" dirty="0" err="1"/>
+              <a:t>nodes</a:t>
+            </a:r>
+            <a:r>
+              <a:rPr lang="it-IT" dirty="0"/>
+              <a:t> </a:t>
+            </a:r>
+            <a:r>
+              <a:rPr lang="it-IT" dirty="0" err="1"/>
+              <a:t>that</a:t>
+            </a:r>
+            <a:r>
+              <a:rPr lang="it-IT" dirty="0"/>
+              <a:t> </a:t>
+            </a:r>
+            <a:r>
+              <a:rPr lang="it-IT" dirty="0" err="1"/>
+              <a:t>cut</a:t>
+            </a:r>
+            <a:r>
+              <a:rPr lang="it-IT" dirty="0"/>
+              <a:t> </a:t>
+            </a:r>
+            <a:r>
+              <a:rPr lang="it-IT" dirty="0" err="1"/>
+              <a:t>every</a:t>
+            </a:r>
+            <a:r>
+              <a:rPr lang="it-IT" dirty="0"/>
+              <a:t> </a:t>
+            </a:r>
+            <a:r>
+              <a:rPr lang="it-IT" dirty="0" err="1"/>
+              <a:t>path</a:t>
+            </a:r>
+            <a:r>
+              <a:rPr lang="it-IT" dirty="0"/>
+              <a:t> </a:t>
+            </a:r>
+            <a:r>
+              <a:rPr lang="it-IT" dirty="0" err="1"/>
+              <a:t>between</a:t>
+            </a:r>
+            <a:r>
+              <a:rPr lang="it-IT" dirty="0"/>
+              <a:t> the </a:t>
+            </a:r>
+            <a:r>
+              <a:rPr lang="it-IT" dirty="0" err="1"/>
+              <a:t>two</a:t>
+            </a:r>
+            <a:r>
+              <a:rPr lang="it-IT" dirty="0"/>
+              <a:t> sets.</a:t>
+            </a:r>
+          </a:p>
+          <a:p>
+            <a:r>
+              <a:rPr lang="it-IT" dirty="0"/>
+              <a:t>Solution</a:t>
+            </a:r>
+          </a:p>
+          <a:p>
+            <a:pPr marL="0" indent="0">
+              <a:buNone/>
+            </a:pPr>
+            <a:r>
+              <a:rPr lang="it-IT" dirty="0"/>
+              <a:t>The </a:t>
+            </a:r>
+            <a:r>
+              <a:rPr lang="it-IT" dirty="0" err="1"/>
+              <a:t>problem</a:t>
+            </a:r>
+            <a:r>
+              <a:rPr lang="it-IT" dirty="0"/>
+              <a:t> </a:t>
+            </a:r>
+            <a:r>
+              <a:rPr lang="it-IT" dirty="0" err="1"/>
+              <a:t>statement</a:t>
+            </a:r>
+            <a:r>
+              <a:rPr lang="it-IT" dirty="0"/>
+              <a:t> </a:t>
+            </a:r>
+            <a:r>
+              <a:rPr lang="it-IT" dirty="0" err="1"/>
+              <a:t>clearly</a:t>
+            </a:r>
+            <a:r>
+              <a:rPr lang="it-IT" dirty="0"/>
+              <a:t> </a:t>
+            </a:r>
+            <a:r>
+              <a:rPr lang="it-IT" dirty="0" err="1"/>
+              <a:t>tells</a:t>
+            </a:r>
+            <a:r>
+              <a:rPr lang="it-IT" dirty="0"/>
+              <a:t> to </a:t>
+            </a:r>
+            <a:r>
+              <a:rPr lang="it-IT" dirty="0" err="1"/>
+              <a:t>find</a:t>
+            </a:r>
+            <a:r>
+              <a:rPr lang="it-IT" dirty="0"/>
+              <a:t> a minimum vertex </a:t>
+            </a:r>
+            <a:r>
+              <a:rPr lang="it-IT" dirty="0" err="1"/>
+              <a:t>cut</a:t>
+            </a:r>
+            <a:r>
+              <a:rPr lang="it-IT" dirty="0"/>
+              <a:t>.</a:t>
+            </a:r>
+          </a:p>
+          <a:p>
+            <a:pPr marL="0" indent="0">
+              <a:buNone/>
+            </a:pPr>
+            <a:r>
+              <a:rPr lang="it-IT" dirty="0" err="1"/>
+              <a:t>Since</a:t>
+            </a:r>
+            <a:r>
+              <a:rPr lang="it-IT" dirty="0"/>
+              <a:t> </a:t>
+            </a:r>
+            <a:r>
+              <a:rPr lang="it-IT" dirty="0" err="1"/>
+              <a:t>we</a:t>
+            </a:r>
+            <a:r>
+              <a:rPr lang="it-IT" dirty="0"/>
+              <a:t> know </a:t>
+            </a:r>
+            <a:r>
+              <a:rPr lang="it-IT" dirty="0" err="1"/>
+              <a:t>how</a:t>
+            </a:r>
+            <a:r>
+              <a:rPr lang="it-IT" dirty="0"/>
+              <a:t> to </a:t>
+            </a:r>
+            <a:r>
+              <a:rPr lang="it-IT" dirty="0" err="1"/>
+              <a:t>find</a:t>
+            </a:r>
+            <a:r>
+              <a:rPr lang="it-IT" dirty="0"/>
+              <a:t> an </a:t>
+            </a:r>
+            <a:r>
+              <a:rPr lang="it-IT" dirty="0" err="1"/>
+              <a:t>edge</a:t>
+            </a:r>
+            <a:r>
+              <a:rPr lang="it-IT" dirty="0"/>
+              <a:t> </a:t>
+            </a:r>
+            <a:r>
+              <a:rPr lang="it-IT" dirty="0" err="1"/>
+              <a:t>cut</a:t>
+            </a:r>
+            <a:r>
+              <a:rPr lang="it-IT" dirty="0"/>
+              <a:t> </a:t>
+            </a:r>
+            <a:r>
+              <a:rPr lang="it-IT" dirty="0" err="1"/>
+              <a:t>using</a:t>
+            </a:r>
+            <a:r>
+              <a:rPr lang="it-IT" dirty="0"/>
+              <a:t> flow, </a:t>
+            </a:r>
+            <a:r>
+              <a:rPr lang="it-IT" dirty="0" err="1"/>
+              <a:t>simply</a:t>
+            </a:r>
+            <a:r>
+              <a:rPr lang="it-IT" dirty="0"/>
+              <a:t> split </a:t>
+            </a:r>
+            <a:r>
+              <a:rPr lang="it-IT" dirty="0" err="1"/>
+              <a:t>each</a:t>
+            </a:r>
+            <a:r>
+              <a:rPr lang="it-IT" dirty="0"/>
+              <a:t> vertex </a:t>
+            </a:r>
+            <a:r>
+              <a:rPr lang="it-IT" dirty="0" err="1"/>
+              <a:t>into</a:t>
+            </a:r>
+            <a:r>
+              <a:rPr lang="it-IT" dirty="0"/>
+              <a:t> </a:t>
+            </a:r>
+            <a:r>
+              <a:rPr lang="it-IT" dirty="0" err="1"/>
+              <a:t>two</a:t>
+            </a:r>
+            <a:r>
+              <a:rPr lang="it-IT" dirty="0"/>
+              <a:t> </a:t>
+            </a:r>
+            <a:r>
+              <a:rPr lang="it-IT" dirty="0" err="1"/>
+              <a:t>nodes</a:t>
+            </a:r>
+            <a:r>
+              <a:rPr lang="it-IT" dirty="0"/>
+              <a:t> (in and out) and </a:t>
+            </a:r>
+            <a:r>
+              <a:rPr lang="it-IT" dirty="0" err="1"/>
+              <a:t>add</a:t>
+            </a:r>
+            <a:r>
+              <a:rPr lang="it-IT" dirty="0"/>
+              <a:t> an </a:t>
+            </a:r>
+            <a:r>
+              <a:rPr lang="it-IT" dirty="0" err="1"/>
+              <a:t>edge</a:t>
+            </a:r>
+            <a:r>
+              <a:rPr lang="it-IT" dirty="0"/>
+              <a:t> in </a:t>
+            </a:r>
+            <a:r>
+              <a:rPr lang="it-IT" dirty="0" err="1"/>
+              <a:t>between</a:t>
+            </a:r>
+            <a:r>
+              <a:rPr lang="it-IT" dirty="0"/>
+              <a:t> of </a:t>
+            </a:r>
+            <a:r>
+              <a:rPr lang="it-IT" dirty="0" err="1"/>
+              <a:t>capacity</a:t>
+            </a:r>
+            <a:r>
+              <a:rPr lang="it-IT" dirty="0"/>
+              <a:t> 1.</a:t>
+            </a:r>
+          </a:p>
+          <a:p>
+            <a:pPr marL="0" indent="0">
+              <a:buNone/>
+            </a:pPr>
+            <a:r>
+              <a:rPr lang="it-IT" dirty="0"/>
+              <a:t>The </a:t>
+            </a:r>
+            <a:r>
+              <a:rPr lang="it-IT" dirty="0" err="1"/>
+              <a:t>MaxFlow</a:t>
+            </a:r>
+            <a:r>
+              <a:rPr lang="it-IT" dirty="0"/>
+              <a:t> </a:t>
+            </a:r>
+            <a:r>
+              <a:rPr lang="it-IT" dirty="0" err="1"/>
+              <a:t>corresponds</a:t>
+            </a:r>
+            <a:r>
+              <a:rPr lang="it-IT" dirty="0"/>
+              <a:t> to the minimum vertex </a:t>
+            </a:r>
+            <a:r>
+              <a:rPr lang="it-IT" dirty="0" err="1"/>
+              <a:t>cut</a:t>
+            </a:r>
+            <a:r>
+              <a:rPr lang="it-IT"/>
+              <a:t>.</a:t>
+            </a:r>
+            <a:endParaRPr lang="it-IT" dirty="0"/>
+          </a:p>
+        </p:txBody>
+      </p:sp>
     </p:spTree>
     <p:extLst>
       <p:ext uri="{BB962C8B-B14F-4D97-AF65-F5344CB8AC3E}">
-        <p14:creationId xmlns:p14="http://schemas.microsoft.com/office/powerpoint/2010/main" val="2452349254"/>
+        <p14:creationId xmlns:p14="http://schemas.microsoft.com/office/powerpoint/2010/main" val="1506533281"/>
       </p:ext>
     </p:extLst>
   </p:cSld>
@@ -25436,6 +25461,3829 @@
           <a:p>
             <a:r>
               <a:rPr lang="it-IT" dirty="0"/>
+              <a:t>Week 11: Return Of The Jedi</a:t>
+            </a:r>
+          </a:p>
+        </p:txBody>
+      </p:sp>
+      <p:sp>
+        <p:nvSpPr>
+          <p:cNvPr id="7" name="Segnaposto contenuto 6">
+            <a:extLst>
+              <a:ext uri="{FF2B5EF4-FFF2-40B4-BE49-F238E27FC236}">
+                <a16:creationId xmlns:a16="http://schemas.microsoft.com/office/drawing/2014/main" id="{451B668A-7F16-417E-9C12-D47A069A0098}"/>
+              </a:ext>
+            </a:extLst>
+          </p:cNvPr>
+          <p:cNvSpPr>
+            <a:spLocks noGrp="1"/>
+          </p:cNvSpPr>
+          <p:nvPr>
+            <p:ph idx="1"/>
+          </p:nvPr>
+        </p:nvSpPr>
+        <p:spPr/>
+        <p:txBody>
+          <a:bodyPr>
+            <a:normAutofit lnSpcReduction="10000"/>
+          </a:bodyPr>
+          <a:lstStyle/>
+          <a:p>
+            <a:r>
+              <a:rPr lang="it-IT" dirty="0" err="1"/>
+              <a:t>Algorithmic</a:t>
+            </a:r>
+            <a:r>
+              <a:rPr lang="it-IT" dirty="0"/>
+              <a:t> </a:t>
+            </a:r>
+            <a:r>
+              <a:rPr lang="it-IT" dirty="0" err="1"/>
+              <a:t>description</a:t>
+            </a:r>
+            <a:endParaRPr lang="it-IT" dirty="0"/>
+          </a:p>
+          <a:p>
+            <a:pPr marL="0" indent="0">
+              <a:buNone/>
+            </a:pPr>
+            <a:r>
+              <a:rPr lang="it-IT" dirty="0" err="1"/>
+              <a:t>Calculate</a:t>
+            </a:r>
+            <a:r>
+              <a:rPr lang="it-IT" dirty="0"/>
+              <a:t> the second-best minimum </a:t>
+            </a:r>
+            <a:r>
+              <a:rPr lang="it-IT" dirty="0" err="1"/>
+              <a:t>spanning</a:t>
+            </a:r>
+            <a:r>
+              <a:rPr lang="it-IT" dirty="0"/>
+              <a:t> </a:t>
+            </a:r>
+            <a:r>
+              <a:rPr lang="it-IT" dirty="0" err="1"/>
+              <a:t>tree</a:t>
+            </a:r>
+            <a:r>
+              <a:rPr lang="it-IT" dirty="0"/>
+              <a:t>.</a:t>
+            </a:r>
+          </a:p>
+          <a:p>
+            <a:r>
+              <a:rPr lang="it-IT" dirty="0"/>
+              <a:t>Solution</a:t>
+            </a:r>
+          </a:p>
+          <a:p>
+            <a:pPr marL="0" indent="0">
+              <a:buNone/>
+            </a:pPr>
+            <a:r>
+              <a:rPr lang="it-IT" dirty="0"/>
+              <a:t>First </a:t>
+            </a:r>
+            <a:r>
+              <a:rPr lang="it-IT" dirty="0" err="1"/>
+              <a:t>calculate</a:t>
+            </a:r>
+            <a:r>
+              <a:rPr lang="it-IT" dirty="0"/>
+              <a:t> the minimum </a:t>
+            </a:r>
+            <a:r>
+              <a:rPr lang="it-IT" dirty="0" err="1"/>
+              <a:t>spanning</a:t>
+            </a:r>
+            <a:r>
+              <a:rPr lang="it-IT" dirty="0"/>
+              <a:t> </a:t>
+            </a:r>
+            <a:r>
+              <a:rPr lang="it-IT" dirty="0" err="1"/>
+              <a:t>tree</a:t>
+            </a:r>
+            <a:r>
+              <a:rPr lang="it-IT" dirty="0"/>
+              <a:t>.</a:t>
+            </a:r>
+          </a:p>
+          <a:p>
+            <a:pPr marL="0" indent="0">
+              <a:buNone/>
+            </a:pPr>
+            <a:r>
+              <a:rPr lang="it-IT" dirty="0" err="1"/>
+              <a:t>Discard</a:t>
+            </a:r>
+            <a:r>
+              <a:rPr lang="it-IT" dirty="0"/>
+              <a:t> one of </a:t>
+            </a:r>
+            <a:r>
+              <a:rPr lang="it-IT" dirty="0" err="1"/>
+              <a:t>its</a:t>
+            </a:r>
+            <a:r>
+              <a:rPr lang="it-IT" dirty="0"/>
+              <a:t> </a:t>
+            </a:r>
+            <a:r>
+              <a:rPr lang="it-IT" dirty="0" err="1"/>
+              <a:t>edges</a:t>
+            </a:r>
+            <a:r>
+              <a:rPr lang="it-IT" dirty="0"/>
+              <a:t> </a:t>
+            </a:r>
+            <a:r>
+              <a:rPr lang="it-IT" dirty="0" err="1"/>
+              <a:t>at</a:t>
+            </a:r>
+            <a:r>
+              <a:rPr lang="it-IT" dirty="0"/>
+              <a:t> a time </a:t>
+            </a:r>
+            <a:r>
+              <a:rPr lang="it-IT" dirty="0" err="1"/>
+              <a:t>while</a:t>
+            </a:r>
+            <a:r>
+              <a:rPr lang="it-IT" dirty="0"/>
+              <a:t> building a second best minimum </a:t>
+            </a:r>
+            <a:r>
+              <a:rPr lang="it-IT" dirty="0" err="1"/>
+              <a:t>spanning</a:t>
+            </a:r>
+            <a:r>
+              <a:rPr lang="it-IT" dirty="0"/>
+              <a:t> </a:t>
+            </a:r>
+            <a:r>
+              <a:rPr lang="it-IT" dirty="0" err="1"/>
+              <a:t>tree</a:t>
+            </a:r>
+            <a:r>
+              <a:rPr lang="it-IT" dirty="0"/>
+              <a:t> and </a:t>
+            </a:r>
+            <a:r>
+              <a:rPr lang="it-IT" dirty="0" err="1"/>
+              <a:t>find</a:t>
+            </a:r>
+            <a:r>
+              <a:rPr lang="it-IT" dirty="0"/>
+              <a:t> the one </a:t>
+            </a:r>
+            <a:r>
+              <a:rPr lang="it-IT" dirty="0" err="1"/>
+              <a:t>which</a:t>
+            </a:r>
+            <a:r>
+              <a:rPr lang="it-IT" dirty="0"/>
+              <a:t> </a:t>
+            </a:r>
+            <a:r>
+              <a:rPr lang="it-IT" dirty="0" err="1"/>
+              <a:t>has</a:t>
+            </a:r>
+            <a:r>
+              <a:rPr lang="it-IT" dirty="0"/>
+              <a:t> minimum overall cost.</a:t>
+            </a:r>
+          </a:p>
+          <a:p>
+            <a:r>
+              <a:rPr lang="it-IT" dirty="0"/>
+              <a:t>Take home</a:t>
+            </a:r>
+          </a:p>
+          <a:p>
+            <a:pPr marL="0" indent="0">
+              <a:buNone/>
+            </a:pPr>
+            <a:r>
+              <a:rPr lang="it-IT" dirty="0" err="1"/>
+              <a:t>It</a:t>
+            </a:r>
+            <a:r>
+              <a:rPr lang="it-IT" dirty="0"/>
+              <a:t> </a:t>
+            </a:r>
+            <a:r>
+              <a:rPr lang="it-IT" dirty="0" err="1"/>
+              <a:t>is</a:t>
+            </a:r>
+            <a:r>
+              <a:rPr lang="it-IT" dirty="0"/>
+              <a:t> </a:t>
+            </a:r>
+            <a:r>
+              <a:rPr lang="it-IT" dirty="0" err="1"/>
+              <a:t>not</a:t>
+            </a:r>
+            <a:r>
+              <a:rPr lang="it-IT" dirty="0"/>
+              <a:t> </a:t>
+            </a:r>
+            <a:r>
+              <a:rPr lang="it-IT" dirty="0" err="1"/>
+              <a:t>weird</a:t>
+            </a:r>
+            <a:r>
+              <a:rPr lang="it-IT" dirty="0"/>
+              <a:t> to </a:t>
+            </a:r>
+            <a:r>
+              <a:rPr lang="it-IT" dirty="0" err="1"/>
+              <a:t>rewrite</a:t>
+            </a:r>
+            <a:r>
+              <a:rPr lang="it-IT" dirty="0"/>
+              <a:t> </a:t>
+            </a:r>
+            <a:r>
+              <a:rPr lang="it-IT" dirty="0" err="1"/>
+              <a:t>basic</a:t>
+            </a:r>
+            <a:r>
+              <a:rPr lang="it-IT" dirty="0"/>
+              <a:t> </a:t>
+            </a:r>
+            <a:r>
+              <a:rPr lang="it-IT" dirty="0" err="1"/>
+              <a:t>graph</a:t>
+            </a:r>
+            <a:r>
+              <a:rPr lang="it-IT" dirty="0"/>
+              <a:t> </a:t>
+            </a:r>
+            <a:r>
+              <a:rPr lang="it-IT" dirty="0" err="1"/>
+              <a:t>algorithms</a:t>
+            </a:r>
+            <a:r>
+              <a:rPr lang="it-IT" dirty="0"/>
+              <a:t> </a:t>
+            </a:r>
+            <a:r>
+              <a:rPr lang="it-IT" dirty="0" err="1"/>
+              <a:t>that</a:t>
+            </a:r>
+            <a:r>
+              <a:rPr lang="it-IT" dirty="0"/>
+              <a:t> </a:t>
+            </a:r>
+            <a:r>
+              <a:rPr lang="it-IT" dirty="0" err="1"/>
+              <a:t>we</a:t>
+            </a:r>
+            <a:r>
+              <a:rPr lang="it-IT" dirty="0"/>
+              <a:t> </a:t>
+            </a:r>
+            <a:r>
+              <a:rPr lang="it-IT" dirty="0" err="1"/>
+              <a:t>have</a:t>
+            </a:r>
+            <a:r>
+              <a:rPr lang="it-IT" dirty="0"/>
+              <a:t> in the library.</a:t>
+            </a:r>
+          </a:p>
+        </p:txBody>
+      </p:sp>
+    </p:spTree>
+    <p:extLst>
+      <p:ext uri="{BB962C8B-B14F-4D97-AF65-F5344CB8AC3E}">
+        <p14:creationId xmlns:p14="http://schemas.microsoft.com/office/powerpoint/2010/main" val="307312291"/>
+      </p:ext>
+    </p:extLst>
+  </p:cSld>
+  <p:clrMapOvr>
+    <a:masterClrMapping/>
+  </p:clrMapOvr>
+</p:sld>
+</file>
+
+<file path=ppt/slides/slide41.xml><?xml version="1.0" encoding="utf-8"?>
+<p:sld xmlns:a="http://schemas.openxmlformats.org/drawingml/2006/main" xmlns:r="http://schemas.openxmlformats.org/officeDocument/2006/relationships" xmlns:p="http://schemas.openxmlformats.org/presentationml/2006/main">
+  <p:cSld>
+    <p:spTree>
+      <p:nvGrpSpPr>
+        <p:cNvPr id="1" name=""/>
+        <p:cNvGrpSpPr/>
+        <p:nvPr/>
+      </p:nvGrpSpPr>
+      <p:grpSpPr>
+        <a:xfrm>
+          <a:off x="0" y="0"/>
+          <a:ext cx="0" cy="0"/>
+          <a:chOff x="0" y="0"/>
+          <a:chExt cx="0" cy="0"/>
+        </a:xfrm>
+      </p:grpSpPr>
+      <p:sp>
+        <p:nvSpPr>
+          <p:cNvPr id="6" name="Titolo 5">
+            <a:extLst>
+              <a:ext uri="{FF2B5EF4-FFF2-40B4-BE49-F238E27FC236}">
+                <a16:creationId xmlns:a16="http://schemas.microsoft.com/office/drawing/2014/main" id="{328C170E-AA68-4AED-AE2D-6863D73C73E9}"/>
+              </a:ext>
+            </a:extLst>
+          </p:cNvPr>
+          <p:cNvSpPr>
+            <a:spLocks noGrp="1"/>
+          </p:cNvSpPr>
+          <p:nvPr>
+            <p:ph type="title"/>
+          </p:nvPr>
+        </p:nvSpPr>
+        <p:spPr/>
+        <p:txBody>
+          <a:bodyPr/>
+          <a:lstStyle/>
+          <a:p>
+            <a:r>
+              <a:rPr lang="it-IT" dirty="0" err="1"/>
+              <a:t>PotW</a:t>
+            </a:r>
+            <a:r>
+              <a:rPr lang="it-IT" dirty="0"/>
+              <a:t> 12: San Francisco</a:t>
+            </a:r>
+          </a:p>
+        </p:txBody>
+      </p:sp>
+      <mc:AlternateContent xmlns:mc="http://schemas.openxmlformats.org/markup-compatibility/2006" xmlns:a14="http://schemas.microsoft.com/office/drawing/2010/main">
+        <mc:Choice Requires="a14">
+          <p:sp>
+            <p:nvSpPr>
+              <p:cNvPr id="7" name="Segnaposto contenuto 6">
+                <a:extLst>
+                  <a:ext uri="{FF2B5EF4-FFF2-40B4-BE49-F238E27FC236}">
+                    <a16:creationId xmlns:a16="http://schemas.microsoft.com/office/drawing/2014/main" id="{451B668A-7F16-417E-9C12-D47A069A0098}"/>
+                  </a:ext>
+                </a:extLst>
+              </p:cNvPr>
+              <p:cNvSpPr>
+                <a:spLocks noGrp="1"/>
+              </p:cNvSpPr>
+              <p:nvPr>
+                <p:ph idx="1"/>
+              </p:nvPr>
+            </p:nvSpPr>
+            <p:spPr>
+              <a:xfrm>
+                <a:off x="838200" y="1825624"/>
+                <a:ext cx="10515600" cy="4353233"/>
+              </a:xfrm>
+            </p:spPr>
+            <p:txBody>
+              <a:bodyPr>
+                <a:normAutofit fontScale="62500" lnSpcReduction="20000"/>
+              </a:bodyPr>
+              <a:lstStyle/>
+              <a:p>
+                <a:r>
+                  <a:rPr lang="it-IT" dirty="0"/>
+                  <a:t>Algorithmic </a:t>
+                </a:r>
+                <a:r>
+                  <a:rPr lang="it-IT" dirty="0" err="1"/>
+                  <a:t>description</a:t>
+                </a:r>
+                <a:endParaRPr lang="it-IT" dirty="0"/>
+              </a:p>
+              <a:p>
+                <a:pPr marL="0" indent="0">
+                  <a:buNone/>
+                </a:pPr>
+                <a:r>
+                  <a:rPr lang="it-IT" dirty="0" err="1"/>
+                  <a:t>Given</a:t>
+                </a:r>
+                <a:r>
+                  <a:rPr lang="it-IT" dirty="0"/>
+                  <a:t> a </a:t>
+                </a:r>
+                <a:r>
+                  <a:rPr lang="it-IT" dirty="0" err="1"/>
+                  <a:t>weighted</a:t>
+                </a:r>
+                <a:r>
+                  <a:rPr lang="it-IT" dirty="0"/>
+                  <a:t> </a:t>
+                </a:r>
+                <a:r>
+                  <a:rPr lang="it-IT" dirty="0" err="1"/>
+                  <a:t>directed</a:t>
+                </a:r>
+                <a:r>
+                  <a:rPr lang="it-IT" dirty="0"/>
+                  <a:t> </a:t>
+                </a:r>
+                <a:r>
+                  <a:rPr lang="it-IT" dirty="0" err="1"/>
+                  <a:t>graph</a:t>
+                </a:r>
+                <a:r>
+                  <a:rPr lang="it-IT" dirty="0"/>
+                  <a:t> with a </a:t>
+                </a:r>
+                <a:r>
+                  <a:rPr lang="it-IT" dirty="0" err="1"/>
+                  <a:t>fixed</a:t>
+                </a:r>
+                <a:r>
+                  <a:rPr lang="it-IT" dirty="0"/>
+                  <a:t> </a:t>
+                </a:r>
+                <a:r>
+                  <a:rPr lang="it-IT" dirty="0" err="1"/>
+                  <a:t>starting</a:t>
+                </a:r>
+                <a:r>
+                  <a:rPr lang="it-IT" dirty="0"/>
+                  <a:t> point, tell </a:t>
+                </a:r>
+                <a:r>
+                  <a:rPr lang="it-IT" dirty="0" err="1"/>
+                  <a:t>if</a:t>
+                </a:r>
+                <a:r>
+                  <a:rPr lang="it-IT" dirty="0"/>
+                  <a:t> a k-long </a:t>
+                </a:r>
+                <a:r>
+                  <a:rPr lang="it-IT" dirty="0" err="1"/>
+                  <a:t>path</a:t>
+                </a:r>
+                <a:r>
+                  <a:rPr lang="it-IT" dirty="0"/>
+                  <a:t> </a:t>
+                </a:r>
+                <a:r>
+                  <a:rPr lang="it-IT" dirty="0" err="1"/>
+                  <a:t>starting</a:t>
+                </a:r>
+                <a:r>
+                  <a:rPr lang="it-IT" dirty="0"/>
+                  <a:t> from </a:t>
+                </a:r>
+                <a:r>
+                  <a:rPr lang="it-IT" dirty="0" err="1"/>
+                  <a:t>there</a:t>
+                </a:r>
+                <a:r>
+                  <a:rPr lang="it-IT" dirty="0"/>
+                  <a:t> </a:t>
+                </a:r>
+                <a:r>
+                  <a:rPr lang="it-IT" dirty="0" err="1"/>
+                  <a:t>has</a:t>
+                </a:r>
+                <a:r>
+                  <a:rPr lang="it-IT" dirty="0"/>
+                  <a:t> a </a:t>
+                </a:r>
+                <a:r>
+                  <a:rPr lang="it-IT" dirty="0" err="1"/>
+                  <a:t>total</a:t>
+                </a:r>
+                <a:r>
+                  <a:rPr lang="it-IT" dirty="0"/>
+                  <a:t> weight </a:t>
+                </a:r>
+                <a:r>
+                  <a:rPr lang="it-IT" dirty="0" err="1"/>
+                  <a:t>greater</a:t>
+                </a:r>
+                <a:r>
+                  <a:rPr lang="it-IT" dirty="0"/>
+                  <a:t> </a:t>
+                </a:r>
+                <a:r>
+                  <a:rPr lang="it-IT" dirty="0" err="1"/>
+                  <a:t>than</a:t>
+                </a:r>
+                <a:r>
+                  <a:rPr lang="it-IT" dirty="0"/>
+                  <a:t> a </a:t>
+                </a:r>
+                <a:r>
+                  <a:rPr lang="it-IT" i="1" dirty="0"/>
+                  <a:t>long</a:t>
+                </a:r>
+                <a:r>
+                  <a:rPr lang="it-IT" dirty="0"/>
+                  <a:t> </a:t>
+                </a:r>
+                <a:r>
+                  <a:rPr lang="it-IT" dirty="0" err="1"/>
+                  <a:t>threshold</a:t>
+                </a:r>
+                <a:r>
+                  <a:rPr lang="it-IT" dirty="0"/>
+                  <a:t> x.</a:t>
+                </a:r>
+              </a:p>
+              <a:p>
+                <a:pPr marL="0" indent="0">
+                  <a:buNone/>
+                </a:pPr>
+                <a:r>
+                  <a:rPr lang="it-IT" dirty="0"/>
+                  <a:t>Points </a:t>
+                </a:r>
+                <a:r>
+                  <a:rPr lang="it-IT" dirty="0" err="1"/>
+                  <a:t>that</a:t>
+                </a:r>
+                <a:r>
+                  <a:rPr lang="it-IT" dirty="0"/>
+                  <a:t> do </a:t>
+                </a:r>
+                <a:r>
+                  <a:rPr lang="it-IT" dirty="0" err="1"/>
+                  <a:t>not</a:t>
+                </a:r>
+                <a:r>
+                  <a:rPr lang="it-IT" dirty="0"/>
+                  <a:t> </a:t>
+                </a:r>
+                <a:r>
+                  <a:rPr lang="it-IT" dirty="0" err="1"/>
+                  <a:t>have</a:t>
+                </a:r>
+                <a:r>
+                  <a:rPr lang="it-IT" dirty="0"/>
+                  <a:t> out </a:t>
+                </a:r>
+                <a:r>
+                  <a:rPr lang="it-IT" dirty="0" err="1"/>
+                  <a:t>edges</a:t>
+                </a:r>
+                <a:r>
+                  <a:rPr lang="it-IT" dirty="0"/>
+                  <a:t> are </a:t>
+                </a:r>
+                <a:r>
+                  <a:rPr lang="it-IT" dirty="0" err="1"/>
+                  <a:t>linked</a:t>
+                </a:r>
+                <a:r>
+                  <a:rPr lang="it-IT" dirty="0"/>
+                  <a:t> to the </a:t>
+                </a:r>
+                <a:r>
+                  <a:rPr lang="it-IT" dirty="0" err="1"/>
+                  <a:t>starting</a:t>
+                </a:r>
+                <a:r>
+                  <a:rPr lang="it-IT" dirty="0"/>
+                  <a:t> point with a 0-capacity </a:t>
+                </a:r>
+                <a:r>
+                  <a:rPr lang="it-IT" dirty="0" err="1"/>
+                  <a:t>edge</a:t>
+                </a:r>
+                <a:r>
+                  <a:rPr lang="it-IT" dirty="0"/>
+                  <a:t>. </a:t>
+                </a:r>
+                <a:r>
+                  <a:rPr lang="it-IT" dirty="0" err="1"/>
+                  <a:t>Flowing</a:t>
+                </a:r>
+                <a:r>
+                  <a:rPr lang="it-IT" dirty="0"/>
+                  <a:t> </a:t>
+                </a:r>
+                <a:r>
+                  <a:rPr lang="it-IT" dirty="0" err="1"/>
+                  <a:t>through</a:t>
+                </a:r>
+                <a:r>
+                  <a:rPr lang="it-IT" dirty="0"/>
+                  <a:t> </a:t>
+                </a:r>
+                <a:r>
+                  <a:rPr lang="it-IT" dirty="0" err="1"/>
+                  <a:t>this</a:t>
+                </a:r>
+                <a:r>
+                  <a:rPr lang="it-IT" dirty="0"/>
+                  <a:t> </a:t>
+                </a:r>
+                <a:r>
+                  <a:rPr lang="it-IT" dirty="0" err="1"/>
+                  <a:t>edge</a:t>
+                </a:r>
+                <a:r>
+                  <a:rPr lang="it-IT" dirty="0"/>
+                  <a:t> </a:t>
+                </a:r>
+                <a:r>
+                  <a:rPr lang="it-IT" dirty="0" err="1"/>
+                  <a:t>does</a:t>
+                </a:r>
+                <a:r>
+                  <a:rPr lang="it-IT" dirty="0"/>
+                  <a:t> </a:t>
+                </a:r>
+                <a:r>
+                  <a:rPr lang="it-IT" dirty="0" err="1"/>
+                  <a:t>not</a:t>
+                </a:r>
+                <a:r>
+                  <a:rPr lang="it-IT" dirty="0"/>
+                  <a:t> </a:t>
+                </a:r>
+                <a:r>
+                  <a:rPr lang="it-IT" dirty="0" err="1"/>
+                  <a:t>count</a:t>
+                </a:r>
+                <a:r>
+                  <a:rPr lang="it-IT" dirty="0"/>
+                  <a:t> </a:t>
+                </a:r>
+                <a:r>
+                  <a:rPr lang="it-IT" dirty="0" err="1"/>
+                  <a:t>as</a:t>
+                </a:r>
+                <a:r>
+                  <a:rPr lang="it-IT" dirty="0"/>
+                  <a:t> a </a:t>
+                </a:r>
+                <a:r>
+                  <a:rPr lang="it-IT" dirty="0" err="1"/>
+                  <a:t>move</a:t>
+                </a:r>
+                <a:r>
+                  <a:rPr lang="it-IT" dirty="0"/>
+                  <a:t>.</a:t>
+                </a:r>
+              </a:p>
+              <a:p>
+                <a:r>
+                  <a:rPr lang="it-IT" dirty="0"/>
+                  <a:t>Solution</a:t>
+                </a:r>
+              </a:p>
+              <a:p>
+                <a:pPr marL="0" indent="0">
+                  <a:buNone/>
+                </a:pPr>
+                <a:r>
+                  <a:rPr lang="it-IT" dirty="0"/>
+                  <a:t>The </a:t>
+                </a:r>
+                <a:r>
+                  <a:rPr lang="it-IT" dirty="0" err="1"/>
+                  <a:t>most</a:t>
+                </a:r>
+                <a:r>
+                  <a:rPr lang="it-IT" dirty="0"/>
+                  <a:t> </a:t>
+                </a:r>
+                <a:r>
+                  <a:rPr lang="it-IT" dirty="0" err="1"/>
+                  <a:t>feasible</a:t>
+                </a:r>
+                <a:r>
+                  <a:rPr lang="it-IT" dirty="0"/>
+                  <a:t> </a:t>
+                </a:r>
+                <a:r>
+                  <a:rPr lang="it-IT" dirty="0" err="1"/>
+                  <a:t>approach</a:t>
+                </a:r>
+                <a:r>
+                  <a:rPr lang="it-IT" dirty="0"/>
+                  <a:t> </a:t>
+                </a:r>
+                <a:r>
+                  <a:rPr lang="it-IT" dirty="0" err="1"/>
+                  <a:t>is</a:t>
+                </a:r>
+                <a:r>
+                  <a:rPr lang="it-IT" dirty="0"/>
+                  <a:t> to use DP, </a:t>
+                </a:r>
+                <a:r>
+                  <a:rPr lang="it-IT" dirty="0" err="1"/>
+                  <a:t>since</a:t>
+                </a:r>
+                <a:r>
+                  <a:rPr lang="it-IT" dirty="0"/>
+                  <a:t> the </a:t>
+                </a:r>
+                <a:r>
+                  <a:rPr lang="it-IT" dirty="0" err="1"/>
+                  <a:t>problem</a:t>
+                </a:r>
+                <a:r>
+                  <a:rPr lang="it-IT" dirty="0"/>
+                  <a:t> </a:t>
+                </a:r>
+                <a:r>
+                  <a:rPr lang="it-IT" dirty="0" err="1"/>
+                  <a:t>has</a:t>
+                </a:r>
+                <a:r>
+                  <a:rPr lang="it-IT" dirty="0"/>
+                  <a:t> an </a:t>
+                </a:r>
+                <a:r>
+                  <a:rPr lang="it-IT" dirty="0" err="1"/>
+                  <a:t>optimal</a:t>
+                </a:r>
+                <a:r>
+                  <a:rPr lang="it-IT" dirty="0"/>
+                  <a:t> </a:t>
+                </a:r>
+                <a:r>
+                  <a:rPr lang="it-IT" dirty="0" err="1"/>
+                  <a:t>substructure</a:t>
+                </a:r>
+                <a:r>
+                  <a:rPr lang="it-IT" dirty="0"/>
+                  <a:t>: telling </a:t>
+                </a:r>
+                <a:r>
+                  <a:rPr lang="it-IT" dirty="0" err="1"/>
+                  <a:t>if</a:t>
+                </a:r>
+                <a:r>
+                  <a:rPr lang="it-IT" dirty="0"/>
+                  <a:t> I can </a:t>
+                </a:r>
+                <a:r>
+                  <a:rPr lang="it-IT" dirty="0" err="1"/>
+                  <a:t>reach</a:t>
+                </a:r>
+                <a:r>
+                  <a:rPr lang="it-IT" dirty="0"/>
+                  <a:t> x with k </a:t>
+                </a:r>
+                <a:r>
+                  <a:rPr lang="it-IT" dirty="0" err="1"/>
+                  <a:t>moves</a:t>
+                </a:r>
+                <a:r>
+                  <a:rPr lang="it-IT" dirty="0"/>
+                  <a:t> </a:t>
+                </a:r>
+                <a:r>
+                  <a:rPr lang="it-IT" dirty="0" err="1"/>
+                  <a:t>is</a:t>
+                </a:r>
+                <a:r>
+                  <a:rPr lang="it-IT" dirty="0"/>
+                  <a:t> </a:t>
+                </a:r>
+                <a:r>
+                  <a:rPr lang="it-IT" dirty="0" err="1"/>
+                  <a:t>equivalent</a:t>
+                </a:r>
+                <a:r>
+                  <a:rPr lang="it-IT" dirty="0"/>
+                  <a:t> to </a:t>
+                </a:r>
+                <a:r>
+                  <a:rPr lang="it-IT" dirty="0" err="1"/>
+                  <a:t>finding</a:t>
+                </a:r>
+                <a:r>
+                  <a:rPr lang="it-IT" dirty="0"/>
+                  <a:t> the best out </a:t>
+                </a:r>
+                <a:r>
+                  <a:rPr lang="it-IT" dirty="0" err="1"/>
+                  <a:t>edge</a:t>
+                </a:r>
+                <a:r>
+                  <a:rPr lang="it-IT" dirty="0"/>
+                  <a:t> </a:t>
+                </a:r>
+                <a:r>
+                  <a:rPr lang="it-IT" dirty="0" err="1"/>
+                  <a:t>such</a:t>
+                </a:r>
+                <a:r>
+                  <a:rPr lang="it-IT" dirty="0"/>
+                  <a:t> </a:t>
+                </a:r>
+                <a:r>
+                  <a:rPr lang="it-IT" dirty="0" err="1"/>
+                  <a:t>that</a:t>
+                </a:r>
+                <a:r>
+                  <a:rPr lang="it-IT" dirty="0"/>
+                  <a:t> I can </a:t>
+                </a:r>
+                <a:r>
+                  <a:rPr lang="it-IT" dirty="0" err="1"/>
+                  <a:t>reach</a:t>
+                </a:r>
+                <a:r>
+                  <a:rPr lang="it-IT" dirty="0"/>
+                  <a:t> x-w[</a:t>
+                </a:r>
+                <a:r>
+                  <a:rPr lang="it-IT" dirty="0" err="1"/>
+                  <a:t>edge</a:t>
+                </a:r>
+                <a:r>
+                  <a:rPr lang="it-IT" dirty="0"/>
+                  <a:t>] with k-1 </a:t>
+                </a:r>
+                <a:r>
+                  <a:rPr lang="it-IT" dirty="0" err="1"/>
+                  <a:t>moves</a:t>
+                </a:r>
+                <a:r>
+                  <a:rPr lang="it-IT" dirty="0"/>
+                  <a:t> </a:t>
+                </a:r>
+                <a:r>
+                  <a:rPr lang="it-IT" dirty="0" err="1"/>
+                  <a:t>starting</a:t>
+                </a:r>
+                <a:r>
+                  <a:rPr lang="it-IT" dirty="0"/>
+                  <a:t> from the target </a:t>
+                </a:r>
+                <a:r>
+                  <a:rPr lang="it-IT" dirty="0" err="1"/>
+                  <a:t>node</a:t>
+                </a:r>
+                <a:r>
+                  <a:rPr lang="it-IT" dirty="0"/>
+                  <a:t>.</a:t>
+                </a:r>
+              </a:p>
+              <a:p>
+                <a:pPr marL="0" indent="0">
+                  <a:buNone/>
+                </a:pPr>
+                <a:r>
+                  <a:rPr lang="it-IT" dirty="0" err="1"/>
+                  <a:t>Since</a:t>
+                </a:r>
+                <a:r>
+                  <a:rPr lang="it-IT" dirty="0"/>
+                  <a:t> </a:t>
+                </a:r>
+                <a14:m>
+                  <m:oMath xmlns:m="http://schemas.openxmlformats.org/officeDocument/2006/math">
+                    <m:r>
+                      <a:rPr lang="it-IT" b="0" i="1" smtClean="0">
+                        <a:latin typeface="Cambria Math" panose="02040503050406030204" pitchFamily="18" charset="0"/>
+                      </a:rPr>
+                      <m:t>𝑥</m:t>
+                    </m:r>
+                    <m:r>
+                      <a:rPr lang="it-IT" b="0" i="1" smtClean="0">
+                        <a:latin typeface="Cambria Math" panose="02040503050406030204" pitchFamily="18" charset="0"/>
+                      </a:rPr>
+                      <m:t>≤</m:t>
+                    </m:r>
+                    <m:sSup>
+                      <m:sSupPr>
+                        <m:ctrlPr>
+                          <a:rPr lang="it-IT" b="0" i="1" smtClean="0">
+                            <a:latin typeface="Cambria Math" panose="02040503050406030204" pitchFamily="18" charset="0"/>
+                          </a:rPr>
+                        </m:ctrlPr>
+                      </m:sSupPr>
+                      <m:e>
+                        <m:r>
+                          <a:rPr lang="it-IT" b="0" i="1" smtClean="0">
+                            <a:latin typeface="Cambria Math" panose="02040503050406030204" pitchFamily="18" charset="0"/>
+                          </a:rPr>
+                          <m:t>10</m:t>
+                        </m:r>
+                      </m:e>
+                      <m:sup>
+                        <m:r>
+                          <a:rPr lang="it-IT" b="0" i="1" smtClean="0">
+                            <a:latin typeface="Cambria Math" panose="02040503050406030204" pitchFamily="18" charset="0"/>
+                          </a:rPr>
+                          <m:t>14</m:t>
+                        </m:r>
+                      </m:sup>
+                    </m:sSup>
+                  </m:oMath>
+                </a14:m>
+                <a:r>
+                  <a:rPr lang="it-IT" dirty="0"/>
+                  <a:t>, </a:t>
+                </a:r>
+                <a:r>
+                  <a:rPr lang="it-IT" dirty="0" err="1"/>
+                  <a:t>it</a:t>
+                </a:r>
+                <a:r>
+                  <a:rPr lang="it-IT" dirty="0"/>
+                  <a:t> </a:t>
+                </a:r>
+                <a:r>
+                  <a:rPr lang="it-IT" dirty="0" err="1"/>
+                  <a:t>is</a:t>
+                </a:r>
+                <a:r>
+                  <a:rPr lang="it-IT" dirty="0"/>
+                  <a:t> </a:t>
+                </a:r>
+                <a:r>
+                  <a:rPr lang="it-IT" dirty="0" err="1"/>
+                  <a:t>impossible</a:t>
+                </a:r>
+                <a:r>
+                  <a:rPr lang="it-IT" dirty="0"/>
+                  <a:t> to build the intuitive DP </a:t>
+                </a:r>
+                <a:r>
+                  <a:rPr lang="it-IT" dirty="0" err="1"/>
+                  <a:t>where</a:t>
+                </a:r>
+                <a:r>
+                  <a:rPr lang="it-IT" dirty="0"/>
+                  <a:t> I </a:t>
+                </a:r>
+                <a:r>
+                  <a:rPr lang="it-IT" dirty="0" err="1"/>
+                  <a:t>have</a:t>
+                </a:r>
+                <a:r>
+                  <a:rPr lang="it-IT" dirty="0"/>
+                  <a:t> to </a:t>
+                </a:r>
+                <a:r>
+                  <a:rPr lang="it-IT" dirty="0" err="1"/>
+                  <a:t>minimize</a:t>
+                </a:r>
+                <a:r>
+                  <a:rPr lang="it-IT" dirty="0"/>
+                  <a:t> the </a:t>
+                </a:r>
+                <a:r>
+                  <a:rPr lang="it-IT" dirty="0" err="1"/>
+                  <a:t>number</a:t>
+                </a:r>
+                <a:r>
+                  <a:rPr lang="it-IT" dirty="0"/>
+                  <a:t> of </a:t>
+                </a:r>
+                <a:r>
+                  <a:rPr lang="it-IT" dirty="0" err="1"/>
+                  <a:t>moves</a:t>
+                </a:r>
+                <a:r>
+                  <a:rPr lang="it-IT" dirty="0"/>
+                  <a:t> </a:t>
+                </a:r>
+                <a:r>
+                  <a:rPr lang="it-IT" dirty="0" err="1"/>
+                  <a:t>while</a:t>
+                </a:r>
+                <a:r>
+                  <a:rPr lang="it-IT" dirty="0"/>
+                  <a:t> keeping track of </a:t>
+                </a:r>
+                <a:r>
+                  <a:rPr lang="it-IT" dirty="0" err="1"/>
+                  <a:t>this</a:t>
+                </a:r>
+                <a:r>
+                  <a:rPr lang="it-IT" dirty="0"/>
+                  <a:t> big intermediate </a:t>
+                </a:r>
+                <a:r>
+                  <a:rPr lang="it-IT" dirty="0" err="1"/>
+                  <a:t>value</a:t>
+                </a:r>
+                <a:r>
+                  <a:rPr lang="it-IT" dirty="0"/>
+                  <a:t> in </a:t>
+                </a:r>
+                <a:r>
+                  <a:rPr lang="it-IT" dirty="0" err="1"/>
+                  <a:t>my</a:t>
+                </a:r>
+                <a:r>
+                  <a:rPr lang="it-IT" dirty="0"/>
+                  <a:t> state. </a:t>
+                </a:r>
+                <a:r>
+                  <a:rPr lang="it-IT" dirty="0" err="1"/>
+                  <a:t>Hence</a:t>
+                </a:r>
+                <a:r>
+                  <a:rPr lang="it-IT" dirty="0"/>
+                  <a:t>, I </a:t>
+                </a:r>
+                <a:r>
+                  <a:rPr lang="it-IT" dirty="0" err="1"/>
+                  <a:t>change</a:t>
+                </a:r>
+                <a:r>
+                  <a:rPr lang="it-IT" dirty="0"/>
+                  <a:t> the DP relation to </a:t>
+                </a:r>
+                <a:r>
+                  <a:rPr lang="it-IT" dirty="0" err="1"/>
+                  <a:t>calculating</a:t>
+                </a:r>
+                <a:r>
+                  <a:rPr lang="it-IT" dirty="0"/>
+                  <a:t> the maximum weight I </a:t>
+                </a:r>
+                <a:r>
+                  <a:rPr lang="it-IT" dirty="0" err="1"/>
+                  <a:t>could</a:t>
+                </a:r>
+                <a:r>
+                  <a:rPr lang="it-IT" dirty="0"/>
+                  <a:t> </a:t>
+                </a:r>
+                <a:r>
+                  <a:rPr lang="it-IT" dirty="0" err="1"/>
+                  <a:t>have</a:t>
+                </a:r>
+                <a:r>
+                  <a:rPr lang="it-IT" dirty="0"/>
+                  <a:t> with a FIXED </a:t>
+                </a:r>
+                <a:r>
+                  <a:rPr lang="it-IT" dirty="0" err="1"/>
+                  <a:t>number</a:t>
+                </a:r>
+                <a:r>
+                  <a:rPr lang="it-IT" dirty="0"/>
+                  <a:t> of </a:t>
+                </a:r>
+                <a:r>
+                  <a:rPr lang="it-IT" dirty="0" err="1"/>
+                  <a:t>moves</a:t>
+                </a:r>
+                <a:r>
+                  <a:rPr lang="it-IT" dirty="0"/>
+                  <a:t>.</a:t>
+                </a:r>
+              </a:p>
+              <a:p>
+                <a:pPr marL="0" indent="0">
+                  <a:buNone/>
+                </a:pPr>
+                <a:r>
+                  <a:rPr lang="it-IT" dirty="0"/>
+                  <a:t>By </a:t>
+                </a:r>
+                <a:r>
+                  <a:rPr lang="it-IT" dirty="0" err="1"/>
+                  <a:t>linearly</a:t>
+                </a:r>
+                <a:r>
+                  <a:rPr lang="it-IT" dirty="0"/>
+                  <a:t> </a:t>
+                </a:r>
+                <a:r>
+                  <a:rPr lang="it-IT" dirty="0" err="1"/>
+                  <a:t>increasing</a:t>
+                </a:r>
+                <a:r>
+                  <a:rPr lang="it-IT" dirty="0"/>
+                  <a:t> </a:t>
+                </a:r>
+                <a:r>
+                  <a:rPr lang="it-IT" dirty="0" err="1"/>
+                  <a:t>this</a:t>
+                </a:r>
+                <a:r>
+                  <a:rPr lang="it-IT" dirty="0"/>
+                  <a:t> </a:t>
+                </a:r>
+                <a:r>
+                  <a:rPr lang="it-IT" dirty="0" err="1"/>
+                  <a:t>fixed</a:t>
+                </a:r>
+                <a:r>
+                  <a:rPr lang="it-IT" dirty="0"/>
+                  <a:t> </a:t>
+                </a:r>
+                <a:r>
+                  <a:rPr lang="it-IT" dirty="0" err="1"/>
+                  <a:t>number</a:t>
+                </a:r>
+                <a:r>
+                  <a:rPr lang="it-IT" dirty="0"/>
+                  <a:t> </a:t>
+                </a:r>
+                <a:r>
+                  <a:rPr lang="it-IT" dirty="0" err="1"/>
+                  <a:t>outside</a:t>
+                </a:r>
+                <a:r>
+                  <a:rPr lang="it-IT" dirty="0"/>
+                  <a:t> the DP relation I </a:t>
+                </a:r>
+                <a:r>
+                  <a:rPr lang="it-IT" dirty="0" err="1"/>
+                  <a:t>keep</a:t>
+                </a:r>
+                <a:r>
+                  <a:rPr lang="it-IT" dirty="0"/>
+                  <a:t> track of the minimum </a:t>
+                </a:r>
+                <a:r>
+                  <a:rPr lang="it-IT" dirty="0" err="1"/>
+                  <a:t>amount</a:t>
+                </a:r>
+                <a:r>
+                  <a:rPr lang="it-IT" dirty="0"/>
+                  <a:t> </a:t>
+                </a:r>
+                <a:r>
+                  <a:rPr lang="it-IT" dirty="0" err="1"/>
+                  <a:t>needed</a:t>
+                </a:r>
+                <a:r>
+                  <a:rPr lang="it-IT" dirty="0"/>
+                  <a:t> and break from the loop.</a:t>
+                </a:r>
+              </a:p>
+              <a:p>
+                <a:r>
+                  <a:rPr lang="it-IT" dirty="0"/>
+                  <a:t>Take home</a:t>
+                </a:r>
+              </a:p>
+              <a:p>
+                <a:pPr marL="0" indent="0">
+                  <a:buNone/>
+                </a:pPr>
+                <a:r>
+                  <a:rPr lang="it-IT" dirty="0" err="1"/>
+                  <a:t>Before</a:t>
+                </a:r>
+                <a:r>
+                  <a:rPr lang="it-IT" dirty="0"/>
+                  <a:t> </a:t>
+                </a:r>
+                <a:r>
+                  <a:rPr lang="it-IT" dirty="0" err="1"/>
+                  <a:t>deriving</a:t>
+                </a:r>
+                <a:r>
+                  <a:rPr lang="it-IT" dirty="0"/>
+                  <a:t> a DP relation, look </a:t>
+                </a:r>
+                <a:r>
+                  <a:rPr lang="it-IT" dirty="0" err="1"/>
+                  <a:t>at</a:t>
+                </a:r>
+                <a:r>
+                  <a:rPr lang="it-IT" dirty="0"/>
+                  <a:t> the </a:t>
+                </a:r>
+                <a:r>
+                  <a:rPr lang="it-IT" dirty="0" err="1"/>
+                  <a:t>possible</a:t>
+                </a:r>
+                <a:r>
+                  <a:rPr lang="it-IT" dirty="0"/>
+                  <a:t> </a:t>
+                </a:r>
+                <a:r>
+                  <a:rPr lang="it-IT" dirty="0" err="1"/>
+                  <a:t>dimensions</a:t>
+                </a:r>
+                <a:r>
+                  <a:rPr lang="it-IT" dirty="0"/>
+                  <a:t> of </a:t>
+                </a:r>
+                <a:r>
+                  <a:rPr lang="it-IT" dirty="0" err="1"/>
+                  <a:t>its</a:t>
+                </a:r>
+                <a:r>
+                  <a:rPr lang="it-IT" dirty="0"/>
+                  <a:t> state!</a:t>
+                </a:r>
+              </a:p>
+              <a:p>
+                <a:pPr marL="0" indent="0">
+                  <a:buNone/>
+                </a:pPr>
+                <a:endParaRPr lang="it-IT" dirty="0"/>
+              </a:p>
+            </p:txBody>
+          </p:sp>
+        </mc:Choice>
+        <mc:Fallback xmlns="">
+          <p:sp>
+            <p:nvSpPr>
+              <p:cNvPr id="7" name="Segnaposto contenuto 6">
+                <a:extLst>
+                  <a:ext uri="{FF2B5EF4-FFF2-40B4-BE49-F238E27FC236}">
+                    <a16:creationId xmlns:a16="http://schemas.microsoft.com/office/drawing/2014/main" id="{451B668A-7F16-417E-9C12-D47A069A0098}"/>
+                  </a:ext>
+                </a:extLst>
+              </p:cNvPr>
+              <p:cNvSpPr>
+                <a:spLocks noGrp="1" noRot="1" noChangeAspect="1" noMove="1" noResize="1" noEditPoints="1" noAdjustHandles="1" noChangeArrowheads="1" noChangeShapeType="1" noTextEdit="1"/>
+              </p:cNvSpPr>
+              <p:nvPr>
+                <p:ph idx="1"/>
+              </p:nvPr>
+            </p:nvSpPr>
+            <p:spPr>
+              <a:xfrm>
+                <a:off x="838200" y="1825624"/>
+                <a:ext cx="10515600" cy="4353233"/>
+              </a:xfrm>
+              <a:blipFill>
+                <a:blip r:embed="rId2"/>
+                <a:stretch>
+                  <a:fillRect l="-522" t="-2238"/>
+                </a:stretch>
+              </a:blipFill>
+            </p:spPr>
+            <p:txBody>
+              <a:bodyPr/>
+              <a:lstStyle/>
+              <a:p>
+                <a:r>
+                  <a:rPr lang="it-IT">
+                    <a:noFill/>
+                  </a:rPr>
+                  <a:t> </a:t>
+                </a:r>
+              </a:p>
+            </p:txBody>
+          </p:sp>
+        </mc:Fallback>
+      </mc:AlternateContent>
+    </p:spTree>
+    <p:extLst>
+      <p:ext uri="{BB962C8B-B14F-4D97-AF65-F5344CB8AC3E}">
+        <p14:creationId xmlns:p14="http://schemas.microsoft.com/office/powerpoint/2010/main" val="2452349254"/>
+      </p:ext>
+    </p:extLst>
+  </p:cSld>
+  <p:clrMapOvr>
+    <a:masterClrMapping/>
+  </p:clrMapOvr>
+</p:sld>
+</file>
+
+<file path=ppt/slides/slide42.xml><?xml version="1.0" encoding="utf-8"?>
+<p:sld xmlns:a="http://schemas.openxmlformats.org/drawingml/2006/main" xmlns:r="http://schemas.openxmlformats.org/officeDocument/2006/relationships" xmlns:p="http://schemas.openxmlformats.org/presentationml/2006/main">
+  <p:cSld>
+    <p:spTree>
+      <p:nvGrpSpPr>
+        <p:cNvPr id="1" name=""/>
+        <p:cNvGrpSpPr/>
+        <p:nvPr/>
+      </p:nvGrpSpPr>
+      <p:grpSpPr>
+        <a:xfrm>
+          <a:off x="0" y="0"/>
+          <a:ext cx="0" cy="0"/>
+          <a:chOff x="0" y="0"/>
+          <a:chExt cx="0" cy="0"/>
+        </a:xfrm>
+      </p:grpSpPr>
+      <p:sp>
+        <p:nvSpPr>
+          <p:cNvPr id="6" name="Titolo 5">
+            <a:extLst>
+              <a:ext uri="{FF2B5EF4-FFF2-40B4-BE49-F238E27FC236}">
+                <a16:creationId xmlns:a16="http://schemas.microsoft.com/office/drawing/2014/main" id="{328C170E-AA68-4AED-AE2D-6863D73C73E9}"/>
+              </a:ext>
+            </a:extLst>
+          </p:cNvPr>
+          <p:cNvSpPr>
+            <a:spLocks noGrp="1"/>
+          </p:cNvSpPr>
+          <p:nvPr>
+            <p:ph type="title"/>
+          </p:nvPr>
+        </p:nvSpPr>
+        <p:spPr/>
+        <p:txBody>
+          <a:bodyPr/>
+          <a:lstStyle/>
+          <a:p>
+            <a:r>
+              <a:rPr lang="it-IT" dirty="0"/>
+              <a:t>Week 12: On </a:t>
+            </a:r>
+            <a:r>
+              <a:rPr lang="it-IT" dirty="0" err="1"/>
+              <a:t>Her</a:t>
+            </a:r>
+            <a:r>
+              <a:rPr lang="it-IT" dirty="0"/>
+              <a:t> </a:t>
+            </a:r>
+            <a:r>
+              <a:rPr lang="it-IT" dirty="0" err="1"/>
+              <a:t>Majesty’s</a:t>
+            </a:r>
+            <a:r>
+              <a:rPr lang="it-IT" dirty="0"/>
+              <a:t> Secret Service</a:t>
+            </a:r>
+          </a:p>
+        </p:txBody>
+      </p:sp>
+      <mc:AlternateContent xmlns:mc="http://schemas.openxmlformats.org/markup-compatibility/2006">
+        <mc:Choice xmlns:a14="http://schemas.microsoft.com/office/drawing/2010/main" Requires="a14">
+          <p:sp>
+            <p:nvSpPr>
+              <p:cNvPr id="7" name="Segnaposto contenuto 6">
+                <a:extLst>
+                  <a:ext uri="{FF2B5EF4-FFF2-40B4-BE49-F238E27FC236}">
+                    <a16:creationId xmlns:a16="http://schemas.microsoft.com/office/drawing/2014/main" id="{451B668A-7F16-417E-9C12-D47A069A0098}"/>
+                  </a:ext>
+                </a:extLst>
+              </p:cNvPr>
+              <p:cNvSpPr>
+                <a:spLocks noGrp="1"/>
+              </p:cNvSpPr>
+              <p:nvPr>
+                <p:ph idx="1"/>
+              </p:nvPr>
+            </p:nvSpPr>
+            <p:spPr>
+              <a:xfrm>
+                <a:off x="838199" y="1825624"/>
+                <a:ext cx="10587361" cy="4459766"/>
+              </a:xfrm>
+            </p:spPr>
+            <p:txBody>
+              <a:bodyPr>
+                <a:normAutofit fontScale="55000" lnSpcReduction="20000"/>
+              </a:bodyPr>
+              <a:lstStyle/>
+              <a:p>
+                <a:r>
+                  <a:rPr lang="it-IT" dirty="0"/>
+                  <a:t>Algorithmic </a:t>
+                </a:r>
+                <a:r>
+                  <a:rPr lang="it-IT" dirty="0" err="1"/>
+                  <a:t>description</a:t>
+                </a:r>
+                <a:endParaRPr lang="it-IT" dirty="0"/>
+              </a:p>
+              <a:p>
+                <a:pPr marL="0" indent="0">
+                  <a:buNone/>
+                </a:pPr>
+                <a:r>
+                  <a:rPr lang="it-IT" dirty="0" err="1"/>
+                  <a:t>Given</a:t>
+                </a:r>
+                <a:r>
+                  <a:rPr lang="it-IT" dirty="0"/>
+                  <a:t> a set of </a:t>
+                </a:r>
+                <a:r>
+                  <a:rPr lang="it-IT" dirty="0" err="1"/>
+                  <a:t>starting</a:t>
+                </a:r>
+                <a:r>
+                  <a:rPr lang="it-IT" dirty="0"/>
+                  <a:t> points and a set of </a:t>
+                </a:r>
+                <a:r>
+                  <a:rPr lang="it-IT" dirty="0" err="1"/>
+                  <a:t>destinations</a:t>
+                </a:r>
+                <a:r>
+                  <a:rPr lang="it-IT" dirty="0"/>
+                  <a:t> in a </a:t>
+                </a:r>
+                <a:r>
+                  <a:rPr lang="it-IT" dirty="0" err="1"/>
+                  <a:t>graph</a:t>
+                </a:r>
+                <a:r>
+                  <a:rPr lang="it-IT" dirty="0"/>
+                  <a:t>, output the </a:t>
+                </a:r>
+                <a:r>
+                  <a:rPr lang="it-IT" dirty="0" err="1"/>
+                  <a:t>longest</a:t>
+                </a:r>
+                <a:r>
+                  <a:rPr lang="it-IT" dirty="0"/>
+                  <a:t> </a:t>
+                </a:r>
+                <a:r>
+                  <a:rPr lang="it-IT" dirty="0" err="1"/>
+                  <a:t>shortest</a:t>
+                </a:r>
+                <a:r>
+                  <a:rPr lang="it-IT" dirty="0"/>
+                  <a:t> </a:t>
+                </a:r>
+                <a:r>
+                  <a:rPr lang="it-IT" dirty="0" err="1"/>
+                  <a:t>path</a:t>
+                </a:r>
+                <a:r>
+                  <a:rPr lang="it-IT" dirty="0"/>
+                  <a:t> </a:t>
+                </a:r>
+                <a:r>
+                  <a:rPr lang="it-IT" dirty="0" err="1"/>
+                  <a:t>such</a:t>
+                </a:r>
+                <a:r>
+                  <a:rPr lang="it-IT" dirty="0"/>
+                  <a:t> </a:t>
+                </a:r>
+                <a:r>
+                  <a:rPr lang="it-IT" dirty="0" err="1"/>
+                  <a:t>that</a:t>
+                </a:r>
+                <a:r>
+                  <a:rPr lang="it-IT" dirty="0"/>
+                  <a:t> </a:t>
+                </a:r>
+                <a:r>
+                  <a:rPr lang="it-IT" dirty="0" err="1"/>
+                  <a:t>every</a:t>
+                </a:r>
+                <a:r>
+                  <a:rPr lang="it-IT" dirty="0"/>
+                  <a:t> </a:t>
+                </a:r>
+                <a:r>
+                  <a:rPr lang="it-IT" dirty="0" err="1"/>
+                  <a:t>starting</a:t>
+                </a:r>
+                <a:r>
+                  <a:rPr lang="it-IT" dirty="0"/>
+                  <a:t> point </a:t>
+                </a:r>
+                <a:r>
+                  <a:rPr lang="it-IT" dirty="0" err="1"/>
+                  <a:t>reaches</a:t>
+                </a:r>
+                <a:r>
+                  <a:rPr lang="it-IT" dirty="0"/>
+                  <a:t> a </a:t>
+                </a:r>
+                <a:r>
+                  <a:rPr lang="it-IT" dirty="0" err="1"/>
+                  <a:t>destination</a:t>
+                </a:r>
+                <a:r>
+                  <a:rPr lang="it-IT" dirty="0"/>
+                  <a:t>.</a:t>
+                </a:r>
+              </a:p>
+              <a:p>
+                <a:pPr marL="0" indent="0">
+                  <a:buNone/>
+                </a:pPr>
+                <a:r>
+                  <a:rPr lang="it-IT" dirty="0" err="1"/>
+                  <a:t>Additions</a:t>
+                </a:r>
+                <a:r>
+                  <a:rPr lang="it-IT" dirty="0"/>
+                  <a:t>: </a:t>
+                </a:r>
+                <a:r>
+                  <a:rPr lang="it-IT" dirty="0" err="1"/>
+                  <a:t>every</a:t>
+                </a:r>
+                <a:r>
+                  <a:rPr lang="it-IT" dirty="0"/>
+                  <a:t> </a:t>
+                </a:r>
+                <a:r>
+                  <a:rPr lang="it-IT" dirty="0" err="1"/>
+                  <a:t>destination</a:t>
+                </a:r>
+                <a:r>
+                  <a:rPr lang="it-IT" dirty="0"/>
+                  <a:t> </a:t>
+                </a:r>
+                <a:r>
+                  <a:rPr lang="it-IT" dirty="0" err="1"/>
+                  <a:t>has</a:t>
+                </a:r>
+                <a:r>
+                  <a:rPr lang="it-IT" dirty="0"/>
+                  <a:t> an </a:t>
+                </a:r>
+                <a:r>
+                  <a:rPr lang="it-IT" dirty="0" err="1"/>
+                  <a:t>additional</a:t>
+                </a:r>
+                <a:r>
+                  <a:rPr lang="it-IT" dirty="0"/>
+                  <a:t> weight </a:t>
+                </a:r>
+                <a14:m>
+                  <m:oMath xmlns:m="http://schemas.openxmlformats.org/officeDocument/2006/math">
+                    <m:r>
+                      <a:rPr lang="it-IT" b="0" i="1" smtClean="0">
+                        <a:latin typeface="Cambria Math" panose="02040503050406030204" pitchFamily="18" charset="0"/>
+                      </a:rPr>
+                      <m:t>𝑑</m:t>
+                    </m:r>
+                  </m:oMath>
+                </a14:m>
+                <a:r>
+                  <a:rPr lang="it-IT" dirty="0"/>
+                  <a:t> and up to </a:t>
+                </a:r>
+                <a14:m>
+                  <m:oMath xmlns:m="http://schemas.openxmlformats.org/officeDocument/2006/math">
+                    <m:r>
+                      <a:rPr lang="it-IT" b="0" i="1" smtClean="0">
+                        <a:latin typeface="Cambria Math" panose="02040503050406030204" pitchFamily="18" charset="0"/>
+                      </a:rPr>
+                      <m:t>1≤</m:t>
+                    </m:r>
+                    <m:r>
+                      <a:rPr lang="it-IT" b="0" i="1" smtClean="0">
+                        <a:latin typeface="Cambria Math" panose="02040503050406030204" pitchFamily="18" charset="0"/>
+                      </a:rPr>
+                      <m:t>𝑐</m:t>
+                    </m:r>
+                    <m:r>
+                      <a:rPr lang="it-IT" b="0" i="1" smtClean="0">
+                        <a:latin typeface="Cambria Math" panose="02040503050406030204" pitchFamily="18" charset="0"/>
+                      </a:rPr>
+                      <m:t>≤2</m:t>
+                    </m:r>
+                  </m:oMath>
+                </a14:m>
+                <a:r>
+                  <a:rPr lang="it-IT" dirty="0"/>
+                  <a:t> points can match with the </a:t>
+                </a:r>
+                <a:r>
+                  <a:rPr lang="it-IT" dirty="0" err="1"/>
+                  <a:t>same</a:t>
+                </a:r>
+                <a:r>
+                  <a:rPr lang="it-IT" dirty="0"/>
+                  <a:t> </a:t>
+                </a:r>
+                <a:r>
+                  <a:rPr lang="it-IT" dirty="0" err="1"/>
+                  <a:t>destination</a:t>
+                </a:r>
+                <a:r>
+                  <a:rPr lang="it-IT" dirty="0"/>
+                  <a:t>, </a:t>
+                </a:r>
+                <a:r>
+                  <a:rPr lang="it-IT" dirty="0" err="1"/>
+                  <a:t>but</a:t>
+                </a:r>
+                <a:r>
+                  <a:rPr lang="it-IT" dirty="0"/>
+                  <a:t> </a:t>
+                </a:r>
+                <a:r>
+                  <a:rPr lang="it-IT" dirty="0" err="1"/>
+                  <a:t>always</a:t>
+                </a:r>
+                <a:r>
+                  <a:rPr lang="it-IT" dirty="0"/>
+                  <a:t> one </a:t>
+                </a:r>
+                <a:r>
+                  <a:rPr lang="it-IT" dirty="0" err="1"/>
+                  <a:t>at</a:t>
+                </a:r>
+                <a:r>
+                  <a:rPr lang="it-IT" dirty="0"/>
+                  <a:t> a time (i.e. the second point must </a:t>
+                </a:r>
+                <a:r>
+                  <a:rPr lang="it-IT" dirty="0" err="1"/>
+                  <a:t>wait</a:t>
+                </a:r>
+                <a:r>
+                  <a:rPr lang="it-IT" dirty="0"/>
+                  <a:t> </a:t>
+                </a:r>
+                <a14:m>
+                  <m:oMath xmlns:m="http://schemas.openxmlformats.org/officeDocument/2006/math">
+                    <m:r>
+                      <a:rPr lang="it-IT" b="0" i="1" smtClean="0">
+                        <a:latin typeface="Cambria Math" panose="02040503050406030204" pitchFamily="18" charset="0"/>
+                      </a:rPr>
+                      <m:t>2</m:t>
+                    </m:r>
+                    <m:r>
+                      <a:rPr lang="it-IT" b="0" i="1" smtClean="0">
+                        <a:latin typeface="Cambria Math" panose="02040503050406030204" pitchFamily="18" charset="0"/>
+                      </a:rPr>
+                      <m:t>𝑑</m:t>
+                    </m:r>
+                  </m:oMath>
+                </a14:m>
+                <a:r>
+                  <a:rPr lang="it-IT" dirty="0"/>
+                  <a:t> </a:t>
+                </a:r>
+                <a:r>
+                  <a:rPr lang="it-IT" dirty="0" err="1"/>
+                  <a:t>before</a:t>
+                </a:r>
+                <a:r>
+                  <a:rPr lang="it-IT" dirty="0"/>
+                  <a:t> </a:t>
+                </a:r>
+                <a:r>
+                  <a:rPr lang="it-IT" dirty="0" err="1"/>
+                  <a:t>reaching</a:t>
+                </a:r>
+                <a:r>
+                  <a:rPr lang="it-IT" dirty="0"/>
+                  <a:t> </a:t>
+                </a:r>
+                <a:r>
+                  <a:rPr lang="it-IT" dirty="0" err="1"/>
+                  <a:t>it</a:t>
+                </a:r>
+                <a:r>
+                  <a:rPr lang="it-IT" dirty="0"/>
+                  <a:t>).</a:t>
+                </a:r>
+              </a:p>
+              <a:p>
+                <a:r>
+                  <a:rPr lang="it-IT" dirty="0"/>
+                  <a:t>Solution</a:t>
+                </a:r>
+              </a:p>
+              <a:p>
+                <a:pPr marL="0" indent="0">
+                  <a:buNone/>
+                </a:pPr>
+                <a:r>
+                  <a:rPr lang="it-IT" dirty="0" err="1"/>
+                  <a:t>There</a:t>
+                </a:r>
+                <a:r>
+                  <a:rPr lang="it-IT" dirty="0"/>
+                  <a:t> </a:t>
+                </a:r>
+                <a:r>
+                  <a:rPr lang="it-IT" dirty="0" err="1"/>
+                  <a:t>is</a:t>
+                </a:r>
+                <a:r>
+                  <a:rPr lang="it-IT" dirty="0"/>
+                  <a:t> no </a:t>
+                </a:r>
+                <a:r>
+                  <a:rPr lang="it-IT" dirty="0" err="1"/>
+                  <a:t>direct</a:t>
+                </a:r>
+                <a:r>
+                  <a:rPr lang="it-IT" dirty="0"/>
+                  <a:t> </a:t>
+                </a:r>
+                <a:r>
+                  <a:rPr lang="it-IT" dirty="0" err="1"/>
+                  <a:t>algorithm</a:t>
+                </a:r>
+                <a:r>
+                  <a:rPr lang="it-IT" dirty="0"/>
+                  <a:t> for </a:t>
+                </a:r>
+                <a:r>
+                  <a:rPr lang="it-IT" dirty="0" err="1"/>
+                  <a:t>this</a:t>
+                </a:r>
+                <a:r>
+                  <a:rPr lang="it-IT" dirty="0"/>
+                  <a:t> </a:t>
+                </a:r>
+                <a:r>
+                  <a:rPr lang="it-IT" dirty="0" err="1"/>
+                  <a:t>problem</a:t>
+                </a:r>
+                <a:r>
+                  <a:rPr lang="it-IT" dirty="0"/>
+                  <a:t>.</a:t>
+                </a:r>
+              </a:p>
+              <a:p>
+                <a:pPr marL="0" indent="0">
+                  <a:buNone/>
+                </a:pPr>
+                <a:r>
+                  <a:rPr lang="it-IT" dirty="0"/>
+                  <a:t>First </a:t>
+                </a:r>
+                <a:r>
+                  <a:rPr lang="it-IT" dirty="0" err="1"/>
+                  <a:t>thing</a:t>
+                </a:r>
+                <a:r>
+                  <a:rPr lang="it-IT" dirty="0"/>
+                  <a:t> to do </a:t>
+                </a:r>
+                <a:r>
+                  <a:rPr lang="it-IT" dirty="0" err="1"/>
+                  <a:t>is</a:t>
+                </a:r>
+                <a:r>
+                  <a:rPr lang="it-IT" dirty="0"/>
+                  <a:t> to reduce the </a:t>
+                </a:r>
+                <a:r>
+                  <a:rPr lang="it-IT" dirty="0" err="1"/>
+                  <a:t>problem</a:t>
+                </a:r>
+                <a:r>
+                  <a:rPr lang="it-IT" dirty="0"/>
+                  <a:t> to an </a:t>
+                </a:r>
+                <a:r>
+                  <a:rPr lang="it-IT" dirty="0" err="1"/>
+                  <a:t>assignment</a:t>
+                </a:r>
+                <a:r>
+                  <a:rPr lang="it-IT" dirty="0"/>
+                  <a:t> </a:t>
+                </a:r>
+                <a:r>
+                  <a:rPr lang="it-IT" dirty="0" err="1"/>
+                  <a:t>problem</a:t>
+                </a:r>
+                <a:r>
+                  <a:rPr lang="it-IT" dirty="0"/>
+                  <a:t> =&gt; </a:t>
+                </a:r>
+                <a:r>
+                  <a:rPr lang="it-IT" dirty="0" err="1"/>
+                  <a:t>modify</a:t>
+                </a:r>
+                <a:r>
+                  <a:rPr lang="it-IT" dirty="0"/>
+                  <a:t> the </a:t>
+                </a:r>
+                <a:r>
+                  <a:rPr lang="it-IT" dirty="0" err="1"/>
+                  <a:t>graph</a:t>
+                </a:r>
+                <a:r>
+                  <a:rPr lang="it-IT" dirty="0"/>
+                  <a:t> and </a:t>
+                </a:r>
+                <a:r>
+                  <a:rPr lang="it-IT" dirty="0" err="1"/>
+                  <a:t>keep</a:t>
+                </a:r>
+                <a:r>
+                  <a:rPr lang="it-IT" dirty="0"/>
+                  <a:t> </a:t>
+                </a:r>
+                <a:r>
+                  <a:rPr lang="it-IT" dirty="0" err="1"/>
+                  <a:t>only</a:t>
+                </a:r>
+                <a:r>
+                  <a:rPr lang="it-IT" dirty="0"/>
+                  <a:t> </a:t>
+                </a:r>
+                <a:r>
+                  <a:rPr lang="it-IT" dirty="0" err="1"/>
+                  <a:t>shortest</a:t>
+                </a:r>
+                <a:r>
+                  <a:rPr lang="it-IT" dirty="0"/>
+                  <a:t> </a:t>
+                </a:r>
+                <a:r>
+                  <a:rPr lang="it-IT" dirty="0" err="1"/>
+                  <a:t>path</a:t>
+                </a:r>
+                <a:r>
+                  <a:rPr lang="it-IT" dirty="0"/>
+                  <a:t> </a:t>
+                </a:r>
+                <a:r>
+                  <a:rPr lang="it-IT" dirty="0" err="1"/>
+                  <a:t>edges</a:t>
+                </a:r>
+                <a:r>
+                  <a:rPr lang="it-IT" dirty="0"/>
+                  <a:t> from </a:t>
+                </a:r>
+                <a:r>
+                  <a:rPr lang="it-IT" dirty="0" err="1"/>
+                  <a:t>every</a:t>
+                </a:r>
+                <a:r>
+                  <a:rPr lang="it-IT" dirty="0"/>
+                  <a:t> </a:t>
+                </a:r>
+                <a:r>
+                  <a:rPr lang="it-IT" dirty="0" err="1"/>
+                  <a:t>starting</a:t>
+                </a:r>
+                <a:r>
+                  <a:rPr lang="it-IT" dirty="0"/>
+                  <a:t> point to </a:t>
+                </a:r>
+                <a:r>
+                  <a:rPr lang="it-IT" dirty="0" err="1"/>
+                  <a:t>every</a:t>
+                </a:r>
+                <a:r>
+                  <a:rPr lang="it-IT" dirty="0"/>
+                  <a:t> </a:t>
+                </a:r>
+                <a:r>
+                  <a:rPr lang="it-IT" dirty="0" err="1"/>
+                  <a:t>destination</a:t>
+                </a:r>
+                <a:r>
+                  <a:rPr lang="it-IT" dirty="0"/>
+                  <a:t>.</a:t>
+                </a:r>
+              </a:p>
+              <a:p>
+                <a:pPr marL="0" indent="0">
+                  <a:buNone/>
+                </a:pPr>
+                <a:r>
+                  <a:rPr lang="it-IT" dirty="0" err="1"/>
+                  <a:t>Then</a:t>
+                </a:r>
+                <a:r>
+                  <a:rPr lang="it-IT" dirty="0"/>
+                  <a:t> do a </a:t>
+                </a:r>
+                <a:r>
+                  <a:rPr lang="it-IT" dirty="0" err="1"/>
+                  <a:t>binary</a:t>
+                </a:r>
+                <a:r>
+                  <a:rPr lang="it-IT" dirty="0"/>
+                  <a:t> </a:t>
+                </a:r>
+                <a:r>
+                  <a:rPr lang="it-IT" dirty="0" err="1"/>
+                  <a:t>search</a:t>
+                </a:r>
+                <a:r>
+                  <a:rPr lang="it-IT" dirty="0"/>
+                  <a:t> (</a:t>
+                </a:r>
+                <a:r>
+                  <a:rPr lang="it-IT" dirty="0" err="1"/>
+                  <a:t>guess</a:t>
+                </a:r>
+                <a:r>
+                  <a:rPr lang="it-IT" dirty="0"/>
+                  <a:t>) and </a:t>
+                </a:r>
+                <a:r>
+                  <a:rPr lang="it-IT" dirty="0" err="1"/>
+                  <a:t>only</a:t>
+                </a:r>
+                <a:r>
+                  <a:rPr lang="it-IT" dirty="0"/>
+                  <a:t> </a:t>
+                </a:r>
+                <a:r>
+                  <a:rPr lang="it-IT" dirty="0" err="1"/>
+                  <a:t>add</a:t>
+                </a:r>
+                <a:r>
+                  <a:rPr lang="it-IT" dirty="0"/>
+                  <a:t> </a:t>
+                </a:r>
+                <a:r>
+                  <a:rPr lang="it-IT" dirty="0" err="1"/>
+                  <a:t>paths</a:t>
+                </a:r>
+                <a:r>
+                  <a:rPr lang="it-IT" dirty="0"/>
+                  <a:t> </a:t>
+                </a:r>
+                <a:r>
+                  <a:rPr lang="it-IT" dirty="0" err="1"/>
+                  <a:t>that</a:t>
+                </a:r>
+                <a:r>
+                  <a:rPr lang="it-IT" dirty="0"/>
+                  <a:t> </a:t>
+                </a:r>
+                <a:r>
+                  <a:rPr lang="it-IT" dirty="0" err="1"/>
+                  <a:t>have</a:t>
+                </a:r>
+                <a:r>
+                  <a:rPr lang="it-IT" dirty="0"/>
+                  <a:t> weight </a:t>
+                </a:r>
+                <a14:m>
+                  <m:oMath xmlns:m="http://schemas.openxmlformats.org/officeDocument/2006/math">
+                    <m:r>
+                      <a:rPr lang="it-IT" b="0" i="1" smtClean="0">
+                        <a:latin typeface="Cambria Math" panose="02040503050406030204" pitchFamily="18" charset="0"/>
+                      </a:rPr>
+                      <m:t>≤</m:t>
+                    </m:r>
+                    <m:r>
+                      <a:rPr lang="it-IT" b="0" i="1" smtClean="0">
+                        <a:latin typeface="Cambria Math" panose="02040503050406030204" pitchFamily="18" charset="0"/>
+                      </a:rPr>
+                      <m:t>𝑚𝑖𝑑</m:t>
+                    </m:r>
+                    <m:r>
+                      <a:rPr lang="it-IT" b="0" i="1" smtClean="0">
+                        <a:latin typeface="Cambria Math" panose="02040503050406030204" pitchFamily="18" charset="0"/>
+                      </a:rPr>
+                      <m:t> −</m:t>
+                    </m:r>
+                    <m:r>
+                      <a:rPr lang="it-IT" b="0" i="1" smtClean="0">
+                        <a:latin typeface="Cambria Math" panose="02040503050406030204" pitchFamily="18" charset="0"/>
+                      </a:rPr>
+                      <m:t>𝑑</m:t>
+                    </m:r>
+                  </m:oMath>
+                </a14:m>
+                <a:r>
+                  <a:rPr lang="it-IT" dirty="0"/>
+                  <a:t>. For the case where </a:t>
+                </a:r>
+                <a14:m>
+                  <m:oMath xmlns:m="http://schemas.openxmlformats.org/officeDocument/2006/math">
+                    <m:r>
+                      <a:rPr lang="it-IT" b="0" i="1" smtClean="0">
+                        <a:latin typeface="Cambria Math" panose="02040503050406030204" pitchFamily="18" charset="0"/>
+                      </a:rPr>
+                      <m:t>𝑐</m:t>
+                    </m:r>
+                    <m:r>
+                      <a:rPr lang="it-IT" b="0" i="1" smtClean="0">
+                        <a:latin typeface="Cambria Math" panose="02040503050406030204" pitchFamily="18" charset="0"/>
+                      </a:rPr>
+                      <m:t>=2</m:t>
+                    </m:r>
+                  </m:oMath>
+                </a14:m>
+                <a:r>
+                  <a:rPr lang="it-IT" dirty="0"/>
+                  <a:t>, create </a:t>
+                </a:r>
+                <a:r>
+                  <a:rPr lang="it-IT" dirty="0" err="1"/>
+                  <a:t>additional</a:t>
+                </a:r>
+                <a:r>
+                  <a:rPr lang="it-IT" dirty="0"/>
+                  <a:t> </a:t>
+                </a:r>
+                <a:r>
+                  <a:rPr lang="it-IT" dirty="0" err="1"/>
+                  <a:t>destinations</a:t>
+                </a:r>
+                <a:r>
+                  <a:rPr lang="it-IT" dirty="0"/>
+                  <a:t> and </a:t>
+                </a:r>
+                <a:r>
+                  <a:rPr lang="it-IT" dirty="0" err="1"/>
+                  <a:t>add</a:t>
+                </a:r>
+                <a:r>
+                  <a:rPr lang="it-IT" dirty="0"/>
+                  <a:t> </a:t>
+                </a:r>
+                <a:r>
+                  <a:rPr lang="it-IT" dirty="0" err="1"/>
+                  <a:t>paths</a:t>
+                </a:r>
+                <a:r>
+                  <a:rPr lang="it-IT" dirty="0"/>
+                  <a:t> to </a:t>
+                </a:r>
+                <a:r>
+                  <a:rPr lang="it-IT" dirty="0" err="1"/>
+                  <a:t>them</a:t>
+                </a:r>
+                <a:r>
+                  <a:rPr lang="it-IT" dirty="0"/>
+                  <a:t> </a:t>
+                </a:r>
+                <a:r>
+                  <a:rPr lang="it-IT" dirty="0" err="1"/>
+                  <a:t>that</a:t>
+                </a:r>
+                <a:r>
+                  <a:rPr lang="it-IT" dirty="0"/>
+                  <a:t> </a:t>
+                </a:r>
+                <a:r>
+                  <a:rPr lang="it-IT" dirty="0" err="1"/>
+                  <a:t>have</a:t>
+                </a:r>
+                <a:r>
+                  <a:rPr lang="it-IT" dirty="0"/>
+                  <a:t> weight </a:t>
+                </a:r>
+                <a14:m>
+                  <m:oMath xmlns:m="http://schemas.openxmlformats.org/officeDocument/2006/math">
+                    <m:r>
+                      <a:rPr lang="it-IT" b="0" i="1" smtClean="0">
+                        <a:latin typeface="Cambria Math" panose="02040503050406030204" pitchFamily="18" charset="0"/>
+                      </a:rPr>
+                      <m:t>≤</m:t>
+                    </m:r>
+                    <m:r>
+                      <a:rPr lang="it-IT" b="0" i="1" smtClean="0">
+                        <a:latin typeface="Cambria Math" panose="02040503050406030204" pitchFamily="18" charset="0"/>
+                      </a:rPr>
+                      <m:t>𝑚𝑖𝑑</m:t>
+                    </m:r>
+                    <m:r>
+                      <a:rPr lang="it-IT" b="0" i="1" smtClean="0">
+                        <a:latin typeface="Cambria Math" panose="02040503050406030204" pitchFamily="18" charset="0"/>
+                      </a:rPr>
+                      <m:t> −2</m:t>
+                    </m:r>
+                    <m:r>
+                      <a:rPr lang="it-IT" b="0" i="1" smtClean="0">
+                        <a:latin typeface="Cambria Math" panose="02040503050406030204" pitchFamily="18" charset="0"/>
+                      </a:rPr>
+                      <m:t>𝑑</m:t>
+                    </m:r>
+                  </m:oMath>
+                </a14:m>
+                <a:r>
+                  <a:rPr lang="it-IT" dirty="0"/>
+                  <a:t>.</a:t>
+                </a:r>
+              </a:p>
+              <a:p>
+                <a:pPr marL="0" indent="0">
+                  <a:buNone/>
+                </a:pPr>
+                <a:r>
+                  <a:rPr lang="it-IT" dirty="0"/>
+                  <a:t>Compute a maximum matching. </a:t>
+                </a:r>
+                <a:r>
+                  <a:rPr lang="it-IT" dirty="0" err="1"/>
+                  <a:t>If</a:t>
+                </a:r>
+                <a:r>
+                  <a:rPr lang="it-IT" dirty="0"/>
+                  <a:t> </a:t>
+                </a:r>
+                <a:r>
+                  <a:rPr lang="it-IT" dirty="0" err="1"/>
+                  <a:t>its</a:t>
+                </a:r>
+                <a:r>
+                  <a:rPr lang="it-IT" dirty="0"/>
+                  <a:t> size </a:t>
+                </a:r>
+                <a:r>
+                  <a:rPr lang="it-IT" dirty="0" err="1"/>
+                  <a:t>is</a:t>
+                </a:r>
+                <a:r>
+                  <a:rPr lang="it-IT" dirty="0"/>
+                  <a:t> </a:t>
+                </a:r>
+                <a:r>
+                  <a:rPr lang="it-IT" dirty="0" err="1"/>
+                  <a:t>exactly</a:t>
+                </a:r>
+                <a:r>
+                  <a:rPr lang="it-IT" dirty="0"/>
+                  <a:t> </a:t>
+                </a:r>
+                <a:r>
+                  <a:rPr lang="it-IT" dirty="0" err="1"/>
+                  <a:t>equal</a:t>
+                </a:r>
+                <a:r>
+                  <a:rPr lang="it-IT" dirty="0"/>
+                  <a:t> to the </a:t>
+                </a:r>
+                <a:r>
+                  <a:rPr lang="it-IT" dirty="0" err="1"/>
+                  <a:t>number</a:t>
+                </a:r>
+                <a:r>
+                  <a:rPr lang="it-IT" dirty="0"/>
+                  <a:t> of </a:t>
+                </a:r>
+                <a:r>
+                  <a:rPr lang="it-IT" dirty="0" err="1"/>
+                  <a:t>starting</a:t>
+                </a:r>
+                <a:r>
+                  <a:rPr lang="it-IT" dirty="0"/>
+                  <a:t> points, </a:t>
+                </a:r>
+                <a:r>
+                  <a:rPr lang="it-IT" dirty="0" err="1"/>
+                  <a:t>try</a:t>
+                </a:r>
+                <a:r>
+                  <a:rPr lang="it-IT" dirty="0"/>
+                  <a:t> to </a:t>
+                </a:r>
+                <a:r>
+                  <a:rPr lang="it-IT" dirty="0" err="1"/>
+                  <a:t>decrease</a:t>
+                </a:r>
+                <a:r>
+                  <a:rPr lang="it-IT" dirty="0"/>
+                  <a:t> </a:t>
+                </a:r>
+                <a14:m>
+                  <m:oMath xmlns:m="http://schemas.openxmlformats.org/officeDocument/2006/math">
+                    <m:r>
+                      <a:rPr lang="it-IT" b="0" i="1" smtClean="0">
+                        <a:latin typeface="Cambria Math" panose="02040503050406030204" pitchFamily="18" charset="0"/>
+                      </a:rPr>
+                      <m:t>𝑚𝑖𝑑</m:t>
+                    </m:r>
+                  </m:oMath>
+                </a14:m>
+                <a:r>
+                  <a:rPr lang="it-IT" dirty="0"/>
+                  <a:t>.</a:t>
+                </a:r>
+              </a:p>
+              <a:p>
+                <a:r>
+                  <a:rPr lang="it-IT" dirty="0"/>
+                  <a:t>Take home</a:t>
+                </a:r>
+              </a:p>
+              <a:p>
+                <a:pPr marL="0" indent="0">
+                  <a:buNone/>
+                </a:pPr>
+                <a:r>
+                  <a:rPr lang="it-IT" dirty="0" err="1"/>
+                  <a:t>Modifying</a:t>
+                </a:r>
+                <a:r>
+                  <a:rPr lang="it-IT" dirty="0"/>
+                  <a:t> the </a:t>
+                </a:r>
+                <a:r>
+                  <a:rPr lang="it-IT" dirty="0" err="1"/>
+                  <a:t>graph</a:t>
+                </a:r>
+                <a:r>
+                  <a:rPr lang="it-IT" dirty="0"/>
+                  <a:t> </a:t>
+                </a:r>
+                <a:r>
+                  <a:rPr lang="it-IT" dirty="0" err="1"/>
+                  <a:t>is</a:t>
+                </a:r>
+                <a:r>
+                  <a:rPr lang="it-IT" dirty="0"/>
+                  <a:t> </a:t>
+                </a:r>
+                <a:r>
+                  <a:rPr lang="it-IT" dirty="0" err="1"/>
+                  <a:t>usually</a:t>
+                </a:r>
+                <a:r>
+                  <a:rPr lang="it-IT" dirty="0"/>
+                  <a:t> a good </a:t>
+                </a:r>
+                <a:r>
+                  <a:rPr lang="it-IT" dirty="0" err="1"/>
+                  <a:t>choice</a:t>
+                </a:r>
+                <a:r>
+                  <a:rPr lang="it-IT" dirty="0"/>
+                  <a:t> to </a:t>
+                </a:r>
+                <a:r>
+                  <a:rPr lang="it-IT" dirty="0" err="1"/>
+                  <a:t>better</a:t>
+                </a:r>
+                <a:r>
+                  <a:rPr lang="it-IT" dirty="0"/>
+                  <a:t> </a:t>
+                </a:r>
+                <a:r>
+                  <a:rPr lang="it-IT" dirty="0" err="1"/>
+                  <a:t>understand</a:t>
+                </a:r>
+                <a:r>
+                  <a:rPr lang="it-IT" dirty="0"/>
+                  <a:t> the </a:t>
+                </a:r>
+                <a:r>
+                  <a:rPr lang="it-IT" dirty="0" err="1"/>
+                  <a:t>problem</a:t>
+                </a:r>
+                <a:r>
+                  <a:rPr lang="it-IT" dirty="0"/>
+                  <a:t>.</a:t>
+                </a:r>
+              </a:p>
+              <a:p>
+                <a:pPr marL="0" indent="0">
+                  <a:buNone/>
+                </a:pPr>
+                <a:r>
+                  <a:rPr lang="it-IT" dirty="0" err="1"/>
+                  <a:t>Nodes</a:t>
+                </a:r>
+                <a:r>
+                  <a:rPr lang="it-IT" dirty="0"/>
+                  <a:t> </a:t>
+                </a:r>
+                <a:r>
+                  <a:rPr lang="it-IT" dirty="0" err="1"/>
+                  <a:t>not</a:t>
+                </a:r>
+                <a:r>
+                  <a:rPr lang="it-IT" dirty="0"/>
+                  <a:t> </a:t>
+                </a:r>
+                <a:r>
+                  <a:rPr lang="it-IT" dirty="0" err="1"/>
+                  <a:t>reachable</a:t>
+                </a:r>
+                <a:r>
+                  <a:rPr lang="it-IT" dirty="0"/>
+                  <a:t> by </a:t>
+                </a:r>
+                <a:r>
+                  <a:rPr lang="it-IT" dirty="0" err="1"/>
+                  <a:t>Dijkstra</a:t>
+                </a:r>
+                <a:r>
+                  <a:rPr lang="it-IT" dirty="0"/>
+                  <a:t> </a:t>
+                </a:r>
+                <a:r>
+                  <a:rPr lang="it-IT" dirty="0" err="1"/>
+                  <a:t>have</a:t>
+                </a:r>
+                <a:r>
+                  <a:rPr lang="it-IT" dirty="0"/>
+                  <a:t> </a:t>
+                </a:r>
+                <a:r>
+                  <a:rPr lang="it-IT" dirty="0" err="1"/>
+                  <a:t>path</a:t>
+                </a:r>
+                <a:r>
+                  <a:rPr lang="it-IT" dirty="0"/>
+                  <a:t> weight of </a:t>
+                </a:r>
+                <a:r>
+                  <a:rPr lang="it-IT" dirty="0" err="1"/>
+                  <a:t>numeric_limits</a:t>
+                </a:r>
+                <a:r>
+                  <a:rPr lang="it-IT" dirty="0"/>
+                  <a:t>&lt;</a:t>
+                </a:r>
+                <a:r>
+                  <a:rPr lang="it-IT" dirty="0" err="1"/>
+                  <a:t>int</a:t>
+                </a:r>
+                <a:r>
+                  <a:rPr lang="it-IT" dirty="0"/>
+                  <a:t>&gt;::max() =&gt; </a:t>
+                </a:r>
+                <a:r>
+                  <a:rPr lang="it-IT" dirty="0" err="1"/>
+                  <a:t>watch</a:t>
+                </a:r>
+                <a:r>
+                  <a:rPr lang="it-IT" dirty="0"/>
+                  <a:t> out for overflows!</a:t>
+                </a:r>
+              </a:p>
+              <a:p>
+                <a:pPr marL="0" indent="0">
+                  <a:buNone/>
+                </a:pPr>
+                <a:r>
+                  <a:rPr lang="it-IT" dirty="0" err="1"/>
+                  <a:t>Partial</a:t>
+                </a:r>
+                <a:r>
+                  <a:rPr lang="it-IT" dirty="0"/>
+                  <a:t> points </a:t>
+                </a:r>
+                <a:r>
+                  <a:rPr lang="it-IT" dirty="0" err="1"/>
+                  <a:t>give</a:t>
+                </a:r>
+                <a:r>
+                  <a:rPr lang="it-IT" dirty="0"/>
+                  <a:t> </a:t>
+                </a:r>
+                <a:r>
+                  <a:rPr lang="it-IT" dirty="0" err="1"/>
+                  <a:t>hints</a:t>
+                </a:r>
+                <a:r>
+                  <a:rPr lang="it-IT" dirty="0"/>
+                  <a:t>! (the second test set </a:t>
+                </a:r>
+                <a:r>
+                  <a:rPr lang="it-IT" dirty="0" err="1"/>
+                  <a:t>has</a:t>
+                </a:r>
+                <a:r>
+                  <a:rPr lang="it-IT" dirty="0"/>
+                  <a:t> a </a:t>
+                </a:r>
+                <a:r>
+                  <a:rPr lang="it-IT" dirty="0" err="1"/>
+                  <a:t>binary</a:t>
+                </a:r>
+                <a:r>
+                  <a:rPr lang="it-IT" dirty="0"/>
+                  <a:t> </a:t>
+                </a:r>
+                <a:r>
+                  <a:rPr lang="it-IT" dirty="0" err="1"/>
+                  <a:t>answer</a:t>
+                </a:r>
+                <a:r>
+                  <a:rPr lang="it-IT" dirty="0"/>
+                  <a:t>, </a:t>
+                </a:r>
+                <a:r>
+                  <a:rPr lang="it-IT" dirty="0" err="1"/>
+                  <a:t>which</a:t>
+                </a:r>
+                <a:r>
+                  <a:rPr lang="it-IT" dirty="0"/>
+                  <a:t> </a:t>
+                </a:r>
+                <a:r>
+                  <a:rPr lang="it-IT" dirty="0" err="1"/>
+                  <a:t>is</a:t>
+                </a:r>
+                <a:r>
+                  <a:rPr lang="it-IT" dirty="0"/>
+                  <a:t> </a:t>
+                </a:r>
+                <a:r>
+                  <a:rPr lang="it-IT" dirty="0" err="1"/>
+                  <a:t>suggesting</a:t>
+                </a:r>
+                <a:r>
+                  <a:rPr lang="it-IT" dirty="0"/>
+                  <a:t> </a:t>
+                </a:r>
+                <a:r>
+                  <a:rPr lang="it-IT" dirty="0" err="1"/>
+                  <a:t>that</a:t>
+                </a:r>
+                <a:r>
+                  <a:rPr lang="it-IT" dirty="0"/>
+                  <a:t> </a:t>
+                </a:r>
+                <a:r>
+                  <a:rPr lang="it-IT" dirty="0" err="1"/>
+                  <a:t>guessing</a:t>
+                </a:r>
+                <a:r>
+                  <a:rPr lang="it-IT" dirty="0"/>
+                  <a:t> with </a:t>
+                </a:r>
+                <a:r>
+                  <a:rPr lang="it-IT" dirty="0" err="1"/>
+                  <a:t>binary</a:t>
+                </a:r>
+                <a:r>
+                  <a:rPr lang="it-IT" dirty="0"/>
+                  <a:t> </a:t>
+                </a:r>
+                <a:r>
+                  <a:rPr lang="it-IT" dirty="0" err="1"/>
+                  <a:t>search</a:t>
+                </a:r>
+                <a:r>
+                  <a:rPr lang="it-IT" dirty="0"/>
+                  <a:t> </a:t>
+                </a:r>
+                <a:r>
+                  <a:rPr lang="it-IT" dirty="0" err="1"/>
+                  <a:t>is</a:t>
+                </a:r>
+                <a:r>
+                  <a:rPr lang="it-IT" dirty="0"/>
+                  <a:t> a good </a:t>
+                </a:r>
+                <a:r>
+                  <a:rPr lang="it-IT" dirty="0" err="1"/>
+                  <a:t>approach</a:t>
+                </a:r>
+                <a:r>
+                  <a:rPr lang="it-IT" dirty="0"/>
+                  <a:t>.</a:t>
+                </a:r>
+              </a:p>
+            </p:txBody>
+          </p:sp>
+        </mc:Choice>
+        <mc:Fallback>
+          <p:sp>
+            <p:nvSpPr>
+              <p:cNvPr id="7" name="Segnaposto contenuto 6">
+                <a:extLst>
+                  <a:ext uri="{FF2B5EF4-FFF2-40B4-BE49-F238E27FC236}">
+                    <a16:creationId xmlns:a16="http://schemas.microsoft.com/office/drawing/2014/main" id="{451B668A-7F16-417E-9C12-D47A069A0098}"/>
+                  </a:ext>
+                </a:extLst>
+              </p:cNvPr>
+              <p:cNvSpPr>
+                <a:spLocks noGrp="1" noRot="1" noChangeAspect="1" noMove="1" noResize="1" noEditPoints="1" noAdjustHandles="1" noChangeArrowheads="1" noChangeShapeType="1" noTextEdit="1"/>
+              </p:cNvSpPr>
+              <p:nvPr>
+                <p:ph idx="1"/>
+              </p:nvPr>
+            </p:nvSpPr>
+            <p:spPr>
+              <a:xfrm>
+                <a:off x="838199" y="1825624"/>
+                <a:ext cx="10587361" cy="4459766"/>
+              </a:xfrm>
+              <a:blipFill>
+                <a:blip r:embed="rId2"/>
+                <a:stretch>
+                  <a:fillRect l="-173" t="-1503"/>
+                </a:stretch>
+              </a:blipFill>
+            </p:spPr>
+            <p:txBody>
+              <a:bodyPr/>
+              <a:lstStyle/>
+              <a:p>
+                <a:r>
+                  <a:rPr lang="it-IT">
+                    <a:noFill/>
+                  </a:rPr>
+                  <a:t> </a:t>
+                </a:r>
+              </a:p>
+            </p:txBody>
+          </p:sp>
+        </mc:Fallback>
+      </mc:AlternateContent>
+    </p:spTree>
+    <p:extLst>
+      <p:ext uri="{BB962C8B-B14F-4D97-AF65-F5344CB8AC3E}">
+        <p14:creationId xmlns:p14="http://schemas.microsoft.com/office/powerpoint/2010/main" val="589496162"/>
+      </p:ext>
+    </p:extLst>
+  </p:cSld>
+  <p:clrMapOvr>
+    <a:masterClrMapping/>
+  </p:clrMapOvr>
+</p:sld>
+</file>
+
+<file path=ppt/slides/slide43.xml><?xml version="1.0" encoding="utf-8"?>
+<p:sld xmlns:a="http://schemas.openxmlformats.org/drawingml/2006/main" xmlns:r="http://schemas.openxmlformats.org/officeDocument/2006/relationships" xmlns:p="http://schemas.openxmlformats.org/presentationml/2006/main">
+  <p:cSld>
+    <p:spTree>
+      <p:nvGrpSpPr>
+        <p:cNvPr id="1" name=""/>
+        <p:cNvGrpSpPr/>
+        <p:nvPr/>
+      </p:nvGrpSpPr>
+      <p:grpSpPr>
+        <a:xfrm>
+          <a:off x="0" y="0"/>
+          <a:ext cx="0" cy="0"/>
+          <a:chOff x="0" y="0"/>
+          <a:chExt cx="0" cy="0"/>
+        </a:xfrm>
+      </p:grpSpPr>
+      <p:sp>
+        <p:nvSpPr>
+          <p:cNvPr id="6" name="Titolo 5">
+            <a:extLst>
+              <a:ext uri="{FF2B5EF4-FFF2-40B4-BE49-F238E27FC236}">
+                <a16:creationId xmlns:a16="http://schemas.microsoft.com/office/drawing/2014/main" id="{328C170E-AA68-4AED-AE2D-6863D73C73E9}"/>
+              </a:ext>
+            </a:extLst>
+          </p:cNvPr>
+          <p:cNvSpPr>
+            <a:spLocks noGrp="1"/>
+          </p:cNvSpPr>
+          <p:nvPr>
+            <p:ph type="title"/>
+          </p:nvPr>
+        </p:nvSpPr>
+        <p:spPr/>
+        <p:txBody>
+          <a:bodyPr/>
+          <a:lstStyle/>
+          <a:p>
+            <a:r>
+              <a:rPr lang="it-IT" dirty="0"/>
+              <a:t>Week 12: Car Sharing</a:t>
+            </a:r>
+          </a:p>
+        </p:txBody>
+      </p:sp>
+      <p:sp>
+        <p:nvSpPr>
+          <p:cNvPr id="7" name="Segnaposto contenuto 6">
+            <a:extLst>
+              <a:ext uri="{FF2B5EF4-FFF2-40B4-BE49-F238E27FC236}">
+                <a16:creationId xmlns:a16="http://schemas.microsoft.com/office/drawing/2014/main" id="{451B668A-7F16-417E-9C12-D47A069A0098}"/>
+              </a:ext>
+            </a:extLst>
+          </p:cNvPr>
+          <p:cNvSpPr>
+            <a:spLocks noGrp="1"/>
+          </p:cNvSpPr>
+          <p:nvPr>
+            <p:ph idx="1"/>
+          </p:nvPr>
+        </p:nvSpPr>
+        <p:spPr>
+          <a:xfrm>
+            <a:off x="838199" y="1825624"/>
+            <a:ext cx="10587361" cy="4459766"/>
+          </a:xfrm>
+        </p:spPr>
+        <p:txBody>
+          <a:bodyPr>
+            <a:normAutofit fontScale="85000" lnSpcReduction="20000"/>
+          </a:bodyPr>
+          <a:lstStyle/>
+          <a:p>
+            <a:r>
+              <a:rPr lang="it-IT" dirty="0" err="1"/>
+              <a:t>Algorithmic</a:t>
+            </a:r>
+            <a:r>
+              <a:rPr lang="it-IT" dirty="0"/>
+              <a:t> </a:t>
+            </a:r>
+            <a:r>
+              <a:rPr lang="it-IT" dirty="0" err="1"/>
+              <a:t>description</a:t>
+            </a:r>
+            <a:endParaRPr lang="it-IT" dirty="0"/>
+          </a:p>
+          <a:p>
+            <a:pPr marL="0" indent="0">
+              <a:buNone/>
+            </a:pPr>
+            <a:r>
+              <a:rPr lang="it-IT" dirty="0" err="1"/>
+              <a:t>Graph</a:t>
+            </a:r>
+            <a:r>
+              <a:rPr lang="it-IT" dirty="0"/>
+              <a:t> of </a:t>
+            </a:r>
+            <a:r>
+              <a:rPr lang="it-IT" dirty="0" err="1"/>
+              <a:t>movements</a:t>
+            </a:r>
+            <a:r>
+              <a:rPr lang="it-IT" dirty="0"/>
+              <a:t> over time. </a:t>
+            </a:r>
+            <a:r>
+              <a:rPr lang="it-IT" dirty="0" err="1"/>
+              <a:t>Each</a:t>
+            </a:r>
+            <a:r>
+              <a:rPr lang="it-IT" dirty="0"/>
+              <a:t> </a:t>
+            </a:r>
+            <a:r>
+              <a:rPr lang="it-IT" dirty="0" err="1"/>
+              <a:t>movement</a:t>
+            </a:r>
+            <a:r>
+              <a:rPr lang="it-IT" dirty="0"/>
+              <a:t> </a:t>
+            </a:r>
+            <a:r>
+              <a:rPr lang="it-IT" dirty="0" err="1"/>
+              <a:t>has</a:t>
+            </a:r>
+            <a:r>
+              <a:rPr lang="it-IT" dirty="0"/>
+              <a:t> a cost, </a:t>
+            </a:r>
+            <a:r>
+              <a:rPr lang="it-IT" dirty="0" err="1"/>
+              <a:t>maximize</a:t>
+            </a:r>
+            <a:r>
+              <a:rPr lang="it-IT" dirty="0"/>
+              <a:t> the cost over </a:t>
+            </a:r>
+            <a:r>
+              <a:rPr lang="it-IT" dirty="0" err="1"/>
+              <a:t>all</a:t>
+            </a:r>
+            <a:r>
+              <a:rPr lang="it-IT" dirty="0"/>
+              <a:t> </a:t>
+            </a:r>
+            <a:r>
+              <a:rPr lang="it-IT" dirty="0" err="1"/>
+              <a:t>movements</a:t>
+            </a:r>
+            <a:r>
+              <a:rPr lang="it-IT" dirty="0"/>
+              <a:t> with a planning schedule </a:t>
+            </a:r>
+            <a:r>
+              <a:rPr lang="it-IT" dirty="0" err="1"/>
+              <a:t>that</a:t>
+            </a:r>
+            <a:r>
+              <a:rPr lang="it-IT" dirty="0"/>
+              <a:t> </a:t>
+            </a:r>
+            <a:r>
+              <a:rPr lang="it-IT" dirty="0" err="1"/>
+              <a:t>is</a:t>
+            </a:r>
+            <a:r>
+              <a:rPr lang="it-IT" dirty="0"/>
+              <a:t> </a:t>
+            </a:r>
+            <a:r>
+              <a:rPr lang="it-IT" dirty="0" err="1"/>
+              <a:t>feasible</a:t>
+            </a:r>
+            <a:r>
+              <a:rPr lang="it-IT" dirty="0"/>
+              <a:t>.</a:t>
+            </a:r>
+          </a:p>
+          <a:p>
+            <a:r>
+              <a:rPr lang="it-IT" dirty="0"/>
+              <a:t>Solution</a:t>
+            </a:r>
+          </a:p>
+          <a:p>
+            <a:pPr marL="0" indent="0">
+              <a:buNone/>
+            </a:pPr>
+            <a:r>
+              <a:rPr lang="it-IT" dirty="0" err="1"/>
+              <a:t>MinCost-MaxFlow</a:t>
+            </a:r>
+            <a:r>
+              <a:rPr lang="it-IT" dirty="0"/>
+              <a:t>, </a:t>
+            </a:r>
+            <a:r>
+              <a:rPr lang="it-IT" dirty="0" err="1"/>
+              <a:t>see</a:t>
+            </a:r>
+            <a:r>
+              <a:rPr lang="it-IT" dirty="0"/>
+              <a:t> </a:t>
+            </a:r>
+            <a:r>
+              <a:rPr lang="it-IT" dirty="0" err="1"/>
+              <a:t>graph</a:t>
+            </a:r>
+            <a:r>
+              <a:rPr lang="it-IT" dirty="0"/>
+              <a:t>.</a:t>
+            </a:r>
+          </a:p>
+          <a:p>
+            <a:pPr marL="0" indent="0">
+              <a:buNone/>
+            </a:pPr>
+            <a:r>
+              <a:rPr lang="it-IT" dirty="0"/>
+              <a:t>Use </a:t>
+            </a:r>
+            <a:r>
+              <a:rPr lang="it-IT" dirty="0" err="1"/>
+              <a:t>successive_shortest_paths</a:t>
+            </a:r>
+            <a:r>
+              <a:rPr lang="it-IT" dirty="0"/>
+              <a:t> </a:t>
+            </a:r>
+            <a:r>
+              <a:rPr lang="it-IT" dirty="0" err="1"/>
+              <a:t>where</a:t>
+            </a:r>
+            <a:r>
+              <a:rPr lang="it-IT" dirty="0"/>
+              <a:t> offset </a:t>
+            </a:r>
+            <a:r>
+              <a:rPr lang="it-IT" dirty="0" err="1"/>
+              <a:t>is</a:t>
+            </a:r>
+            <a:r>
+              <a:rPr lang="it-IT" dirty="0"/>
+              <a:t> </a:t>
+            </a:r>
+            <a:r>
+              <a:rPr lang="it-IT" dirty="0" err="1"/>
+              <a:t>ruled</a:t>
+            </a:r>
+            <a:r>
+              <a:rPr lang="it-IT" dirty="0"/>
+              <a:t> by time (</a:t>
+            </a:r>
+            <a:r>
+              <a:rPr lang="it-IT" dirty="0" err="1"/>
+              <a:t>arrival-departure</a:t>
+            </a:r>
+            <a:r>
+              <a:rPr lang="it-IT" dirty="0"/>
+              <a:t>)*</a:t>
+            </a:r>
+            <a:r>
+              <a:rPr lang="it-IT" dirty="0" err="1"/>
+              <a:t>max_cost</a:t>
+            </a:r>
+            <a:r>
+              <a:rPr lang="it-IT" b="1" dirty="0"/>
+              <a:t>. </a:t>
+            </a:r>
+            <a:r>
+              <a:rPr lang="it-IT" b="1" dirty="0" err="1"/>
+              <a:t>Every</a:t>
+            </a:r>
+            <a:r>
+              <a:rPr lang="it-IT" b="1" dirty="0"/>
+              <a:t> source-</a:t>
+            </a:r>
+            <a:r>
+              <a:rPr lang="it-IT" b="1" dirty="0" err="1"/>
+              <a:t>sink</a:t>
+            </a:r>
+            <a:r>
+              <a:rPr lang="it-IT" b="1" dirty="0"/>
+              <a:t> </a:t>
+            </a:r>
+            <a:r>
+              <a:rPr lang="it-IT" b="1" dirty="0" err="1"/>
+              <a:t>path</a:t>
+            </a:r>
+            <a:r>
+              <a:rPr lang="it-IT" b="1" dirty="0"/>
+              <a:t> </a:t>
+            </a:r>
+            <a:r>
+              <a:rPr lang="it-IT" b="1" dirty="0" err="1"/>
+              <a:t>should</a:t>
+            </a:r>
+            <a:r>
+              <a:rPr lang="it-IT" b="1" dirty="0"/>
+              <a:t> </a:t>
+            </a:r>
+            <a:r>
+              <a:rPr lang="it-IT" b="1" dirty="0" err="1"/>
+              <a:t>have</a:t>
+            </a:r>
+            <a:r>
+              <a:rPr lang="it-IT" b="1" dirty="0"/>
+              <a:t> the SAME </a:t>
+            </a:r>
+            <a:r>
+              <a:rPr lang="it-IT" b="1" dirty="0" err="1"/>
+              <a:t>offet</a:t>
+            </a:r>
+            <a:r>
+              <a:rPr lang="it-IT" b="1" dirty="0"/>
+              <a:t>.</a:t>
+            </a:r>
+          </a:p>
+          <a:p>
+            <a:pPr marL="0" indent="0">
+              <a:buNone/>
+            </a:pPr>
+            <a:r>
+              <a:rPr lang="it-IT" dirty="0" err="1"/>
+              <a:t>Represent</a:t>
+            </a:r>
+            <a:r>
+              <a:rPr lang="it-IT" dirty="0"/>
+              <a:t> </a:t>
+            </a:r>
+            <a:r>
+              <a:rPr lang="it-IT" dirty="0" err="1"/>
+              <a:t>only</a:t>
+            </a:r>
+            <a:r>
+              <a:rPr lang="it-IT" dirty="0"/>
+              <a:t> </a:t>
+            </a:r>
+            <a:r>
+              <a:rPr lang="it-IT" dirty="0" err="1"/>
+              <a:t>useful</a:t>
+            </a:r>
+            <a:r>
+              <a:rPr lang="it-IT" dirty="0"/>
+              <a:t> times in the </a:t>
+            </a:r>
+            <a:r>
+              <a:rPr lang="it-IT" dirty="0" err="1"/>
+              <a:t>graph</a:t>
+            </a:r>
+            <a:r>
+              <a:rPr lang="it-IT" dirty="0"/>
+              <a:t> =&gt; first store the </a:t>
+            </a:r>
+            <a:r>
+              <a:rPr lang="it-IT" dirty="0" err="1"/>
+              <a:t>relationships</a:t>
+            </a:r>
+            <a:r>
+              <a:rPr lang="it-IT" dirty="0"/>
+              <a:t> and </a:t>
+            </a:r>
+            <a:r>
+              <a:rPr lang="it-IT" dirty="0" err="1"/>
+              <a:t>then</a:t>
+            </a:r>
+            <a:r>
+              <a:rPr lang="it-IT" dirty="0"/>
+              <a:t> create the </a:t>
+            </a:r>
+            <a:r>
+              <a:rPr lang="it-IT" dirty="0" err="1"/>
+              <a:t>graph</a:t>
+            </a:r>
+            <a:r>
+              <a:rPr lang="it-IT" dirty="0"/>
+              <a:t>. </a:t>
+            </a:r>
+            <a:r>
+              <a:rPr lang="it-IT" dirty="0" err="1"/>
+              <a:t>Add</a:t>
+            </a:r>
+            <a:r>
+              <a:rPr lang="it-IT" dirty="0"/>
+              <a:t> a 0 and MAXTIME </a:t>
+            </a:r>
+            <a:r>
+              <a:rPr lang="it-IT" dirty="0" err="1"/>
+              <a:t>node</a:t>
+            </a:r>
+            <a:r>
+              <a:rPr lang="it-IT" dirty="0"/>
+              <a:t> per </a:t>
+            </a:r>
+            <a:r>
+              <a:rPr lang="it-IT" dirty="0" err="1"/>
+              <a:t>every</a:t>
+            </a:r>
+            <a:r>
+              <a:rPr lang="it-IT" dirty="0"/>
+              <a:t> location.</a:t>
+            </a:r>
+          </a:p>
+          <a:p>
+            <a:pPr marL="0" indent="0">
+              <a:buNone/>
+            </a:pPr>
+            <a:r>
+              <a:rPr lang="it-IT" dirty="0"/>
+              <a:t>Use a set to sort time slots for </a:t>
+            </a:r>
+            <a:r>
+              <a:rPr lang="it-IT" dirty="0" err="1"/>
+              <a:t>every</a:t>
+            </a:r>
+            <a:r>
+              <a:rPr lang="it-IT" dirty="0"/>
+              <a:t> location.</a:t>
+            </a:r>
+          </a:p>
+          <a:p>
+            <a:pPr marL="0" indent="0">
+              <a:buNone/>
+            </a:pPr>
+            <a:r>
+              <a:rPr lang="it-IT" dirty="0"/>
+              <a:t>Play a bit with </a:t>
+            </a:r>
+            <a:r>
+              <a:rPr lang="it-IT" dirty="0" err="1"/>
+              <a:t>offsets</a:t>
+            </a:r>
+            <a:r>
+              <a:rPr lang="it-IT" dirty="0"/>
+              <a:t> to </a:t>
+            </a:r>
+            <a:r>
+              <a:rPr lang="it-IT" dirty="0" err="1"/>
+              <a:t>identify</a:t>
+            </a:r>
+            <a:r>
+              <a:rPr lang="it-IT" dirty="0"/>
+              <a:t> </a:t>
+            </a:r>
+            <a:r>
+              <a:rPr lang="it-IT" dirty="0" err="1"/>
+              <a:t>nodes</a:t>
+            </a:r>
+            <a:r>
+              <a:rPr lang="it-IT" dirty="0"/>
+              <a:t>’ index.</a:t>
+            </a:r>
+          </a:p>
+          <a:p>
+            <a:pPr marL="0" indent="0">
+              <a:buNone/>
+            </a:pPr>
+            <a:r>
+              <a:rPr lang="it-IT" dirty="0" err="1"/>
+              <a:t>Add</a:t>
+            </a:r>
+            <a:r>
+              <a:rPr lang="it-IT" dirty="0"/>
+              <a:t> </a:t>
+            </a:r>
+            <a:r>
+              <a:rPr lang="it-IT" dirty="0" err="1"/>
+              <a:t>edges</a:t>
+            </a:r>
+            <a:r>
+              <a:rPr lang="it-IT" dirty="0"/>
+              <a:t> </a:t>
+            </a:r>
+            <a:r>
+              <a:rPr lang="it-IT" dirty="0" err="1"/>
+              <a:t>between</a:t>
+            </a:r>
+            <a:r>
+              <a:rPr lang="it-IT" dirty="0"/>
+              <a:t> </a:t>
+            </a:r>
+            <a:r>
+              <a:rPr lang="it-IT" dirty="0" err="1"/>
+              <a:t>two</a:t>
+            </a:r>
+            <a:r>
+              <a:rPr lang="it-IT" dirty="0"/>
+              <a:t> moments of the </a:t>
+            </a:r>
+            <a:r>
+              <a:rPr lang="it-IT" dirty="0" err="1"/>
+              <a:t>same</a:t>
+            </a:r>
+            <a:r>
+              <a:rPr lang="it-IT" dirty="0"/>
+              <a:t> location to store </a:t>
+            </a:r>
+            <a:r>
+              <a:rPr lang="it-IT" dirty="0" err="1"/>
+              <a:t>unused</a:t>
+            </a:r>
+            <a:r>
+              <a:rPr lang="it-IT" dirty="0"/>
+              <a:t> flow (</a:t>
+            </a:r>
+            <a:r>
+              <a:rPr lang="it-IT" dirty="0" err="1"/>
+              <a:t>see</a:t>
+            </a:r>
+            <a:r>
+              <a:rPr lang="it-IT" dirty="0"/>
+              <a:t> </a:t>
+            </a:r>
+            <a:r>
+              <a:rPr lang="it-IT" b="1" dirty="0" err="1"/>
+              <a:t>Canteen</a:t>
+            </a:r>
+            <a:r>
+              <a:rPr lang="it-IT" dirty="0"/>
+              <a:t>).</a:t>
+            </a:r>
+          </a:p>
+        </p:txBody>
+      </p:sp>
+      <p:pic>
+        <p:nvPicPr>
+          <p:cNvPr id="3" name="Immagine 2">
+            <a:extLst>
+              <a:ext uri="{FF2B5EF4-FFF2-40B4-BE49-F238E27FC236}">
+                <a16:creationId xmlns:a16="http://schemas.microsoft.com/office/drawing/2014/main" id="{A344D126-3A94-4C74-99EE-E71C34B68129}"/>
+              </a:ext>
+            </a:extLst>
+          </p:cNvPr>
+          <p:cNvPicPr>
+            <a:picLocks noChangeAspect="1"/>
+          </p:cNvPicPr>
+          <p:nvPr/>
+        </p:nvPicPr>
+        <p:blipFill rotWithShape="1">
+          <a:blip r:embed="rId2"/>
+          <a:srcRect l="3203" t="20416" r="60938" b="56528"/>
+          <a:stretch/>
+        </p:blipFill>
+        <p:spPr>
+          <a:xfrm>
+            <a:off x="7053585" y="365125"/>
+            <a:ext cx="4371975" cy="1581151"/>
+          </a:xfrm>
+          <a:prstGeom prst="rect">
+            <a:avLst/>
+          </a:prstGeom>
+        </p:spPr>
+      </p:pic>
+    </p:spTree>
+    <p:extLst>
+      <p:ext uri="{BB962C8B-B14F-4D97-AF65-F5344CB8AC3E}">
+        <p14:creationId xmlns:p14="http://schemas.microsoft.com/office/powerpoint/2010/main" val="4205318301"/>
+      </p:ext>
+    </p:extLst>
+  </p:cSld>
+  <p:clrMapOvr>
+    <a:masterClrMapping/>
+  </p:clrMapOvr>
+</p:sld>
+</file>
+
+<file path=ppt/slides/slide44.xml><?xml version="1.0" encoding="utf-8"?>
+<p:sld xmlns:a="http://schemas.openxmlformats.org/drawingml/2006/main" xmlns:r="http://schemas.openxmlformats.org/officeDocument/2006/relationships" xmlns:p="http://schemas.openxmlformats.org/presentationml/2006/main">
+  <p:cSld>
+    <p:bg>
+      <p:bgPr>
+        <a:solidFill>
+          <a:schemeClr val="accent4"/>
+        </a:solidFill>
+        <a:effectLst/>
+      </p:bgPr>
+    </p:bg>
+    <p:spTree>
+      <p:nvGrpSpPr>
+        <p:cNvPr id="1" name=""/>
+        <p:cNvGrpSpPr/>
+        <p:nvPr/>
+      </p:nvGrpSpPr>
+      <p:grpSpPr>
+        <a:xfrm>
+          <a:off x="0" y="0"/>
+          <a:ext cx="0" cy="0"/>
+          <a:chOff x="0" y="0"/>
+          <a:chExt cx="0" cy="0"/>
+        </a:xfrm>
+      </p:grpSpPr>
+      <p:sp>
+        <p:nvSpPr>
+          <p:cNvPr id="6" name="Titolo 5">
+            <a:extLst>
+              <a:ext uri="{FF2B5EF4-FFF2-40B4-BE49-F238E27FC236}">
+                <a16:creationId xmlns:a16="http://schemas.microsoft.com/office/drawing/2014/main" id="{328C170E-AA68-4AED-AE2D-6863D73C73E9}"/>
+              </a:ext>
+            </a:extLst>
+          </p:cNvPr>
+          <p:cNvSpPr>
+            <a:spLocks noGrp="1"/>
+          </p:cNvSpPr>
+          <p:nvPr>
+            <p:ph type="title"/>
+          </p:nvPr>
+        </p:nvSpPr>
+        <p:spPr/>
+        <p:txBody>
+          <a:bodyPr/>
+          <a:lstStyle/>
+          <a:p>
+            <a:r>
+              <a:rPr lang="it-IT" dirty="0"/>
+              <a:t>Week 12: Bonus Level</a:t>
+            </a:r>
+          </a:p>
+        </p:txBody>
+      </p:sp>
+      <p:sp>
+        <p:nvSpPr>
+          <p:cNvPr id="7" name="Segnaposto contenuto 6">
+            <a:extLst>
+              <a:ext uri="{FF2B5EF4-FFF2-40B4-BE49-F238E27FC236}">
+                <a16:creationId xmlns:a16="http://schemas.microsoft.com/office/drawing/2014/main" id="{451B668A-7F16-417E-9C12-D47A069A0098}"/>
+              </a:ext>
+            </a:extLst>
+          </p:cNvPr>
+          <p:cNvSpPr>
+            <a:spLocks noGrp="1"/>
+          </p:cNvSpPr>
+          <p:nvPr>
+            <p:ph idx="1"/>
+          </p:nvPr>
+        </p:nvSpPr>
+        <p:spPr>
+          <a:xfrm>
+            <a:off x="838200" y="1825625"/>
+            <a:ext cx="10515600" cy="4667250"/>
+          </a:xfrm>
+        </p:spPr>
+        <p:txBody>
+          <a:bodyPr>
+            <a:normAutofit fontScale="55000" lnSpcReduction="20000"/>
+          </a:bodyPr>
+          <a:lstStyle/>
+          <a:p>
+            <a:r>
+              <a:rPr lang="it-IT" dirty="0"/>
+              <a:t>Algorithmic </a:t>
+            </a:r>
+            <a:r>
+              <a:rPr lang="it-IT" dirty="0" err="1"/>
+              <a:t>description</a:t>
+            </a:r>
+            <a:endParaRPr lang="it-IT" dirty="0"/>
+          </a:p>
+          <a:p>
+            <a:pPr marL="0" indent="0">
+              <a:buNone/>
+            </a:pPr>
+            <a:r>
+              <a:rPr lang="it-IT" dirty="0" err="1"/>
+              <a:t>Given</a:t>
+            </a:r>
+            <a:r>
+              <a:rPr lang="it-IT" dirty="0"/>
+              <a:t> a </a:t>
+            </a:r>
+            <a:r>
+              <a:rPr lang="it-IT" dirty="0" err="1"/>
+              <a:t>matrix</a:t>
+            </a:r>
+            <a:r>
+              <a:rPr lang="it-IT" dirty="0"/>
+              <a:t> </a:t>
+            </a:r>
+            <a:r>
+              <a:rPr lang="it-IT" dirty="0" err="1"/>
+              <a:t>where</a:t>
+            </a:r>
+            <a:r>
+              <a:rPr lang="it-IT" dirty="0"/>
+              <a:t> one </a:t>
+            </a:r>
+            <a:r>
+              <a:rPr lang="it-IT" dirty="0" err="1"/>
+              <a:t>could</a:t>
+            </a:r>
+            <a:r>
+              <a:rPr lang="it-IT" dirty="0"/>
+              <a:t> </a:t>
+            </a:r>
+            <a:r>
+              <a:rPr lang="it-IT" dirty="0" err="1"/>
+              <a:t>move</a:t>
+            </a:r>
+            <a:r>
+              <a:rPr lang="it-IT" dirty="0"/>
+              <a:t> down or to the </a:t>
+            </a:r>
+            <a:r>
+              <a:rPr lang="it-IT" dirty="0" err="1"/>
+              <a:t>right</a:t>
+            </a:r>
+            <a:r>
+              <a:rPr lang="it-IT" dirty="0"/>
+              <a:t> from the </a:t>
+            </a:r>
+            <a:r>
+              <a:rPr lang="it-IT" dirty="0" err="1"/>
+              <a:t>left-upper</a:t>
+            </a:r>
+            <a:r>
+              <a:rPr lang="it-IT" dirty="0"/>
+              <a:t> point and up and </a:t>
+            </a:r>
+            <a:r>
+              <a:rPr lang="it-IT" dirty="0" err="1"/>
+              <a:t>left</a:t>
+            </a:r>
+            <a:r>
+              <a:rPr lang="it-IT" dirty="0"/>
+              <a:t> from the </a:t>
+            </a:r>
+            <a:r>
+              <a:rPr lang="it-IT" dirty="0" err="1"/>
+              <a:t>right-downmost</a:t>
+            </a:r>
+            <a:r>
+              <a:rPr lang="it-IT" dirty="0"/>
+              <a:t> point, </a:t>
+            </a:r>
+            <a:r>
+              <a:rPr lang="it-IT" dirty="0" err="1"/>
+              <a:t>collect</a:t>
+            </a:r>
+            <a:r>
+              <a:rPr lang="it-IT" dirty="0"/>
+              <a:t> the maximum </a:t>
+            </a:r>
+            <a:r>
+              <a:rPr lang="it-IT" dirty="0" err="1"/>
+              <a:t>value</a:t>
+            </a:r>
+            <a:r>
+              <a:rPr lang="it-IT" dirty="0"/>
+              <a:t> </a:t>
+            </a:r>
+            <a:r>
+              <a:rPr lang="it-IT" dirty="0" err="1"/>
+              <a:t>starting</a:t>
+            </a:r>
+            <a:r>
+              <a:rPr lang="it-IT" dirty="0"/>
+              <a:t> from the </a:t>
+            </a:r>
+            <a:r>
+              <a:rPr lang="it-IT" dirty="0" err="1"/>
+              <a:t>left-upper</a:t>
+            </a:r>
+            <a:r>
+              <a:rPr lang="it-IT" dirty="0"/>
+              <a:t> point, </a:t>
+            </a:r>
+            <a:r>
+              <a:rPr lang="it-IT" dirty="0" err="1"/>
+              <a:t>reaching</a:t>
+            </a:r>
+            <a:r>
+              <a:rPr lang="it-IT" dirty="0"/>
+              <a:t> the </a:t>
+            </a:r>
+            <a:r>
+              <a:rPr lang="it-IT" dirty="0" err="1"/>
+              <a:t>most</a:t>
+            </a:r>
+            <a:r>
+              <a:rPr lang="it-IT" dirty="0"/>
+              <a:t> </a:t>
+            </a:r>
+            <a:r>
+              <a:rPr lang="it-IT" dirty="0" err="1"/>
+              <a:t>right</a:t>
+            </a:r>
+            <a:r>
+              <a:rPr lang="it-IT" dirty="0"/>
+              <a:t>-down point and back.</a:t>
+            </a:r>
+          </a:p>
+          <a:p>
+            <a:r>
+              <a:rPr lang="it-IT" dirty="0"/>
+              <a:t>Solution</a:t>
+            </a:r>
+          </a:p>
+          <a:p>
+            <a:pPr marL="0" indent="0">
+              <a:buNone/>
+            </a:pPr>
+            <a:r>
+              <a:rPr lang="it-IT" dirty="0"/>
+              <a:t>The </a:t>
+            </a:r>
+            <a:r>
+              <a:rPr lang="it-IT" dirty="0" err="1"/>
+              <a:t>main</a:t>
+            </a:r>
+            <a:r>
+              <a:rPr lang="it-IT" dirty="0"/>
+              <a:t> idea </a:t>
+            </a:r>
+            <a:r>
+              <a:rPr lang="it-IT" dirty="0" err="1"/>
+              <a:t>here</a:t>
+            </a:r>
+            <a:r>
+              <a:rPr lang="it-IT" dirty="0"/>
+              <a:t> </a:t>
+            </a:r>
+            <a:r>
+              <a:rPr lang="it-IT" dirty="0" err="1"/>
+              <a:t>is</a:t>
+            </a:r>
+            <a:r>
+              <a:rPr lang="it-IT" dirty="0"/>
+              <a:t> to </a:t>
+            </a:r>
+            <a:r>
+              <a:rPr lang="it-IT" dirty="0" err="1"/>
+              <a:t>refine</a:t>
+            </a:r>
+            <a:r>
+              <a:rPr lang="it-IT" dirty="0"/>
+              <a:t> the DP </a:t>
+            </a:r>
+            <a:r>
+              <a:rPr lang="it-IT" dirty="0" err="1"/>
+              <a:t>formulation</a:t>
+            </a:r>
+            <a:r>
+              <a:rPr lang="it-IT" dirty="0"/>
+              <a:t>.</a:t>
+            </a:r>
+          </a:p>
+          <a:p>
+            <a:pPr marL="0" indent="0">
+              <a:buNone/>
+            </a:pPr>
+            <a:r>
+              <a:rPr lang="it-IT" dirty="0"/>
+              <a:t>First, </a:t>
+            </a:r>
+            <a:r>
+              <a:rPr lang="it-IT" dirty="0" err="1"/>
+              <a:t>it</a:t>
+            </a:r>
+            <a:r>
+              <a:rPr lang="it-IT" dirty="0"/>
+              <a:t> </a:t>
+            </a:r>
+            <a:r>
+              <a:rPr lang="it-IT" dirty="0" err="1"/>
+              <a:t>is</a:t>
+            </a:r>
+            <a:r>
+              <a:rPr lang="it-IT" dirty="0"/>
+              <a:t> </a:t>
+            </a:r>
+            <a:r>
+              <a:rPr lang="it-IT" dirty="0" err="1"/>
+              <a:t>possible</a:t>
+            </a:r>
+            <a:r>
+              <a:rPr lang="it-IT" dirty="0"/>
+              <a:t> to </a:t>
+            </a:r>
+            <a:r>
+              <a:rPr lang="it-IT" dirty="0" err="1"/>
+              <a:t>keep</a:t>
+            </a:r>
+            <a:r>
+              <a:rPr lang="it-IT" dirty="0"/>
+              <a:t> track of </a:t>
+            </a:r>
+            <a:r>
+              <a:rPr lang="it-IT" dirty="0" err="1"/>
+              <a:t>both</a:t>
+            </a:r>
+            <a:r>
+              <a:rPr lang="it-IT" dirty="0"/>
+              <a:t> </a:t>
+            </a:r>
+            <a:r>
+              <a:rPr lang="it-IT" dirty="0" err="1"/>
+              <a:t>paths</a:t>
+            </a:r>
+            <a:r>
+              <a:rPr lang="it-IT" dirty="0"/>
+              <a:t> </a:t>
+            </a:r>
+            <a:r>
+              <a:rPr lang="it-IT" dirty="0" err="1"/>
+              <a:t>at</a:t>
+            </a:r>
+            <a:r>
+              <a:rPr lang="it-IT" dirty="0"/>
+              <a:t> the </a:t>
+            </a:r>
+            <a:r>
+              <a:rPr lang="it-IT" dirty="0" err="1"/>
+              <a:t>same</a:t>
+            </a:r>
+            <a:r>
+              <a:rPr lang="it-IT" dirty="0"/>
+              <a:t> time with 4 </a:t>
+            </a:r>
+            <a:r>
+              <a:rPr lang="it-IT" dirty="0" err="1"/>
+              <a:t>indices</a:t>
+            </a:r>
+            <a:r>
+              <a:rPr lang="it-IT" dirty="0"/>
+              <a:t>: i1, i2, j1, j2</a:t>
+            </a:r>
+          </a:p>
+          <a:p>
+            <a:pPr marL="0" indent="0">
+              <a:buNone/>
+            </a:pPr>
+            <a:r>
+              <a:rPr lang="it-IT" dirty="0"/>
+              <a:t>Pick the i1, j1 </a:t>
+            </a:r>
+            <a:r>
+              <a:rPr lang="it-IT" dirty="0" err="1"/>
+              <a:t>cell</a:t>
+            </a:r>
+            <a:r>
+              <a:rPr lang="it-IT" dirty="0"/>
+              <a:t> (set </a:t>
+            </a:r>
+            <a:r>
+              <a:rPr lang="it-IT" dirty="0" err="1"/>
+              <a:t>it</a:t>
+            </a:r>
+            <a:r>
+              <a:rPr lang="it-IT" dirty="0"/>
+              <a:t> to 0) and </a:t>
+            </a:r>
+            <a:r>
+              <a:rPr lang="it-IT" dirty="0" err="1"/>
+              <a:t>then</a:t>
+            </a:r>
+            <a:r>
+              <a:rPr lang="it-IT" dirty="0"/>
+              <a:t> </a:t>
+            </a:r>
+            <a:r>
+              <a:rPr lang="it-IT" dirty="0" err="1"/>
+              <a:t>recur</a:t>
+            </a:r>
+            <a:r>
+              <a:rPr lang="it-IT" dirty="0"/>
+              <a:t> over </a:t>
+            </a:r>
+            <a:r>
+              <a:rPr lang="it-IT" dirty="0" err="1"/>
+              <a:t>all</a:t>
+            </a:r>
+            <a:r>
+              <a:rPr lang="it-IT" dirty="0"/>
+              <a:t> the 4 </a:t>
+            </a:r>
+            <a:r>
+              <a:rPr lang="it-IT" dirty="0" err="1"/>
+              <a:t>combinations</a:t>
+            </a:r>
+            <a:r>
+              <a:rPr lang="it-IT" dirty="0"/>
+              <a:t> of </a:t>
+            </a:r>
+            <a:r>
+              <a:rPr lang="it-IT" dirty="0" err="1"/>
+              <a:t>indices</a:t>
+            </a:r>
+            <a:r>
+              <a:rPr lang="it-IT" dirty="0"/>
+              <a:t>.</a:t>
+            </a:r>
+          </a:p>
+          <a:p>
+            <a:pPr marL="0" indent="0">
+              <a:buNone/>
+            </a:pPr>
+            <a:r>
+              <a:rPr lang="it-IT" dirty="0" err="1"/>
+              <a:t>Remember</a:t>
+            </a:r>
+            <a:r>
+              <a:rPr lang="it-IT" dirty="0"/>
+              <a:t> to </a:t>
+            </a:r>
+            <a:r>
+              <a:rPr lang="it-IT" dirty="0" err="1"/>
+              <a:t>backtrack</a:t>
+            </a:r>
+            <a:r>
+              <a:rPr lang="it-IT" dirty="0"/>
+              <a:t> the i1,j1 </a:t>
+            </a:r>
+            <a:r>
+              <a:rPr lang="it-IT" dirty="0" err="1"/>
+              <a:t>cell</a:t>
+            </a:r>
+            <a:r>
+              <a:rPr lang="it-IT" dirty="0"/>
+              <a:t>.</a:t>
+            </a:r>
+          </a:p>
+          <a:p>
+            <a:pPr marL="0" indent="0">
+              <a:buNone/>
+            </a:pPr>
+            <a:r>
+              <a:rPr lang="it-IT" dirty="0" err="1"/>
+              <a:t>Add</a:t>
+            </a:r>
+            <a:r>
+              <a:rPr lang="it-IT" dirty="0"/>
+              <a:t> </a:t>
+            </a:r>
+            <a:r>
+              <a:rPr lang="it-IT" dirty="0" err="1"/>
+              <a:t>at</a:t>
+            </a:r>
+            <a:r>
+              <a:rPr lang="it-IT" dirty="0"/>
+              <a:t> the end the i2, j2 </a:t>
+            </a:r>
+            <a:r>
+              <a:rPr lang="it-IT" dirty="0" err="1"/>
+              <a:t>cell</a:t>
+            </a:r>
+            <a:r>
+              <a:rPr lang="it-IT" dirty="0"/>
+              <a:t>.</a:t>
+            </a:r>
+          </a:p>
+          <a:p>
+            <a:pPr marL="0" indent="0">
+              <a:buNone/>
+            </a:pPr>
+            <a:r>
+              <a:rPr lang="it-IT" u="sng" dirty="0" err="1"/>
+              <a:t>Trick</a:t>
+            </a:r>
+            <a:r>
+              <a:rPr lang="it-IT" dirty="0"/>
+              <a:t>: </a:t>
+            </a:r>
+            <a:r>
+              <a:rPr lang="it-IT" dirty="0" err="1"/>
+              <a:t>next</a:t>
+            </a:r>
+            <a:r>
+              <a:rPr lang="it-IT" dirty="0"/>
+              <a:t> </a:t>
+            </a:r>
+            <a:r>
+              <a:rPr lang="it-IT" dirty="0" err="1"/>
+              <a:t>move</a:t>
+            </a:r>
+            <a:r>
+              <a:rPr lang="it-IT" dirty="0"/>
+              <a:t> </a:t>
+            </a:r>
+            <a:r>
+              <a:rPr lang="it-IT" dirty="0" err="1"/>
+              <a:t>is</a:t>
+            </a:r>
+            <a:r>
+              <a:rPr lang="it-IT" dirty="0"/>
+              <a:t> </a:t>
+            </a:r>
+            <a:r>
+              <a:rPr lang="it-IT" dirty="0" err="1"/>
+              <a:t>always</a:t>
+            </a:r>
+            <a:r>
+              <a:rPr lang="it-IT" dirty="0"/>
+              <a:t> to the </a:t>
+            </a:r>
+            <a:r>
+              <a:rPr lang="it-IT" dirty="0" err="1"/>
+              <a:t>next</a:t>
+            </a:r>
+            <a:r>
+              <a:rPr lang="it-IT" dirty="0"/>
+              <a:t> </a:t>
+            </a:r>
+            <a:r>
+              <a:rPr lang="it-IT" dirty="0" err="1"/>
+              <a:t>diagonal</a:t>
+            </a:r>
+            <a:r>
+              <a:rPr lang="it-IT" dirty="0"/>
+              <a:t> =&gt; </a:t>
+            </a:r>
+            <a:r>
+              <a:rPr lang="it-IT" dirty="0" err="1"/>
+              <a:t>space</a:t>
+            </a:r>
+            <a:r>
+              <a:rPr lang="it-IT" dirty="0"/>
+              <a:t> (i1,i2,j1,j2) </a:t>
+            </a:r>
+            <a:r>
+              <a:rPr lang="it-IT" dirty="0" err="1"/>
+              <a:t>could</a:t>
+            </a:r>
+            <a:r>
+              <a:rPr lang="it-IT" dirty="0"/>
+              <a:t> be </a:t>
+            </a:r>
+            <a:r>
+              <a:rPr lang="it-IT" dirty="0" err="1"/>
+              <a:t>reduced</a:t>
+            </a:r>
+            <a:r>
+              <a:rPr lang="it-IT" dirty="0"/>
+              <a:t> to (i1,i2,diag) (n*n*(2*n-1)).</a:t>
+            </a:r>
+          </a:p>
+          <a:p>
+            <a:pPr marL="0" indent="0">
+              <a:buNone/>
+            </a:pPr>
+            <a:r>
+              <a:rPr lang="it-IT" dirty="0"/>
+              <a:t>j1 = </a:t>
+            </a:r>
+            <a:r>
+              <a:rPr lang="it-IT" dirty="0" err="1"/>
+              <a:t>diag</a:t>
+            </a:r>
+            <a:r>
+              <a:rPr lang="it-IT" dirty="0"/>
+              <a:t> – i1, j2 = </a:t>
+            </a:r>
+            <a:r>
+              <a:rPr lang="it-IT" dirty="0" err="1"/>
+              <a:t>diag</a:t>
+            </a:r>
+            <a:r>
+              <a:rPr lang="it-IT" dirty="0"/>
+              <a:t> – i2</a:t>
+            </a:r>
+          </a:p>
+          <a:p>
+            <a:r>
+              <a:rPr lang="it-IT" dirty="0"/>
+              <a:t>Take home</a:t>
+            </a:r>
+          </a:p>
+          <a:p>
+            <a:pPr marL="0" indent="0">
+              <a:buNone/>
+            </a:pPr>
+            <a:r>
+              <a:rPr lang="it-IT" dirty="0"/>
+              <a:t>Always </a:t>
+            </a:r>
+            <a:r>
+              <a:rPr lang="it-IT" dirty="0" err="1"/>
+              <a:t>try</a:t>
+            </a:r>
+            <a:r>
+              <a:rPr lang="it-IT" dirty="0"/>
+              <a:t> to reduce the </a:t>
+            </a:r>
+            <a:r>
+              <a:rPr lang="it-IT" dirty="0" err="1"/>
+              <a:t>dimension</a:t>
+            </a:r>
+            <a:r>
+              <a:rPr lang="it-IT" dirty="0"/>
+              <a:t> of the state to the </a:t>
+            </a:r>
+            <a:r>
+              <a:rPr lang="it-IT" dirty="0" err="1"/>
+              <a:t>strictly</a:t>
+            </a:r>
+            <a:r>
+              <a:rPr lang="it-IT" dirty="0"/>
+              <a:t> </a:t>
+            </a:r>
+            <a:r>
+              <a:rPr lang="it-IT" dirty="0" err="1"/>
+              <a:t>necessary</a:t>
+            </a:r>
+            <a:r>
+              <a:rPr lang="it-IT" dirty="0"/>
+              <a:t>.</a:t>
+            </a:r>
+          </a:p>
+          <a:p>
+            <a:pPr marL="0" indent="0">
+              <a:buNone/>
+            </a:pPr>
+            <a:r>
+              <a:rPr lang="it-IT" dirty="0" err="1"/>
+              <a:t>Naive</a:t>
+            </a:r>
+            <a:r>
+              <a:rPr lang="it-IT" dirty="0"/>
+              <a:t> DP </a:t>
+            </a:r>
+            <a:r>
+              <a:rPr lang="it-IT" dirty="0" err="1"/>
+              <a:t>may</a:t>
+            </a:r>
+            <a:r>
+              <a:rPr lang="it-IT" dirty="0"/>
+              <a:t> </a:t>
+            </a:r>
+            <a:r>
+              <a:rPr lang="it-IT" dirty="0" err="1"/>
+              <a:t>not</a:t>
+            </a:r>
+            <a:r>
+              <a:rPr lang="it-IT" dirty="0"/>
+              <a:t> </a:t>
+            </a:r>
+            <a:r>
+              <a:rPr lang="it-IT" dirty="0" err="1"/>
+              <a:t>always</a:t>
+            </a:r>
+            <a:r>
+              <a:rPr lang="it-IT" dirty="0"/>
+              <a:t> be </a:t>
+            </a:r>
+            <a:r>
+              <a:rPr lang="it-IT" dirty="0" err="1"/>
+              <a:t>sufficient</a:t>
+            </a:r>
+            <a:r>
+              <a:rPr lang="it-IT" dirty="0"/>
+              <a:t>.</a:t>
+            </a:r>
+          </a:p>
+        </p:txBody>
+      </p:sp>
+    </p:spTree>
+    <p:extLst>
+      <p:ext uri="{BB962C8B-B14F-4D97-AF65-F5344CB8AC3E}">
+        <p14:creationId xmlns:p14="http://schemas.microsoft.com/office/powerpoint/2010/main" val="1696623738"/>
+      </p:ext>
+    </p:extLst>
+  </p:cSld>
+  <p:clrMapOvr>
+    <a:masterClrMapping/>
+  </p:clrMapOvr>
+</p:sld>
+</file>
+
+<file path=ppt/slides/slide45.xml><?xml version="1.0" encoding="utf-8"?>
+<p:sld xmlns:a="http://schemas.openxmlformats.org/drawingml/2006/main" xmlns:r="http://schemas.openxmlformats.org/officeDocument/2006/relationships" xmlns:p="http://schemas.openxmlformats.org/presentationml/2006/main">
+  <p:cSld>
+    <p:spTree>
+      <p:nvGrpSpPr>
+        <p:cNvPr id="1" name=""/>
+        <p:cNvGrpSpPr/>
+        <p:nvPr/>
+      </p:nvGrpSpPr>
+      <p:grpSpPr>
+        <a:xfrm>
+          <a:off x="0" y="0"/>
+          <a:ext cx="0" cy="0"/>
+          <a:chOff x="0" y="0"/>
+          <a:chExt cx="0" cy="0"/>
+        </a:xfrm>
+      </p:grpSpPr>
+      <p:sp>
+        <p:nvSpPr>
+          <p:cNvPr id="6" name="Titolo 5">
+            <a:extLst>
+              <a:ext uri="{FF2B5EF4-FFF2-40B4-BE49-F238E27FC236}">
+                <a16:creationId xmlns:a16="http://schemas.microsoft.com/office/drawing/2014/main" id="{328C170E-AA68-4AED-AE2D-6863D73C73E9}"/>
+              </a:ext>
+            </a:extLst>
+          </p:cNvPr>
+          <p:cNvSpPr>
+            <a:spLocks noGrp="1"/>
+          </p:cNvSpPr>
+          <p:nvPr>
+            <p:ph type="title"/>
+          </p:nvPr>
+        </p:nvSpPr>
+        <p:spPr/>
+        <p:txBody>
+          <a:bodyPr/>
+          <a:lstStyle/>
+          <a:p>
+            <a:r>
+              <a:rPr lang="it-IT" dirty="0"/>
               <a:t>Week 13: </a:t>
             </a:r>
             <a:r>
@@ -25670,7 +29518,7 @@
 </p:sld>
 </file>
 
-<file path=ppt/slides/slide41.xml><?xml version="1.0" encoding="utf-8"?>
+<file path=ppt/slides/slide46.xml><?xml version="1.0" encoding="utf-8"?>
 <p:sld xmlns:a="http://schemas.openxmlformats.org/drawingml/2006/main" xmlns:r="http://schemas.openxmlformats.org/officeDocument/2006/relationships" xmlns:p="http://schemas.openxmlformats.org/presentationml/2006/main">
   <p:cSld>
     <p:spTree>
@@ -26412,7 +30260,7 @@
 </p:sld>
 </file>
 
-<file path=ppt/slides/slide42.xml><?xml version="1.0" encoding="utf-8"?>
+<file path=ppt/slides/slide47.xml><?xml version="1.0" encoding="utf-8"?>
 <p:sld xmlns:a="http://schemas.openxmlformats.org/drawingml/2006/main" xmlns:r="http://schemas.openxmlformats.org/officeDocument/2006/relationships" xmlns:p="http://schemas.openxmlformats.org/presentationml/2006/main">
   <p:cSld>
     <p:spTree>
@@ -26585,7 +30433,15 @@
             </a:r>
             <a:r>
               <a:rPr lang="it-IT" dirty="0"/>
-              <a:t> beverages.</a:t>
+              <a:t> </a:t>
+            </a:r>
+            <a:r>
+              <a:rPr lang="it-IT" dirty="0" err="1"/>
+              <a:t>elements</a:t>
+            </a:r>
+            <a:r>
+              <a:rPr lang="it-IT" dirty="0"/>
+              <a:t>.</a:t>
             </a:r>
           </a:p>
           <a:p>
@@ -26759,7 +30615,7 @@
 </p:sld>
 </file>
 
-<file path=ppt/slides/slide43.xml><?xml version="1.0" encoding="utf-8"?>
+<file path=ppt/slides/slide48.xml><?xml version="1.0" encoding="utf-8"?>
 <p:sld xmlns:a="http://schemas.openxmlformats.org/drawingml/2006/main" xmlns:r="http://schemas.openxmlformats.org/officeDocument/2006/relationships" xmlns:p="http://schemas.openxmlformats.org/presentationml/2006/main">
   <p:cSld>
     <p:spTree>
